--- a/slides/07-JavaReflection.pptx
+++ b/slides/07-JavaReflection.pptx
@@ -5,7 +5,7 @@
     <p:sldMasterId id="2147483696" r:id="rId1"/>
   </p:sldMasterIdLst>
   <p:notesMasterIdLst>
-    <p:notesMasterId r:id="rId13"/>
+    <p:notesMasterId r:id="rId16"/>
   </p:notesMasterIdLst>
   <p:sldIdLst>
     <p:sldId id="256" r:id="rId2"/>
@@ -19,6 +19,9 @@
     <p:sldId id="273" r:id="rId10"/>
     <p:sldId id="275" r:id="rId11"/>
     <p:sldId id="276" r:id="rId12"/>
+    <p:sldId id="277" r:id="rId13"/>
+    <p:sldId id="280" r:id="rId14"/>
+    <p:sldId id="278" r:id="rId15"/>
   </p:sldIdLst>
   <p:sldSz cx="12192000" cy="6858000"/>
   <p:notesSz cx="6858000" cy="9144000"/>
@@ -4941,7 +4944,15 @@
           <a:p>
             <a:r>
               <a:rPr lang="en-US" dirty="0"/>
-              <a:t>Reflection</a:t>
+              <a:t>Reflection - </a:t>
+            </a:r>
+            <a:r>
+              <a:rPr lang="en-US" dirty="0">
+                <a:latin typeface="Menlo" panose="020B0609030804020204" pitchFamily="49" charset="0"/>
+                <a:ea typeface="Menlo" panose="020B0609030804020204" pitchFamily="49" charset="0"/>
+                <a:cs typeface="Menlo" panose="020B0609030804020204" pitchFamily="49" charset="0"/>
+              </a:rPr>
+              <a:t>Class</a:t>
             </a:r>
           </a:p>
         </p:txBody>
@@ -4962,12 +4973,294 @@
             <p:ph idx="1"/>
           </p:nvPr>
         </p:nvSpPr>
-        <p:spPr/>
+        <p:spPr>
+          <a:xfrm>
+            <a:off x="1371600" y="1701209"/>
+            <a:ext cx="9601200" cy="4774019"/>
+          </a:xfrm>
+        </p:spPr>
         <p:txBody>
-          <a:bodyPr/>
+          <a:bodyPr>
+            <a:normAutofit fontScale="92500" lnSpcReduction="20000"/>
+          </a:bodyPr>
           <a:lstStyle/>
           <a:p>
-            <a:endParaRPr lang="en-US"/>
+            <a:r>
+              <a:rPr lang="en-US" dirty="0"/>
+              <a:t>You may have already used some:</a:t>
+            </a:r>
+          </a:p>
+          <a:p>
+            <a:pPr lvl="1"/>
+            <a:r>
+              <a:rPr lang="en-US" dirty="0"/>
+              <a:t>in equals(Object o) method, need to check</a:t>
+            </a:r>
+          </a:p>
+          <a:p>
+            <a:pPr lvl="2"/>
+            <a:r>
+              <a:rPr lang="en-US" dirty="0">
+                <a:latin typeface="Menlo" panose="020B0609030804020204" pitchFamily="49" charset="0"/>
+                <a:ea typeface="Menlo" panose="020B0609030804020204" pitchFamily="49" charset="0"/>
+                <a:cs typeface="Menlo" panose="020B0609030804020204" pitchFamily="49" charset="0"/>
+              </a:rPr>
+              <a:t>o </a:t>
+            </a:r>
+            <a:r>
+              <a:rPr lang="en-US" i="1" dirty="0" err="1">
+                <a:latin typeface="Menlo" panose="020B0609030804020204" pitchFamily="49" charset="0"/>
+                <a:ea typeface="Menlo" panose="020B0609030804020204" pitchFamily="49" charset="0"/>
+                <a:cs typeface="Menlo" panose="020B0609030804020204" pitchFamily="49" charset="0"/>
+              </a:rPr>
+              <a:t>instanceof</a:t>
+            </a:r>
+            <a:r>
+              <a:rPr lang="en-US" dirty="0">
+                <a:latin typeface="Menlo" panose="020B0609030804020204" pitchFamily="49" charset="0"/>
+                <a:ea typeface="Menlo" panose="020B0609030804020204" pitchFamily="49" charset="0"/>
+                <a:cs typeface="Menlo" panose="020B0609030804020204" pitchFamily="49" charset="0"/>
+              </a:rPr>
+              <a:t> Class</a:t>
+            </a:r>
+            <a:r>
+              <a:rPr lang="en-US" dirty="0"/>
+              <a:t>, OR</a:t>
+            </a:r>
+          </a:p>
+          <a:p>
+            <a:pPr lvl="2"/>
+            <a:r>
+              <a:rPr lang="en-US" dirty="0" err="1">
+                <a:latin typeface="Menlo" panose="020B0609030804020204" pitchFamily="49" charset="0"/>
+                <a:ea typeface="Menlo" panose="020B0609030804020204" pitchFamily="49" charset="0"/>
+                <a:cs typeface="Menlo" panose="020B0609030804020204" pitchFamily="49" charset="0"/>
+              </a:rPr>
+              <a:t>o.getClass</a:t>
+            </a:r>
+            <a:r>
+              <a:rPr lang="en-US" dirty="0">
+                <a:latin typeface="Menlo" panose="020B0609030804020204" pitchFamily="49" charset="0"/>
+                <a:ea typeface="Menlo" panose="020B0609030804020204" pitchFamily="49" charset="0"/>
+                <a:cs typeface="Menlo" panose="020B0609030804020204" pitchFamily="49" charset="0"/>
+              </a:rPr>
+              <a:t>().equals(</a:t>
+            </a:r>
+            <a:r>
+              <a:rPr lang="en-US" dirty="0" err="1">
+                <a:latin typeface="Menlo" panose="020B0609030804020204" pitchFamily="49" charset="0"/>
+                <a:ea typeface="Menlo" panose="020B0609030804020204" pitchFamily="49" charset="0"/>
+                <a:cs typeface="Menlo" panose="020B0609030804020204" pitchFamily="49" charset="0"/>
+              </a:rPr>
+              <a:t>this.getClass</a:t>
+            </a:r>
+            <a:r>
+              <a:rPr lang="en-US" dirty="0">
+                <a:latin typeface="Menlo" panose="020B0609030804020204" pitchFamily="49" charset="0"/>
+                <a:ea typeface="Menlo" panose="020B0609030804020204" pitchFamily="49" charset="0"/>
+                <a:cs typeface="Menlo" panose="020B0609030804020204" pitchFamily="49" charset="0"/>
+              </a:rPr>
+              <a:t>())</a:t>
+            </a:r>
+          </a:p>
+          <a:p>
+            <a:pPr lvl="1"/>
+            <a:r>
+              <a:rPr lang="en-US" dirty="0">
+                <a:ea typeface="Menlo" panose="020B0609030804020204" pitchFamily="49" charset="0"/>
+                <a:cs typeface="Menlo" panose="020B0609030804020204" pitchFamily="49" charset="0"/>
+              </a:rPr>
+              <a:t>this is reflection</a:t>
+            </a:r>
+          </a:p>
+          <a:p>
+            <a:pPr lvl="2"/>
+            <a:r>
+              <a:rPr lang="en-US" dirty="0">
+                <a:ea typeface="Menlo" panose="020B0609030804020204" pitchFamily="49" charset="0"/>
+                <a:cs typeface="Menlo" panose="020B0609030804020204" pitchFamily="49" charset="0"/>
+              </a:rPr>
+              <a:t>introspecting the type of the Object</a:t>
+            </a:r>
+          </a:p>
+          <a:p>
+            <a:r>
+              <a:rPr lang="en-US" dirty="0">
+                <a:ea typeface="Menlo" panose="020B0609030804020204" pitchFamily="49" charset="0"/>
+                <a:cs typeface="Menlo" panose="020B0609030804020204" pitchFamily="49" charset="0"/>
+              </a:rPr>
+              <a:t>There is more that you can do with the Class class:</a:t>
+            </a:r>
+          </a:p>
+          <a:p>
+            <a:pPr lvl="1"/>
+            <a:r>
+              <a:rPr lang="en-US" dirty="0">
+                <a:ea typeface="Menlo" panose="020B0609030804020204" pitchFamily="49" charset="0"/>
+                <a:cs typeface="Menlo" panose="020B0609030804020204" pitchFamily="49" charset="0"/>
+              </a:rPr>
+              <a:t>We already saw </a:t>
+            </a:r>
+            <a:r>
+              <a:rPr lang="en-US" dirty="0" err="1">
+                <a:latin typeface="Menlo" panose="020B0609030804020204" pitchFamily="49" charset="0"/>
+                <a:ea typeface="Menlo" panose="020B0609030804020204" pitchFamily="49" charset="0"/>
+                <a:cs typeface="Menlo" panose="020B0609030804020204" pitchFamily="49" charset="0"/>
+              </a:rPr>
+              <a:t>getEnclosingMethod</a:t>
+            </a:r>
+            <a:r>
+              <a:rPr lang="en-US" dirty="0">
+                <a:latin typeface="Menlo" panose="020B0609030804020204" pitchFamily="49" charset="0"/>
+                <a:ea typeface="Menlo" panose="020B0609030804020204" pitchFamily="49" charset="0"/>
+                <a:cs typeface="Menlo" panose="020B0609030804020204" pitchFamily="49" charset="0"/>
+              </a:rPr>
+              <a:t>()</a:t>
+            </a:r>
+          </a:p>
+          <a:p>
+            <a:pPr lvl="2"/>
+            <a:r>
+              <a:rPr lang="en-US" dirty="0">
+                <a:ea typeface="Menlo" panose="020B0609030804020204" pitchFamily="49" charset="0"/>
+                <a:cs typeface="Menlo" panose="020B0609030804020204" pitchFamily="49" charset="0"/>
+              </a:rPr>
+              <a:t>if the class has been defined within a method,</a:t>
+            </a:r>
+          </a:p>
+          <a:p>
+            <a:pPr lvl="3"/>
+            <a:r>
+              <a:rPr lang="en-US" dirty="0">
+                <a:ea typeface="Menlo" panose="020B0609030804020204" pitchFamily="49" charset="0"/>
+                <a:cs typeface="Menlo" panose="020B0609030804020204" pitchFamily="49" charset="0"/>
+              </a:rPr>
+              <a:t>will return </a:t>
+            </a:r>
+            <a:r>
+              <a:rPr lang="en-US" dirty="0">
+                <a:latin typeface="Menlo" panose="020B0609030804020204" pitchFamily="49" charset="0"/>
+                <a:ea typeface="Menlo" panose="020B0609030804020204" pitchFamily="49" charset="0"/>
+                <a:cs typeface="Menlo" panose="020B0609030804020204" pitchFamily="49" charset="0"/>
+              </a:rPr>
+              <a:t>Method</a:t>
+            </a:r>
+            <a:r>
+              <a:rPr lang="en-US" dirty="0">
+                <a:ea typeface="Menlo" panose="020B0609030804020204" pitchFamily="49" charset="0"/>
+                <a:cs typeface="Menlo" panose="020B0609030804020204" pitchFamily="49" charset="0"/>
+              </a:rPr>
+              <a:t> object representing that method</a:t>
+            </a:r>
+          </a:p>
+          <a:p>
+            <a:pPr lvl="1"/>
+            <a:r>
+              <a:rPr lang="en-US" dirty="0">
+                <a:ea typeface="Menlo" panose="020B0609030804020204" pitchFamily="49" charset="0"/>
+                <a:cs typeface="Menlo" panose="020B0609030804020204" pitchFamily="49" charset="0"/>
+              </a:rPr>
+              <a:t>There’s also </a:t>
+            </a:r>
+          </a:p>
+          <a:p>
+            <a:pPr lvl="2"/>
+            <a:r>
+              <a:rPr lang="en-US" dirty="0">
+                <a:latin typeface="Menlo" panose="020B0609030804020204" pitchFamily="49" charset="0"/>
+                <a:ea typeface="Menlo" panose="020B0609030804020204" pitchFamily="49" charset="0"/>
+                <a:cs typeface="Menlo" panose="020B0609030804020204" pitchFamily="49" charset="0"/>
+              </a:rPr>
+              <a:t>.</a:t>
+            </a:r>
+            <a:r>
+              <a:rPr lang="en-US" dirty="0" err="1">
+                <a:latin typeface="Menlo" panose="020B0609030804020204" pitchFamily="49" charset="0"/>
+                <a:ea typeface="Menlo" panose="020B0609030804020204" pitchFamily="49" charset="0"/>
+                <a:cs typeface="Menlo" panose="020B0609030804020204" pitchFamily="49" charset="0"/>
+              </a:rPr>
+              <a:t>getConstructors</a:t>
+            </a:r>
+            <a:r>
+              <a:rPr lang="en-US" dirty="0">
+                <a:latin typeface="Menlo" panose="020B0609030804020204" pitchFamily="49" charset="0"/>
+                <a:ea typeface="Menlo" panose="020B0609030804020204" pitchFamily="49" charset="0"/>
+                <a:cs typeface="Menlo" panose="020B0609030804020204" pitchFamily="49" charset="0"/>
+              </a:rPr>
+              <a:t>()</a:t>
+            </a:r>
+          </a:p>
+          <a:p>
+            <a:pPr lvl="2"/>
+            <a:r>
+              <a:rPr lang="en-US" dirty="0">
+                <a:latin typeface="Menlo" panose="020B0609030804020204" pitchFamily="49" charset="0"/>
+                <a:ea typeface="Menlo" panose="020B0609030804020204" pitchFamily="49" charset="0"/>
+                <a:cs typeface="Menlo" panose="020B0609030804020204" pitchFamily="49" charset="0"/>
+              </a:rPr>
+              <a:t>.</a:t>
+            </a:r>
+            <a:r>
+              <a:rPr lang="en-US" dirty="0" err="1">
+                <a:latin typeface="Menlo" panose="020B0609030804020204" pitchFamily="49" charset="0"/>
+                <a:ea typeface="Menlo" panose="020B0609030804020204" pitchFamily="49" charset="0"/>
+                <a:cs typeface="Menlo" panose="020B0609030804020204" pitchFamily="49" charset="0"/>
+              </a:rPr>
+              <a:t>getDeclaredMethods</a:t>
+            </a:r>
+            <a:r>
+              <a:rPr lang="en-US" dirty="0">
+                <a:latin typeface="Menlo" panose="020B0609030804020204" pitchFamily="49" charset="0"/>
+                <a:ea typeface="Menlo" panose="020B0609030804020204" pitchFamily="49" charset="0"/>
+                <a:cs typeface="Menlo" panose="020B0609030804020204" pitchFamily="49" charset="0"/>
+              </a:rPr>
+              <a:t>()</a:t>
+            </a:r>
+          </a:p>
+          <a:p>
+            <a:pPr lvl="2"/>
+            <a:r>
+              <a:rPr lang="en-US" dirty="0">
+                <a:latin typeface="Menlo" panose="020B0609030804020204" pitchFamily="49" charset="0"/>
+                <a:ea typeface="Menlo" panose="020B0609030804020204" pitchFamily="49" charset="0"/>
+                <a:cs typeface="Menlo" panose="020B0609030804020204" pitchFamily="49" charset="0"/>
+              </a:rPr>
+              <a:t>.</a:t>
+            </a:r>
+            <a:r>
+              <a:rPr lang="en-US" dirty="0" err="1">
+                <a:latin typeface="Menlo" panose="020B0609030804020204" pitchFamily="49" charset="0"/>
+                <a:ea typeface="Menlo" panose="020B0609030804020204" pitchFamily="49" charset="0"/>
+                <a:cs typeface="Menlo" panose="020B0609030804020204" pitchFamily="49" charset="0"/>
+              </a:rPr>
+              <a:t>getDeclaredFields</a:t>
+            </a:r>
+            <a:r>
+              <a:rPr lang="en-US" dirty="0">
+                <a:latin typeface="Menlo" panose="020B0609030804020204" pitchFamily="49" charset="0"/>
+                <a:ea typeface="Menlo" panose="020B0609030804020204" pitchFamily="49" charset="0"/>
+                <a:cs typeface="Menlo" panose="020B0609030804020204" pitchFamily="49" charset="0"/>
+              </a:rPr>
+              <a:t>()</a:t>
+            </a:r>
+          </a:p>
+          <a:p>
+            <a:pPr lvl="2"/>
+            <a:r>
+              <a:rPr lang="en-US" dirty="0">
+                <a:latin typeface="Menlo" panose="020B0609030804020204" pitchFamily="49" charset="0"/>
+                <a:ea typeface="Menlo" panose="020B0609030804020204" pitchFamily="49" charset="0"/>
+                <a:cs typeface="Menlo" panose="020B0609030804020204" pitchFamily="49" charset="0"/>
+              </a:rPr>
+              <a:t>etc.</a:t>
+            </a:r>
+          </a:p>
+          <a:p>
+            <a:pPr lvl="1"/>
+            <a:endParaRPr lang="en-US" dirty="0">
+              <a:ea typeface="Menlo" panose="020B0609030804020204" pitchFamily="49" charset="0"/>
+              <a:cs typeface="Menlo" panose="020B0609030804020204" pitchFamily="49" charset="0"/>
+            </a:endParaRPr>
           </a:p>
         </p:txBody>
       </p:sp>
@@ -4975,6 +5268,706 @@
     <p:extLst>
       <p:ext uri="{BB962C8B-B14F-4D97-AF65-F5344CB8AC3E}">
         <p14:creationId xmlns:p14="http://schemas.microsoft.com/office/powerpoint/2010/main" val="1155111498"/>
+      </p:ext>
+    </p:extLst>
+  </p:cSld>
+  <p:clrMapOvr>
+    <a:masterClrMapping/>
+  </p:clrMapOvr>
+</p:sld>
+</file>
+
+<file path=ppt/slides/slide12.xml><?xml version="1.0" encoding="utf-8"?>
+<p:sld xmlns:a="http://schemas.openxmlformats.org/drawingml/2006/main" xmlns:r="http://schemas.openxmlformats.org/officeDocument/2006/relationships" xmlns:p="http://schemas.openxmlformats.org/presentationml/2006/main">
+  <p:cSld>
+    <p:spTree>
+      <p:nvGrpSpPr>
+        <p:cNvPr id="1" name=""/>
+        <p:cNvGrpSpPr/>
+        <p:nvPr/>
+      </p:nvGrpSpPr>
+      <p:grpSpPr>
+        <a:xfrm>
+          <a:off x="0" y="0"/>
+          <a:ext cx="0" cy="0"/>
+          <a:chOff x="0" y="0"/>
+          <a:chExt cx="0" cy="0"/>
+        </a:xfrm>
+      </p:grpSpPr>
+      <p:sp>
+        <p:nvSpPr>
+          <p:cNvPr id="2" name="Title 1">
+            <a:extLst>
+              <a:ext uri="{FF2B5EF4-FFF2-40B4-BE49-F238E27FC236}">
+                <a16:creationId xmlns:a16="http://schemas.microsoft.com/office/drawing/2014/main" id="{B2F98FAA-8EB1-1841-835F-4AAA11CD5E39}"/>
+              </a:ext>
+            </a:extLst>
+          </p:cNvPr>
+          <p:cNvSpPr>
+            <a:spLocks noGrp="1"/>
+          </p:cNvSpPr>
+          <p:nvPr>
+            <p:ph type="title"/>
+          </p:nvPr>
+        </p:nvSpPr>
+        <p:spPr/>
+        <p:txBody>
+          <a:bodyPr/>
+          <a:lstStyle/>
+          <a:p>
+            <a:r>
+              <a:rPr lang="en-US" dirty="0"/>
+              <a:t>Reflection - </a:t>
+            </a:r>
+            <a:r>
+              <a:rPr lang="en-US" dirty="0">
+                <a:latin typeface="Menlo" panose="020B0609030804020204" pitchFamily="49" charset="0"/>
+                <a:ea typeface="Menlo" panose="020B0609030804020204" pitchFamily="49" charset="0"/>
+                <a:cs typeface="Menlo" panose="020B0609030804020204" pitchFamily="49" charset="0"/>
+              </a:rPr>
+              <a:t>Method</a:t>
+            </a:r>
+          </a:p>
+        </p:txBody>
+      </p:sp>
+      <p:sp>
+        <p:nvSpPr>
+          <p:cNvPr id="3" name="Content Placeholder 2">
+            <a:extLst>
+              <a:ext uri="{FF2B5EF4-FFF2-40B4-BE49-F238E27FC236}">
+                <a16:creationId xmlns:a16="http://schemas.microsoft.com/office/drawing/2014/main" id="{A1DFE549-88B5-6E42-8527-EE22EB89C898}"/>
+              </a:ext>
+            </a:extLst>
+          </p:cNvPr>
+          <p:cNvSpPr>
+            <a:spLocks noGrp="1"/>
+          </p:cNvSpPr>
+          <p:nvPr>
+            <p:ph idx="1"/>
+          </p:nvPr>
+        </p:nvSpPr>
+        <p:spPr>
+          <a:xfrm>
+            <a:off x="1371599" y="1701209"/>
+            <a:ext cx="10451805" cy="4774019"/>
+          </a:xfrm>
+        </p:spPr>
+        <p:txBody>
+          <a:bodyPr>
+            <a:normAutofit/>
+          </a:bodyPr>
+          <a:lstStyle/>
+          <a:p>
+            <a:r>
+              <a:rPr lang="en-US" dirty="0"/>
+              <a:t>We just saw that </a:t>
+            </a:r>
+            <a:r>
+              <a:rPr lang="en-US" dirty="0" err="1">
+                <a:latin typeface="Menlo" panose="020B0609030804020204" pitchFamily="49" charset="0"/>
+                <a:ea typeface="Menlo" panose="020B0609030804020204" pitchFamily="49" charset="0"/>
+                <a:cs typeface="Menlo" panose="020B0609030804020204" pitchFamily="49" charset="0"/>
+              </a:rPr>
+              <a:t>Class.getEnclosingMethod</a:t>
+            </a:r>
+            <a:r>
+              <a:rPr lang="en-US" dirty="0">
+                <a:ea typeface="Menlo" panose="020B0609030804020204" pitchFamily="49" charset="0"/>
+                <a:cs typeface="Menlo" panose="020B0609030804020204" pitchFamily="49" charset="0"/>
+              </a:rPr>
+              <a:t> </a:t>
+            </a:r>
+            <a:r>
+              <a:rPr lang="en-US" dirty="0"/>
+              <a:t>returns type </a:t>
+            </a:r>
+            <a:r>
+              <a:rPr lang="en-US" dirty="0">
+                <a:latin typeface="Menlo" panose="020B0609030804020204" pitchFamily="49" charset="0"/>
+                <a:ea typeface="Menlo" panose="020B0609030804020204" pitchFamily="49" charset="0"/>
+                <a:cs typeface="Menlo" panose="020B0609030804020204" pitchFamily="49" charset="0"/>
+              </a:rPr>
+              <a:t>Method</a:t>
+            </a:r>
+          </a:p>
+          <a:p>
+            <a:pPr lvl="1"/>
+            <a:r>
+              <a:rPr lang="en-US" dirty="0" err="1">
+                <a:latin typeface="Menlo" panose="020B0609030804020204" pitchFamily="49" charset="0"/>
+                <a:ea typeface="Menlo" panose="020B0609030804020204" pitchFamily="49" charset="0"/>
+                <a:cs typeface="Menlo" panose="020B0609030804020204" pitchFamily="49" charset="0"/>
+              </a:rPr>
+              <a:t>getDeclaredMethods</a:t>
+            </a:r>
+            <a:r>
+              <a:rPr lang="en-US" dirty="0">
+                <a:latin typeface="Menlo" panose="020B0609030804020204" pitchFamily="49" charset="0"/>
+                <a:ea typeface="Menlo" panose="020B0609030804020204" pitchFamily="49" charset="0"/>
+                <a:cs typeface="Menlo" panose="020B0609030804020204" pitchFamily="49" charset="0"/>
+              </a:rPr>
+              <a:t>() </a:t>
+            </a:r>
+            <a:r>
+              <a:rPr lang="en-US" dirty="0">
+                <a:ea typeface="Menlo" panose="020B0609030804020204" pitchFamily="49" charset="0"/>
+                <a:cs typeface="Menlo" panose="020B0609030804020204" pitchFamily="49" charset="0"/>
+              </a:rPr>
+              <a:t>returns an array of </a:t>
+            </a:r>
+            <a:r>
+              <a:rPr lang="en-US" dirty="0">
+                <a:latin typeface="Menlo" panose="020B0609030804020204" pitchFamily="49" charset="0"/>
+                <a:ea typeface="Menlo" panose="020B0609030804020204" pitchFamily="49" charset="0"/>
+                <a:cs typeface="Menlo" panose="020B0609030804020204" pitchFamily="49" charset="0"/>
+              </a:rPr>
+              <a:t>Method</a:t>
+            </a:r>
+            <a:r>
+              <a:rPr lang="en-US" dirty="0">
+                <a:ea typeface="Menlo" panose="020B0609030804020204" pitchFamily="49" charset="0"/>
+                <a:cs typeface="Menlo" panose="020B0609030804020204" pitchFamily="49" charset="0"/>
+              </a:rPr>
+              <a:t> objects</a:t>
+            </a:r>
+            <a:endParaRPr lang="en-US" dirty="0">
+              <a:latin typeface="Menlo" panose="020B0609030804020204" pitchFamily="49" charset="0"/>
+              <a:ea typeface="Menlo" panose="020B0609030804020204" pitchFamily="49" charset="0"/>
+              <a:cs typeface="Menlo" panose="020B0609030804020204" pitchFamily="49" charset="0"/>
+            </a:endParaRPr>
+          </a:p>
+          <a:p>
+            <a:r>
+              <a:rPr lang="en-US" dirty="0">
+                <a:ea typeface="Menlo" panose="020B0609030804020204" pitchFamily="49" charset="0"/>
+                <a:cs typeface="Menlo" panose="020B0609030804020204" pitchFamily="49" charset="0"/>
+              </a:rPr>
+              <a:t>What can these Method objects do?</a:t>
+            </a:r>
+          </a:p>
+          <a:p>
+            <a:pPr lvl="1"/>
+            <a:r>
+              <a:rPr lang="en-US" dirty="0">
+                <a:ea typeface="Menlo" panose="020B0609030804020204" pitchFamily="49" charset="0"/>
+                <a:cs typeface="Menlo" panose="020B0609030804020204" pitchFamily="49" charset="0"/>
+              </a:rPr>
+              <a:t>already saw </a:t>
+            </a:r>
+            <a:r>
+              <a:rPr lang="en-US" dirty="0" err="1">
+                <a:latin typeface="Menlo" panose="020B0609030804020204" pitchFamily="49" charset="0"/>
+                <a:ea typeface="Menlo" panose="020B0609030804020204" pitchFamily="49" charset="0"/>
+                <a:cs typeface="Menlo" panose="020B0609030804020204" pitchFamily="49" charset="0"/>
+              </a:rPr>
+              <a:t>getAnnotations</a:t>
+            </a:r>
+            <a:r>
+              <a:rPr lang="en-US" dirty="0">
+                <a:latin typeface="Menlo" panose="020B0609030804020204" pitchFamily="49" charset="0"/>
+                <a:ea typeface="Menlo" panose="020B0609030804020204" pitchFamily="49" charset="0"/>
+                <a:cs typeface="Menlo" panose="020B0609030804020204" pitchFamily="49" charset="0"/>
+              </a:rPr>
+              <a:t>()</a:t>
+            </a:r>
+          </a:p>
+          <a:p>
+            <a:pPr lvl="2"/>
+            <a:r>
+              <a:rPr lang="en-US" dirty="0">
+                <a:ea typeface="Menlo" panose="020B0609030804020204" pitchFamily="49" charset="0"/>
+                <a:cs typeface="Menlo" panose="020B0609030804020204" pitchFamily="49" charset="0"/>
+              </a:rPr>
+              <a:t>Almost all reflected entities have this method</a:t>
+            </a:r>
+          </a:p>
+          <a:p>
+            <a:pPr lvl="3"/>
+            <a:r>
+              <a:rPr lang="en-US" dirty="0">
+                <a:ea typeface="Menlo" panose="020B0609030804020204" pitchFamily="49" charset="0"/>
+                <a:cs typeface="Menlo" panose="020B0609030804020204" pitchFamily="49" charset="0"/>
+              </a:rPr>
+              <a:t>most entities can be annotated</a:t>
+            </a:r>
+          </a:p>
+          <a:p>
+            <a:pPr lvl="1"/>
+            <a:r>
+              <a:rPr lang="en-US" dirty="0">
+                <a:ea typeface="Menlo" panose="020B0609030804020204" pitchFamily="49" charset="0"/>
+                <a:cs typeface="Menlo" panose="020B0609030804020204" pitchFamily="49" charset="0"/>
+              </a:rPr>
+              <a:t>There is also:</a:t>
+            </a:r>
+          </a:p>
+          <a:p>
+            <a:pPr lvl="2"/>
+            <a:r>
+              <a:rPr lang="en-US" dirty="0">
+                <a:latin typeface="Menlo" panose="020B0609030804020204" pitchFamily="49" charset="0"/>
+                <a:ea typeface="Menlo" panose="020B0609030804020204" pitchFamily="49" charset="0"/>
+                <a:cs typeface="Menlo" panose="020B0609030804020204" pitchFamily="49" charset="0"/>
+              </a:rPr>
+              <a:t>.invoke(Object </a:t>
+            </a:r>
+            <a:r>
+              <a:rPr lang="en-US" dirty="0" err="1">
+                <a:latin typeface="Menlo" panose="020B0609030804020204" pitchFamily="49" charset="0"/>
+                <a:ea typeface="Menlo" panose="020B0609030804020204" pitchFamily="49" charset="0"/>
+                <a:cs typeface="Menlo" panose="020B0609030804020204" pitchFamily="49" charset="0"/>
+              </a:rPr>
+              <a:t>obj</a:t>
+            </a:r>
+            <a:r>
+              <a:rPr lang="en-US" dirty="0">
+                <a:latin typeface="Menlo" panose="020B0609030804020204" pitchFamily="49" charset="0"/>
+                <a:ea typeface="Menlo" panose="020B0609030804020204" pitchFamily="49" charset="0"/>
+                <a:cs typeface="Menlo" panose="020B0609030804020204" pitchFamily="49" charset="0"/>
+              </a:rPr>
+              <a:t>, </a:t>
+            </a:r>
+            <a:r>
+              <a:rPr lang="en-US" dirty="0" err="1">
+                <a:latin typeface="Menlo" panose="020B0609030804020204" pitchFamily="49" charset="0"/>
+                <a:ea typeface="Menlo" panose="020B0609030804020204" pitchFamily="49" charset="0"/>
+                <a:cs typeface="Menlo" panose="020B0609030804020204" pitchFamily="49" charset="0"/>
+              </a:rPr>
+              <a:t>Obect</a:t>
+            </a:r>
+            <a:r>
+              <a:rPr lang="en-US" dirty="0">
+                <a:latin typeface="Menlo" panose="020B0609030804020204" pitchFamily="49" charset="0"/>
+                <a:ea typeface="Menlo" panose="020B0609030804020204" pitchFamily="49" charset="0"/>
+                <a:cs typeface="Menlo" panose="020B0609030804020204" pitchFamily="49" charset="0"/>
+              </a:rPr>
+              <a:t>[] </a:t>
+            </a:r>
+            <a:r>
+              <a:rPr lang="en-US" dirty="0" err="1">
+                <a:latin typeface="Menlo" panose="020B0609030804020204" pitchFamily="49" charset="0"/>
+                <a:ea typeface="Menlo" panose="020B0609030804020204" pitchFamily="49" charset="0"/>
+                <a:cs typeface="Menlo" panose="020B0609030804020204" pitchFamily="49" charset="0"/>
+              </a:rPr>
+              <a:t>args</a:t>
+            </a:r>
+            <a:r>
+              <a:rPr lang="en-US" dirty="0">
+                <a:latin typeface="Menlo" panose="020B0609030804020204" pitchFamily="49" charset="0"/>
+                <a:ea typeface="Menlo" panose="020B0609030804020204" pitchFamily="49" charset="0"/>
+                <a:cs typeface="Menlo" panose="020B0609030804020204" pitchFamily="49" charset="0"/>
+              </a:rPr>
+              <a:t>)</a:t>
+            </a:r>
+          </a:p>
+          <a:p>
+            <a:pPr lvl="2"/>
+            <a:r>
+              <a:rPr lang="en-US" dirty="0">
+                <a:latin typeface="Menlo" panose="020B0609030804020204" pitchFamily="49" charset="0"/>
+                <a:ea typeface="Menlo" panose="020B0609030804020204" pitchFamily="49" charset="0"/>
+                <a:cs typeface="Menlo" panose="020B0609030804020204" pitchFamily="49" charset="0"/>
+              </a:rPr>
+              <a:t>.</a:t>
+            </a:r>
+            <a:r>
+              <a:rPr lang="en-US" dirty="0" err="1">
+                <a:latin typeface="Menlo" panose="020B0609030804020204" pitchFamily="49" charset="0"/>
+                <a:ea typeface="Menlo" panose="020B0609030804020204" pitchFamily="49" charset="0"/>
+                <a:cs typeface="Menlo" panose="020B0609030804020204" pitchFamily="49" charset="0"/>
+              </a:rPr>
+              <a:t>getParameterTypes</a:t>
+            </a:r>
+            <a:r>
+              <a:rPr lang="en-US" dirty="0">
+                <a:latin typeface="Menlo" panose="020B0609030804020204" pitchFamily="49" charset="0"/>
+                <a:ea typeface="Menlo" panose="020B0609030804020204" pitchFamily="49" charset="0"/>
+                <a:cs typeface="Menlo" panose="020B0609030804020204" pitchFamily="49" charset="0"/>
+              </a:rPr>
+              <a:t>()</a:t>
+            </a:r>
+          </a:p>
+          <a:p>
+            <a:pPr lvl="2"/>
+            <a:r>
+              <a:rPr lang="en-US" dirty="0">
+                <a:latin typeface="Menlo" panose="020B0609030804020204" pitchFamily="49" charset="0"/>
+                <a:ea typeface="Menlo" panose="020B0609030804020204" pitchFamily="49" charset="0"/>
+                <a:cs typeface="Menlo" panose="020B0609030804020204" pitchFamily="49" charset="0"/>
+              </a:rPr>
+              <a:t>.</a:t>
+            </a:r>
+            <a:r>
+              <a:rPr lang="en-US" dirty="0" err="1">
+                <a:latin typeface="Menlo" panose="020B0609030804020204" pitchFamily="49" charset="0"/>
+                <a:ea typeface="Menlo" panose="020B0609030804020204" pitchFamily="49" charset="0"/>
+                <a:cs typeface="Menlo" panose="020B0609030804020204" pitchFamily="49" charset="0"/>
+              </a:rPr>
+              <a:t>isAccessible</a:t>
+            </a:r>
+            <a:r>
+              <a:rPr lang="en-US" dirty="0">
+                <a:latin typeface="Menlo" panose="020B0609030804020204" pitchFamily="49" charset="0"/>
+                <a:ea typeface="Menlo" panose="020B0609030804020204" pitchFamily="49" charset="0"/>
+                <a:cs typeface="Menlo" panose="020B0609030804020204" pitchFamily="49" charset="0"/>
+              </a:rPr>
+              <a:t>()</a:t>
+            </a:r>
+          </a:p>
+          <a:p>
+            <a:pPr lvl="2"/>
+            <a:r>
+              <a:rPr lang="en-US" dirty="0">
+                <a:latin typeface="Menlo" panose="020B0609030804020204" pitchFamily="49" charset="0"/>
+                <a:ea typeface="Menlo" panose="020B0609030804020204" pitchFamily="49" charset="0"/>
+                <a:cs typeface="Menlo" panose="020B0609030804020204" pitchFamily="49" charset="0"/>
+              </a:rPr>
+              <a:t>.</a:t>
+            </a:r>
+            <a:r>
+              <a:rPr lang="en-US" dirty="0" err="1">
+                <a:latin typeface="Menlo" panose="020B0609030804020204" pitchFamily="49" charset="0"/>
+                <a:ea typeface="Menlo" panose="020B0609030804020204" pitchFamily="49" charset="0"/>
+                <a:cs typeface="Menlo" panose="020B0609030804020204" pitchFamily="49" charset="0"/>
+              </a:rPr>
+              <a:t>setAccessible</a:t>
+            </a:r>
+            <a:r>
+              <a:rPr lang="en-US" dirty="0">
+                <a:latin typeface="Menlo" panose="020B0609030804020204" pitchFamily="49" charset="0"/>
+                <a:ea typeface="Menlo" panose="020B0609030804020204" pitchFamily="49" charset="0"/>
+                <a:cs typeface="Menlo" panose="020B0609030804020204" pitchFamily="49" charset="0"/>
+              </a:rPr>
+              <a:t>(</a:t>
+            </a:r>
+            <a:r>
+              <a:rPr lang="en-US" dirty="0" err="1">
+                <a:latin typeface="Menlo" panose="020B0609030804020204" pitchFamily="49" charset="0"/>
+                <a:ea typeface="Menlo" panose="020B0609030804020204" pitchFamily="49" charset="0"/>
+                <a:cs typeface="Menlo" panose="020B0609030804020204" pitchFamily="49" charset="0"/>
+              </a:rPr>
+              <a:t>boolean</a:t>
+            </a:r>
+            <a:r>
+              <a:rPr lang="en-US" dirty="0">
+                <a:latin typeface="Menlo" panose="020B0609030804020204" pitchFamily="49" charset="0"/>
+                <a:ea typeface="Menlo" panose="020B0609030804020204" pitchFamily="49" charset="0"/>
+                <a:cs typeface="Menlo" panose="020B0609030804020204" pitchFamily="49" charset="0"/>
+              </a:rPr>
+              <a:t> flag) // might be useful for the homework</a:t>
+            </a:r>
+          </a:p>
+        </p:txBody>
+      </p:sp>
+    </p:spTree>
+    <p:extLst>
+      <p:ext uri="{BB962C8B-B14F-4D97-AF65-F5344CB8AC3E}">
+        <p14:creationId xmlns:p14="http://schemas.microsoft.com/office/powerpoint/2010/main" val="3643058450"/>
+      </p:ext>
+    </p:extLst>
+  </p:cSld>
+  <p:clrMapOvr>
+    <a:masterClrMapping/>
+  </p:clrMapOvr>
+</p:sld>
+</file>
+
+<file path=ppt/slides/slide13.xml><?xml version="1.0" encoding="utf-8"?>
+<p:sld xmlns:a="http://schemas.openxmlformats.org/drawingml/2006/main" xmlns:r="http://schemas.openxmlformats.org/officeDocument/2006/relationships" xmlns:p="http://schemas.openxmlformats.org/presentationml/2006/main">
+  <p:cSld>
+    <p:spTree>
+      <p:nvGrpSpPr>
+        <p:cNvPr id="1" name=""/>
+        <p:cNvGrpSpPr/>
+        <p:nvPr/>
+      </p:nvGrpSpPr>
+      <p:grpSpPr>
+        <a:xfrm>
+          <a:off x="0" y="0"/>
+          <a:ext cx="0" cy="0"/>
+          <a:chOff x="0" y="0"/>
+          <a:chExt cx="0" cy="0"/>
+        </a:xfrm>
+      </p:grpSpPr>
+      <p:sp>
+        <p:nvSpPr>
+          <p:cNvPr id="2" name="Title 1">
+            <a:extLst>
+              <a:ext uri="{FF2B5EF4-FFF2-40B4-BE49-F238E27FC236}">
+                <a16:creationId xmlns:a16="http://schemas.microsoft.com/office/drawing/2014/main" id="{259BAC12-E42B-1041-9F5A-18F5A7123384}"/>
+              </a:ext>
+            </a:extLst>
+          </p:cNvPr>
+          <p:cNvSpPr>
+            <a:spLocks noGrp="1"/>
+          </p:cNvSpPr>
+          <p:nvPr>
+            <p:ph type="title"/>
+          </p:nvPr>
+        </p:nvSpPr>
+        <p:spPr/>
+        <p:txBody>
+          <a:bodyPr/>
+          <a:lstStyle/>
+          <a:p>
+            <a:r>
+              <a:rPr lang="en-US" dirty="0"/>
+              <a:t>Java Reflection Limitations</a:t>
+            </a:r>
+          </a:p>
+        </p:txBody>
+      </p:sp>
+      <p:sp>
+        <p:nvSpPr>
+          <p:cNvPr id="3" name="Content Placeholder 2">
+            <a:extLst>
+              <a:ext uri="{FF2B5EF4-FFF2-40B4-BE49-F238E27FC236}">
+                <a16:creationId xmlns:a16="http://schemas.microsoft.com/office/drawing/2014/main" id="{F85CBF8E-453C-804A-BF2E-55B1A46ED7F3}"/>
+              </a:ext>
+            </a:extLst>
+          </p:cNvPr>
+          <p:cNvSpPr>
+            <a:spLocks noGrp="1"/>
+          </p:cNvSpPr>
+          <p:nvPr>
+            <p:ph idx="1"/>
+          </p:nvPr>
+        </p:nvSpPr>
+        <p:spPr/>
+        <p:txBody>
+          <a:bodyPr/>
+          <a:lstStyle/>
+          <a:p>
+            <a:endParaRPr lang="en-US"/>
+          </a:p>
+        </p:txBody>
+      </p:sp>
+    </p:spTree>
+    <p:extLst>
+      <p:ext uri="{BB962C8B-B14F-4D97-AF65-F5344CB8AC3E}">
+        <p14:creationId xmlns:p14="http://schemas.microsoft.com/office/powerpoint/2010/main" val="1002669990"/>
+      </p:ext>
+    </p:extLst>
+  </p:cSld>
+  <p:clrMapOvr>
+    <a:masterClrMapping/>
+  </p:clrMapOvr>
+</p:sld>
+</file>
+
+<file path=ppt/slides/slide14.xml><?xml version="1.0" encoding="utf-8"?>
+<p:sld xmlns:a="http://schemas.openxmlformats.org/drawingml/2006/main" xmlns:r="http://schemas.openxmlformats.org/officeDocument/2006/relationships" xmlns:p="http://schemas.openxmlformats.org/presentationml/2006/main">
+  <p:cSld>
+    <p:spTree>
+      <p:nvGrpSpPr>
+        <p:cNvPr id="1" name=""/>
+        <p:cNvGrpSpPr/>
+        <p:nvPr/>
+      </p:nvGrpSpPr>
+      <p:grpSpPr>
+        <a:xfrm>
+          <a:off x="0" y="0"/>
+          <a:ext cx="0" cy="0"/>
+          <a:chOff x="0" y="0"/>
+          <a:chExt cx="0" cy="0"/>
+        </a:xfrm>
+      </p:grpSpPr>
+      <p:sp>
+        <p:nvSpPr>
+          <p:cNvPr id="2" name="Title 1">
+            <a:extLst>
+              <a:ext uri="{FF2B5EF4-FFF2-40B4-BE49-F238E27FC236}">
+                <a16:creationId xmlns:a16="http://schemas.microsoft.com/office/drawing/2014/main" id="{58904CE9-C89A-4D4D-9612-D1D45DC415A7}"/>
+              </a:ext>
+            </a:extLst>
+          </p:cNvPr>
+          <p:cNvSpPr>
+            <a:spLocks noGrp="1"/>
+          </p:cNvSpPr>
+          <p:nvPr>
+            <p:ph type="title"/>
+          </p:nvPr>
+        </p:nvSpPr>
+        <p:spPr>
+          <a:xfrm>
+            <a:off x="1020726" y="451884"/>
+            <a:ext cx="9601200" cy="1485900"/>
+          </a:xfrm>
+        </p:spPr>
+        <p:txBody>
+          <a:bodyPr/>
+          <a:lstStyle/>
+          <a:p>
+            <a:r>
+              <a:rPr lang="en-US" dirty="0"/>
+              <a:t>Reflection and Annotations</a:t>
+            </a:r>
+          </a:p>
+        </p:txBody>
+      </p:sp>
+      <p:sp>
+        <p:nvSpPr>
+          <p:cNvPr id="3" name="Content Placeholder 2">
+            <a:extLst>
+              <a:ext uri="{FF2B5EF4-FFF2-40B4-BE49-F238E27FC236}">
+                <a16:creationId xmlns:a16="http://schemas.microsoft.com/office/drawing/2014/main" id="{2723039B-1359-1E43-A5EB-C3C10765C033}"/>
+              </a:ext>
+            </a:extLst>
+          </p:cNvPr>
+          <p:cNvSpPr>
+            <a:spLocks noGrp="1"/>
+          </p:cNvSpPr>
+          <p:nvPr>
+            <p:ph idx="1"/>
+          </p:nvPr>
+        </p:nvSpPr>
+        <p:spPr>
+          <a:xfrm>
+            <a:off x="1371600" y="1286540"/>
+            <a:ext cx="9601200" cy="5284381"/>
+          </a:xfrm>
+        </p:spPr>
+        <p:txBody>
+          <a:bodyPr>
+            <a:normAutofit/>
+          </a:bodyPr>
+          <a:lstStyle/>
+          <a:p>
+            <a:r>
+              <a:rPr lang="en-US" dirty="0"/>
+              <a:t>Reflection and Annotations go “hand in hand”</a:t>
+            </a:r>
+          </a:p>
+          <a:p>
+            <a:pPr lvl="1"/>
+            <a:r>
+              <a:rPr lang="en-US" dirty="0"/>
+              <a:t>The only way to tell if something is annotated…</a:t>
+            </a:r>
+          </a:p>
+          <a:p>
+            <a:pPr lvl="2"/>
+            <a:r>
+              <a:rPr lang="en-US" dirty="0"/>
+              <a:t>is with reflection,</a:t>
+            </a:r>
+          </a:p>
+          <a:p>
+            <a:pPr lvl="3"/>
+            <a:r>
+              <a:rPr lang="en-US" dirty="0"/>
+              <a:t>since annotations can’t have any effect on behavior by themselves</a:t>
+            </a:r>
+          </a:p>
+          <a:p>
+            <a:pPr lvl="1"/>
+            <a:r>
+              <a:rPr lang="en-US" dirty="0"/>
+              <a:t>We can build reflective </a:t>
+            </a:r>
+            <a:r>
+              <a:rPr lang="en-US" dirty="0">
+                <a:solidFill>
+                  <a:schemeClr val="accent6"/>
+                </a:solidFill>
+              </a:rPr>
+              <a:t>meta-tools</a:t>
+            </a:r>
+            <a:r>
+              <a:rPr lang="en-US" dirty="0"/>
+              <a:t>…</a:t>
+            </a:r>
+          </a:p>
+          <a:p>
+            <a:pPr lvl="2"/>
+            <a:r>
+              <a:rPr lang="en-US" dirty="0"/>
+              <a:t>that operate based on the annotated </a:t>
+            </a:r>
+            <a:r>
+              <a:rPr lang="en-US" dirty="0">
+                <a:solidFill>
+                  <a:schemeClr val="accent6"/>
+                </a:solidFill>
+              </a:rPr>
+              <a:t>meta-data</a:t>
+            </a:r>
+          </a:p>
+          <a:p>
+            <a:r>
+              <a:rPr lang="en-US" dirty="0"/>
+              <a:t>Example:</a:t>
+            </a:r>
+          </a:p>
+          <a:p>
+            <a:pPr lvl="1"/>
+            <a:r>
+              <a:rPr lang="en-US" dirty="0"/>
+              <a:t>The @Test annotation</a:t>
+            </a:r>
+          </a:p>
+          <a:p>
+            <a:pPr lvl="2"/>
+            <a:r>
+              <a:rPr lang="en-US" dirty="0"/>
+              <a:t>nothing but a flag to the JUnit framework.</a:t>
+            </a:r>
+          </a:p>
+          <a:p>
+            <a:pPr lvl="2"/>
+            <a:r>
+              <a:rPr lang="en-US" dirty="0"/>
+              <a:t>JUnit reflectively searches for the @Test annotation</a:t>
+            </a:r>
+          </a:p>
+          <a:p>
+            <a:pPr lvl="2"/>
+            <a:r>
+              <a:rPr lang="en-US" dirty="0"/>
+              <a:t>and </a:t>
+            </a:r>
+            <a:r>
+              <a:rPr lang="en-US" dirty="0">
+                <a:latin typeface="Menlo" panose="020B0609030804020204" pitchFamily="49" charset="0"/>
+                <a:ea typeface="Menlo" panose="020B0609030804020204" pitchFamily="49" charset="0"/>
+                <a:cs typeface="Menlo" panose="020B0609030804020204" pitchFamily="49" charset="0"/>
+              </a:rPr>
+              <a:t>.</a:t>
+            </a:r>
+            <a:r>
+              <a:rPr lang="en-US" dirty="0" err="1">
+                <a:latin typeface="Menlo" panose="020B0609030804020204" pitchFamily="49" charset="0"/>
+                <a:ea typeface="Menlo" panose="020B0609030804020204" pitchFamily="49" charset="0"/>
+                <a:cs typeface="Menlo" panose="020B0609030804020204" pitchFamily="49" charset="0"/>
+              </a:rPr>
+              <a:t>invoks</a:t>
+            </a:r>
+            <a:r>
+              <a:rPr lang="en-US" dirty="0">
+                <a:latin typeface="Menlo" panose="020B0609030804020204" pitchFamily="49" charset="0"/>
+                <a:ea typeface="Menlo" panose="020B0609030804020204" pitchFamily="49" charset="0"/>
+                <a:cs typeface="Menlo" panose="020B0609030804020204" pitchFamily="49" charset="0"/>
+              </a:rPr>
+              <a:t>(…)</a:t>
+            </a:r>
+            <a:r>
+              <a:rPr lang="en-US" dirty="0"/>
+              <a:t>s the method as a test case</a:t>
+            </a:r>
+          </a:p>
+          <a:p>
+            <a:pPr lvl="1"/>
+            <a:r>
+              <a:rPr lang="en-US" dirty="0"/>
+              <a:t>%%%TODO Make up example</a:t>
+            </a:r>
+          </a:p>
+        </p:txBody>
+      </p:sp>
+    </p:spTree>
+    <p:extLst>
+      <p:ext uri="{BB962C8B-B14F-4D97-AF65-F5344CB8AC3E}">
+        <p14:creationId xmlns:p14="http://schemas.microsoft.com/office/powerpoint/2010/main" val="2731152572"/>
       </p:ext>
     </p:extLst>
   </p:cSld>

--- a/slides/07-JavaReflection.pptx
+++ b/slides/07-JavaReflection.pptx
@@ -210,7 +210,7 @@
           <a:p>
             <a:fld id="{27CEEA13-23F5-194B-B1CF-CF175090CBFA}" type="datetimeFigureOut">
               <a:rPr lang="en-US" smtClean="0"/>
-              <a:t>10/10/18</a:t>
+              <a:t>10/27/18</a:t>
             </a:fld>
             <a:endParaRPr lang="en-US"/>
           </a:p>
@@ -638,7 +638,7 @@
           <a:p>
             <a:fld id="{2DD5D53E-635E-BD41-B5CC-A796D6DD661B}" type="datetimeFigureOut">
               <a:rPr lang="en-US" smtClean="0"/>
-              <a:t>10/10/18</a:t>
+              <a:t>10/27/18</a:t>
             </a:fld>
             <a:endParaRPr lang="en-US"/>
           </a:p>
@@ -968,7 +968,7 @@
           <a:p>
             <a:fld id="{2DD5D53E-635E-BD41-B5CC-A796D6DD661B}" type="datetimeFigureOut">
               <a:rPr lang="en-US" smtClean="0"/>
-              <a:t>10/10/18</a:t>
+              <a:t>10/27/18</a:t>
             </a:fld>
             <a:endParaRPr lang="en-US"/>
           </a:p>
@@ -1148,7 +1148,7 @@
           <a:p>
             <a:fld id="{2DD5D53E-635E-BD41-B5CC-A796D6DD661B}" type="datetimeFigureOut">
               <a:rPr lang="en-US" smtClean="0"/>
-              <a:t>10/10/18</a:t>
+              <a:t>10/27/18</a:t>
             </a:fld>
             <a:endParaRPr lang="en-US"/>
           </a:p>
@@ -1318,7 +1318,7 @@
           <a:p>
             <a:fld id="{2DD5D53E-635E-BD41-B5CC-A796D6DD661B}" type="datetimeFigureOut">
               <a:rPr lang="en-US" smtClean="0"/>
-              <a:t>10/10/18</a:t>
+              <a:t>10/27/18</a:t>
             </a:fld>
             <a:endParaRPr lang="en-US"/>
           </a:p>
@@ -1590,7 +1590,7 @@
           <a:p>
             <a:fld id="{2DD5D53E-635E-BD41-B5CC-A796D6DD661B}" type="datetimeFigureOut">
               <a:rPr lang="en-US" smtClean="0"/>
-              <a:t>10/10/18</a:t>
+              <a:t>10/27/18</a:t>
             </a:fld>
             <a:endParaRPr lang="en-US"/>
           </a:p>
@@ -1984,7 +1984,7 @@
           <a:p>
             <a:fld id="{2DD5D53E-635E-BD41-B5CC-A796D6DD661B}" type="datetimeFigureOut">
               <a:rPr lang="en-US" smtClean="0"/>
-              <a:t>10/10/18</a:t>
+              <a:t>10/27/18</a:t>
             </a:fld>
             <a:endParaRPr lang="en-US"/>
           </a:p>
@@ -2461,7 +2461,7 @@
           <a:p>
             <a:fld id="{2DD5D53E-635E-BD41-B5CC-A796D6DD661B}" type="datetimeFigureOut">
               <a:rPr lang="en-US" smtClean="0"/>
-              <a:t>10/10/18</a:t>
+              <a:t>10/27/18</a:t>
             </a:fld>
             <a:endParaRPr lang="en-US"/>
           </a:p>
@@ -2579,7 +2579,7 @@
           <a:p>
             <a:fld id="{2DD5D53E-635E-BD41-B5CC-A796D6DD661B}" type="datetimeFigureOut">
               <a:rPr lang="en-US" smtClean="0"/>
-              <a:t>10/10/18</a:t>
+              <a:t>10/27/18</a:t>
             </a:fld>
             <a:endParaRPr lang="en-US"/>
           </a:p>
@@ -2674,7 +2674,7 @@
           <a:p>
             <a:fld id="{2DD5D53E-635E-BD41-B5CC-A796D6DD661B}" type="datetimeFigureOut">
               <a:rPr lang="en-US" smtClean="0"/>
-              <a:t>10/10/18</a:t>
+              <a:t>10/27/18</a:t>
             </a:fld>
             <a:endParaRPr lang="en-US"/>
           </a:p>
@@ -3020,7 +3020,7 @@
           <a:p>
             <a:fld id="{2DD5D53E-635E-BD41-B5CC-A796D6DD661B}" type="datetimeFigureOut">
               <a:rPr lang="en-US" smtClean="0"/>
-              <a:t>10/10/18</a:t>
+              <a:t>10/27/18</a:t>
             </a:fld>
             <a:endParaRPr lang="en-US"/>
           </a:p>
@@ -3408,7 +3408,7 @@
           <a:p>
             <a:fld id="{2DD5D53E-635E-BD41-B5CC-A796D6DD661B}" type="datetimeFigureOut">
               <a:rPr lang="en-US" smtClean="0"/>
-              <a:t>10/10/18</a:t>
+              <a:t>10/27/18</a:t>
             </a:fld>
             <a:endParaRPr lang="en-US"/>
           </a:p>
@@ -3683,7 +3683,7 @@
           <a:p>
             <a:fld id="{2DD5D53E-635E-BD41-B5CC-A796D6DD661B}" type="datetimeFigureOut">
               <a:rPr lang="en-US" smtClean="0"/>
-              <a:t>10/10/18</a:t>
+              <a:t>10/27/18</a:t>
             </a:fld>
             <a:endParaRPr lang="en-US"/>
           </a:p>
@@ -4562,6 +4562,9 @@
             </a:pPr>
             <a:r>
               <a:rPr lang="en-US" dirty="0">
+                <a:solidFill>
+                  <a:schemeClr val="accent6"/>
+                </a:solidFill>
                 <a:latin typeface="Menlo" panose="020B0609030804020204" pitchFamily="49" charset="0"/>
                 <a:ea typeface="Menlo" panose="020B0609030804020204" pitchFamily="49" charset="0"/>
                 <a:cs typeface="Menlo" panose="020B0609030804020204" pitchFamily="49" charset="0"/>
@@ -4570,6 +4573,9 @@
             </a:r>
             <a:r>
               <a:rPr lang="en-US" dirty="0" err="1">
+                <a:solidFill>
+                  <a:schemeClr val="accent6"/>
+                </a:solidFill>
                 <a:latin typeface="Menlo" panose="020B0609030804020204" pitchFamily="49" charset="0"/>
                 <a:ea typeface="Menlo" panose="020B0609030804020204" pitchFamily="49" charset="0"/>
                 <a:cs typeface="Menlo" panose="020B0609030804020204" pitchFamily="49" charset="0"/>
@@ -4578,6 +4584,9 @@
             </a:r>
             <a:r>
               <a:rPr lang="en-US" dirty="0">
+                <a:solidFill>
+                  <a:schemeClr val="accent6"/>
+                </a:solidFill>
                 <a:latin typeface="Menlo" panose="020B0609030804020204" pitchFamily="49" charset="0"/>
                 <a:ea typeface="Menlo" panose="020B0609030804020204" pitchFamily="49" charset="0"/>
                 <a:cs typeface="Menlo" panose="020B0609030804020204" pitchFamily="49" charset="0"/>
@@ -4591,6 +4600,9 @@
             </a:pPr>
             <a:r>
               <a:rPr lang="en-US" dirty="0">
+                <a:solidFill>
+                  <a:schemeClr val="accent6"/>
+                </a:solidFill>
                 <a:latin typeface="Menlo" panose="020B0609030804020204" pitchFamily="49" charset="0"/>
                 <a:ea typeface="Menlo" panose="020B0609030804020204" pitchFamily="49" charset="0"/>
                 <a:cs typeface="Menlo" panose="020B0609030804020204" pitchFamily="49" charset="0"/>
@@ -4599,6 +4611,9 @@
             </a:r>
             <a:r>
               <a:rPr lang="en-US" dirty="0" err="1">
+                <a:solidFill>
+                  <a:schemeClr val="accent6"/>
+                </a:solidFill>
                 <a:latin typeface="Menlo" panose="020B0609030804020204" pitchFamily="49" charset="0"/>
                 <a:ea typeface="Menlo" panose="020B0609030804020204" pitchFamily="49" charset="0"/>
                 <a:cs typeface="Menlo" panose="020B0609030804020204" pitchFamily="49" charset="0"/>
@@ -4607,6 +4622,9 @@
             </a:r>
             <a:r>
               <a:rPr lang="en-US" dirty="0">
+                <a:solidFill>
+                  <a:schemeClr val="accent6"/>
+                </a:solidFill>
                 <a:latin typeface="Menlo" panose="020B0609030804020204" pitchFamily="49" charset="0"/>
                 <a:ea typeface="Menlo" panose="020B0609030804020204" pitchFamily="49" charset="0"/>
                 <a:cs typeface="Menlo" panose="020B0609030804020204" pitchFamily="49" charset="0"/>
@@ -4620,6 +4638,9 @@
             </a:pPr>
             <a:r>
               <a:rPr lang="en-US" dirty="0">
+                <a:solidFill>
+                  <a:schemeClr val="accent6"/>
+                </a:solidFill>
                 <a:latin typeface="Menlo" panose="020B0609030804020204" pitchFamily="49" charset="0"/>
                 <a:ea typeface="Menlo" panose="020B0609030804020204" pitchFamily="49" charset="0"/>
                 <a:cs typeface="Menlo" panose="020B0609030804020204" pitchFamily="49" charset="0"/>
@@ -4628,6 +4649,9 @@
             </a:r>
             <a:r>
               <a:rPr lang="en-US" dirty="0" err="1">
+                <a:solidFill>
+                  <a:schemeClr val="accent6"/>
+                </a:solidFill>
                 <a:latin typeface="Menlo" panose="020B0609030804020204" pitchFamily="49" charset="0"/>
                 <a:ea typeface="Menlo" panose="020B0609030804020204" pitchFamily="49" charset="0"/>
                 <a:cs typeface="Menlo" panose="020B0609030804020204" pitchFamily="49" charset="0"/>
@@ -4636,6 +4660,9 @@
             </a:r>
             <a:r>
               <a:rPr lang="en-US" dirty="0">
+                <a:solidFill>
+                  <a:schemeClr val="accent6"/>
+                </a:solidFill>
                 <a:latin typeface="Menlo" panose="020B0609030804020204" pitchFamily="49" charset="0"/>
                 <a:ea typeface="Menlo" panose="020B0609030804020204" pitchFamily="49" charset="0"/>
                 <a:cs typeface="Menlo" panose="020B0609030804020204" pitchFamily="49" charset="0"/>
@@ -4644,6 +4671,9 @@
             </a:r>
             <a:r>
               <a:rPr lang="en-US" dirty="0" err="1">
+                <a:solidFill>
+                  <a:schemeClr val="accent6"/>
+                </a:solidFill>
                 <a:latin typeface="Menlo" panose="020B0609030804020204" pitchFamily="49" charset="0"/>
                 <a:ea typeface="Menlo" panose="020B0609030804020204" pitchFamily="49" charset="0"/>
                 <a:cs typeface="Menlo" panose="020B0609030804020204" pitchFamily="49" charset="0"/>
@@ -4652,6 +4682,9 @@
             </a:r>
             <a:r>
               <a:rPr lang="en-US" dirty="0">
+                <a:solidFill>
+                  <a:schemeClr val="accent6"/>
+                </a:solidFill>
                 <a:latin typeface="Menlo" panose="020B0609030804020204" pitchFamily="49" charset="0"/>
                 <a:ea typeface="Menlo" panose="020B0609030804020204" pitchFamily="49" charset="0"/>
                 <a:cs typeface="Menlo" panose="020B0609030804020204" pitchFamily="49" charset="0"/>
@@ -4665,6 +4698,9 @@
             </a:pPr>
             <a:r>
               <a:rPr lang="en-US" dirty="0">
+                <a:solidFill>
+                  <a:schemeClr val="accent6"/>
+                </a:solidFill>
                 <a:latin typeface="Menlo" panose="020B0609030804020204" pitchFamily="49" charset="0"/>
                 <a:ea typeface="Menlo" panose="020B0609030804020204" pitchFamily="49" charset="0"/>
                 <a:cs typeface="Menlo" panose="020B0609030804020204" pitchFamily="49" charset="0"/>
@@ -4673,6 +4709,9 @@
             </a:r>
             <a:r>
               <a:rPr lang="en-US" dirty="0" err="1">
+                <a:solidFill>
+                  <a:schemeClr val="accent6"/>
+                </a:solidFill>
                 <a:latin typeface="Menlo" panose="020B0609030804020204" pitchFamily="49" charset="0"/>
                 <a:ea typeface="Menlo" panose="020B0609030804020204" pitchFamily="49" charset="0"/>
                 <a:cs typeface="Menlo" panose="020B0609030804020204" pitchFamily="49" charset="0"/>
@@ -4681,6 +4720,9 @@
             </a:r>
             <a:r>
               <a:rPr lang="en-US" dirty="0">
+                <a:solidFill>
+                  <a:schemeClr val="accent6"/>
+                </a:solidFill>
                 <a:latin typeface="Menlo" panose="020B0609030804020204" pitchFamily="49" charset="0"/>
                 <a:ea typeface="Menlo" panose="020B0609030804020204" pitchFamily="49" charset="0"/>
                 <a:cs typeface="Menlo" panose="020B0609030804020204" pitchFamily="49" charset="0"/>
@@ -4694,6 +4736,9 @@
             </a:pPr>
             <a:r>
               <a:rPr lang="en-US" dirty="0">
+                <a:solidFill>
+                  <a:schemeClr val="accent6"/>
+                </a:solidFill>
                 <a:latin typeface="Menlo" panose="020B0609030804020204" pitchFamily="49" charset="0"/>
                 <a:ea typeface="Menlo" panose="020B0609030804020204" pitchFamily="49" charset="0"/>
                 <a:cs typeface="Menlo" panose="020B0609030804020204" pitchFamily="49" charset="0"/>
@@ -4702,6 +4747,9 @@
             </a:r>
             <a:r>
               <a:rPr lang="en-US" dirty="0" err="1">
+                <a:solidFill>
+                  <a:schemeClr val="accent6"/>
+                </a:solidFill>
                 <a:latin typeface="Menlo" panose="020B0609030804020204" pitchFamily="49" charset="0"/>
                 <a:ea typeface="Menlo" panose="020B0609030804020204" pitchFamily="49" charset="0"/>
                 <a:cs typeface="Menlo" panose="020B0609030804020204" pitchFamily="49" charset="0"/>
@@ -4710,6 +4758,9 @@
             </a:r>
             <a:r>
               <a:rPr lang="en-US" dirty="0">
+                <a:solidFill>
+                  <a:schemeClr val="accent6"/>
+                </a:solidFill>
                 <a:latin typeface="Menlo" panose="020B0609030804020204" pitchFamily="49" charset="0"/>
                 <a:ea typeface="Menlo" panose="020B0609030804020204" pitchFamily="49" charset="0"/>
                 <a:cs typeface="Menlo" panose="020B0609030804020204" pitchFamily="49" charset="0"/>
@@ -4723,6 +4774,9 @@
             </a:pPr>
             <a:r>
               <a:rPr lang="en-US" dirty="0">
+                <a:solidFill>
+                  <a:schemeClr val="accent6"/>
+                </a:solidFill>
                 <a:latin typeface="Menlo" panose="020B0609030804020204" pitchFamily="49" charset="0"/>
                 <a:ea typeface="Menlo" panose="020B0609030804020204" pitchFamily="49" charset="0"/>
                 <a:cs typeface="Menlo" panose="020B0609030804020204" pitchFamily="49" charset="0"/>
@@ -4755,25 +4809,27 @@
           </a:xfrm>
         </p:spPr>
         <p:txBody>
-          <a:bodyPr/>
+          <a:bodyPr>
+            <a:normAutofit/>
+          </a:bodyPr>
           <a:lstStyle/>
           <a:p>
             <a:r>
-              <a:rPr lang="en-US" dirty="0">
+              <a:rPr lang="en-US" sz="2400" dirty="0">
                 <a:ea typeface="Menlo" panose="020B0609030804020204" pitchFamily="49" charset="0"/>
                 <a:cs typeface="Menlo" panose="020B0609030804020204" pitchFamily="49" charset="0"/>
               </a:rPr>
               <a:t>We’ve </a:t>
             </a:r>
             <a:r>
-              <a:rPr lang="en-US" dirty="0" err="1">
+              <a:rPr lang="en-US" sz="2400" dirty="0" err="1">
                 <a:ea typeface="Menlo" panose="020B0609030804020204" pitchFamily="49" charset="0"/>
                 <a:cs typeface="Menlo" panose="020B0609030804020204" pitchFamily="49" charset="0"/>
               </a:rPr>
               <a:t>succesfully</a:t>
             </a:r>
             <a:r>
-              <a:rPr lang="en-US" dirty="0">
+              <a:rPr lang="en-US" sz="2400" dirty="0">
                 <a:ea typeface="Menlo" panose="020B0609030804020204" pitchFamily="49" charset="0"/>
                 <a:cs typeface="Menlo" panose="020B0609030804020204" pitchFamily="49" charset="0"/>
               </a:rPr>
@@ -4782,7 +4838,7 @@
           </a:p>
           <a:p>
             <a:r>
-              <a:rPr lang="en-US" dirty="0">
+              <a:rPr lang="en-US" sz="2400" dirty="0">
                 <a:ea typeface="Menlo" panose="020B0609030804020204" pitchFamily="49" charset="0"/>
                 <a:cs typeface="Menlo" panose="020B0609030804020204" pitchFamily="49" charset="0"/>
               </a:rPr>
@@ -4792,7 +4848,7 @@
           <a:p>
             <a:pPr lvl="1"/>
             <a:r>
-              <a:rPr lang="en-US" dirty="0">
+              <a:rPr lang="en-US" sz="2400" dirty="0">
                 <a:ea typeface="Menlo" panose="020B0609030804020204" pitchFamily="49" charset="0"/>
                 <a:cs typeface="Menlo" panose="020B0609030804020204" pitchFamily="49" charset="0"/>
               </a:rPr>
@@ -4802,7 +4858,7 @@
           <a:p>
             <a:pPr lvl="1"/>
             <a:r>
-              <a:rPr lang="en-US" dirty="0">
+              <a:rPr lang="en-US" sz="2400" dirty="0">
                 <a:ea typeface="Menlo" panose="020B0609030804020204" pitchFamily="49" charset="0"/>
                 <a:cs typeface="Menlo" panose="020B0609030804020204" pitchFamily="49" charset="0"/>
               </a:rPr>
@@ -4842,7 +4898,7 @@
                             </p:stCondLst>
                             <p:childTnLst>
                               <p:par>
-                                <p:cTn id="5" presetID="1" presetClass="entr" presetSubtype="0" fill="hold" grpId="0" nodeType="clickEffect">
+                                <p:cTn id="5" presetID="22" presetClass="entr" presetSubtype="8" fill="hold" grpId="0" nodeType="clickEffect">
                                   <p:stCondLst>
                                     <p:cond delay="0"/>
                                   </p:stCondLst>
@@ -4867,6 +4923,455 @@
                                         <p:strVal val="visible"/>
                                       </p:to>
                                     </p:set>
+                                    <p:animEffect transition="in" filter="wipe(left)">
+                                      <p:cBhvr>
+                                        <p:cTn id="7" dur="500"/>
+                                        <p:tgtEl>
+                                          <p:spTgt spid="6">
+                                            <p:bg/>
+                                          </p:spTgt>
+                                        </p:tgtEl>
+                                      </p:cBhvr>
+                                    </p:animEffect>
+                                  </p:childTnLst>
+                                </p:cTn>
+                              </p:par>
+                            </p:childTnLst>
+                          </p:cTn>
+                        </p:par>
+                      </p:childTnLst>
+                    </p:cTn>
+                  </p:par>
+                  <p:par>
+                    <p:cTn id="8" fill="hold">
+                      <p:stCondLst>
+                        <p:cond delay="indefinite"/>
+                      </p:stCondLst>
+                      <p:childTnLst>
+                        <p:par>
+                          <p:cTn id="9" fill="hold">
+                            <p:stCondLst>
+                              <p:cond delay="0"/>
+                            </p:stCondLst>
+                            <p:childTnLst>
+                              <p:par>
+                                <p:cTn id="10" presetID="22" presetClass="entr" presetSubtype="8" fill="hold" grpId="0" nodeType="clickEffect">
+                                  <p:stCondLst>
+                                    <p:cond delay="0"/>
+                                  </p:stCondLst>
+                                  <p:childTnLst>
+                                    <p:set>
+                                      <p:cBhvr>
+                                        <p:cTn id="11" dur="1" fill="hold">
+                                          <p:stCondLst>
+                                            <p:cond delay="0"/>
+                                          </p:stCondLst>
+                                        </p:cTn>
+                                        <p:tgtEl>
+                                          <p:spTgt spid="6">
+                                            <p:txEl>
+                                              <p:pRg st="0" end="0"/>
+                                            </p:txEl>
+                                          </p:spTgt>
+                                        </p:tgtEl>
+                                        <p:attrNameLst>
+                                          <p:attrName>style.visibility</p:attrName>
+                                        </p:attrNameLst>
+                                      </p:cBhvr>
+                                      <p:to>
+                                        <p:strVal val="visible"/>
+                                      </p:to>
+                                    </p:set>
+                                    <p:animEffect transition="in" filter="wipe(left)">
+                                      <p:cBhvr>
+                                        <p:cTn id="12" dur="500"/>
+                                        <p:tgtEl>
+                                          <p:spTgt spid="6">
+                                            <p:txEl>
+                                              <p:pRg st="0" end="0"/>
+                                            </p:txEl>
+                                          </p:spTgt>
+                                        </p:tgtEl>
+                                      </p:cBhvr>
+                                    </p:animEffect>
+                                  </p:childTnLst>
+                                </p:cTn>
+                              </p:par>
+                            </p:childTnLst>
+                          </p:cTn>
+                        </p:par>
+                      </p:childTnLst>
+                    </p:cTn>
+                  </p:par>
+                  <p:par>
+                    <p:cTn id="13" fill="hold">
+                      <p:stCondLst>
+                        <p:cond delay="indefinite"/>
+                      </p:stCondLst>
+                      <p:childTnLst>
+                        <p:par>
+                          <p:cTn id="14" fill="hold">
+                            <p:stCondLst>
+                              <p:cond delay="0"/>
+                            </p:stCondLst>
+                            <p:childTnLst>
+                              <p:par>
+                                <p:cTn id="15" presetID="22" presetClass="entr" presetSubtype="8" fill="hold" grpId="0" nodeType="clickEffect">
+                                  <p:stCondLst>
+                                    <p:cond delay="0"/>
+                                  </p:stCondLst>
+                                  <p:childTnLst>
+                                    <p:set>
+                                      <p:cBhvr>
+                                        <p:cTn id="16" dur="1" fill="hold">
+                                          <p:stCondLst>
+                                            <p:cond delay="0"/>
+                                          </p:stCondLst>
+                                        </p:cTn>
+                                        <p:tgtEl>
+                                          <p:spTgt spid="6">
+                                            <p:txEl>
+                                              <p:pRg st="1" end="1"/>
+                                            </p:txEl>
+                                          </p:spTgt>
+                                        </p:tgtEl>
+                                        <p:attrNameLst>
+                                          <p:attrName>style.visibility</p:attrName>
+                                        </p:attrNameLst>
+                                      </p:cBhvr>
+                                      <p:to>
+                                        <p:strVal val="visible"/>
+                                      </p:to>
+                                    </p:set>
+                                    <p:animEffect transition="in" filter="wipe(left)">
+                                      <p:cBhvr>
+                                        <p:cTn id="17" dur="500"/>
+                                        <p:tgtEl>
+                                          <p:spTgt spid="6">
+                                            <p:txEl>
+                                              <p:pRg st="1" end="1"/>
+                                            </p:txEl>
+                                          </p:spTgt>
+                                        </p:tgtEl>
+                                      </p:cBhvr>
+                                    </p:animEffect>
+                                  </p:childTnLst>
+                                </p:cTn>
+                              </p:par>
+                            </p:childTnLst>
+                          </p:cTn>
+                        </p:par>
+                      </p:childTnLst>
+                    </p:cTn>
+                  </p:par>
+                  <p:par>
+                    <p:cTn id="18" fill="hold">
+                      <p:stCondLst>
+                        <p:cond delay="indefinite"/>
+                      </p:stCondLst>
+                      <p:childTnLst>
+                        <p:par>
+                          <p:cTn id="19" fill="hold">
+                            <p:stCondLst>
+                              <p:cond delay="0"/>
+                            </p:stCondLst>
+                            <p:childTnLst>
+                              <p:par>
+                                <p:cTn id="20" presetID="22" presetClass="entr" presetSubtype="8" fill="hold" grpId="0" nodeType="clickEffect">
+                                  <p:stCondLst>
+                                    <p:cond delay="0"/>
+                                  </p:stCondLst>
+                                  <p:childTnLst>
+                                    <p:set>
+                                      <p:cBhvr>
+                                        <p:cTn id="21" dur="1" fill="hold">
+                                          <p:stCondLst>
+                                            <p:cond delay="0"/>
+                                          </p:stCondLst>
+                                        </p:cTn>
+                                        <p:tgtEl>
+                                          <p:spTgt spid="6">
+                                            <p:txEl>
+                                              <p:pRg st="2" end="2"/>
+                                            </p:txEl>
+                                          </p:spTgt>
+                                        </p:tgtEl>
+                                        <p:attrNameLst>
+                                          <p:attrName>style.visibility</p:attrName>
+                                        </p:attrNameLst>
+                                      </p:cBhvr>
+                                      <p:to>
+                                        <p:strVal val="visible"/>
+                                      </p:to>
+                                    </p:set>
+                                    <p:animEffect transition="in" filter="wipe(left)">
+                                      <p:cBhvr>
+                                        <p:cTn id="22" dur="500"/>
+                                        <p:tgtEl>
+                                          <p:spTgt spid="6">
+                                            <p:txEl>
+                                              <p:pRg st="2" end="2"/>
+                                            </p:txEl>
+                                          </p:spTgt>
+                                        </p:tgtEl>
+                                      </p:cBhvr>
+                                    </p:animEffect>
+                                  </p:childTnLst>
+                                </p:cTn>
+                              </p:par>
+                              <p:par>
+                                <p:cTn id="23" presetID="22" presetClass="entr" presetSubtype="8" fill="hold" grpId="0" nodeType="withEffect">
+                                  <p:stCondLst>
+                                    <p:cond delay="0"/>
+                                  </p:stCondLst>
+                                  <p:childTnLst>
+                                    <p:set>
+                                      <p:cBhvr>
+                                        <p:cTn id="24" dur="1" fill="hold">
+                                          <p:stCondLst>
+                                            <p:cond delay="0"/>
+                                          </p:stCondLst>
+                                        </p:cTn>
+                                        <p:tgtEl>
+                                          <p:spTgt spid="6">
+                                            <p:txEl>
+                                              <p:pRg st="3" end="3"/>
+                                            </p:txEl>
+                                          </p:spTgt>
+                                        </p:tgtEl>
+                                        <p:attrNameLst>
+                                          <p:attrName>style.visibility</p:attrName>
+                                        </p:attrNameLst>
+                                      </p:cBhvr>
+                                      <p:to>
+                                        <p:strVal val="visible"/>
+                                      </p:to>
+                                    </p:set>
+                                    <p:animEffect transition="in" filter="wipe(left)">
+                                      <p:cBhvr>
+                                        <p:cTn id="25" dur="500"/>
+                                        <p:tgtEl>
+                                          <p:spTgt spid="6">
+                                            <p:txEl>
+                                              <p:pRg st="3" end="3"/>
+                                            </p:txEl>
+                                          </p:spTgt>
+                                        </p:tgtEl>
+                                      </p:cBhvr>
+                                    </p:animEffect>
+                                  </p:childTnLst>
+                                </p:cTn>
+                              </p:par>
+                            </p:childTnLst>
+                          </p:cTn>
+                        </p:par>
+                      </p:childTnLst>
+                    </p:cTn>
+                  </p:par>
+                  <p:par>
+                    <p:cTn id="26" fill="hold">
+                      <p:stCondLst>
+                        <p:cond delay="indefinite"/>
+                      </p:stCondLst>
+                      <p:childTnLst>
+                        <p:par>
+                          <p:cTn id="27" fill="hold">
+                            <p:stCondLst>
+                              <p:cond delay="0"/>
+                            </p:stCondLst>
+                            <p:childTnLst>
+                              <p:par>
+                                <p:cTn id="28" presetID="22" presetClass="entr" presetSubtype="8" fill="hold" grpId="0" nodeType="clickEffect">
+                                  <p:stCondLst>
+                                    <p:cond delay="0"/>
+                                  </p:stCondLst>
+                                  <p:childTnLst>
+                                    <p:set>
+                                      <p:cBhvr>
+                                        <p:cTn id="29" dur="1" fill="hold">
+                                          <p:stCondLst>
+                                            <p:cond delay="0"/>
+                                          </p:stCondLst>
+                                        </p:cTn>
+                                        <p:tgtEl>
+                                          <p:spTgt spid="6">
+                                            <p:txEl>
+                                              <p:pRg st="4" end="4"/>
+                                            </p:txEl>
+                                          </p:spTgt>
+                                        </p:tgtEl>
+                                        <p:attrNameLst>
+                                          <p:attrName>style.visibility</p:attrName>
+                                        </p:attrNameLst>
+                                      </p:cBhvr>
+                                      <p:to>
+                                        <p:strVal val="visible"/>
+                                      </p:to>
+                                    </p:set>
+                                    <p:animEffect transition="in" filter="wipe(left)">
+                                      <p:cBhvr>
+                                        <p:cTn id="30" dur="500"/>
+                                        <p:tgtEl>
+                                          <p:spTgt spid="6">
+                                            <p:txEl>
+                                              <p:pRg st="4" end="4"/>
+                                            </p:txEl>
+                                          </p:spTgt>
+                                        </p:tgtEl>
+                                      </p:cBhvr>
+                                    </p:animEffect>
+                                  </p:childTnLst>
+                                </p:cTn>
+                              </p:par>
+                            </p:childTnLst>
+                          </p:cTn>
+                        </p:par>
+                      </p:childTnLst>
+                    </p:cTn>
+                  </p:par>
+                  <p:par>
+                    <p:cTn id="31" fill="hold">
+                      <p:stCondLst>
+                        <p:cond delay="indefinite"/>
+                      </p:stCondLst>
+                      <p:childTnLst>
+                        <p:par>
+                          <p:cTn id="32" fill="hold">
+                            <p:stCondLst>
+                              <p:cond delay="0"/>
+                            </p:stCondLst>
+                            <p:childTnLst>
+                              <p:par>
+                                <p:cTn id="33" presetID="22" presetClass="entr" presetSubtype="8" fill="hold" grpId="0" nodeType="clickEffect">
+                                  <p:stCondLst>
+                                    <p:cond delay="0"/>
+                                  </p:stCondLst>
+                                  <p:childTnLst>
+                                    <p:set>
+                                      <p:cBhvr>
+                                        <p:cTn id="34" dur="1" fill="hold">
+                                          <p:stCondLst>
+                                            <p:cond delay="0"/>
+                                          </p:stCondLst>
+                                        </p:cTn>
+                                        <p:tgtEl>
+                                          <p:spTgt spid="6">
+                                            <p:txEl>
+                                              <p:pRg st="5" end="5"/>
+                                            </p:txEl>
+                                          </p:spTgt>
+                                        </p:tgtEl>
+                                        <p:attrNameLst>
+                                          <p:attrName>style.visibility</p:attrName>
+                                        </p:attrNameLst>
+                                      </p:cBhvr>
+                                      <p:to>
+                                        <p:strVal val="visible"/>
+                                      </p:to>
+                                    </p:set>
+                                    <p:animEffect transition="in" filter="wipe(left)">
+                                      <p:cBhvr>
+                                        <p:cTn id="35" dur="500"/>
+                                        <p:tgtEl>
+                                          <p:spTgt spid="6">
+                                            <p:txEl>
+                                              <p:pRg st="5" end="5"/>
+                                            </p:txEl>
+                                          </p:spTgt>
+                                        </p:tgtEl>
+                                      </p:cBhvr>
+                                    </p:animEffect>
+                                  </p:childTnLst>
+                                </p:cTn>
+                              </p:par>
+                            </p:childTnLst>
+                          </p:cTn>
+                        </p:par>
+                      </p:childTnLst>
+                    </p:cTn>
+                  </p:par>
+                  <p:par>
+                    <p:cTn id="36" fill="hold">
+                      <p:stCondLst>
+                        <p:cond delay="indefinite"/>
+                      </p:stCondLst>
+                      <p:childTnLst>
+                        <p:par>
+                          <p:cTn id="37" fill="hold">
+                            <p:stCondLst>
+                              <p:cond delay="0"/>
+                            </p:stCondLst>
+                            <p:childTnLst>
+                              <p:par>
+                                <p:cTn id="38" presetID="2" presetClass="entr" presetSubtype="4" fill="hold" grpId="0" nodeType="clickEffect">
+                                  <p:stCondLst>
+                                    <p:cond delay="0"/>
+                                  </p:stCondLst>
+                                  <p:childTnLst>
+                                    <p:set>
+                                      <p:cBhvr>
+                                        <p:cTn id="39" dur="1" fill="hold">
+                                          <p:stCondLst>
+                                            <p:cond delay="0"/>
+                                          </p:stCondLst>
+                                        </p:cTn>
+                                        <p:tgtEl>
+                                          <p:spTgt spid="4"/>
+                                        </p:tgtEl>
+                                        <p:attrNameLst>
+                                          <p:attrName>style.visibility</p:attrName>
+                                        </p:attrNameLst>
+                                      </p:cBhvr>
+                                      <p:to>
+                                        <p:strVal val="visible"/>
+                                      </p:to>
+                                    </p:set>
+                                    <p:anim calcmode="lin" valueType="num">
+                                      <p:cBhvr additive="base">
+                                        <p:cTn id="40" dur="500" fill="hold"/>
+                                        <p:tgtEl>
+                                          <p:spTgt spid="4"/>
+                                        </p:tgtEl>
+                                        <p:attrNameLst>
+                                          <p:attrName>ppt_x</p:attrName>
+                                        </p:attrNameLst>
+                                      </p:cBhvr>
+                                      <p:tavLst>
+                                        <p:tav tm="0">
+                                          <p:val>
+                                            <p:strVal val="#ppt_x"/>
+                                          </p:val>
+                                        </p:tav>
+                                        <p:tav tm="100000">
+                                          <p:val>
+                                            <p:strVal val="#ppt_x"/>
+                                          </p:val>
+                                        </p:tav>
+                                      </p:tavLst>
+                                    </p:anim>
+                                    <p:anim calcmode="lin" valueType="num">
+                                      <p:cBhvr additive="base">
+                                        <p:cTn id="41" dur="500" fill="hold"/>
+                                        <p:tgtEl>
+                                          <p:spTgt spid="4"/>
+                                        </p:tgtEl>
+                                        <p:attrNameLst>
+                                          <p:attrName>ppt_y</p:attrName>
+                                        </p:attrNameLst>
+                                      </p:cBhvr>
+                                      <p:tavLst>
+                                        <p:tav tm="0">
+                                          <p:val>
+                                            <p:strVal val="1+#ppt_h/2"/>
+                                          </p:val>
+                                        </p:tav>
+                                        <p:tav tm="100000">
+                                          <p:val>
+                                            <p:strVal val="#ppt_y"/>
+                                          </p:val>
+                                        </p:tav>
+                                      </p:tavLst>
+                                    </p:anim>
                                   </p:childTnLst>
                                 </p:cTn>
                               </p:par>
@@ -4899,6 +5404,7 @@
     </p:tnLst>
     <p:bldLst>
       <p:bldP spid="6" grpId="0" uiExpand="1" build="p" animBg="1"/>
+      <p:bldP spid="4" grpId="0"/>
     </p:bldLst>
   </p:timing>
 </p:sld>
@@ -4937,7 +5443,12 @@
             <p:ph type="title"/>
           </p:nvPr>
         </p:nvSpPr>
-        <p:spPr/>
+        <p:spPr>
+          <a:xfrm>
+            <a:off x="863600" y="374059"/>
+            <a:ext cx="9601200" cy="1485900"/>
+          </a:xfrm>
+        </p:spPr>
         <p:txBody>
           <a:bodyPr/>
           <a:lstStyle/>
@@ -4975,13 +5486,13 @@
         </p:nvSpPr>
         <p:spPr>
           <a:xfrm>
-            <a:off x="1371600" y="1701209"/>
+            <a:off x="1778000" y="951909"/>
             <a:ext cx="9601200" cy="4774019"/>
           </a:xfrm>
         </p:spPr>
         <p:txBody>
           <a:bodyPr>
-            <a:normAutofit fontScale="92500" lnSpcReduction="20000"/>
+            <a:noAutofit/>
           </a:bodyPr>
           <a:lstStyle/>
           <a:p>
@@ -5000,117 +5511,189 @@
           <a:p>
             <a:pPr lvl="2"/>
             <a:r>
+              <a:rPr lang="en-US" sz="2000" dirty="0">
+                <a:latin typeface="Menlo" panose="020B0609030804020204" pitchFamily="49" charset="0"/>
+                <a:ea typeface="Menlo" panose="020B0609030804020204" pitchFamily="49" charset="0"/>
+                <a:cs typeface="Menlo" panose="020B0609030804020204" pitchFamily="49" charset="0"/>
+              </a:rPr>
+              <a:t>o </a:t>
+            </a:r>
+            <a:r>
+              <a:rPr lang="en-US" sz="2000" i="1" dirty="0" err="1">
+                <a:latin typeface="Menlo" panose="020B0609030804020204" pitchFamily="49" charset="0"/>
+                <a:ea typeface="Menlo" panose="020B0609030804020204" pitchFamily="49" charset="0"/>
+                <a:cs typeface="Menlo" panose="020B0609030804020204" pitchFamily="49" charset="0"/>
+              </a:rPr>
+              <a:t>instanceof</a:t>
+            </a:r>
+            <a:r>
+              <a:rPr lang="en-US" sz="2000" dirty="0">
+                <a:latin typeface="Menlo" panose="020B0609030804020204" pitchFamily="49" charset="0"/>
+                <a:ea typeface="Menlo" panose="020B0609030804020204" pitchFamily="49" charset="0"/>
+                <a:cs typeface="Menlo" panose="020B0609030804020204" pitchFamily="49" charset="0"/>
+              </a:rPr>
+              <a:t> Class</a:t>
+            </a:r>
+            <a:r>
+              <a:rPr lang="en-US" sz="2000" dirty="0"/>
+              <a:t>, OR</a:t>
+            </a:r>
+          </a:p>
+          <a:p>
+            <a:pPr lvl="2"/>
+            <a:r>
+              <a:rPr lang="en-US" sz="2000" dirty="0" err="1">
+                <a:latin typeface="Menlo" panose="020B0609030804020204" pitchFamily="49" charset="0"/>
+                <a:ea typeface="Menlo" panose="020B0609030804020204" pitchFamily="49" charset="0"/>
+                <a:cs typeface="Menlo" panose="020B0609030804020204" pitchFamily="49" charset="0"/>
+              </a:rPr>
+              <a:t>o.getClass</a:t>
+            </a:r>
+            <a:r>
+              <a:rPr lang="en-US" sz="2000" dirty="0">
+                <a:latin typeface="Menlo" panose="020B0609030804020204" pitchFamily="49" charset="0"/>
+                <a:ea typeface="Menlo" panose="020B0609030804020204" pitchFamily="49" charset="0"/>
+                <a:cs typeface="Menlo" panose="020B0609030804020204" pitchFamily="49" charset="0"/>
+              </a:rPr>
+              <a:t>().equals(</a:t>
+            </a:r>
+            <a:r>
+              <a:rPr lang="en-US" sz="2000" dirty="0" err="1">
+                <a:latin typeface="Menlo" panose="020B0609030804020204" pitchFamily="49" charset="0"/>
+                <a:ea typeface="Menlo" panose="020B0609030804020204" pitchFamily="49" charset="0"/>
+                <a:cs typeface="Menlo" panose="020B0609030804020204" pitchFamily="49" charset="0"/>
+              </a:rPr>
+              <a:t>this.getClass</a:t>
+            </a:r>
+            <a:r>
+              <a:rPr lang="en-US" sz="2000" dirty="0">
+                <a:latin typeface="Menlo" panose="020B0609030804020204" pitchFamily="49" charset="0"/>
+                <a:ea typeface="Menlo" panose="020B0609030804020204" pitchFamily="49" charset="0"/>
+                <a:cs typeface="Menlo" panose="020B0609030804020204" pitchFamily="49" charset="0"/>
+              </a:rPr>
+              <a:t>())</a:t>
+            </a:r>
+          </a:p>
+          <a:p>
+            <a:pPr lvl="1"/>
+            <a:r>
               <a:rPr lang="en-US" dirty="0">
-                <a:latin typeface="Menlo" panose="020B0609030804020204" pitchFamily="49" charset="0"/>
-                <a:ea typeface="Menlo" panose="020B0609030804020204" pitchFamily="49" charset="0"/>
-                <a:cs typeface="Menlo" panose="020B0609030804020204" pitchFamily="49" charset="0"/>
-              </a:rPr>
-              <a:t>o </a:t>
-            </a:r>
-            <a:r>
-              <a:rPr lang="en-US" i="1" dirty="0" err="1">
-                <a:latin typeface="Menlo" panose="020B0609030804020204" pitchFamily="49" charset="0"/>
-                <a:ea typeface="Menlo" panose="020B0609030804020204" pitchFamily="49" charset="0"/>
-                <a:cs typeface="Menlo" panose="020B0609030804020204" pitchFamily="49" charset="0"/>
-              </a:rPr>
-              <a:t>instanceof</a:t>
-            </a:r>
+                <a:ea typeface="Menlo" panose="020B0609030804020204" pitchFamily="49" charset="0"/>
+                <a:cs typeface="Menlo" panose="020B0609030804020204" pitchFamily="49" charset="0"/>
+              </a:rPr>
+              <a:t>this is reflection</a:t>
+            </a:r>
+          </a:p>
+          <a:p>
+            <a:pPr lvl="2"/>
+            <a:r>
+              <a:rPr lang="en-US" sz="2000" dirty="0">
+                <a:ea typeface="Menlo" panose="020B0609030804020204" pitchFamily="49" charset="0"/>
+                <a:cs typeface="Menlo" panose="020B0609030804020204" pitchFamily="49" charset="0"/>
+              </a:rPr>
+              <a:t>introspecting the type of the Object</a:t>
+            </a:r>
+          </a:p>
+          <a:p>
             <a:r>
               <a:rPr lang="en-US" dirty="0">
-                <a:latin typeface="Menlo" panose="020B0609030804020204" pitchFamily="49" charset="0"/>
-                <a:ea typeface="Menlo" panose="020B0609030804020204" pitchFamily="49" charset="0"/>
-                <a:cs typeface="Menlo" panose="020B0609030804020204" pitchFamily="49" charset="0"/>
-              </a:rPr>
-              <a:t> Class</a:t>
-            </a:r>
-            <a:r>
-              <a:rPr lang="en-US" dirty="0"/>
-              <a:t>, OR</a:t>
+                <a:ea typeface="Menlo" panose="020B0609030804020204" pitchFamily="49" charset="0"/>
+                <a:cs typeface="Menlo" panose="020B0609030804020204" pitchFamily="49" charset="0"/>
+              </a:rPr>
+              <a:t>There is more that you can do with the Class class:</a:t>
+            </a:r>
+          </a:p>
+          <a:p>
+            <a:pPr lvl="1"/>
+            <a:r>
+              <a:rPr lang="en-US" dirty="0">
+                <a:ea typeface="Menlo" panose="020B0609030804020204" pitchFamily="49" charset="0"/>
+                <a:cs typeface="Menlo" panose="020B0609030804020204" pitchFamily="49" charset="0"/>
+              </a:rPr>
+              <a:t>We already saw </a:t>
+            </a:r>
+            <a:r>
+              <a:rPr lang="en-US" dirty="0" err="1">
+                <a:latin typeface="Menlo" panose="020B0609030804020204" pitchFamily="49" charset="0"/>
+                <a:ea typeface="Menlo" panose="020B0609030804020204" pitchFamily="49" charset="0"/>
+                <a:cs typeface="Menlo" panose="020B0609030804020204" pitchFamily="49" charset="0"/>
+              </a:rPr>
+              <a:t>getEnclosingMethod</a:t>
+            </a:r>
+            <a:r>
+              <a:rPr lang="en-US" dirty="0">
+                <a:latin typeface="Menlo" panose="020B0609030804020204" pitchFamily="49" charset="0"/>
+                <a:ea typeface="Menlo" panose="020B0609030804020204" pitchFamily="49" charset="0"/>
+                <a:cs typeface="Menlo" panose="020B0609030804020204" pitchFamily="49" charset="0"/>
+              </a:rPr>
+              <a:t>()</a:t>
             </a:r>
           </a:p>
           <a:p>
             <a:pPr lvl="2"/>
             <a:r>
-              <a:rPr lang="en-US" dirty="0" err="1">
-                <a:latin typeface="Menlo" panose="020B0609030804020204" pitchFamily="49" charset="0"/>
-                <a:ea typeface="Menlo" panose="020B0609030804020204" pitchFamily="49" charset="0"/>
-                <a:cs typeface="Menlo" panose="020B0609030804020204" pitchFamily="49" charset="0"/>
-              </a:rPr>
-              <a:t>o.getClass</a:t>
-            </a:r>
+              <a:rPr lang="en-US" sz="2000" dirty="0">
+                <a:ea typeface="Menlo" panose="020B0609030804020204" pitchFamily="49" charset="0"/>
+                <a:cs typeface="Menlo" panose="020B0609030804020204" pitchFamily="49" charset="0"/>
+              </a:rPr>
+              <a:t>if the class has been defined within a method,</a:t>
+            </a:r>
+          </a:p>
+          <a:p>
+            <a:pPr lvl="3"/>
+            <a:r>
+              <a:rPr lang="en-US" sz="2000" dirty="0">
+                <a:ea typeface="Menlo" panose="020B0609030804020204" pitchFamily="49" charset="0"/>
+                <a:cs typeface="Menlo" panose="020B0609030804020204" pitchFamily="49" charset="0"/>
+              </a:rPr>
+              <a:t>will return </a:t>
+            </a:r>
+            <a:r>
+              <a:rPr lang="en-US" sz="2000" dirty="0">
+                <a:latin typeface="Menlo" panose="020B0609030804020204" pitchFamily="49" charset="0"/>
+                <a:ea typeface="Menlo" panose="020B0609030804020204" pitchFamily="49" charset="0"/>
+                <a:cs typeface="Menlo" panose="020B0609030804020204" pitchFamily="49" charset="0"/>
+              </a:rPr>
+              <a:t>Method</a:t>
+            </a:r>
+            <a:r>
+              <a:rPr lang="en-US" sz="2000" dirty="0">
+                <a:ea typeface="Menlo" panose="020B0609030804020204" pitchFamily="49" charset="0"/>
+                <a:cs typeface="Menlo" panose="020B0609030804020204" pitchFamily="49" charset="0"/>
+              </a:rPr>
+              <a:t> object representing that method</a:t>
+            </a:r>
+          </a:p>
+          <a:p>
+            <a:pPr lvl="1"/>
             <a:r>
               <a:rPr lang="en-US" dirty="0">
-                <a:latin typeface="Menlo" panose="020B0609030804020204" pitchFamily="49" charset="0"/>
-                <a:ea typeface="Menlo" panose="020B0609030804020204" pitchFamily="49" charset="0"/>
-                <a:cs typeface="Menlo" panose="020B0609030804020204" pitchFamily="49" charset="0"/>
-              </a:rPr>
-              <a:t>().equals(</a:t>
-            </a:r>
-            <a:r>
-              <a:rPr lang="en-US" dirty="0" err="1">
-                <a:latin typeface="Menlo" panose="020B0609030804020204" pitchFamily="49" charset="0"/>
-                <a:ea typeface="Menlo" panose="020B0609030804020204" pitchFamily="49" charset="0"/>
-                <a:cs typeface="Menlo" panose="020B0609030804020204" pitchFamily="49" charset="0"/>
-              </a:rPr>
-              <a:t>this.getClass</a:t>
-            </a:r>
-            <a:r>
-              <a:rPr lang="en-US" dirty="0">
-                <a:latin typeface="Menlo" panose="020B0609030804020204" pitchFamily="49" charset="0"/>
-                <a:ea typeface="Menlo" panose="020B0609030804020204" pitchFamily="49" charset="0"/>
-                <a:cs typeface="Menlo" panose="020B0609030804020204" pitchFamily="49" charset="0"/>
-              </a:rPr>
-              <a:t>())</a:t>
-            </a:r>
-          </a:p>
-          <a:p>
-            <a:pPr lvl="1"/>
-            <a:r>
-              <a:rPr lang="en-US" dirty="0">
-                <a:ea typeface="Menlo" panose="020B0609030804020204" pitchFamily="49" charset="0"/>
-                <a:cs typeface="Menlo" panose="020B0609030804020204" pitchFamily="49" charset="0"/>
-              </a:rPr>
-              <a:t>this is reflection</a:t>
+                <a:ea typeface="Menlo" panose="020B0609030804020204" pitchFamily="49" charset="0"/>
+                <a:cs typeface="Menlo" panose="020B0609030804020204" pitchFamily="49" charset="0"/>
+              </a:rPr>
+              <a:t>There’s also </a:t>
             </a:r>
           </a:p>
           <a:p>
             <a:pPr lvl="2"/>
             <a:r>
-              <a:rPr lang="en-US" dirty="0">
-                <a:ea typeface="Menlo" panose="020B0609030804020204" pitchFamily="49" charset="0"/>
-                <a:cs typeface="Menlo" panose="020B0609030804020204" pitchFamily="49" charset="0"/>
-              </a:rPr>
-              <a:t>introspecting the type of the Object</a:t>
-            </a:r>
-          </a:p>
-          <a:p>
-            <a:r>
-              <a:rPr lang="en-US" dirty="0">
-                <a:ea typeface="Menlo" panose="020B0609030804020204" pitchFamily="49" charset="0"/>
-                <a:cs typeface="Menlo" panose="020B0609030804020204" pitchFamily="49" charset="0"/>
-              </a:rPr>
-              <a:t>There is more that you can do with the Class class:</a:t>
-            </a:r>
-          </a:p>
-          <a:p>
-            <a:pPr lvl="1"/>
-            <a:r>
-              <a:rPr lang="en-US" dirty="0">
-                <a:ea typeface="Menlo" panose="020B0609030804020204" pitchFamily="49" charset="0"/>
-                <a:cs typeface="Menlo" panose="020B0609030804020204" pitchFamily="49" charset="0"/>
-              </a:rPr>
-              <a:t>We already saw </a:t>
-            </a:r>
-            <a:r>
-              <a:rPr lang="en-US" dirty="0" err="1">
-                <a:latin typeface="Menlo" panose="020B0609030804020204" pitchFamily="49" charset="0"/>
-                <a:ea typeface="Menlo" panose="020B0609030804020204" pitchFamily="49" charset="0"/>
-                <a:cs typeface="Menlo" panose="020B0609030804020204" pitchFamily="49" charset="0"/>
-              </a:rPr>
-              <a:t>getEnclosingMethod</a:t>
-            </a:r>
-            <a:r>
-              <a:rPr lang="en-US" dirty="0">
+              <a:rPr lang="en-US" sz="2000" dirty="0">
+                <a:latin typeface="Menlo" panose="020B0609030804020204" pitchFamily="49" charset="0"/>
+                <a:ea typeface="Menlo" panose="020B0609030804020204" pitchFamily="49" charset="0"/>
+                <a:cs typeface="Menlo" panose="020B0609030804020204" pitchFamily="49" charset="0"/>
+              </a:rPr>
+              <a:t>.</a:t>
+            </a:r>
+            <a:r>
+              <a:rPr lang="en-US" sz="2000" dirty="0" err="1">
+                <a:latin typeface="Menlo" panose="020B0609030804020204" pitchFamily="49" charset="0"/>
+                <a:ea typeface="Menlo" panose="020B0609030804020204" pitchFamily="49" charset="0"/>
+                <a:cs typeface="Menlo" panose="020B0609030804020204" pitchFamily="49" charset="0"/>
+              </a:rPr>
+              <a:t>getConstructors</a:t>
+            </a:r>
+            <a:r>
+              <a:rPr lang="en-US" sz="2000" dirty="0">
                 <a:latin typeface="Menlo" panose="020B0609030804020204" pitchFamily="49" charset="0"/>
                 <a:ea typeface="Menlo" panose="020B0609030804020204" pitchFamily="49" charset="0"/>
                 <a:cs typeface="Menlo" panose="020B0609030804020204" pitchFamily="49" charset="0"/>
@@ -5121,52 +5704,34 @@
           <a:p>
             <a:pPr lvl="2"/>
             <a:r>
-              <a:rPr lang="en-US" dirty="0">
-                <a:ea typeface="Menlo" panose="020B0609030804020204" pitchFamily="49" charset="0"/>
-                <a:cs typeface="Menlo" panose="020B0609030804020204" pitchFamily="49" charset="0"/>
-              </a:rPr>
-              <a:t>if the class has been defined within a method,</a:t>
-            </a:r>
-          </a:p>
-          <a:p>
-            <a:pPr lvl="3"/>
-            <a:r>
-              <a:rPr lang="en-US" dirty="0">
-                <a:ea typeface="Menlo" panose="020B0609030804020204" pitchFamily="49" charset="0"/>
-                <a:cs typeface="Menlo" panose="020B0609030804020204" pitchFamily="49" charset="0"/>
-              </a:rPr>
-              <a:t>will return </a:t>
-            </a:r>
-            <a:r>
-              <a:rPr lang="en-US" dirty="0">
-                <a:latin typeface="Menlo" panose="020B0609030804020204" pitchFamily="49" charset="0"/>
-                <a:ea typeface="Menlo" panose="020B0609030804020204" pitchFamily="49" charset="0"/>
-                <a:cs typeface="Menlo" panose="020B0609030804020204" pitchFamily="49" charset="0"/>
-              </a:rPr>
-              <a:t>Method</a:t>
-            </a:r>
-            <a:r>
-              <a:rPr lang="en-US" dirty="0">
-                <a:ea typeface="Menlo" panose="020B0609030804020204" pitchFamily="49" charset="0"/>
-                <a:cs typeface="Menlo" panose="020B0609030804020204" pitchFamily="49" charset="0"/>
-              </a:rPr>
-              <a:t> object representing that method</a:t>
-            </a:r>
-          </a:p>
-          <a:p>
-            <a:pPr lvl="1"/>
-            <a:r>
-              <a:rPr lang="en-US" dirty="0">
-                <a:ea typeface="Menlo" panose="020B0609030804020204" pitchFamily="49" charset="0"/>
-                <a:cs typeface="Menlo" panose="020B0609030804020204" pitchFamily="49" charset="0"/>
-              </a:rPr>
-              <a:t>There’s also </a:t>
+              <a:rPr lang="en-US" sz="2000" dirty="0">
+                <a:latin typeface="Menlo" panose="020B0609030804020204" pitchFamily="49" charset="0"/>
+                <a:ea typeface="Menlo" panose="020B0609030804020204" pitchFamily="49" charset="0"/>
+                <a:cs typeface="Menlo" panose="020B0609030804020204" pitchFamily="49" charset="0"/>
+              </a:rPr>
+              <a:t>.</a:t>
+            </a:r>
+            <a:r>
+              <a:rPr lang="en-US" sz="2000" dirty="0" err="1">
+                <a:latin typeface="Menlo" panose="020B0609030804020204" pitchFamily="49" charset="0"/>
+                <a:ea typeface="Menlo" panose="020B0609030804020204" pitchFamily="49" charset="0"/>
+                <a:cs typeface="Menlo" panose="020B0609030804020204" pitchFamily="49" charset="0"/>
+              </a:rPr>
+              <a:t>getDeclaredMethods</a:t>
+            </a:r>
+            <a:r>
+              <a:rPr lang="en-US" sz="2000" dirty="0">
+                <a:latin typeface="Menlo" panose="020B0609030804020204" pitchFamily="49" charset="0"/>
+                <a:ea typeface="Menlo" panose="020B0609030804020204" pitchFamily="49" charset="0"/>
+                <a:cs typeface="Menlo" panose="020B0609030804020204" pitchFamily="49" charset="0"/>
+              </a:rPr>
+              <a:t>()</a:t>
             </a:r>
           </a:p>
           <a:p>
             <a:pPr lvl="2"/>
             <a:r>
-              <a:rPr lang="en-US" dirty="0">
+              <a:rPr lang="en-US" sz="2000" dirty="0">
                 <a:latin typeface="Menlo" panose="020B0609030804020204" pitchFamily="49" charset="0"/>
                 <a:ea typeface="Menlo" panose="020B0609030804020204" pitchFamily="49" charset="0"/>
                 <a:cs typeface="Menlo" panose="020B0609030804020204" pitchFamily="49" charset="0"/>
@@ -5174,15 +5739,15 @@
               <a:t>.</a:t>
             </a:r>
             <a:r>
-              <a:rPr lang="en-US" dirty="0" err="1">
-                <a:latin typeface="Menlo" panose="020B0609030804020204" pitchFamily="49" charset="0"/>
-                <a:ea typeface="Menlo" panose="020B0609030804020204" pitchFamily="49" charset="0"/>
-                <a:cs typeface="Menlo" panose="020B0609030804020204" pitchFamily="49" charset="0"/>
-              </a:rPr>
-              <a:t>getConstructors</a:t>
-            </a:r>
-            <a:r>
-              <a:rPr lang="en-US" dirty="0">
+              <a:rPr lang="en-US" sz="2000" dirty="0" err="1">
+                <a:latin typeface="Menlo" panose="020B0609030804020204" pitchFamily="49" charset="0"/>
+                <a:ea typeface="Menlo" panose="020B0609030804020204" pitchFamily="49" charset="0"/>
+                <a:cs typeface="Menlo" panose="020B0609030804020204" pitchFamily="49" charset="0"/>
+              </a:rPr>
+              <a:t>getDeclaredFields</a:t>
+            </a:r>
+            <a:r>
+              <a:rPr lang="en-US" sz="2000" dirty="0">
                 <a:latin typeface="Menlo" panose="020B0609030804020204" pitchFamily="49" charset="0"/>
                 <a:ea typeface="Menlo" panose="020B0609030804020204" pitchFamily="49" charset="0"/>
                 <a:cs typeface="Menlo" panose="020B0609030804020204" pitchFamily="49" charset="0"/>
@@ -5193,61 +5758,7 @@
           <a:p>
             <a:pPr lvl="2"/>
             <a:r>
-              <a:rPr lang="en-US" dirty="0">
-                <a:latin typeface="Menlo" panose="020B0609030804020204" pitchFamily="49" charset="0"/>
-                <a:ea typeface="Menlo" panose="020B0609030804020204" pitchFamily="49" charset="0"/>
-                <a:cs typeface="Menlo" panose="020B0609030804020204" pitchFamily="49" charset="0"/>
-              </a:rPr>
-              <a:t>.</a:t>
-            </a:r>
-            <a:r>
-              <a:rPr lang="en-US" dirty="0" err="1">
-                <a:latin typeface="Menlo" panose="020B0609030804020204" pitchFamily="49" charset="0"/>
-                <a:ea typeface="Menlo" panose="020B0609030804020204" pitchFamily="49" charset="0"/>
-                <a:cs typeface="Menlo" panose="020B0609030804020204" pitchFamily="49" charset="0"/>
-              </a:rPr>
-              <a:t>getDeclaredMethods</a:t>
-            </a:r>
-            <a:r>
-              <a:rPr lang="en-US" dirty="0">
-                <a:latin typeface="Menlo" panose="020B0609030804020204" pitchFamily="49" charset="0"/>
-                <a:ea typeface="Menlo" panose="020B0609030804020204" pitchFamily="49" charset="0"/>
-                <a:cs typeface="Menlo" panose="020B0609030804020204" pitchFamily="49" charset="0"/>
-              </a:rPr>
-              <a:t>()</a:t>
-            </a:r>
-          </a:p>
-          <a:p>
-            <a:pPr lvl="2"/>
-            <a:r>
-              <a:rPr lang="en-US" dirty="0">
-                <a:latin typeface="Menlo" panose="020B0609030804020204" pitchFamily="49" charset="0"/>
-                <a:ea typeface="Menlo" panose="020B0609030804020204" pitchFamily="49" charset="0"/>
-                <a:cs typeface="Menlo" panose="020B0609030804020204" pitchFamily="49" charset="0"/>
-              </a:rPr>
-              <a:t>.</a:t>
-            </a:r>
-            <a:r>
-              <a:rPr lang="en-US" dirty="0" err="1">
-                <a:latin typeface="Menlo" panose="020B0609030804020204" pitchFamily="49" charset="0"/>
-                <a:ea typeface="Menlo" panose="020B0609030804020204" pitchFamily="49" charset="0"/>
-                <a:cs typeface="Menlo" panose="020B0609030804020204" pitchFamily="49" charset="0"/>
-              </a:rPr>
-              <a:t>getDeclaredFields</a:t>
-            </a:r>
-            <a:r>
-              <a:rPr lang="en-US" dirty="0">
-                <a:latin typeface="Menlo" panose="020B0609030804020204" pitchFamily="49" charset="0"/>
-                <a:ea typeface="Menlo" panose="020B0609030804020204" pitchFamily="49" charset="0"/>
-                <a:cs typeface="Menlo" panose="020B0609030804020204" pitchFamily="49" charset="0"/>
-              </a:rPr>
-              <a:t>()</a:t>
-            </a:r>
-          </a:p>
-          <a:p>
-            <a:pPr lvl="2"/>
-            <a:r>
-              <a:rPr lang="en-US" dirty="0">
+              <a:rPr lang="en-US" sz="2000" dirty="0">
                 <a:latin typeface="Menlo" panose="020B0609030804020204" pitchFamily="49" charset="0"/>
                 <a:ea typeface="Menlo" panose="020B0609030804020204" pitchFamily="49" charset="0"/>
                 <a:cs typeface="Menlo" panose="020B0609030804020204" pitchFamily="49" charset="0"/>
@@ -5474,37 +5985,37 @@
           <a:p>
             <a:pPr lvl="2"/>
             <a:r>
+              <a:rPr lang="en-US" sz="2000" dirty="0">
+                <a:ea typeface="Menlo" panose="020B0609030804020204" pitchFamily="49" charset="0"/>
+                <a:cs typeface="Menlo" panose="020B0609030804020204" pitchFamily="49" charset="0"/>
+              </a:rPr>
+              <a:t>Almost all reflected entities have this method</a:t>
+            </a:r>
+          </a:p>
+          <a:p>
+            <a:pPr lvl="3"/>
+            <a:r>
+              <a:rPr lang="en-US" sz="2000" dirty="0">
+                <a:ea typeface="Menlo" panose="020B0609030804020204" pitchFamily="49" charset="0"/>
+                <a:cs typeface="Menlo" panose="020B0609030804020204" pitchFamily="49" charset="0"/>
+              </a:rPr>
+              <a:t>most entities can be annotated</a:t>
+            </a:r>
+          </a:p>
+          <a:p>
+            <a:pPr lvl="1"/>
+            <a:r>
               <a:rPr lang="en-US" dirty="0">
                 <a:ea typeface="Menlo" panose="020B0609030804020204" pitchFamily="49" charset="0"/>
                 <a:cs typeface="Menlo" panose="020B0609030804020204" pitchFamily="49" charset="0"/>
               </a:rPr>
-              <a:t>Almost all reflected entities have this method</a:t>
-            </a:r>
-          </a:p>
-          <a:p>
-            <a:pPr lvl="3"/>
-            <a:r>
-              <a:rPr lang="en-US" dirty="0">
-                <a:ea typeface="Menlo" panose="020B0609030804020204" pitchFamily="49" charset="0"/>
-                <a:cs typeface="Menlo" panose="020B0609030804020204" pitchFamily="49" charset="0"/>
-              </a:rPr>
-              <a:t>most entities can be annotated</a:t>
-            </a:r>
-          </a:p>
-          <a:p>
-            <a:pPr lvl="1"/>
-            <a:r>
-              <a:rPr lang="en-US" dirty="0">
-                <a:ea typeface="Menlo" panose="020B0609030804020204" pitchFamily="49" charset="0"/>
-                <a:cs typeface="Menlo" panose="020B0609030804020204" pitchFamily="49" charset="0"/>
-              </a:rPr>
               <a:t>There is also:</a:t>
             </a:r>
           </a:p>
           <a:p>
             <a:pPr lvl="2"/>
             <a:r>
-              <a:rPr lang="en-US" dirty="0">
+              <a:rPr lang="en-US" sz="2000" dirty="0">
                 <a:latin typeface="Menlo" panose="020B0609030804020204" pitchFamily="49" charset="0"/>
                 <a:ea typeface="Menlo" panose="020B0609030804020204" pitchFamily="49" charset="0"/>
                 <a:cs typeface="Menlo" panose="020B0609030804020204" pitchFamily="49" charset="0"/>
@@ -5512,7 +6023,7 @@
               <a:t>.invoke(Object </a:t>
             </a:r>
             <a:r>
-              <a:rPr lang="en-US" dirty="0" err="1">
+              <a:rPr lang="en-US" sz="2000" dirty="0" err="1">
                 <a:latin typeface="Menlo" panose="020B0609030804020204" pitchFamily="49" charset="0"/>
                 <a:ea typeface="Menlo" panose="020B0609030804020204" pitchFamily="49" charset="0"/>
                 <a:cs typeface="Menlo" panose="020B0609030804020204" pitchFamily="49" charset="0"/>
@@ -5520,7 +6031,7 @@
               <a:t>obj</a:t>
             </a:r>
             <a:r>
-              <a:rPr lang="en-US" dirty="0">
+              <a:rPr lang="en-US" sz="2000" dirty="0">
                 <a:latin typeface="Menlo" panose="020B0609030804020204" pitchFamily="49" charset="0"/>
                 <a:ea typeface="Menlo" panose="020B0609030804020204" pitchFamily="49" charset="0"/>
                 <a:cs typeface="Menlo" panose="020B0609030804020204" pitchFamily="49" charset="0"/>
@@ -5528,7 +6039,7 @@
               <a:t>, </a:t>
             </a:r>
             <a:r>
-              <a:rPr lang="en-US" dirty="0" err="1">
+              <a:rPr lang="en-US" sz="2000" dirty="0" err="1">
                 <a:latin typeface="Menlo" panose="020B0609030804020204" pitchFamily="49" charset="0"/>
                 <a:ea typeface="Menlo" panose="020B0609030804020204" pitchFamily="49" charset="0"/>
                 <a:cs typeface="Menlo" panose="020B0609030804020204" pitchFamily="49" charset="0"/>
@@ -5536,7 +6047,7 @@
               <a:t>Obect</a:t>
             </a:r>
             <a:r>
-              <a:rPr lang="en-US" dirty="0">
+              <a:rPr lang="en-US" sz="2000" dirty="0">
                 <a:latin typeface="Menlo" panose="020B0609030804020204" pitchFamily="49" charset="0"/>
                 <a:ea typeface="Menlo" panose="020B0609030804020204" pitchFamily="49" charset="0"/>
                 <a:cs typeface="Menlo" panose="020B0609030804020204" pitchFamily="49" charset="0"/>
@@ -5544,7 +6055,7 @@
               <a:t>[] </a:t>
             </a:r>
             <a:r>
-              <a:rPr lang="en-US" dirty="0" err="1">
+              <a:rPr lang="en-US" sz="2000" dirty="0" err="1">
                 <a:latin typeface="Menlo" panose="020B0609030804020204" pitchFamily="49" charset="0"/>
                 <a:ea typeface="Menlo" panose="020B0609030804020204" pitchFamily="49" charset="0"/>
                 <a:cs typeface="Menlo" panose="020B0609030804020204" pitchFamily="49" charset="0"/>
@@ -5552,7 +6063,7 @@
               <a:t>args</a:t>
             </a:r>
             <a:r>
-              <a:rPr lang="en-US" dirty="0">
+              <a:rPr lang="en-US" sz="2000" dirty="0">
                 <a:latin typeface="Menlo" panose="020B0609030804020204" pitchFamily="49" charset="0"/>
                 <a:ea typeface="Menlo" panose="020B0609030804020204" pitchFamily="49" charset="0"/>
                 <a:cs typeface="Menlo" panose="020B0609030804020204" pitchFamily="49" charset="0"/>
@@ -5563,7 +6074,7 @@
           <a:p>
             <a:pPr lvl="2"/>
             <a:r>
-              <a:rPr lang="en-US" dirty="0">
+              <a:rPr lang="en-US" sz="2000" dirty="0">
                 <a:latin typeface="Menlo" panose="020B0609030804020204" pitchFamily="49" charset="0"/>
                 <a:ea typeface="Menlo" panose="020B0609030804020204" pitchFamily="49" charset="0"/>
                 <a:cs typeface="Menlo" panose="020B0609030804020204" pitchFamily="49" charset="0"/>
@@ -5571,7 +6082,7 @@
               <a:t>.</a:t>
             </a:r>
             <a:r>
-              <a:rPr lang="en-US" dirty="0" err="1">
+              <a:rPr lang="en-US" sz="2000" dirty="0" err="1">
                 <a:latin typeface="Menlo" panose="020B0609030804020204" pitchFamily="49" charset="0"/>
                 <a:ea typeface="Menlo" panose="020B0609030804020204" pitchFamily="49" charset="0"/>
                 <a:cs typeface="Menlo" panose="020B0609030804020204" pitchFamily="49" charset="0"/>
@@ -5579,7 +6090,7 @@
               <a:t>getParameterTypes</a:t>
             </a:r>
             <a:r>
-              <a:rPr lang="en-US" dirty="0">
+              <a:rPr lang="en-US" sz="2000" dirty="0">
                 <a:latin typeface="Menlo" panose="020B0609030804020204" pitchFamily="49" charset="0"/>
                 <a:ea typeface="Menlo" panose="020B0609030804020204" pitchFamily="49" charset="0"/>
                 <a:cs typeface="Menlo" panose="020B0609030804020204" pitchFamily="49" charset="0"/>
@@ -5590,7 +6101,7 @@
           <a:p>
             <a:pPr lvl="2"/>
             <a:r>
-              <a:rPr lang="en-US" dirty="0">
+              <a:rPr lang="en-US" sz="2000" dirty="0">
                 <a:latin typeface="Menlo" panose="020B0609030804020204" pitchFamily="49" charset="0"/>
                 <a:ea typeface="Menlo" panose="020B0609030804020204" pitchFamily="49" charset="0"/>
                 <a:cs typeface="Menlo" panose="020B0609030804020204" pitchFamily="49" charset="0"/>
@@ -5598,7 +6109,7 @@
               <a:t>.</a:t>
             </a:r>
             <a:r>
-              <a:rPr lang="en-US" dirty="0" err="1">
+              <a:rPr lang="en-US" sz="2000" dirty="0" err="1">
                 <a:latin typeface="Menlo" panose="020B0609030804020204" pitchFamily="49" charset="0"/>
                 <a:ea typeface="Menlo" panose="020B0609030804020204" pitchFamily="49" charset="0"/>
                 <a:cs typeface="Menlo" panose="020B0609030804020204" pitchFamily="49" charset="0"/>
@@ -5606,7 +6117,7 @@
               <a:t>isAccessible</a:t>
             </a:r>
             <a:r>
-              <a:rPr lang="en-US" dirty="0">
+              <a:rPr lang="en-US" sz="2000" dirty="0">
                 <a:latin typeface="Menlo" panose="020B0609030804020204" pitchFamily="49" charset="0"/>
                 <a:ea typeface="Menlo" panose="020B0609030804020204" pitchFamily="49" charset="0"/>
                 <a:cs typeface="Menlo" panose="020B0609030804020204" pitchFamily="49" charset="0"/>
@@ -5617,7 +6128,7 @@
           <a:p>
             <a:pPr lvl="2"/>
             <a:r>
-              <a:rPr lang="en-US" dirty="0">
+              <a:rPr lang="en-US" sz="2000" dirty="0">
                 <a:latin typeface="Menlo" panose="020B0609030804020204" pitchFamily="49" charset="0"/>
                 <a:ea typeface="Menlo" panose="020B0609030804020204" pitchFamily="49" charset="0"/>
                 <a:cs typeface="Menlo" panose="020B0609030804020204" pitchFamily="49" charset="0"/>
@@ -5625,7 +6136,7 @@
               <a:t>.</a:t>
             </a:r>
             <a:r>
-              <a:rPr lang="en-US" dirty="0" err="1">
+              <a:rPr lang="en-US" sz="2000" dirty="0" err="1">
                 <a:latin typeface="Menlo" panose="020B0609030804020204" pitchFamily="49" charset="0"/>
                 <a:ea typeface="Menlo" panose="020B0609030804020204" pitchFamily="49" charset="0"/>
                 <a:cs typeface="Menlo" panose="020B0609030804020204" pitchFamily="49" charset="0"/>
@@ -5633,7 +6144,7 @@
               <a:t>setAccessible</a:t>
             </a:r>
             <a:r>
-              <a:rPr lang="en-US" dirty="0">
+              <a:rPr lang="en-US" sz="2000" dirty="0">
                 <a:latin typeface="Menlo" panose="020B0609030804020204" pitchFamily="49" charset="0"/>
                 <a:ea typeface="Menlo" panose="020B0609030804020204" pitchFamily="49" charset="0"/>
                 <a:cs typeface="Menlo" panose="020B0609030804020204" pitchFamily="49" charset="0"/>
@@ -5641,7 +6152,7 @@
               <a:t>(</a:t>
             </a:r>
             <a:r>
-              <a:rPr lang="en-US" dirty="0" err="1">
+              <a:rPr lang="en-US" sz="2000" dirty="0" err="1">
                 <a:latin typeface="Menlo" panose="020B0609030804020204" pitchFamily="49" charset="0"/>
                 <a:ea typeface="Menlo" panose="020B0609030804020204" pitchFamily="49" charset="0"/>
                 <a:cs typeface="Menlo" panose="020B0609030804020204" pitchFamily="49" charset="0"/>
@@ -5649,7 +6160,7 @@
               <a:t>boolean</a:t>
             </a:r>
             <a:r>
-              <a:rPr lang="en-US" dirty="0">
+              <a:rPr lang="en-US" sz="2000" dirty="0">
                 <a:latin typeface="Menlo" panose="020B0609030804020204" pitchFamily="49" charset="0"/>
                 <a:ea typeface="Menlo" panose="020B0609030804020204" pitchFamily="49" charset="0"/>
                 <a:cs typeface="Menlo" panose="020B0609030804020204" pitchFamily="49" charset="0"/>
@@ -5735,10 +6246,71 @@
         </p:nvSpPr>
         <p:spPr/>
         <p:txBody>
-          <a:bodyPr/>
+          <a:bodyPr>
+            <a:normAutofit/>
+          </a:bodyPr>
           <a:lstStyle/>
           <a:p>
-            <a:endParaRPr lang="en-US"/>
+            <a:r>
+              <a:rPr lang="en-US" sz="2400" dirty="0"/>
+              <a:t>Not quite as powerful as Python</a:t>
+            </a:r>
+          </a:p>
+          <a:p>
+            <a:pPr lvl="1"/>
+            <a:r>
+              <a:rPr lang="en-US" sz="2400" dirty="0"/>
+              <a:t>Harder to </a:t>
+            </a:r>
+            <a:r>
+              <a:rPr lang="en-US" sz="2400" i="0" dirty="0"/>
+              <a:t>change</a:t>
+            </a:r>
+            <a:r>
+              <a:rPr lang="en-US" sz="2400" dirty="0"/>
+              <a:t> state</a:t>
+            </a:r>
+          </a:p>
+          <a:p>
+            <a:pPr lvl="1"/>
+            <a:r>
+              <a:rPr lang="en-US" sz="2400" dirty="0"/>
+              <a:t>Not interpreted</a:t>
+            </a:r>
+          </a:p>
+          <a:p>
+            <a:r>
+              <a:rPr lang="en-US" sz="2400" dirty="0"/>
+              <a:t>Not as important as in Python</a:t>
+            </a:r>
+          </a:p>
+          <a:p>
+            <a:pPr lvl="1"/>
+            <a:r>
+              <a:rPr lang="en-US" sz="2400" dirty="0"/>
+              <a:t>Because Python is Duck Typed, </a:t>
+            </a:r>
+          </a:p>
+          <a:p>
+            <a:pPr lvl="2"/>
+            <a:r>
+              <a:rPr lang="en-US" sz="2400" dirty="0"/>
+              <a:t>reflection is essential to it</a:t>
+            </a:r>
+          </a:p>
+          <a:p>
+            <a:pPr lvl="1"/>
+            <a:r>
+              <a:rPr lang="en-US" sz="2400" dirty="0"/>
+              <a:t>With static typing (Java)</a:t>
+            </a:r>
+          </a:p>
+          <a:p>
+            <a:pPr lvl="2"/>
+            <a:r>
+              <a:rPr lang="en-US" sz="2400" dirty="0"/>
+              <a:t>Let interesting to introspect type etc.</a:t>
+            </a:r>
           </a:p>
         </p:txBody>
       </p:sp>
@@ -5959,7 +6531,7 @@
             <a:pPr lvl="1"/>
             <a:r>
               <a:rPr lang="en-US" dirty="0"/>
-              <a:t>%%%TODO Make up example</a:t>
+              <a:t>We’ll do this next week</a:t>
             </a:r>
           </a:p>
         </p:txBody>
@@ -6136,7 +6708,7 @@
         </p:nvSpPr>
         <p:spPr>
           <a:xfrm>
-            <a:off x="1231761" y="304508"/>
+            <a:off x="6578461" y="270174"/>
             <a:ext cx="9601200" cy="1485900"/>
           </a:xfrm>
         </p:spPr>
@@ -6167,8 +6739,580 @@
         </p:nvSpPr>
         <p:spPr>
           <a:xfrm>
-            <a:off x="956863" y="1238847"/>
-            <a:ext cx="4869780" cy="1812697"/>
+            <a:off x="956863" y="711199"/>
+            <a:ext cx="5164537" cy="1679945"/>
+          </a:xfrm>
+          <a:prstGeom prst="rect">
+            <a:avLst/>
+          </a:prstGeom>
+          <a:ln>
+            <a:solidFill>
+              <a:schemeClr val="tx1"/>
+            </a:solidFill>
+          </a:ln>
+        </p:spPr>
+        <p:txBody>
+          <a:bodyPr vert="horz" lIns="91440" tIns="45720" rIns="91440" bIns="45720" rtlCol="0">
+            <a:normAutofit lnSpcReduction="10000"/>
+          </a:bodyPr>
+          <a:lstStyle>
+            <a:lvl1pPr marL="384048" indent="-384048" algn="l" defTabSz="914400" rtl="0" eaLnBrk="1" latinLnBrk="0" hangingPunct="1">
+              <a:lnSpc>
+                <a:spcPct val="94000"/>
+              </a:lnSpc>
+              <a:spcBef>
+                <a:spcPts val="1000"/>
+              </a:spcBef>
+              <a:spcAft>
+                <a:spcPts val="200"/>
+              </a:spcAft>
+              <a:buFont typeface="Franklin Gothic Book" panose="020B0503020102020204" pitchFamily="34" charset="0"/>
+              <a:buChar char="■"/>
+              <a:defRPr sz="2000" kern="1200" baseline="0">
+                <a:solidFill>
+                  <a:schemeClr val="tx2"/>
+                </a:solidFill>
+                <a:latin typeface="+mn-lt"/>
+                <a:ea typeface="+mn-ea"/>
+                <a:cs typeface="+mn-cs"/>
+              </a:defRPr>
+            </a:lvl1pPr>
+            <a:lvl2pPr marL="914400" indent="-384048" algn="l" defTabSz="914400" rtl="0" eaLnBrk="1" latinLnBrk="0" hangingPunct="1">
+              <a:lnSpc>
+                <a:spcPct val="94000"/>
+              </a:lnSpc>
+              <a:spcBef>
+                <a:spcPts val="500"/>
+              </a:spcBef>
+              <a:spcAft>
+                <a:spcPts val="200"/>
+              </a:spcAft>
+              <a:buFont typeface="Franklin Gothic Book" panose="020B0503020102020204" pitchFamily="34" charset="0"/>
+              <a:buChar char="–"/>
+              <a:defRPr sz="2000" i="1" kern="1200" baseline="0">
+                <a:solidFill>
+                  <a:schemeClr val="tx2"/>
+                </a:solidFill>
+                <a:latin typeface="+mn-lt"/>
+                <a:ea typeface="+mn-ea"/>
+                <a:cs typeface="+mn-cs"/>
+              </a:defRPr>
+            </a:lvl2pPr>
+            <a:lvl3pPr marL="1371600" indent="-384048" algn="l" defTabSz="914400" rtl="0" eaLnBrk="1" latinLnBrk="0" hangingPunct="1">
+              <a:lnSpc>
+                <a:spcPct val="94000"/>
+              </a:lnSpc>
+              <a:spcBef>
+                <a:spcPts val="500"/>
+              </a:spcBef>
+              <a:spcAft>
+                <a:spcPts val="200"/>
+              </a:spcAft>
+              <a:buFont typeface="Franklin Gothic Book" panose="020B0503020102020204" pitchFamily="34" charset="0"/>
+              <a:buChar char="■"/>
+              <a:defRPr sz="1800" kern="1200" baseline="0">
+                <a:solidFill>
+                  <a:schemeClr val="tx2"/>
+                </a:solidFill>
+                <a:latin typeface="+mn-lt"/>
+                <a:ea typeface="+mn-ea"/>
+                <a:cs typeface="+mn-cs"/>
+              </a:defRPr>
+            </a:lvl3pPr>
+            <a:lvl4pPr marL="1828800" indent="-384048" algn="l" defTabSz="914400" rtl="0" eaLnBrk="1" latinLnBrk="0" hangingPunct="1">
+              <a:lnSpc>
+                <a:spcPct val="94000"/>
+              </a:lnSpc>
+              <a:spcBef>
+                <a:spcPts val="500"/>
+              </a:spcBef>
+              <a:spcAft>
+                <a:spcPts val="200"/>
+              </a:spcAft>
+              <a:buFont typeface="Franklin Gothic Book" panose="020B0503020102020204" pitchFamily="34" charset="0"/>
+              <a:buChar char="–"/>
+              <a:defRPr sz="1800" i="1" kern="1200" baseline="0">
+                <a:solidFill>
+                  <a:schemeClr val="tx2"/>
+                </a:solidFill>
+                <a:latin typeface="+mn-lt"/>
+                <a:ea typeface="+mn-ea"/>
+                <a:cs typeface="+mn-cs"/>
+              </a:defRPr>
+            </a:lvl4pPr>
+            <a:lvl5pPr marL="2286000" indent="-384048" algn="l" defTabSz="914400" rtl="0" eaLnBrk="1" latinLnBrk="0" hangingPunct="1">
+              <a:lnSpc>
+                <a:spcPct val="94000"/>
+              </a:lnSpc>
+              <a:spcBef>
+                <a:spcPts val="500"/>
+              </a:spcBef>
+              <a:spcAft>
+                <a:spcPts val="200"/>
+              </a:spcAft>
+              <a:buFont typeface="Franklin Gothic Book" panose="020B0503020102020204" pitchFamily="34" charset="0"/>
+              <a:buChar char="■"/>
+              <a:defRPr sz="1600" kern="1200" baseline="0">
+                <a:solidFill>
+                  <a:schemeClr val="tx2"/>
+                </a:solidFill>
+                <a:latin typeface="+mn-lt"/>
+                <a:ea typeface="+mn-ea"/>
+                <a:cs typeface="+mn-cs"/>
+              </a:defRPr>
+            </a:lvl5pPr>
+            <a:lvl6pPr marL="2743200" indent="-384048" algn="l" defTabSz="914400" rtl="0" eaLnBrk="1" latinLnBrk="0" hangingPunct="1">
+              <a:lnSpc>
+                <a:spcPct val="94000"/>
+              </a:lnSpc>
+              <a:spcBef>
+                <a:spcPts val="500"/>
+              </a:spcBef>
+              <a:spcAft>
+                <a:spcPts val="200"/>
+              </a:spcAft>
+              <a:buFont typeface="Franklin Gothic Book" panose="020B0503020102020204" pitchFamily="34" charset="0"/>
+              <a:buChar char="–"/>
+              <a:defRPr sz="1600" i="1" kern="1200" baseline="0">
+                <a:solidFill>
+                  <a:schemeClr val="tx2"/>
+                </a:solidFill>
+                <a:latin typeface="+mn-lt"/>
+                <a:ea typeface="+mn-ea"/>
+                <a:cs typeface="+mn-cs"/>
+              </a:defRPr>
+            </a:lvl6pPr>
+            <a:lvl7pPr marL="3200400" indent="-384048" algn="l" defTabSz="914400" rtl="0" eaLnBrk="1" latinLnBrk="0" hangingPunct="1">
+              <a:lnSpc>
+                <a:spcPct val="94000"/>
+              </a:lnSpc>
+              <a:spcBef>
+                <a:spcPts val="500"/>
+              </a:spcBef>
+              <a:spcAft>
+                <a:spcPts val="200"/>
+              </a:spcAft>
+              <a:buFont typeface="Franklin Gothic Book" panose="020B0503020102020204" pitchFamily="34" charset="0"/>
+              <a:buChar char="■"/>
+              <a:defRPr sz="1400" kern="1200" baseline="0">
+                <a:solidFill>
+                  <a:schemeClr val="tx2"/>
+                </a:solidFill>
+                <a:latin typeface="+mn-lt"/>
+                <a:ea typeface="+mn-ea"/>
+                <a:cs typeface="+mn-cs"/>
+              </a:defRPr>
+            </a:lvl7pPr>
+            <a:lvl8pPr marL="3657600" indent="-384048" algn="l" defTabSz="914400" rtl="0" eaLnBrk="1" latinLnBrk="0" hangingPunct="1">
+              <a:lnSpc>
+                <a:spcPct val="94000"/>
+              </a:lnSpc>
+              <a:spcBef>
+                <a:spcPts val="500"/>
+              </a:spcBef>
+              <a:spcAft>
+                <a:spcPts val="200"/>
+              </a:spcAft>
+              <a:buFont typeface="Franklin Gothic Book" panose="020B0503020102020204" pitchFamily="34" charset="0"/>
+              <a:buChar char="–"/>
+              <a:defRPr sz="1400" i="1" kern="1200" baseline="0">
+                <a:solidFill>
+                  <a:schemeClr val="tx2"/>
+                </a:solidFill>
+                <a:latin typeface="+mn-lt"/>
+                <a:ea typeface="+mn-ea"/>
+                <a:cs typeface="+mn-cs"/>
+              </a:defRPr>
+            </a:lvl8pPr>
+            <a:lvl9pPr marL="4114800" indent="-384048" algn="l" defTabSz="914400" rtl="0" eaLnBrk="1" latinLnBrk="0" hangingPunct="1">
+              <a:lnSpc>
+                <a:spcPct val="94000"/>
+              </a:lnSpc>
+              <a:spcBef>
+                <a:spcPts val="500"/>
+              </a:spcBef>
+              <a:spcAft>
+                <a:spcPts val="200"/>
+              </a:spcAft>
+              <a:buFont typeface="Franklin Gothic Book" panose="020B0503020102020204" pitchFamily="34" charset="0"/>
+              <a:buChar char="■"/>
+              <a:defRPr sz="1400" kern="1200" baseline="0">
+                <a:solidFill>
+                  <a:schemeClr val="tx2"/>
+                </a:solidFill>
+                <a:latin typeface="+mn-lt"/>
+                <a:ea typeface="+mn-ea"/>
+                <a:cs typeface="+mn-cs"/>
+              </a:defRPr>
+            </a:lvl9pPr>
+          </a:lstStyle>
+          <a:p>
+            <a:pPr marL="0" indent="0">
+              <a:buNone/>
+            </a:pPr>
+            <a:r>
+              <a:rPr lang="en-US" dirty="0">
+                <a:solidFill>
+                  <a:schemeClr val="accent6"/>
+                </a:solidFill>
+                <a:latin typeface="Menlo" panose="020B0609030804020204" pitchFamily="49" charset="0"/>
+                <a:ea typeface="Menlo" panose="020B0609030804020204" pitchFamily="49" charset="0"/>
+                <a:cs typeface="Menlo" panose="020B0609030804020204" pitchFamily="49" charset="0"/>
+              </a:rPr>
+              <a:t>public interface Citizen {</a:t>
+            </a:r>
+          </a:p>
+          <a:p>
+            <a:pPr marL="0" indent="0">
+              <a:buNone/>
+            </a:pPr>
+            <a:r>
+              <a:rPr lang="en-US" dirty="0">
+                <a:solidFill>
+                  <a:schemeClr val="accent6"/>
+                </a:solidFill>
+                <a:latin typeface="Menlo" panose="020B0609030804020204" pitchFamily="49" charset="0"/>
+                <a:ea typeface="Menlo" panose="020B0609030804020204" pitchFamily="49" charset="0"/>
+                <a:cs typeface="Menlo" panose="020B0609030804020204" pitchFamily="49" charset="0"/>
+              </a:rPr>
+              <a:t>    public String vote();</a:t>
+            </a:r>
+          </a:p>
+          <a:p>
+            <a:pPr marL="0" indent="0">
+              <a:buNone/>
+            </a:pPr>
+            <a:r>
+              <a:rPr lang="en-US" dirty="0">
+                <a:solidFill>
+                  <a:schemeClr val="accent6"/>
+                </a:solidFill>
+                <a:latin typeface="Menlo" panose="020B0609030804020204" pitchFamily="49" charset="0"/>
+                <a:ea typeface="Menlo" panose="020B0609030804020204" pitchFamily="49" charset="0"/>
+                <a:cs typeface="Menlo" panose="020B0609030804020204" pitchFamily="49" charset="0"/>
+              </a:rPr>
+              <a:t>    public void </a:t>
+            </a:r>
+            <a:r>
+              <a:rPr lang="en-US" dirty="0" err="1">
+                <a:solidFill>
+                  <a:schemeClr val="accent6"/>
+                </a:solidFill>
+                <a:latin typeface="Menlo" panose="020B0609030804020204" pitchFamily="49" charset="0"/>
+                <a:ea typeface="Menlo" panose="020B0609030804020204" pitchFamily="49" charset="0"/>
+                <a:cs typeface="Menlo" panose="020B0609030804020204" pitchFamily="49" charset="0"/>
+              </a:rPr>
+              <a:t>payTaxes</a:t>
+            </a:r>
+            <a:r>
+              <a:rPr lang="en-US" dirty="0">
+                <a:solidFill>
+                  <a:schemeClr val="accent6"/>
+                </a:solidFill>
+                <a:latin typeface="Menlo" panose="020B0609030804020204" pitchFamily="49" charset="0"/>
+                <a:ea typeface="Menlo" panose="020B0609030804020204" pitchFamily="49" charset="0"/>
+                <a:cs typeface="Menlo" panose="020B0609030804020204" pitchFamily="49" charset="0"/>
+              </a:rPr>
+              <a:t>();</a:t>
+            </a:r>
+          </a:p>
+          <a:p>
+            <a:pPr marL="0" indent="0">
+              <a:buNone/>
+            </a:pPr>
+            <a:r>
+              <a:rPr lang="en-US" dirty="0">
+                <a:solidFill>
+                  <a:schemeClr val="accent6"/>
+                </a:solidFill>
+                <a:latin typeface="Menlo" panose="020B0609030804020204" pitchFamily="49" charset="0"/>
+                <a:ea typeface="Menlo" panose="020B0609030804020204" pitchFamily="49" charset="0"/>
+                <a:cs typeface="Menlo" panose="020B0609030804020204" pitchFamily="49" charset="0"/>
+              </a:rPr>
+              <a:t>}</a:t>
+            </a:r>
+          </a:p>
+        </p:txBody>
+      </p:sp>
+      <p:sp>
+        <p:nvSpPr>
+          <p:cNvPr id="8" name="Content Placeholder 2">
+            <a:extLst>
+              <a:ext uri="{FF2B5EF4-FFF2-40B4-BE49-F238E27FC236}">
+                <a16:creationId xmlns:a16="http://schemas.microsoft.com/office/drawing/2014/main" id="{59B20E66-1DD7-614E-9DE4-EAE5F04BDF4C}"/>
+              </a:ext>
+            </a:extLst>
+          </p:cNvPr>
+          <p:cNvSpPr txBox="1">
+            <a:spLocks/>
+          </p:cNvSpPr>
+          <p:nvPr/>
+        </p:nvSpPr>
+        <p:spPr>
+          <a:xfrm>
+            <a:off x="6121400" y="1199678"/>
+            <a:ext cx="5892800" cy="2197172"/>
+          </a:xfrm>
+          <a:prstGeom prst="rect">
+            <a:avLst/>
+          </a:prstGeom>
+          <a:ln>
+            <a:solidFill>
+              <a:schemeClr val="tx1"/>
+            </a:solidFill>
+          </a:ln>
+        </p:spPr>
+        <p:txBody>
+          <a:bodyPr vert="horz" lIns="91440" tIns="45720" rIns="91440" bIns="45720" rtlCol="0">
+            <a:normAutofit/>
+          </a:bodyPr>
+          <a:lstStyle>
+            <a:defPPr>
+              <a:defRPr lang="en-US"/>
+            </a:defPPr>
+            <a:lvl1pPr indent="0">
+              <a:lnSpc>
+                <a:spcPct val="94000"/>
+              </a:lnSpc>
+              <a:spcBef>
+                <a:spcPts val="1000"/>
+              </a:spcBef>
+              <a:spcAft>
+                <a:spcPts val="200"/>
+              </a:spcAft>
+              <a:buFont typeface="Franklin Gothic Book" panose="020B0503020102020204" pitchFamily="34" charset="0"/>
+              <a:buNone/>
+              <a:defRPr sz="2000" baseline="0">
+                <a:solidFill>
+                  <a:schemeClr val="accent6"/>
+                </a:solidFill>
+                <a:latin typeface="Menlo" panose="020B0609030804020204" pitchFamily="49" charset="0"/>
+                <a:ea typeface="Menlo" panose="020B0609030804020204" pitchFamily="49" charset="0"/>
+                <a:cs typeface="Menlo" panose="020B0609030804020204" pitchFamily="49" charset="0"/>
+              </a:defRPr>
+            </a:lvl1pPr>
+            <a:lvl2pPr marL="914400" indent="-384048">
+              <a:lnSpc>
+                <a:spcPct val="94000"/>
+              </a:lnSpc>
+              <a:spcBef>
+                <a:spcPts val="500"/>
+              </a:spcBef>
+              <a:spcAft>
+                <a:spcPts val="200"/>
+              </a:spcAft>
+              <a:buFont typeface="Franklin Gothic Book" panose="020B0503020102020204" pitchFamily="34" charset="0"/>
+              <a:buChar char="–"/>
+              <a:defRPr sz="2000" i="1" baseline="0">
+                <a:solidFill>
+                  <a:schemeClr val="tx2"/>
+                </a:solidFill>
+              </a:defRPr>
+            </a:lvl2pPr>
+            <a:lvl3pPr marL="1371600" indent="-384048">
+              <a:lnSpc>
+                <a:spcPct val="94000"/>
+              </a:lnSpc>
+              <a:spcBef>
+                <a:spcPts val="500"/>
+              </a:spcBef>
+              <a:spcAft>
+                <a:spcPts val="200"/>
+              </a:spcAft>
+              <a:buFont typeface="Franklin Gothic Book" panose="020B0503020102020204" pitchFamily="34" charset="0"/>
+              <a:buChar char="■"/>
+              <a:defRPr baseline="0">
+                <a:solidFill>
+                  <a:schemeClr val="tx2"/>
+                </a:solidFill>
+              </a:defRPr>
+            </a:lvl3pPr>
+            <a:lvl4pPr marL="1828800" indent="-384048">
+              <a:lnSpc>
+                <a:spcPct val="94000"/>
+              </a:lnSpc>
+              <a:spcBef>
+                <a:spcPts val="500"/>
+              </a:spcBef>
+              <a:spcAft>
+                <a:spcPts val="200"/>
+              </a:spcAft>
+              <a:buFont typeface="Franklin Gothic Book" panose="020B0503020102020204" pitchFamily="34" charset="0"/>
+              <a:buChar char="–"/>
+              <a:defRPr i="1" baseline="0">
+                <a:solidFill>
+                  <a:schemeClr val="tx2"/>
+                </a:solidFill>
+              </a:defRPr>
+            </a:lvl4pPr>
+            <a:lvl5pPr marL="2286000" indent="-384048">
+              <a:lnSpc>
+                <a:spcPct val="94000"/>
+              </a:lnSpc>
+              <a:spcBef>
+                <a:spcPts val="500"/>
+              </a:spcBef>
+              <a:spcAft>
+                <a:spcPts val="200"/>
+              </a:spcAft>
+              <a:buFont typeface="Franklin Gothic Book" panose="020B0503020102020204" pitchFamily="34" charset="0"/>
+              <a:buChar char="■"/>
+              <a:defRPr sz="1600" baseline="0">
+                <a:solidFill>
+                  <a:schemeClr val="tx2"/>
+                </a:solidFill>
+              </a:defRPr>
+            </a:lvl5pPr>
+            <a:lvl6pPr marL="2743200" indent="-384048">
+              <a:lnSpc>
+                <a:spcPct val="94000"/>
+              </a:lnSpc>
+              <a:spcBef>
+                <a:spcPts val="500"/>
+              </a:spcBef>
+              <a:spcAft>
+                <a:spcPts val="200"/>
+              </a:spcAft>
+              <a:buFont typeface="Franklin Gothic Book" panose="020B0503020102020204" pitchFamily="34" charset="0"/>
+              <a:buChar char="–"/>
+              <a:defRPr sz="1600" i="1" baseline="0">
+                <a:solidFill>
+                  <a:schemeClr val="tx2"/>
+                </a:solidFill>
+              </a:defRPr>
+            </a:lvl6pPr>
+            <a:lvl7pPr marL="3200400" indent="-384048">
+              <a:lnSpc>
+                <a:spcPct val="94000"/>
+              </a:lnSpc>
+              <a:spcBef>
+                <a:spcPts val="500"/>
+              </a:spcBef>
+              <a:spcAft>
+                <a:spcPts val="200"/>
+              </a:spcAft>
+              <a:buFont typeface="Franklin Gothic Book" panose="020B0503020102020204" pitchFamily="34" charset="0"/>
+              <a:buChar char="■"/>
+              <a:defRPr sz="1400" baseline="0">
+                <a:solidFill>
+                  <a:schemeClr val="tx2"/>
+                </a:solidFill>
+              </a:defRPr>
+            </a:lvl7pPr>
+            <a:lvl8pPr marL="3657600" indent="-384048">
+              <a:lnSpc>
+                <a:spcPct val="94000"/>
+              </a:lnSpc>
+              <a:spcBef>
+                <a:spcPts val="500"/>
+              </a:spcBef>
+              <a:spcAft>
+                <a:spcPts val="200"/>
+              </a:spcAft>
+              <a:buFont typeface="Franklin Gothic Book" panose="020B0503020102020204" pitchFamily="34" charset="0"/>
+              <a:buChar char="–"/>
+              <a:defRPr sz="1400" i="1" baseline="0">
+                <a:solidFill>
+                  <a:schemeClr val="tx2"/>
+                </a:solidFill>
+              </a:defRPr>
+            </a:lvl8pPr>
+            <a:lvl9pPr marL="4114800" indent="-384048">
+              <a:lnSpc>
+                <a:spcPct val="94000"/>
+              </a:lnSpc>
+              <a:spcBef>
+                <a:spcPts val="500"/>
+              </a:spcBef>
+              <a:spcAft>
+                <a:spcPts val="200"/>
+              </a:spcAft>
+              <a:buFont typeface="Franklin Gothic Book" panose="020B0503020102020204" pitchFamily="34" charset="0"/>
+              <a:buChar char="■"/>
+              <a:defRPr sz="1400" baseline="0">
+                <a:solidFill>
+                  <a:schemeClr val="tx2"/>
+                </a:solidFill>
+              </a:defRPr>
+            </a:lvl9pPr>
+          </a:lstStyle>
+          <a:p>
+            <a:r>
+              <a:rPr lang="en-US" dirty="0"/>
+              <a:t>class Citizen:</a:t>
+            </a:r>
+          </a:p>
+          <a:p>
+            <a:r>
+              <a:rPr lang="en-US" dirty="0"/>
+              <a:t>    def vote():</a:t>
+            </a:r>
+          </a:p>
+          <a:p>
+            <a:r>
+              <a:rPr lang="en-US" dirty="0"/>
+              <a:t>        raise </a:t>
+            </a:r>
+            <a:r>
+              <a:rPr lang="en-US" dirty="0" err="1"/>
+              <a:t>UnimplementedException</a:t>
+            </a:r>
+            <a:endParaRPr lang="en-US" dirty="0"/>
+          </a:p>
+          <a:p>
+            <a:r>
+              <a:rPr lang="en-US" dirty="0"/>
+              <a:t>    def </a:t>
+            </a:r>
+            <a:r>
+              <a:rPr lang="en-US" dirty="0" err="1"/>
+              <a:t>payTaxes</a:t>
+            </a:r>
+            <a:r>
+              <a:rPr lang="en-US" dirty="0"/>
+              <a:t>():</a:t>
+            </a:r>
+          </a:p>
+          <a:p>
+            <a:r>
+              <a:rPr lang="en-US" dirty="0"/>
+              <a:t>        raise </a:t>
+            </a:r>
+            <a:r>
+              <a:rPr lang="en-US" dirty="0" err="1"/>
+              <a:t>UnimplementedException</a:t>
+            </a:r>
+            <a:endParaRPr lang="en-US" dirty="0"/>
+          </a:p>
+          <a:p>
+            <a:endParaRPr lang="en-US" dirty="0"/>
+          </a:p>
+          <a:p>
+            <a:endParaRPr lang="en-US" dirty="0"/>
+          </a:p>
+          <a:p>
+            <a:endParaRPr lang="en-US" dirty="0"/>
+          </a:p>
+        </p:txBody>
+      </p:sp>
+      <p:sp>
+        <p:nvSpPr>
+          <p:cNvPr id="9" name="Content Placeholder 2">
+            <a:extLst>
+              <a:ext uri="{FF2B5EF4-FFF2-40B4-BE49-F238E27FC236}">
+                <a16:creationId xmlns:a16="http://schemas.microsoft.com/office/drawing/2014/main" id="{1BD700C3-CA8F-E041-8396-04B95790FEF3}"/>
+              </a:ext>
+            </a:extLst>
+          </p:cNvPr>
+          <p:cNvSpPr txBox="1">
+            <a:spLocks/>
+          </p:cNvSpPr>
+          <p:nvPr/>
+        </p:nvSpPr>
+        <p:spPr>
+          <a:xfrm>
+            <a:off x="6574571" y="3396850"/>
+            <a:ext cx="4986458" cy="2790456"/>
           </a:xfrm>
           <a:prstGeom prst="rect">
             <a:avLst/>
@@ -6380,11 +7524,14 @@
             </a:pPr>
             <a:r>
               <a:rPr lang="en-US" dirty="0">
-                <a:latin typeface="Menlo" panose="020B0609030804020204" pitchFamily="49" charset="0"/>
-                <a:ea typeface="Menlo" panose="020B0609030804020204" pitchFamily="49" charset="0"/>
-                <a:cs typeface="Menlo" panose="020B0609030804020204" pitchFamily="49" charset="0"/>
-              </a:rPr>
-              <a:t>public interface Citizen {</a:t>
+                <a:solidFill>
+                  <a:schemeClr val="accent6"/>
+                </a:solidFill>
+                <a:latin typeface="Menlo" panose="020B0609030804020204" pitchFamily="49" charset="0"/>
+                <a:ea typeface="Menlo" panose="020B0609030804020204" pitchFamily="49" charset="0"/>
+                <a:cs typeface="Menlo" panose="020B0609030804020204" pitchFamily="49" charset="0"/>
+              </a:rPr>
+              <a:t>class Person(Citizen):</a:t>
             </a:r>
           </a:p>
           <a:p>
@@ -6393,11 +7540,14 @@
             </a:pPr>
             <a:r>
               <a:rPr lang="en-US" dirty="0">
-                <a:latin typeface="Menlo" panose="020B0609030804020204" pitchFamily="49" charset="0"/>
-                <a:ea typeface="Menlo" panose="020B0609030804020204" pitchFamily="49" charset="0"/>
-                <a:cs typeface="Menlo" panose="020B0609030804020204" pitchFamily="49" charset="0"/>
-              </a:rPr>
-              <a:t>    public String vote();</a:t>
+                <a:solidFill>
+                  <a:schemeClr val="accent6"/>
+                </a:solidFill>
+                <a:latin typeface="Menlo" panose="020B0609030804020204" pitchFamily="49" charset="0"/>
+                <a:ea typeface="Menlo" panose="020B0609030804020204" pitchFamily="49" charset="0"/>
+                <a:cs typeface="Menlo" panose="020B0609030804020204" pitchFamily="49" charset="0"/>
+              </a:rPr>
+              <a:t>def vote():</a:t>
             </a:r>
           </a:p>
           <a:p>
@@ -6406,27 +7556,14 @@
             </a:pPr>
             <a:r>
               <a:rPr lang="en-US" dirty="0">
-                <a:latin typeface="Menlo" panose="020B0609030804020204" pitchFamily="49" charset="0"/>
-                <a:ea typeface="Menlo" panose="020B0609030804020204" pitchFamily="49" charset="0"/>
-                <a:cs typeface="Menlo" panose="020B0609030804020204" pitchFamily="49" charset="0"/>
-              </a:rPr>
-              <a:t>    public void </a:t>
-            </a:r>
-            <a:r>
-              <a:rPr lang="en-US" dirty="0" err="1">
-                <a:latin typeface="Menlo" panose="020B0609030804020204" pitchFamily="49" charset="0"/>
-                <a:ea typeface="Menlo" panose="020B0609030804020204" pitchFamily="49" charset="0"/>
-                <a:cs typeface="Menlo" panose="020B0609030804020204" pitchFamily="49" charset="0"/>
-              </a:rPr>
-              <a:t>payTaxes</a:t>
-            </a:r>
-            <a:r>
-              <a:rPr lang="en-US" dirty="0">
-                <a:latin typeface="Menlo" panose="020B0609030804020204" pitchFamily="49" charset="0"/>
-                <a:ea typeface="Menlo" panose="020B0609030804020204" pitchFamily="49" charset="0"/>
-                <a:cs typeface="Menlo" panose="020B0609030804020204" pitchFamily="49" charset="0"/>
-              </a:rPr>
-              <a:t>();</a:t>
+                <a:solidFill>
+                  <a:schemeClr val="accent6"/>
+                </a:solidFill>
+                <a:latin typeface="Menlo" panose="020B0609030804020204" pitchFamily="49" charset="0"/>
+                <a:ea typeface="Menlo" panose="020B0609030804020204" pitchFamily="49" charset="0"/>
+                <a:cs typeface="Menlo" panose="020B0609030804020204" pitchFamily="49" charset="0"/>
+              </a:rPr>
+              <a:t>        return ‘voting’</a:t>
             </a:r>
           </a:p>
           <a:p>
@@ -6435,11 +7572,52 @@
             </a:pPr>
             <a:r>
               <a:rPr lang="en-US" dirty="0">
-                <a:latin typeface="Menlo" panose="020B0609030804020204" pitchFamily="49" charset="0"/>
-                <a:ea typeface="Menlo" panose="020B0609030804020204" pitchFamily="49" charset="0"/>
-                <a:cs typeface="Menlo" panose="020B0609030804020204" pitchFamily="49" charset="0"/>
-              </a:rPr>
-              <a:t>}</a:t>
+                <a:solidFill>
+                  <a:schemeClr val="accent6"/>
+                </a:solidFill>
+                <a:latin typeface="Menlo" panose="020B0609030804020204" pitchFamily="49" charset="0"/>
+                <a:ea typeface="Menlo" panose="020B0609030804020204" pitchFamily="49" charset="0"/>
+                <a:cs typeface="Menlo" panose="020B0609030804020204" pitchFamily="49" charset="0"/>
+              </a:rPr>
+              <a:t>    def </a:t>
+            </a:r>
+            <a:r>
+              <a:rPr lang="en-US" dirty="0" err="1">
+                <a:solidFill>
+                  <a:schemeClr val="accent6"/>
+                </a:solidFill>
+                <a:latin typeface="Menlo" panose="020B0609030804020204" pitchFamily="49" charset="0"/>
+                <a:ea typeface="Menlo" panose="020B0609030804020204" pitchFamily="49" charset="0"/>
+                <a:cs typeface="Menlo" panose="020B0609030804020204" pitchFamily="49" charset="0"/>
+              </a:rPr>
+              <a:t>payTaxes</a:t>
+            </a:r>
+            <a:r>
+              <a:rPr lang="en-US" dirty="0">
+                <a:solidFill>
+                  <a:schemeClr val="accent6"/>
+                </a:solidFill>
+                <a:latin typeface="Menlo" panose="020B0609030804020204" pitchFamily="49" charset="0"/>
+                <a:ea typeface="Menlo" panose="020B0609030804020204" pitchFamily="49" charset="0"/>
+                <a:cs typeface="Menlo" panose="020B0609030804020204" pitchFamily="49" charset="0"/>
+              </a:rPr>
+              <a:t>():</a:t>
+            </a:r>
+          </a:p>
+          <a:p>
+            <a:pPr marL="0" indent="0">
+              <a:buNone/>
+            </a:pPr>
+            <a:r>
+              <a:rPr lang="en-US" dirty="0">
+                <a:solidFill>
+                  <a:schemeClr val="accent6"/>
+                </a:solidFill>
+                <a:latin typeface="Menlo" panose="020B0609030804020204" pitchFamily="49" charset="0"/>
+                <a:ea typeface="Menlo" panose="020B0609030804020204" pitchFamily="49" charset="0"/>
+                <a:cs typeface="Menlo" panose="020B0609030804020204" pitchFamily="49" charset="0"/>
+              </a:rPr>
+              <a:t>        print(‘gross’)</a:t>
             </a:r>
           </a:p>
           <a:p>
@@ -6447,6 +7625,9 @@
               <a:buNone/>
             </a:pPr>
             <a:endParaRPr lang="en-US" dirty="0">
+              <a:solidFill>
+                <a:schemeClr val="accent6"/>
+              </a:solidFill>
               <a:latin typeface="Menlo" panose="020B0609030804020204" pitchFamily="49" charset="0"/>
               <a:ea typeface="Menlo" panose="020B0609030804020204" pitchFamily="49" charset="0"/>
               <a:cs typeface="Menlo" panose="020B0609030804020204" pitchFamily="49" charset="0"/>
@@ -6457,6 +7638,9 @@
               <a:buNone/>
             </a:pPr>
             <a:endParaRPr lang="en-US" dirty="0">
+              <a:solidFill>
+                <a:schemeClr val="accent6"/>
+              </a:solidFill>
               <a:latin typeface="Menlo" panose="020B0609030804020204" pitchFamily="49" charset="0"/>
               <a:ea typeface="Menlo" panose="020B0609030804020204" pitchFamily="49" charset="0"/>
               <a:cs typeface="Menlo" panose="020B0609030804020204" pitchFamily="49" charset="0"/>
@@ -6467,6 +7651,9 @@
               <a:buNone/>
             </a:pPr>
             <a:endParaRPr lang="en-US" dirty="0">
+              <a:solidFill>
+                <a:schemeClr val="accent6"/>
+              </a:solidFill>
               <a:latin typeface="Menlo" panose="020B0609030804020204" pitchFamily="49" charset="0"/>
               <a:ea typeface="Menlo" panose="020B0609030804020204" pitchFamily="49" charset="0"/>
               <a:cs typeface="Menlo" panose="020B0609030804020204" pitchFamily="49" charset="0"/>
@@ -6490,12 +7677,15 @@
         </p:nvSpPr>
         <p:spPr>
           <a:xfrm>
-            <a:off x="956862" y="3381154"/>
-            <a:ext cx="4869780" cy="3168502"/>
+            <a:off x="512223" y="2391144"/>
+            <a:ext cx="6066238" cy="4158512"/>
           </a:xfrm>
           <a:prstGeom prst="rect">
             <a:avLst/>
           </a:prstGeom>
+          <a:solidFill>
+            <a:schemeClr val="bg1"/>
+          </a:solidFill>
           <a:ln>
             <a:solidFill>
               <a:schemeClr val="tx1"/>
@@ -6504,7 +7694,7 @@
         </p:spPr>
         <p:txBody>
           <a:bodyPr vert="horz" lIns="91440" tIns="45720" rIns="91440" bIns="45720" rtlCol="0">
-            <a:normAutofit fontScale="70000" lnSpcReduction="20000"/>
+            <a:normAutofit fontScale="92500" lnSpcReduction="10000"/>
           </a:bodyPr>
           <a:lstStyle>
             <a:lvl1pPr marL="384048" indent="-384048" algn="l" defTabSz="914400" rtl="0" eaLnBrk="1" latinLnBrk="0" hangingPunct="1">
@@ -6703,6 +7893,9 @@
             </a:pPr>
             <a:r>
               <a:rPr lang="en-US" dirty="0">
+                <a:solidFill>
+                  <a:schemeClr val="accent6"/>
+                </a:solidFill>
                 <a:latin typeface="Menlo" panose="020B0609030804020204" pitchFamily="49" charset="0"/>
                 <a:ea typeface="Menlo" panose="020B0609030804020204" pitchFamily="49" charset="0"/>
                 <a:cs typeface="Menlo" panose="020B0609030804020204" pitchFamily="49" charset="0"/>
@@ -6716,6 +7909,9 @@
             </a:pPr>
             <a:r>
               <a:rPr lang="en-US" dirty="0">
+                <a:solidFill>
+                  <a:schemeClr val="accent6"/>
+                </a:solidFill>
                 <a:latin typeface="Menlo" panose="020B0609030804020204" pitchFamily="49" charset="0"/>
                 <a:ea typeface="Menlo" panose="020B0609030804020204" pitchFamily="49" charset="0"/>
                 <a:cs typeface="Menlo" panose="020B0609030804020204" pitchFamily="49" charset="0"/>
@@ -6729,6 +7925,9 @@
             </a:pPr>
             <a:r>
               <a:rPr lang="en-US" dirty="0">
+                <a:solidFill>
+                  <a:schemeClr val="accent6"/>
+                </a:solidFill>
                 <a:latin typeface="Menlo" panose="020B0609030804020204" pitchFamily="49" charset="0"/>
                 <a:ea typeface="Menlo" panose="020B0609030804020204" pitchFamily="49" charset="0"/>
                 <a:cs typeface="Menlo" panose="020B0609030804020204" pitchFamily="49" charset="0"/>
@@ -6742,6 +7941,9 @@
             </a:pPr>
             <a:r>
               <a:rPr lang="en-US" dirty="0">
+                <a:solidFill>
+                  <a:schemeClr val="accent6"/>
+                </a:solidFill>
                 <a:latin typeface="Menlo" panose="020B0609030804020204" pitchFamily="49" charset="0"/>
                 <a:ea typeface="Menlo" panose="020B0609030804020204" pitchFamily="49" charset="0"/>
                 <a:cs typeface="Menlo" panose="020B0609030804020204" pitchFamily="49" charset="0"/>
@@ -6755,6 +7957,9 @@
             </a:pPr>
             <a:r>
               <a:rPr lang="en-US" dirty="0">
+                <a:solidFill>
+                  <a:schemeClr val="accent6"/>
+                </a:solidFill>
                 <a:latin typeface="Menlo" panose="020B0609030804020204" pitchFamily="49" charset="0"/>
                 <a:ea typeface="Menlo" panose="020B0609030804020204" pitchFamily="49" charset="0"/>
                 <a:cs typeface="Menlo" panose="020B0609030804020204" pitchFamily="49" charset="0"/>
@@ -6768,6 +7973,9 @@
             </a:pPr>
             <a:r>
               <a:rPr lang="en-US" dirty="0">
+                <a:solidFill>
+                  <a:schemeClr val="accent6"/>
+                </a:solidFill>
                 <a:latin typeface="Menlo" panose="020B0609030804020204" pitchFamily="49" charset="0"/>
                 <a:ea typeface="Menlo" panose="020B0609030804020204" pitchFamily="49" charset="0"/>
                 <a:cs typeface="Menlo" panose="020B0609030804020204" pitchFamily="49" charset="0"/>
@@ -6781,6 +7989,9 @@
             </a:pPr>
             <a:r>
               <a:rPr lang="en-US" dirty="0">
+                <a:solidFill>
+                  <a:schemeClr val="accent6"/>
+                </a:solidFill>
                 <a:latin typeface="Menlo" panose="020B0609030804020204" pitchFamily="49" charset="0"/>
                 <a:ea typeface="Menlo" panose="020B0609030804020204" pitchFamily="49" charset="0"/>
                 <a:cs typeface="Menlo" panose="020B0609030804020204" pitchFamily="49" charset="0"/>
@@ -6789,6 +8000,9 @@
             </a:r>
             <a:r>
               <a:rPr lang="en-US" dirty="0" err="1">
+                <a:solidFill>
+                  <a:schemeClr val="accent6"/>
+                </a:solidFill>
                 <a:latin typeface="Menlo" panose="020B0609030804020204" pitchFamily="49" charset="0"/>
                 <a:ea typeface="Menlo" panose="020B0609030804020204" pitchFamily="49" charset="0"/>
                 <a:cs typeface="Menlo" panose="020B0609030804020204" pitchFamily="49" charset="0"/>
@@ -6797,6 +8011,9 @@
             </a:r>
             <a:r>
               <a:rPr lang="en-US" dirty="0">
+                <a:solidFill>
+                  <a:schemeClr val="accent6"/>
+                </a:solidFill>
                 <a:latin typeface="Menlo" panose="020B0609030804020204" pitchFamily="49" charset="0"/>
                 <a:ea typeface="Menlo" panose="020B0609030804020204" pitchFamily="49" charset="0"/>
                 <a:cs typeface="Menlo" panose="020B0609030804020204" pitchFamily="49" charset="0"/>
@@ -6810,6 +8027,9 @@
             </a:pPr>
             <a:r>
               <a:rPr lang="en-US" dirty="0">
+                <a:solidFill>
+                  <a:schemeClr val="accent6"/>
+                </a:solidFill>
                 <a:latin typeface="Menlo" panose="020B0609030804020204" pitchFamily="49" charset="0"/>
                 <a:ea typeface="Menlo" panose="020B0609030804020204" pitchFamily="49" charset="0"/>
                 <a:cs typeface="Menlo" panose="020B0609030804020204" pitchFamily="49" charset="0"/>
@@ -6818,6 +8038,9 @@
             </a:r>
             <a:r>
               <a:rPr lang="en-US" dirty="0" err="1">
+                <a:solidFill>
+                  <a:schemeClr val="accent6"/>
+                </a:solidFill>
                 <a:latin typeface="Menlo" panose="020B0609030804020204" pitchFamily="49" charset="0"/>
                 <a:ea typeface="Menlo" panose="020B0609030804020204" pitchFamily="49" charset="0"/>
                 <a:cs typeface="Menlo" panose="020B0609030804020204" pitchFamily="49" charset="0"/>
@@ -6826,6 +8049,9 @@
             </a:r>
             <a:r>
               <a:rPr lang="en-US" dirty="0">
+                <a:solidFill>
+                  <a:schemeClr val="accent6"/>
+                </a:solidFill>
                 <a:latin typeface="Menlo" panose="020B0609030804020204" pitchFamily="49" charset="0"/>
                 <a:ea typeface="Menlo" panose="020B0609030804020204" pitchFamily="49" charset="0"/>
                 <a:cs typeface="Menlo" panose="020B0609030804020204" pitchFamily="49" charset="0"/>
@@ -6839,6 +8065,9 @@
             </a:pPr>
             <a:r>
               <a:rPr lang="en-US" dirty="0">
+                <a:solidFill>
+                  <a:schemeClr val="accent6"/>
+                </a:solidFill>
                 <a:latin typeface="Menlo" panose="020B0609030804020204" pitchFamily="49" charset="0"/>
                 <a:ea typeface="Menlo" panose="020B0609030804020204" pitchFamily="49" charset="0"/>
                 <a:cs typeface="Menlo" panose="020B0609030804020204" pitchFamily="49" charset="0"/>
@@ -6852,6 +8081,9 @@
             </a:pPr>
             <a:r>
               <a:rPr lang="en-US" dirty="0">
+                <a:solidFill>
+                  <a:schemeClr val="accent6"/>
+                </a:solidFill>
                 <a:latin typeface="Menlo" panose="020B0609030804020204" pitchFamily="49" charset="0"/>
                 <a:ea typeface="Menlo" panose="020B0609030804020204" pitchFamily="49" charset="0"/>
                 <a:cs typeface="Menlo" panose="020B0609030804020204" pitchFamily="49" charset="0"/>
@@ -6864,6 +8096,9 @@
               <a:buNone/>
             </a:pPr>
             <a:endParaRPr lang="en-US" dirty="0">
+              <a:solidFill>
+                <a:schemeClr val="accent6"/>
+              </a:solidFill>
               <a:latin typeface="Menlo" panose="020B0609030804020204" pitchFamily="49" charset="0"/>
               <a:ea typeface="Menlo" panose="020B0609030804020204" pitchFamily="49" charset="0"/>
               <a:cs typeface="Menlo" panose="020B0609030804020204" pitchFamily="49" charset="0"/>
@@ -6874,6 +8109,9 @@
               <a:buNone/>
             </a:pPr>
             <a:endParaRPr lang="en-US" dirty="0">
+              <a:solidFill>
+                <a:schemeClr val="accent6"/>
+              </a:solidFill>
               <a:latin typeface="Menlo" panose="020B0609030804020204" pitchFamily="49" charset="0"/>
               <a:ea typeface="Menlo" panose="020B0609030804020204" pitchFamily="49" charset="0"/>
               <a:cs typeface="Menlo" panose="020B0609030804020204" pitchFamily="49" charset="0"/>
@@ -6884,704 +8122,9 @@
               <a:buNone/>
             </a:pPr>
             <a:endParaRPr lang="en-US" dirty="0">
-              <a:latin typeface="Menlo" panose="020B0609030804020204" pitchFamily="49" charset="0"/>
-              <a:ea typeface="Menlo" panose="020B0609030804020204" pitchFamily="49" charset="0"/>
-              <a:cs typeface="Menlo" panose="020B0609030804020204" pitchFamily="49" charset="0"/>
-            </a:endParaRPr>
-          </a:p>
-        </p:txBody>
-      </p:sp>
-      <p:sp>
-        <p:nvSpPr>
-          <p:cNvPr id="8" name="Content Placeholder 2">
-            <a:extLst>
-              <a:ext uri="{FF2B5EF4-FFF2-40B4-BE49-F238E27FC236}">
-                <a16:creationId xmlns:a16="http://schemas.microsoft.com/office/drawing/2014/main" id="{59B20E66-1DD7-614E-9DE4-EAE5F04BDF4C}"/>
-              </a:ext>
-            </a:extLst>
-          </p:cNvPr>
-          <p:cNvSpPr txBox="1">
-            <a:spLocks/>
-          </p:cNvSpPr>
-          <p:nvPr/>
-        </p:nvSpPr>
-        <p:spPr>
-          <a:xfrm>
-            <a:off x="6238079" y="1238847"/>
-            <a:ext cx="4869780" cy="1812697"/>
-          </a:xfrm>
-          <a:prstGeom prst="rect">
-            <a:avLst/>
-          </a:prstGeom>
-          <a:ln>
-            <a:solidFill>
-              <a:schemeClr val="tx1"/>
-            </a:solidFill>
-          </a:ln>
-        </p:spPr>
-        <p:txBody>
-          <a:bodyPr vert="horz" lIns="91440" tIns="45720" rIns="91440" bIns="45720" rtlCol="0">
-            <a:normAutofit fontScale="85000" lnSpcReduction="20000"/>
-          </a:bodyPr>
-          <a:lstStyle>
-            <a:lvl1pPr marL="384048" indent="-384048" algn="l" defTabSz="914400" rtl="0" eaLnBrk="1" latinLnBrk="0" hangingPunct="1">
-              <a:lnSpc>
-                <a:spcPct val="94000"/>
-              </a:lnSpc>
-              <a:spcBef>
-                <a:spcPts val="1000"/>
-              </a:spcBef>
-              <a:spcAft>
-                <a:spcPts val="200"/>
-              </a:spcAft>
-              <a:buFont typeface="Franklin Gothic Book" panose="020B0503020102020204" pitchFamily="34" charset="0"/>
-              <a:buChar char="■"/>
-              <a:defRPr sz="2000" kern="1200" baseline="0">
-                <a:solidFill>
-                  <a:schemeClr val="tx2"/>
-                </a:solidFill>
-                <a:latin typeface="+mn-lt"/>
-                <a:ea typeface="+mn-ea"/>
-                <a:cs typeface="+mn-cs"/>
-              </a:defRPr>
-            </a:lvl1pPr>
-            <a:lvl2pPr marL="914400" indent="-384048" algn="l" defTabSz="914400" rtl="0" eaLnBrk="1" latinLnBrk="0" hangingPunct="1">
-              <a:lnSpc>
-                <a:spcPct val="94000"/>
-              </a:lnSpc>
-              <a:spcBef>
-                <a:spcPts val="500"/>
-              </a:spcBef>
-              <a:spcAft>
-                <a:spcPts val="200"/>
-              </a:spcAft>
-              <a:buFont typeface="Franklin Gothic Book" panose="020B0503020102020204" pitchFamily="34" charset="0"/>
-              <a:buChar char="–"/>
-              <a:defRPr sz="2000" i="1" kern="1200" baseline="0">
-                <a:solidFill>
-                  <a:schemeClr val="tx2"/>
-                </a:solidFill>
-                <a:latin typeface="+mn-lt"/>
-                <a:ea typeface="+mn-ea"/>
-                <a:cs typeface="+mn-cs"/>
-              </a:defRPr>
-            </a:lvl2pPr>
-            <a:lvl3pPr marL="1371600" indent="-384048" algn="l" defTabSz="914400" rtl="0" eaLnBrk="1" latinLnBrk="0" hangingPunct="1">
-              <a:lnSpc>
-                <a:spcPct val="94000"/>
-              </a:lnSpc>
-              <a:spcBef>
-                <a:spcPts val="500"/>
-              </a:spcBef>
-              <a:spcAft>
-                <a:spcPts val="200"/>
-              </a:spcAft>
-              <a:buFont typeface="Franklin Gothic Book" panose="020B0503020102020204" pitchFamily="34" charset="0"/>
-              <a:buChar char="■"/>
-              <a:defRPr sz="1800" kern="1200" baseline="0">
-                <a:solidFill>
-                  <a:schemeClr val="tx2"/>
-                </a:solidFill>
-                <a:latin typeface="+mn-lt"/>
-                <a:ea typeface="+mn-ea"/>
-                <a:cs typeface="+mn-cs"/>
-              </a:defRPr>
-            </a:lvl3pPr>
-            <a:lvl4pPr marL="1828800" indent="-384048" algn="l" defTabSz="914400" rtl="0" eaLnBrk="1" latinLnBrk="0" hangingPunct="1">
-              <a:lnSpc>
-                <a:spcPct val="94000"/>
-              </a:lnSpc>
-              <a:spcBef>
-                <a:spcPts val="500"/>
-              </a:spcBef>
-              <a:spcAft>
-                <a:spcPts val="200"/>
-              </a:spcAft>
-              <a:buFont typeface="Franklin Gothic Book" panose="020B0503020102020204" pitchFamily="34" charset="0"/>
-              <a:buChar char="–"/>
-              <a:defRPr sz="1800" i="1" kern="1200" baseline="0">
-                <a:solidFill>
-                  <a:schemeClr val="tx2"/>
-                </a:solidFill>
-                <a:latin typeface="+mn-lt"/>
-                <a:ea typeface="+mn-ea"/>
-                <a:cs typeface="+mn-cs"/>
-              </a:defRPr>
-            </a:lvl4pPr>
-            <a:lvl5pPr marL="2286000" indent="-384048" algn="l" defTabSz="914400" rtl="0" eaLnBrk="1" latinLnBrk="0" hangingPunct="1">
-              <a:lnSpc>
-                <a:spcPct val="94000"/>
-              </a:lnSpc>
-              <a:spcBef>
-                <a:spcPts val="500"/>
-              </a:spcBef>
-              <a:spcAft>
-                <a:spcPts val="200"/>
-              </a:spcAft>
-              <a:buFont typeface="Franklin Gothic Book" panose="020B0503020102020204" pitchFamily="34" charset="0"/>
-              <a:buChar char="■"/>
-              <a:defRPr sz="1600" kern="1200" baseline="0">
-                <a:solidFill>
-                  <a:schemeClr val="tx2"/>
-                </a:solidFill>
-                <a:latin typeface="+mn-lt"/>
-                <a:ea typeface="+mn-ea"/>
-                <a:cs typeface="+mn-cs"/>
-              </a:defRPr>
-            </a:lvl5pPr>
-            <a:lvl6pPr marL="2743200" indent="-384048" algn="l" defTabSz="914400" rtl="0" eaLnBrk="1" latinLnBrk="0" hangingPunct="1">
-              <a:lnSpc>
-                <a:spcPct val="94000"/>
-              </a:lnSpc>
-              <a:spcBef>
-                <a:spcPts val="500"/>
-              </a:spcBef>
-              <a:spcAft>
-                <a:spcPts val="200"/>
-              </a:spcAft>
-              <a:buFont typeface="Franklin Gothic Book" panose="020B0503020102020204" pitchFamily="34" charset="0"/>
-              <a:buChar char="–"/>
-              <a:defRPr sz="1600" i="1" kern="1200" baseline="0">
-                <a:solidFill>
-                  <a:schemeClr val="tx2"/>
-                </a:solidFill>
-                <a:latin typeface="+mn-lt"/>
-                <a:ea typeface="+mn-ea"/>
-                <a:cs typeface="+mn-cs"/>
-              </a:defRPr>
-            </a:lvl6pPr>
-            <a:lvl7pPr marL="3200400" indent="-384048" algn="l" defTabSz="914400" rtl="0" eaLnBrk="1" latinLnBrk="0" hangingPunct="1">
-              <a:lnSpc>
-                <a:spcPct val="94000"/>
-              </a:lnSpc>
-              <a:spcBef>
-                <a:spcPts val="500"/>
-              </a:spcBef>
-              <a:spcAft>
-                <a:spcPts val="200"/>
-              </a:spcAft>
-              <a:buFont typeface="Franklin Gothic Book" panose="020B0503020102020204" pitchFamily="34" charset="0"/>
-              <a:buChar char="■"/>
-              <a:defRPr sz="1400" kern="1200" baseline="0">
-                <a:solidFill>
-                  <a:schemeClr val="tx2"/>
-                </a:solidFill>
-                <a:latin typeface="+mn-lt"/>
-                <a:ea typeface="+mn-ea"/>
-                <a:cs typeface="+mn-cs"/>
-              </a:defRPr>
-            </a:lvl7pPr>
-            <a:lvl8pPr marL="3657600" indent="-384048" algn="l" defTabSz="914400" rtl="0" eaLnBrk="1" latinLnBrk="0" hangingPunct="1">
-              <a:lnSpc>
-                <a:spcPct val="94000"/>
-              </a:lnSpc>
-              <a:spcBef>
-                <a:spcPts val="500"/>
-              </a:spcBef>
-              <a:spcAft>
-                <a:spcPts val="200"/>
-              </a:spcAft>
-              <a:buFont typeface="Franklin Gothic Book" panose="020B0503020102020204" pitchFamily="34" charset="0"/>
-              <a:buChar char="–"/>
-              <a:defRPr sz="1400" i="1" kern="1200" baseline="0">
-                <a:solidFill>
-                  <a:schemeClr val="tx2"/>
-                </a:solidFill>
-                <a:latin typeface="+mn-lt"/>
-                <a:ea typeface="+mn-ea"/>
-                <a:cs typeface="+mn-cs"/>
-              </a:defRPr>
-            </a:lvl8pPr>
-            <a:lvl9pPr marL="4114800" indent="-384048" algn="l" defTabSz="914400" rtl="0" eaLnBrk="1" latinLnBrk="0" hangingPunct="1">
-              <a:lnSpc>
-                <a:spcPct val="94000"/>
-              </a:lnSpc>
-              <a:spcBef>
-                <a:spcPts val="500"/>
-              </a:spcBef>
-              <a:spcAft>
-                <a:spcPts val="200"/>
-              </a:spcAft>
-              <a:buFont typeface="Franklin Gothic Book" panose="020B0503020102020204" pitchFamily="34" charset="0"/>
-              <a:buChar char="■"/>
-              <a:defRPr sz="1400" kern="1200" baseline="0">
-                <a:solidFill>
-                  <a:schemeClr val="tx2"/>
-                </a:solidFill>
-                <a:latin typeface="+mn-lt"/>
-                <a:ea typeface="+mn-ea"/>
-                <a:cs typeface="+mn-cs"/>
-              </a:defRPr>
-            </a:lvl9pPr>
-          </a:lstStyle>
-          <a:p>
-            <a:pPr marL="0" indent="0">
-              <a:buNone/>
-            </a:pPr>
-            <a:r>
-              <a:rPr lang="en-US" dirty="0">
-                <a:latin typeface="Menlo" panose="020B0609030804020204" pitchFamily="49" charset="0"/>
-                <a:ea typeface="Menlo" panose="020B0609030804020204" pitchFamily="49" charset="0"/>
-                <a:cs typeface="Menlo" panose="020B0609030804020204" pitchFamily="49" charset="0"/>
-              </a:rPr>
-              <a:t>class Citizen:</a:t>
-            </a:r>
-          </a:p>
-          <a:p>
-            <a:pPr marL="0" indent="0">
-              <a:buNone/>
-            </a:pPr>
-            <a:r>
-              <a:rPr lang="en-US" dirty="0">
-                <a:latin typeface="Menlo" panose="020B0609030804020204" pitchFamily="49" charset="0"/>
-                <a:ea typeface="Menlo" panose="020B0609030804020204" pitchFamily="49" charset="0"/>
-                <a:cs typeface="Menlo" panose="020B0609030804020204" pitchFamily="49" charset="0"/>
-              </a:rPr>
-              <a:t>    def vote():</a:t>
-            </a:r>
-          </a:p>
-          <a:p>
-            <a:pPr marL="0" indent="0">
-              <a:buNone/>
-            </a:pPr>
-            <a:r>
-              <a:rPr lang="en-US" dirty="0">
-                <a:latin typeface="Menlo" panose="020B0609030804020204" pitchFamily="49" charset="0"/>
-                <a:ea typeface="Menlo" panose="020B0609030804020204" pitchFamily="49" charset="0"/>
-                <a:cs typeface="Menlo" panose="020B0609030804020204" pitchFamily="49" charset="0"/>
-              </a:rPr>
-              <a:t>        raise </a:t>
-            </a:r>
-            <a:r>
-              <a:rPr lang="en-US" dirty="0" err="1">
-                <a:latin typeface="Menlo" panose="020B0609030804020204" pitchFamily="49" charset="0"/>
-                <a:ea typeface="Menlo" panose="020B0609030804020204" pitchFamily="49" charset="0"/>
-                <a:cs typeface="Menlo" panose="020B0609030804020204" pitchFamily="49" charset="0"/>
-              </a:rPr>
-              <a:t>UnimplementedException</a:t>
-            </a:r>
-            <a:endParaRPr lang="en-US" dirty="0">
-              <a:latin typeface="Menlo" panose="020B0609030804020204" pitchFamily="49" charset="0"/>
-              <a:ea typeface="Menlo" panose="020B0609030804020204" pitchFamily="49" charset="0"/>
-              <a:cs typeface="Menlo" panose="020B0609030804020204" pitchFamily="49" charset="0"/>
-            </a:endParaRPr>
-          </a:p>
-          <a:p>
-            <a:pPr marL="0" indent="0">
-              <a:buNone/>
-            </a:pPr>
-            <a:r>
-              <a:rPr lang="en-US" dirty="0">
-                <a:latin typeface="Menlo" panose="020B0609030804020204" pitchFamily="49" charset="0"/>
-                <a:ea typeface="Menlo" panose="020B0609030804020204" pitchFamily="49" charset="0"/>
-                <a:cs typeface="Menlo" panose="020B0609030804020204" pitchFamily="49" charset="0"/>
-              </a:rPr>
-              <a:t>    def </a:t>
-            </a:r>
-            <a:r>
-              <a:rPr lang="en-US" dirty="0" err="1">
-                <a:latin typeface="Menlo" panose="020B0609030804020204" pitchFamily="49" charset="0"/>
-                <a:ea typeface="Menlo" panose="020B0609030804020204" pitchFamily="49" charset="0"/>
-                <a:cs typeface="Menlo" panose="020B0609030804020204" pitchFamily="49" charset="0"/>
-              </a:rPr>
-              <a:t>payTaxes</a:t>
-            </a:r>
-            <a:r>
-              <a:rPr lang="en-US" dirty="0">
-                <a:latin typeface="Menlo" panose="020B0609030804020204" pitchFamily="49" charset="0"/>
-                <a:ea typeface="Menlo" panose="020B0609030804020204" pitchFamily="49" charset="0"/>
-                <a:cs typeface="Menlo" panose="020B0609030804020204" pitchFamily="49" charset="0"/>
-              </a:rPr>
-              <a:t>():</a:t>
-            </a:r>
-          </a:p>
-          <a:p>
-            <a:pPr marL="0" indent="0">
-              <a:buNone/>
-            </a:pPr>
-            <a:r>
-              <a:rPr lang="en-US" dirty="0">
-                <a:latin typeface="Menlo" panose="020B0609030804020204" pitchFamily="49" charset="0"/>
-                <a:ea typeface="Menlo" panose="020B0609030804020204" pitchFamily="49" charset="0"/>
-                <a:cs typeface="Menlo" panose="020B0609030804020204" pitchFamily="49" charset="0"/>
-              </a:rPr>
-              <a:t>        raise </a:t>
-            </a:r>
-            <a:r>
-              <a:rPr lang="en-US" dirty="0" err="1">
-                <a:latin typeface="Menlo" panose="020B0609030804020204" pitchFamily="49" charset="0"/>
-                <a:ea typeface="Menlo" panose="020B0609030804020204" pitchFamily="49" charset="0"/>
-                <a:cs typeface="Menlo" panose="020B0609030804020204" pitchFamily="49" charset="0"/>
-              </a:rPr>
-              <a:t>UnimplementedException</a:t>
-            </a:r>
-            <a:endParaRPr lang="en-US" dirty="0">
-              <a:latin typeface="Menlo" panose="020B0609030804020204" pitchFamily="49" charset="0"/>
-              <a:ea typeface="Menlo" panose="020B0609030804020204" pitchFamily="49" charset="0"/>
-              <a:cs typeface="Menlo" panose="020B0609030804020204" pitchFamily="49" charset="0"/>
-            </a:endParaRPr>
-          </a:p>
-          <a:p>
-            <a:pPr marL="0" indent="0">
-              <a:buNone/>
-            </a:pPr>
-            <a:endParaRPr lang="en-US" dirty="0">
-              <a:latin typeface="Menlo" panose="020B0609030804020204" pitchFamily="49" charset="0"/>
-              <a:ea typeface="Menlo" panose="020B0609030804020204" pitchFamily="49" charset="0"/>
-              <a:cs typeface="Menlo" panose="020B0609030804020204" pitchFamily="49" charset="0"/>
-            </a:endParaRPr>
-          </a:p>
-          <a:p>
-            <a:pPr marL="0" indent="0">
-              <a:buNone/>
-            </a:pPr>
-            <a:endParaRPr lang="en-US" dirty="0">
-              <a:latin typeface="Menlo" panose="020B0609030804020204" pitchFamily="49" charset="0"/>
-              <a:ea typeface="Menlo" panose="020B0609030804020204" pitchFamily="49" charset="0"/>
-              <a:cs typeface="Menlo" panose="020B0609030804020204" pitchFamily="49" charset="0"/>
-            </a:endParaRPr>
-          </a:p>
-          <a:p>
-            <a:pPr marL="0" indent="0">
-              <a:buNone/>
-            </a:pPr>
-            <a:endParaRPr lang="en-US" dirty="0">
-              <a:latin typeface="Menlo" panose="020B0609030804020204" pitchFamily="49" charset="0"/>
-              <a:ea typeface="Menlo" panose="020B0609030804020204" pitchFamily="49" charset="0"/>
-              <a:cs typeface="Menlo" panose="020B0609030804020204" pitchFamily="49" charset="0"/>
-            </a:endParaRPr>
-          </a:p>
-        </p:txBody>
-      </p:sp>
-      <p:sp>
-        <p:nvSpPr>
-          <p:cNvPr id="9" name="Content Placeholder 2">
-            <a:extLst>
-              <a:ext uri="{FF2B5EF4-FFF2-40B4-BE49-F238E27FC236}">
-                <a16:creationId xmlns:a16="http://schemas.microsoft.com/office/drawing/2014/main" id="{1BD700C3-CA8F-E041-8396-04B95790FEF3}"/>
-              </a:ext>
-            </a:extLst>
-          </p:cNvPr>
-          <p:cNvSpPr txBox="1">
-            <a:spLocks/>
-          </p:cNvSpPr>
-          <p:nvPr/>
-        </p:nvSpPr>
-        <p:spPr>
-          <a:xfrm>
-            <a:off x="6238078" y="3381154"/>
-            <a:ext cx="4869780" cy="3168502"/>
-          </a:xfrm>
-          <a:prstGeom prst="rect">
-            <a:avLst/>
-          </a:prstGeom>
-          <a:ln>
-            <a:solidFill>
-              <a:schemeClr val="tx1"/>
-            </a:solidFill>
-          </a:ln>
-        </p:spPr>
-        <p:txBody>
-          <a:bodyPr vert="horz" lIns="91440" tIns="45720" rIns="91440" bIns="45720" rtlCol="0">
-            <a:normAutofit/>
-          </a:bodyPr>
-          <a:lstStyle>
-            <a:lvl1pPr marL="384048" indent="-384048" algn="l" defTabSz="914400" rtl="0" eaLnBrk="1" latinLnBrk="0" hangingPunct="1">
-              <a:lnSpc>
-                <a:spcPct val="94000"/>
-              </a:lnSpc>
-              <a:spcBef>
-                <a:spcPts val="1000"/>
-              </a:spcBef>
-              <a:spcAft>
-                <a:spcPts val="200"/>
-              </a:spcAft>
-              <a:buFont typeface="Franklin Gothic Book" panose="020B0503020102020204" pitchFamily="34" charset="0"/>
-              <a:buChar char="■"/>
-              <a:defRPr sz="2000" kern="1200" baseline="0">
-                <a:solidFill>
-                  <a:schemeClr val="tx2"/>
-                </a:solidFill>
-                <a:latin typeface="+mn-lt"/>
-                <a:ea typeface="+mn-ea"/>
-                <a:cs typeface="+mn-cs"/>
-              </a:defRPr>
-            </a:lvl1pPr>
-            <a:lvl2pPr marL="914400" indent="-384048" algn="l" defTabSz="914400" rtl="0" eaLnBrk="1" latinLnBrk="0" hangingPunct="1">
-              <a:lnSpc>
-                <a:spcPct val="94000"/>
-              </a:lnSpc>
-              <a:spcBef>
-                <a:spcPts val="500"/>
-              </a:spcBef>
-              <a:spcAft>
-                <a:spcPts val="200"/>
-              </a:spcAft>
-              <a:buFont typeface="Franklin Gothic Book" panose="020B0503020102020204" pitchFamily="34" charset="0"/>
-              <a:buChar char="–"/>
-              <a:defRPr sz="2000" i="1" kern="1200" baseline="0">
-                <a:solidFill>
-                  <a:schemeClr val="tx2"/>
-                </a:solidFill>
-                <a:latin typeface="+mn-lt"/>
-                <a:ea typeface="+mn-ea"/>
-                <a:cs typeface="+mn-cs"/>
-              </a:defRPr>
-            </a:lvl2pPr>
-            <a:lvl3pPr marL="1371600" indent="-384048" algn="l" defTabSz="914400" rtl="0" eaLnBrk="1" latinLnBrk="0" hangingPunct="1">
-              <a:lnSpc>
-                <a:spcPct val="94000"/>
-              </a:lnSpc>
-              <a:spcBef>
-                <a:spcPts val="500"/>
-              </a:spcBef>
-              <a:spcAft>
-                <a:spcPts val="200"/>
-              </a:spcAft>
-              <a:buFont typeface="Franklin Gothic Book" panose="020B0503020102020204" pitchFamily="34" charset="0"/>
-              <a:buChar char="■"/>
-              <a:defRPr sz="1800" kern="1200" baseline="0">
-                <a:solidFill>
-                  <a:schemeClr val="tx2"/>
-                </a:solidFill>
-                <a:latin typeface="+mn-lt"/>
-                <a:ea typeface="+mn-ea"/>
-                <a:cs typeface="+mn-cs"/>
-              </a:defRPr>
-            </a:lvl3pPr>
-            <a:lvl4pPr marL="1828800" indent="-384048" algn="l" defTabSz="914400" rtl="0" eaLnBrk="1" latinLnBrk="0" hangingPunct="1">
-              <a:lnSpc>
-                <a:spcPct val="94000"/>
-              </a:lnSpc>
-              <a:spcBef>
-                <a:spcPts val="500"/>
-              </a:spcBef>
-              <a:spcAft>
-                <a:spcPts val="200"/>
-              </a:spcAft>
-              <a:buFont typeface="Franklin Gothic Book" panose="020B0503020102020204" pitchFamily="34" charset="0"/>
-              <a:buChar char="–"/>
-              <a:defRPr sz="1800" i="1" kern="1200" baseline="0">
-                <a:solidFill>
-                  <a:schemeClr val="tx2"/>
-                </a:solidFill>
-                <a:latin typeface="+mn-lt"/>
-                <a:ea typeface="+mn-ea"/>
-                <a:cs typeface="+mn-cs"/>
-              </a:defRPr>
-            </a:lvl4pPr>
-            <a:lvl5pPr marL="2286000" indent="-384048" algn="l" defTabSz="914400" rtl="0" eaLnBrk="1" latinLnBrk="0" hangingPunct="1">
-              <a:lnSpc>
-                <a:spcPct val="94000"/>
-              </a:lnSpc>
-              <a:spcBef>
-                <a:spcPts val="500"/>
-              </a:spcBef>
-              <a:spcAft>
-                <a:spcPts val="200"/>
-              </a:spcAft>
-              <a:buFont typeface="Franklin Gothic Book" panose="020B0503020102020204" pitchFamily="34" charset="0"/>
-              <a:buChar char="■"/>
-              <a:defRPr sz="1600" kern="1200" baseline="0">
-                <a:solidFill>
-                  <a:schemeClr val="tx2"/>
-                </a:solidFill>
-                <a:latin typeface="+mn-lt"/>
-                <a:ea typeface="+mn-ea"/>
-                <a:cs typeface="+mn-cs"/>
-              </a:defRPr>
-            </a:lvl5pPr>
-            <a:lvl6pPr marL="2743200" indent="-384048" algn="l" defTabSz="914400" rtl="0" eaLnBrk="1" latinLnBrk="0" hangingPunct="1">
-              <a:lnSpc>
-                <a:spcPct val="94000"/>
-              </a:lnSpc>
-              <a:spcBef>
-                <a:spcPts val="500"/>
-              </a:spcBef>
-              <a:spcAft>
-                <a:spcPts val="200"/>
-              </a:spcAft>
-              <a:buFont typeface="Franklin Gothic Book" panose="020B0503020102020204" pitchFamily="34" charset="0"/>
-              <a:buChar char="–"/>
-              <a:defRPr sz="1600" i="1" kern="1200" baseline="0">
-                <a:solidFill>
-                  <a:schemeClr val="tx2"/>
-                </a:solidFill>
-                <a:latin typeface="+mn-lt"/>
-                <a:ea typeface="+mn-ea"/>
-                <a:cs typeface="+mn-cs"/>
-              </a:defRPr>
-            </a:lvl6pPr>
-            <a:lvl7pPr marL="3200400" indent="-384048" algn="l" defTabSz="914400" rtl="0" eaLnBrk="1" latinLnBrk="0" hangingPunct="1">
-              <a:lnSpc>
-                <a:spcPct val="94000"/>
-              </a:lnSpc>
-              <a:spcBef>
-                <a:spcPts val="500"/>
-              </a:spcBef>
-              <a:spcAft>
-                <a:spcPts val="200"/>
-              </a:spcAft>
-              <a:buFont typeface="Franklin Gothic Book" panose="020B0503020102020204" pitchFamily="34" charset="0"/>
-              <a:buChar char="■"/>
-              <a:defRPr sz="1400" kern="1200" baseline="0">
-                <a:solidFill>
-                  <a:schemeClr val="tx2"/>
-                </a:solidFill>
-                <a:latin typeface="+mn-lt"/>
-                <a:ea typeface="+mn-ea"/>
-                <a:cs typeface="+mn-cs"/>
-              </a:defRPr>
-            </a:lvl7pPr>
-            <a:lvl8pPr marL="3657600" indent="-384048" algn="l" defTabSz="914400" rtl="0" eaLnBrk="1" latinLnBrk="0" hangingPunct="1">
-              <a:lnSpc>
-                <a:spcPct val="94000"/>
-              </a:lnSpc>
-              <a:spcBef>
-                <a:spcPts val="500"/>
-              </a:spcBef>
-              <a:spcAft>
-                <a:spcPts val="200"/>
-              </a:spcAft>
-              <a:buFont typeface="Franklin Gothic Book" panose="020B0503020102020204" pitchFamily="34" charset="0"/>
-              <a:buChar char="–"/>
-              <a:defRPr sz="1400" i="1" kern="1200" baseline="0">
-                <a:solidFill>
-                  <a:schemeClr val="tx2"/>
-                </a:solidFill>
-                <a:latin typeface="+mn-lt"/>
-                <a:ea typeface="+mn-ea"/>
-                <a:cs typeface="+mn-cs"/>
-              </a:defRPr>
-            </a:lvl8pPr>
-            <a:lvl9pPr marL="4114800" indent="-384048" algn="l" defTabSz="914400" rtl="0" eaLnBrk="1" latinLnBrk="0" hangingPunct="1">
-              <a:lnSpc>
-                <a:spcPct val="94000"/>
-              </a:lnSpc>
-              <a:spcBef>
-                <a:spcPts val="500"/>
-              </a:spcBef>
-              <a:spcAft>
-                <a:spcPts val="200"/>
-              </a:spcAft>
-              <a:buFont typeface="Franklin Gothic Book" panose="020B0503020102020204" pitchFamily="34" charset="0"/>
-              <a:buChar char="■"/>
-              <a:defRPr sz="1400" kern="1200" baseline="0">
-                <a:solidFill>
-                  <a:schemeClr val="tx2"/>
-                </a:solidFill>
-                <a:latin typeface="+mn-lt"/>
-                <a:ea typeface="+mn-ea"/>
-                <a:cs typeface="+mn-cs"/>
-              </a:defRPr>
-            </a:lvl9pPr>
-          </a:lstStyle>
-          <a:p>
-            <a:pPr marL="0" indent="0">
-              <a:buNone/>
-            </a:pPr>
-            <a:r>
-              <a:rPr lang="en-US" dirty="0">
-                <a:latin typeface="Menlo" panose="020B0609030804020204" pitchFamily="49" charset="0"/>
-                <a:ea typeface="Menlo" panose="020B0609030804020204" pitchFamily="49" charset="0"/>
-                <a:cs typeface="Menlo" panose="020B0609030804020204" pitchFamily="49" charset="0"/>
-              </a:rPr>
-              <a:t>class Person(Citizen):</a:t>
-            </a:r>
-          </a:p>
-          <a:p>
-            <a:pPr marL="0" indent="0">
-              <a:buNone/>
-            </a:pPr>
-            <a:r>
-              <a:rPr lang="en-US" dirty="0">
-                <a:latin typeface="Menlo" panose="020B0609030804020204" pitchFamily="49" charset="0"/>
-                <a:ea typeface="Menlo" panose="020B0609030804020204" pitchFamily="49" charset="0"/>
-                <a:cs typeface="Menlo" panose="020B0609030804020204" pitchFamily="49" charset="0"/>
-              </a:rPr>
-              <a:t>def vote():</a:t>
-            </a:r>
-          </a:p>
-          <a:p>
-            <a:pPr marL="0" indent="0">
-              <a:buNone/>
-            </a:pPr>
-            <a:r>
-              <a:rPr lang="en-US" dirty="0">
-                <a:latin typeface="Menlo" panose="020B0609030804020204" pitchFamily="49" charset="0"/>
-                <a:ea typeface="Menlo" panose="020B0609030804020204" pitchFamily="49" charset="0"/>
-                <a:cs typeface="Menlo" panose="020B0609030804020204" pitchFamily="49" charset="0"/>
-              </a:rPr>
-              <a:t>        return ‘voting’</a:t>
-            </a:r>
-          </a:p>
-          <a:p>
-            <a:pPr marL="0" indent="0">
-              <a:buNone/>
-            </a:pPr>
-            <a:r>
-              <a:rPr lang="en-US" dirty="0">
-                <a:latin typeface="Menlo" panose="020B0609030804020204" pitchFamily="49" charset="0"/>
-                <a:ea typeface="Menlo" panose="020B0609030804020204" pitchFamily="49" charset="0"/>
-                <a:cs typeface="Menlo" panose="020B0609030804020204" pitchFamily="49" charset="0"/>
-              </a:rPr>
-              <a:t>    def </a:t>
-            </a:r>
-            <a:r>
-              <a:rPr lang="en-US" dirty="0" err="1">
-                <a:latin typeface="Menlo" panose="020B0609030804020204" pitchFamily="49" charset="0"/>
-                <a:ea typeface="Menlo" panose="020B0609030804020204" pitchFamily="49" charset="0"/>
-                <a:cs typeface="Menlo" panose="020B0609030804020204" pitchFamily="49" charset="0"/>
-              </a:rPr>
-              <a:t>payTaxes</a:t>
-            </a:r>
-            <a:r>
-              <a:rPr lang="en-US" dirty="0">
-                <a:latin typeface="Menlo" panose="020B0609030804020204" pitchFamily="49" charset="0"/>
-                <a:ea typeface="Menlo" panose="020B0609030804020204" pitchFamily="49" charset="0"/>
-                <a:cs typeface="Menlo" panose="020B0609030804020204" pitchFamily="49" charset="0"/>
-              </a:rPr>
-              <a:t>():</a:t>
-            </a:r>
-          </a:p>
-          <a:p>
-            <a:pPr marL="0" indent="0">
-              <a:buNone/>
-            </a:pPr>
-            <a:r>
-              <a:rPr lang="en-US" dirty="0">
-                <a:latin typeface="Menlo" panose="020B0609030804020204" pitchFamily="49" charset="0"/>
-                <a:ea typeface="Menlo" panose="020B0609030804020204" pitchFamily="49" charset="0"/>
-                <a:cs typeface="Menlo" panose="020B0609030804020204" pitchFamily="49" charset="0"/>
-              </a:rPr>
-              <a:t>        print(‘gross’)</a:t>
-            </a:r>
-          </a:p>
-          <a:p>
-            <a:pPr marL="0" indent="0">
-              <a:buNone/>
-            </a:pPr>
-            <a:endParaRPr lang="en-US" dirty="0">
-              <a:latin typeface="Menlo" panose="020B0609030804020204" pitchFamily="49" charset="0"/>
-              <a:ea typeface="Menlo" panose="020B0609030804020204" pitchFamily="49" charset="0"/>
-              <a:cs typeface="Menlo" panose="020B0609030804020204" pitchFamily="49" charset="0"/>
-            </a:endParaRPr>
-          </a:p>
-          <a:p>
-            <a:pPr marL="0" indent="0">
-              <a:buNone/>
-            </a:pPr>
-            <a:endParaRPr lang="en-US" dirty="0">
-              <a:latin typeface="Menlo" panose="020B0609030804020204" pitchFamily="49" charset="0"/>
-              <a:ea typeface="Menlo" panose="020B0609030804020204" pitchFamily="49" charset="0"/>
-              <a:cs typeface="Menlo" panose="020B0609030804020204" pitchFamily="49" charset="0"/>
-            </a:endParaRPr>
-          </a:p>
-          <a:p>
-            <a:pPr marL="0" indent="0">
-              <a:buNone/>
-            </a:pPr>
-            <a:endParaRPr lang="en-US" dirty="0">
+              <a:solidFill>
+                <a:schemeClr val="accent6"/>
+              </a:solidFill>
               <a:latin typeface="Menlo" panose="020B0609030804020204" pitchFamily="49" charset="0"/>
               <a:ea typeface="Menlo" panose="020B0609030804020204" pitchFamily="49" charset="0"/>
               <a:cs typeface="Menlo" panose="020B0609030804020204" pitchFamily="49" charset="0"/>
@@ -7620,7 +8163,7 @@
                             </p:stCondLst>
                             <p:childTnLst>
                               <p:par>
-                                <p:cTn id="5" presetID="1" presetClass="entr" presetSubtype="0" fill="hold" grpId="0" nodeType="clickEffect">
+                                <p:cTn id="5" presetID="22" presetClass="entr" presetSubtype="8" fill="hold" grpId="0" nodeType="clickEffect">
                                   <p:stCondLst>
                                     <p:cond delay="0"/>
                                   </p:stCondLst>
@@ -7645,6 +8188,16 @@
                                         <p:strVal val="visible"/>
                                       </p:to>
                                     </p:set>
+                                    <p:animEffect transition="in" filter="wipe(left)">
+                                      <p:cBhvr>
+                                        <p:cTn id="7" dur="500"/>
+                                        <p:tgtEl>
+                                          <p:spTgt spid="4">
+                                            <p:bg/>
+                                          </p:spTgt>
+                                        </p:tgtEl>
+                                      </p:cBhvr>
+                                    </p:animEffect>
                                   </p:childTnLst>
                                 </p:cTn>
                               </p:par>
@@ -7655,26 +8208,270 @@
                     </p:cTn>
                   </p:par>
                   <p:par>
-                    <p:cTn id="7" fill="hold">
+                    <p:cTn id="8" fill="hold">
                       <p:stCondLst>
                         <p:cond delay="indefinite"/>
                       </p:stCondLst>
                       <p:childTnLst>
                         <p:par>
-                          <p:cTn id="8" fill="hold">
+                          <p:cTn id="9" fill="hold">
                             <p:stCondLst>
                               <p:cond delay="0"/>
                             </p:stCondLst>
                             <p:childTnLst>
                               <p:par>
-                                <p:cTn id="9" presetID="1" presetClass="entr" presetSubtype="0" fill="hold" grpId="0" nodeType="clickEffect">
+                                <p:cTn id="10" presetID="22" presetClass="entr" presetSubtype="8" fill="hold" grpId="0" nodeType="clickEffect">
                                   <p:stCondLst>
                                     <p:cond delay="0"/>
                                   </p:stCondLst>
                                   <p:childTnLst>
                                     <p:set>
                                       <p:cBhvr>
-                                        <p:cTn id="10" dur="1" fill="hold">
+                                        <p:cTn id="11" dur="1" fill="hold">
+                                          <p:stCondLst>
+                                            <p:cond delay="0"/>
+                                          </p:stCondLst>
+                                        </p:cTn>
+                                        <p:tgtEl>
+                                          <p:spTgt spid="4">
+                                            <p:txEl>
+                                              <p:pRg st="0" end="0"/>
+                                            </p:txEl>
+                                          </p:spTgt>
+                                        </p:tgtEl>
+                                        <p:attrNameLst>
+                                          <p:attrName>style.visibility</p:attrName>
+                                        </p:attrNameLst>
+                                      </p:cBhvr>
+                                      <p:to>
+                                        <p:strVal val="visible"/>
+                                      </p:to>
+                                    </p:set>
+                                    <p:animEffect transition="in" filter="wipe(left)">
+                                      <p:cBhvr>
+                                        <p:cTn id="12" dur="500"/>
+                                        <p:tgtEl>
+                                          <p:spTgt spid="4">
+                                            <p:txEl>
+                                              <p:pRg st="0" end="0"/>
+                                            </p:txEl>
+                                          </p:spTgt>
+                                        </p:tgtEl>
+                                      </p:cBhvr>
+                                    </p:animEffect>
+                                  </p:childTnLst>
+                                </p:cTn>
+                              </p:par>
+                            </p:childTnLst>
+                          </p:cTn>
+                        </p:par>
+                      </p:childTnLst>
+                    </p:cTn>
+                  </p:par>
+                  <p:par>
+                    <p:cTn id="13" fill="hold">
+                      <p:stCondLst>
+                        <p:cond delay="indefinite"/>
+                      </p:stCondLst>
+                      <p:childTnLst>
+                        <p:par>
+                          <p:cTn id="14" fill="hold">
+                            <p:stCondLst>
+                              <p:cond delay="0"/>
+                            </p:stCondLst>
+                            <p:childTnLst>
+                              <p:par>
+                                <p:cTn id="15" presetID="22" presetClass="entr" presetSubtype="8" fill="hold" grpId="0" nodeType="clickEffect">
+                                  <p:stCondLst>
+                                    <p:cond delay="0"/>
+                                  </p:stCondLst>
+                                  <p:childTnLst>
+                                    <p:set>
+                                      <p:cBhvr>
+                                        <p:cTn id="16" dur="1" fill="hold">
+                                          <p:stCondLst>
+                                            <p:cond delay="0"/>
+                                          </p:stCondLst>
+                                        </p:cTn>
+                                        <p:tgtEl>
+                                          <p:spTgt spid="4">
+                                            <p:txEl>
+                                              <p:pRg st="1" end="1"/>
+                                            </p:txEl>
+                                          </p:spTgt>
+                                        </p:tgtEl>
+                                        <p:attrNameLst>
+                                          <p:attrName>style.visibility</p:attrName>
+                                        </p:attrNameLst>
+                                      </p:cBhvr>
+                                      <p:to>
+                                        <p:strVal val="visible"/>
+                                      </p:to>
+                                    </p:set>
+                                    <p:animEffect transition="in" filter="wipe(left)">
+                                      <p:cBhvr>
+                                        <p:cTn id="17" dur="500"/>
+                                        <p:tgtEl>
+                                          <p:spTgt spid="4">
+                                            <p:txEl>
+                                              <p:pRg st="1" end="1"/>
+                                            </p:txEl>
+                                          </p:spTgt>
+                                        </p:tgtEl>
+                                      </p:cBhvr>
+                                    </p:animEffect>
+                                  </p:childTnLst>
+                                </p:cTn>
+                              </p:par>
+                            </p:childTnLst>
+                          </p:cTn>
+                        </p:par>
+                      </p:childTnLst>
+                    </p:cTn>
+                  </p:par>
+                  <p:par>
+                    <p:cTn id="18" fill="hold">
+                      <p:stCondLst>
+                        <p:cond delay="indefinite"/>
+                      </p:stCondLst>
+                      <p:childTnLst>
+                        <p:par>
+                          <p:cTn id="19" fill="hold">
+                            <p:stCondLst>
+                              <p:cond delay="0"/>
+                            </p:stCondLst>
+                            <p:childTnLst>
+                              <p:par>
+                                <p:cTn id="20" presetID="22" presetClass="entr" presetSubtype="8" fill="hold" grpId="0" nodeType="clickEffect">
+                                  <p:stCondLst>
+                                    <p:cond delay="0"/>
+                                  </p:stCondLst>
+                                  <p:childTnLst>
+                                    <p:set>
+                                      <p:cBhvr>
+                                        <p:cTn id="21" dur="1" fill="hold">
+                                          <p:stCondLst>
+                                            <p:cond delay="0"/>
+                                          </p:stCondLst>
+                                        </p:cTn>
+                                        <p:tgtEl>
+                                          <p:spTgt spid="4">
+                                            <p:txEl>
+                                              <p:pRg st="2" end="2"/>
+                                            </p:txEl>
+                                          </p:spTgt>
+                                        </p:tgtEl>
+                                        <p:attrNameLst>
+                                          <p:attrName>style.visibility</p:attrName>
+                                        </p:attrNameLst>
+                                      </p:cBhvr>
+                                      <p:to>
+                                        <p:strVal val="visible"/>
+                                      </p:to>
+                                    </p:set>
+                                    <p:animEffect transition="in" filter="wipe(left)">
+                                      <p:cBhvr>
+                                        <p:cTn id="22" dur="500"/>
+                                        <p:tgtEl>
+                                          <p:spTgt spid="4">
+                                            <p:txEl>
+                                              <p:pRg st="2" end="2"/>
+                                            </p:txEl>
+                                          </p:spTgt>
+                                        </p:tgtEl>
+                                      </p:cBhvr>
+                                    </p:animEffect>
+                                  </p:childTnLst>
+                                </p:cTn>
+                              </p:par>
+                            </p:childTnLst>
+                          </p:cTn>
+                        </p:par>
+                      </p:childTnLst>
+                    </p:cTn>
+                  </p:par>
+                  <p:par>
+                    <p:cTn id="23" fill="hold">
+                      <p:stCondLst>
+                        <p:cond delay="indefinite"/>
+                      </p:stCondLst>
+                      <p:childTnLst>
+                        <p:par>
+                          <p:cTn id="24" fill="hold">
+                            <p:stCondLst>
+                              <p:cond delay="0"/>
+                            </p:stCondLst>
+                            <p:childTnLst>
+                              <p:par>
+                                <p:cTn id="25" presetID="22" presetClass="entr" presetSubtype="8" fill="hold" grpId="0" nodeType="clickEffect">
+                                  <p:stCondLst>
+                                    <p:cond delay="0"/>
+                                  </p:stCondLst>
+                                  <p:childTnLst>
+                                    <p:set>
+                                      <p:cBhvr>
+                                        <p:cTn id="26" dur="1" fill="hold">
+                                          <p:stCondLst>
+                                            <p:cond delay="0"/>
+                                          </p:stCondLst>
+                                        </p:cTn>
+                                        <p:tgtEl>
+                                          <p:spTgt spid="4">
+                                            <p:txEl>
+                                              <p:pRg st="3" end="3"/>
+                                            </p:txEl>
+                                          </p:spTgt>
+                                        </p:tgtEl>
+                                        <p:attrNameLst>
+                                          <p:attrName>style.visibility</p:attrName>
+                                        </p:attrNameLst>
+                                      </p:cBhvr>
+                                      <p:to>
+                                        <p:strVal val="visible"/>
+                                      </p:to>
+                                    </p:set>
+                                    <p:animEffect transition="in" filter="wipe(left)">
+                                      <p:cBhvr>
+                                        <p:cTn id="27" dur="500"/>
+                                        <p:tgtEl>
+                                          <p:spTgt spid="4">
+                                            <p:txEl>
+                                              <p:pRg st="3" end="3"/>
+                                            </p:txEl>
+                                          </p:spTgt>
+                                        </p:tgtEl>
+                                      </p:cBhvr>
+                                    </p:animEffect>
+                                  </p:childTnLst>
+                                </p:cTn>
+                              </p:par>
+                            </p:childTnLst>
+                          </p:cTn>
+                        </p:par>
+                      </p:childTnLst>
+                    </p:cTn>
+                  </p:par>
+                  <p:par>
+                    <p:cTn id="28" fill="hold">
+                      <p:stCondLst>
+                        <p:cond delay="indefinite"/>
+                      </p:stCondLst>
+                      <p:childTnLst>
+                        <p:par>
+                          <p:cTn id="29" fill="hold">
+                            <p:stCondLst>
+                              <p:cond delay="0"/>
+                            </p:stCondLst>
+                            <p:childTnLst>
+                              <p:par>
+                                <p:cTn id="30" presetID="22" presetClass="entr" presetSubtype="8" fill="hold" grpId="0" nodeType="clickEffect">
+                                  <p:stCondLst>
+                                    <p:cond delay="0"/>
+                                  </p:stCondLst>
+                                  <p:childTnLst>
+                                    <p:set>
+                                      <p:cBhvr>
+                                        <p:cTn id="31" dur="1" fill="hold">
                                           <p:stCondLst>
                                             <p:cond delay="0"/>
                                           </p:stCondLst>
@@ -7692,6 +8489,16 @@
                                         <p:strVal val="visible"/>
                                       </p:to>
                                     </p:set>
+                                    <p:animEffect transition="in" filter="wipe(left)">
+                                      <p:cBhvr>
+                                        <p:cTn id="32" dur="500"/>
+                                        <p:tgtEl>
+                                          <p:spTgt spid="5">
+                                            <p:bg/>
+                                          </p:spTgt>
+                                        </p:tgtEl>
+                                      </p:cBhvr>
+                                    </p:animEffect>
                                   </p:childTnLst>
                                 </p:cTn>
                               </p:par>
@@ -7702,33 +8509,35 @@
                     </p:cTn>
                   </p:par>
                   <p:par>
-                    <p:cTn id="11" fill="hold">
+                    <p:cTn id="33" fill="hold">
                       <p:stCondLst>
                         <p:cond delay="indefinite"/>
                       </p:stCondLst>
                       <p:childTnLst>
                         <p:par>
-                          <p:cTn id="12" fill="hold">
+                          <p:cTn id="34" fill="hold">
                             <p:stCondLst>
                               <p:cond delay="0"/>
                             </p:stCondLst>
                             <p:childTnLst>
                               <p:par>
-                                <p:cTn id="13" presetID="1" presetClass="entr" presetSubtype="0" fill="hold" grpId="0" nodeType="clickEffect">
+                                <p:cTn id="35" presetID="22" presetClass="entr" presetSubtype="8" fill="hold" grpId="0" nodeType="clickEffect">
                                   <p:stCondLst>
                                     <p:cond delay="0"/>
                                   </p:stCondLst>
                                   <p:childTnLst>
                                     <p:set>
                                       <p:cBhvr>
-                                        <p:cTn id="14" dur="1" fill="hold">
+                                        <p:cTn id="36" dur="1" fill="hold">
                                           <p:stCondLst>
                                             <p:cond delay="0"/>
                                           </p:stCondLst>
                                         </p:cTn>
                                         <p:tgtEl>
-                                          <p:spTgt spid="8">
-                                            <p:bg/>
+                                          <p:spTgt spid="5">
+                                            <p:txEl>
+                                              <p:pRg st="0" end="0"/>
+                                            </p:txEl>
                                           </p:spTgt>
                                         </p:tgtEl>
                                         <p:attrNameLst>
@@ -7739,6 +8548,18 @@
                                         <p:strVal val="visible"/>
                                       </p:to>
                                     </p:set>
+                                    <p:animEffect transition="in" filter="wipe(left)">
+                                      <p:cBhvr>
+                                        <p:cTn id="37" dur="500"/>
+                                        <p:tgtEl>
+                                          <p:spTgt spid="5">
+                                            <p:txEl>
+                                              <p:pRg st="0" end="0"/>
+                                            </p:txEl>
+                                          </p:spTgt>
+                                        </p:tgtEl>
+                                      </p:cBhvr>
+                                    </p:animEffect>
                                   </p:childTnLst>
                                 </p:cTn>
                               </p:par>
@@ -7749,33 +8570,35 @@
                     </p:cTn>
                   </p:par>
                   <p:par>
-                    <p:cTn id="15" fill="hold">
+                    <p:cTn id="38" fill="hold">
                       <p:stCondLst>
                         <p:cond delay="indefinite"/>
                       </p:stCondLst>
                       <p:childTnLst>
                         <p:par>
-                          <p:cTn id="16" fill="hold">
+                          <p:cTn id="39" fill="hold">
                             <p:stCondLst>
                               <p:cond delay="0"/>
                             </p:stCondLst>
                             <p:childTnLst>
                               <p:par>
-                                <p:cTn id="17" presetID="1" presetClass="entr" presetSubtype="0" fill="hold" grpId="0" nodeType="clickEffect">
+                                <p:cTn id="40" presetID="22" presetClass="entr" presetSubtype="8" fill="hold" grpId="0" nodeType="clickEffect">
                                   <p:stCondLst>
                                     <p:cond delay="0"/>
                                   </p:stCondLst>
                                   <p:childTnLst>
                                     <p:set>
                                       <p:cBhvr>
-                                        <p:cTn id="18" dur="1" fill="hold">
+                                        <p:cTn id="41" dur="1" fill="hold">
                                           <p:stCondLst>
                                             <p:cond delay="0"/>
                                           </p:stCondLst>
                                         </p:cTn>
                                         <p:tgtEl>
-                                          <p:spTgt spid="9">
-                                            <p:bg/>
+                                          <p:spTgt spid="5">
+                                            <p:txEl>
+                                              <p:pRg st="1" end="1"/>
+                                            </p:txEl>
                                           </p:spTgt>
                                         </p:tgtEl>
                                         <p:attrNameLst>
@@ -7786,6 +8609,522 @@
                                         <p:strVal val="visible"/>
                                       </p:to>
                                     </p:set>
+                                    <p:animEffect transition="in" filter="wipe(left)">
+                                      <p:cBhvr>
+                                        <p:cTn id="42" dur="500"/>
+                                        <p:tgtEl>
+                                          <p:spTgt spid="5">
+                                            <p:txEl>
+                                              <p:pRg st="1" end="1"/>
+                                            </p:txEl>
+                                          </p:spTgt>
+                                        </p:tgtEl>
+                                      </p:cBhvr>
+                                    </p:animEffect>
+                                  </p:childTnLst>
+                                </p:cTn>
+                              </p:par>
+                            </p:childTnLst>
+                          </p:cTn>
+                        </p:par>
+                      </p:childTnLst>
+                    </p:cTn>
+                  </p:par>
+                  <p:par>
+                    <p:cTn id="43" fill="hold">
+                      <p:stCondLst>
+                        <p:cond delay="indefinite"/>
+                      </p:stCondLst>
+                      <p:childTnLst>
+                        <p:par>
+                          <p:cTn id="44" fill="hold">
+                            <p:stCondLst>
+                              <p:cond delay="0"/>
+                            </p:stCondLst>
+                            <p:childTnLst>
+                              <p:par>
+                                <p:cTn id="45" presetID="22" presetClass="entr" presetSubtype="8" fill="hold" grpId="0" nodeType="clickEffect">
+                                  <p:stCondLst>
+                                    <p:cond delay="0"/>
+                                  </p:stCondLst>
+                                  <p:childTnLst>
+                                    <p:set>
+                                      <p:cBhvr>
+                                        <p:cTn id="46" dur="1" fill="hold">
+                                          <p:stCondLst>
+                                            <p:cond delay="0"/>
+                                          </p:stCondLst>
+                                        </p:cTn>
+                                        <p:tgtEl>
+                                          <p:spTgt spid="5">
+                                            <p:txEl>
+                                              <p:pRg st="2" end="2"/>
+                                            </p:txEl>
+                                          </p:spTgt>
+                                        </p:tgtEl>
+                                        <p:attrNameLst>
+                                          <p:attrName>style.visibility</p:attrName>
+                                        </p:attrNameLst>
+                                      </p:cBhvr>
+                                      <p:to>
+                                        <p:strVal val="visible"/>
+                                      </p:to>
+                                    </p:set>
+                                    <p:animEffect transition="in" filter="wipe(left)">
+                                      <p:cBhvr>
+                                        <p:cTn id="47" dur="500"/>
+                                        <p:tgtEl>
+                                          <p:spTgt spid="5">
+                                            <p:txEl>
+                                              <p:pRg st="2" end="2"/>
+                                            </p:txEl>
+                                          </p:spTgt>
+                                        </p:tgtEl>
+                                      </p:cBhvr>
+                                    </p:animEffect>
+                                  </p:childTnLst>
+                                </p:cTn>
+                              </p:par>
+                              <p:par>
+                                <p:cTn id="48" presetID="22" presetClass="entr" presetSubtype="8" fill="hold" grpId="0" nodeType="withEffect">
+                                  <p:stCondLst>
+                                    <p:cond delay="0"/>
+                                  </p:stCondLst>
+                                  <p:childTnLst>
+                                    <p:set>
+                                      <p:cBhvr>
+                                        <p:cTn id="49" dur="1" fill="hold">
+                                          <p:stCondLst>
+                                            <p:cond delay="0"/>
+                                          </p:stCondLst>
+                                        </p:cTn>
+                                        <p:tgtEl>
+                                          <p:spTgt spid="5">
+                                            <p:txEl>
+                                              <p:pRg st="3" end="3"/>
+                                            </p:txEl>
+                                          </p:spTgt>
+                                        </p:tgtEl>
+                                        <p:attrNameLst>
+                                          <p:attrName>style.visibility</p:attrName>
+                                        </p:attrNameLst>
+                                      </p:cBhvr>
+                                      <p:to>
+                                        <p:strVal val="visible"/>
+                                      </p:to>
+                                    </p:set>
+                                    <p:animEffect transition="in" filter="wipe(left)">
+                                      <p:cBhvr>
+                                        <p:cTn id="50" dur="500"/>
+                                        <p:tgtEl>
+                                          <p:spTgt spid="5">
+                                            <p:txEl>
+                                              <p:pRg st="3" end="3"/>
+                                            </p:txEl>
+                                          </p:spTgt>
+                                        </p:tgtEl>
+                                      </p:cBhvr>
+                                    </p:animEffect>
+                                  </p:childTnLst>
+                                </p:cTn>
+                              </p:par>
+                              <p:par>
+                                <p:cTn id="51" presetID="22" presetClass="entr" presetSubtype="8" fill="hold" grpId="0" nodeType="withEffect">
+                                  <p:stCondLst>
+                                    <p:cond delay="0"/>
+                                  </p:stCondLst>
+                                  <p:childTnLst>
+                                    <p:set>
+                                      <p:cBhvr>
+                                        <p:cTn id="52" dur="1" fill="hold">
+                                          <p:stCondLst>
+                                            <p:cond delay="0"/>
+                                          </p:stCondLst>
+                                        </p:cTn>
+                                        <p:tgtEl>
+                                          <p:spTgt spid="5">
+                                            <p:txEl>
+                                              <p:pRg st="4" end="4"/>
+                                            </p:txEl>
+                                          </p:spTgt>
+                                        </p:tgtEl>
+                                        <p:attrNameLst>
+                                          <p:attrName>style.visibility</p:attrName>
+                                        </p:attrNameLst>
+                                      </p:cBhvr>
+                                      <p:to>
+                                        <p:strVal val="visible"/>
+                                      </p:to>
+                                    </p:set>
+                                    <p:animEffect transition="in" filter="wipe(left)">
+                                      <p:cBhvr>
+                                        <p:cTn id="53" dur="500"/>
+                                        <p:tgtEl>
+                                          <p:spTgt spid="5">
+                                            <p:txEl>
+                                              <p:pRg st="4" end="4"/>
+                                            </p:txEl>
+                                          </p:spTgt>
+                                        </p:tgtEl>
+                                      </p:cBhvr>
+                                    </p:animEffect>
+                                  </p:childTnLst>
+                                </p:cTn>
+                              </p:par>
+                            </p:childTnLst>
+                          </p:cTn>
+                        </p:par>
+                      </p:childTnLst>
+                    </p:cTn>
+                  </p:par>
+                  <p:par>
+                    <p:cTn id="54" fill="hold">
+                      <p:stCondLst>
+                        <p:cond delay="indefinite"/>
+                      </p:stCondLst>
+                      <p:childTnLst>
+                        <p:par>
+                          <p:cTn id="55" fill="hold">
+                            <p:stCondLst>
+                              <p:cond delay="0"/>
+                            </p:stCondLst>
+                            <p:childTnLst>
+                              <p:par>
+                                <p:cTn id="56" presetID="22" presetClass="entr" presetSubtype="8" fill="hold" grpId="0" nodeType="clickEffect">
+                                  <p:stCondLst>
+                                    <p:cond delay="0"/>
+                                  </p:stCondLst>
+                                  <p:childTnLst>
+                                    <p:set>
+                                      <p:cBhvr>
+                                        <p:cTn id="57" dur="1" fill="hold">
+                                          <p:stCondLst>
+                                            <p:cond delay="0"/>
+                                          </p:stCondLst>
+                                        </p:cTn>
+                                        <p:tgtEl>
+                                          <p:spTgt spid="5">
+                                            <p:txEl>
+                                              <p:pRg st="5" end="5"/>
+                                            </p:txEl>
+                                          </p:spTgt>
+                                        </p:tgtEl>
+                                        <p:attrNameLst>
+                                          <p:attrName>style.visibility</p:attrName>
+                                        </p:attrNameLst>
+                                      </p:cBhvr>
+                                      <p:to>
+                                        <p:strVal val="visible"/>
+                                      </p:to>
+                                    </p:set>
+                                    <p:animEffect transition="in" filter="wipe(left)">
+                                      <p:cBhvr>
+                                        <p:cTn id="58" dur="500"/>
+                                        <p:tgtEl>
+                                          <p:spTgt spid="5">
+                                            <p:txEl>
+                                              <p:pRg st="5" end="5"/>
+                                            </p:txEl>
+                                          </p:spTgt>
+                                        </p:tgtEl>
+                                      </p:cBhvr>
+                                    </p:animEffect>
+                                  </p:childTnLst>
+                                </p:cTn>
+                              </p:par>
+                            </p:childTnLst>
+                          </p:cTn>
+                        </p:par>
+                      </p:childTnLst>
+                    </p:cTn>
+                  </p:par>
+                  <p:par>
+                    <p:cTn id="59" fill="hold">
+                      <p:stCondLst>
+                        <p:cond delay="indefinite"/>
+                      </p:stCondLst>
+                      <p:childTnLst>
+                        <p:par>
+                          <p:cTn id="60" fill="hold">
+                            <p:stCondLst>
+                              <p:cond delay="0"/>
+                            </p:stCondLst>
+                            <p:childTnLst>
+                              <p:par>
+                                <p:cTn id="61" presetID="22" presetClass="entr" presetSubtype="8" fill="hold" grpId="0" nodeType="clickEffect">
+                                  <p:stCondLst>
+                                    <p:cond delay="0"/>
+                                  </p:stCondLst>
+                                  <p:childTnLst>
+                                    <p:set>
+                                      <p:cBhvr>
+                                        <p:cTn id="62" dur="1" fill="hold">
+                                          <p:stCondLst>
+                                            <p:cond delay="0"/>
+                                          </p:stCondLst>
+                                        </p:cTn>
+                                        <p:tgtEl>
+                                          <p:spTgt spid="5">
+                                            <p:txEl>
+                                              <p:pRg st="6" end="6"/>
+                                            </p:txEl>
+                                          </p:spTgt>
+                                        </p:tgtEl>
+                                        <p:attrNameLst>
+                                          <p:attrName>style.visibility</p:attrName>
+                                        </p:attrNameLst>
+                                      </p:cBhvr>
+                                      <p:to>
+                                        <p:strVal val="visible"/>
+                                      </p:to>
+                                    </p:set>
+                                    <p:animEffect transition="in" filter="wipe(left)">
+                                      <p:cBhvr>
+                                        <p:cTn id="63" dur="500"/>
+                                        <p:tgtEl>
+                                          <p:spTgt spid="5">
+                                            <p:txEl>
+                                              <p:pRg st="6" end="6"/>
+                                            </p:txEl>
+                                          </p:spTgt>
+                                        </p:tgtEl>
+                                      </p:cBhvr>
+                                    </p:animEffect>
+                                  </p:childTnLst>
+                                </p:cTn>
+                              </p:par>
+                              <p:par>
+                                <p:cTn id="64" presetID="22" presetClass="entr" presetSubtype="8" fill="hold" grpId="0" nodeType="withEffect">
+                                  <p:stCondLst>
+                                    <p:cond delay="0"/>
+                                  </p:stCondLst>
+                                  <p:childTnLst>
+                                    <p:set>
+                                      <p:cBhvr>
+                                        <p:cTn id="65" dur="1" fill="hold">
+                                          <p:stCondLst>
+                                            <p:cond delay="0"/>
+                                          </p:stCondLst>
+                                        </p:cTn>
+                                        <p:tgtEl>
+                                          <p:spTgt spid="5">
+                                            <p:txEl>
+                                              <p:pRg st="7" end="7"/>
+                                            </p:txEl>
+                                          </p:spTgt>
+                                        </p:tgtEl>
+                                        <p:attrNameLst>
+                                          <p:attrName>style.visibility</p:attrName>
+                                        </p:attrNameLst>
+                                      </p:cBhvr>
+                                      <p:to>
+                                        <p:strVal val="visible"/>
+                                      </p:to>
+                                    </p:set>
+                                    <p:animEffect transition="in" filter="wipe(left)">
+                                      <p:cBhvr>
+                                        <p:cTn id="66" dur="500"/>
+                                        <p:tgtEl>
+                                          <p:spTgt spid="5">
+                                            <p:txEl>
+                                              <p:pRg st="7" end="7"/>
+                                            </p:txEl>
+                                          </p:spTgt>
+                                        </p:tgtEl>
+                                      </p:cBhvr>
+                                    </p:animEffect>
+                                  </p:childTnLst>
+                                </p:cTn>
+                              </p:par>
+                              <p:par>
+                                <p:cTn id="67" presetID="22" presetClass="entr" presetSubtype="8" fill="hold" grpId="0" nodeType="withEffect">
+                                  <p:stCondLst>
+                                    <p:cond delay="0"/>
+                                  </p:stCondLst>
+                                  <p:childTnLst>
+                                    <p:set>
+                                      <p:cBhvr>
+                                        <p:cTn id="68" dur="1" fill="hold">
+                                          <p:stCondLst>
+                                            <p:cond delay="0"/>
+                                          </p:stCondLst>
+                                        </p:cTn>
+                                        <p:tgtEl>
+                                          <p:spTgt spid="5">
+                                            <p:txEl>
+                                              <p:pRg st="8" end="8"/>
+                                            </p:txEl>
+                                          </p:spTgt>
+                                        </p:tgtEl>
+                                        <p:attrNameLst>
+                                          <p:attrName>style.visibility</p:attrName>
+                                        </p:attrNameLst>
+                                      </p:cBhvr>
+                                      <p:to>
+                                        <p:strVal val="visible"/>
+                                      </p:to>
+                                    </p:set>
+                                    <p:animEffect transition="in" filter="wipe(left)">
+                                      <p:cBhvr>
+                                        <p:cTn id="69" dur="500"/>
+                                        <p:tgtEl>
+                                          <p:spTgt spid="5">
+                                            <p:txEl>
+                                              <p:pRg st="8" end="8"/>
+                                            </p:txEl>
+                                          </p:spTgt>
+                                        </p:tgtEl>
+                                      </p:cBhvr>
+                                    </p:animEffect>
+                                  </p:childTnLst>
+                                </p:cTn>
+                              </p:par>
+                              <p:par>
+                                <p:cTn id="70" presetID="22" presetClass="entr" presetSubtype="8" fill="hold" grpId="0" nodeType="withEffect">
+                                  <p:stCondLst>
+                                    <p:cond delay="0"/>
+                                  </p:stCondLst>
+                                  <p:childTnLst>
+                                    <p:set>
+                                      <p:cBhvr>
+                                        <p:cTn id="71" dur="1" fill="hold">
+                                          <p:stCondLst>
+                                            <p:cond delay="0"/>
+                                          </p:stCondLst>
+                                        </p:cTn>
+                                        <p:tgtEl>
+                                          <p:spTgt spid="5">
+                                            <p:txEl>
+                                              <p:pRg st="9" end="9"/>
+                                            </p:txEl>
+                                          </p:spTgt>
+                                        </p:tgtEl>
+                                        <p:attrNameLst>
+                                          <p:attrName>style.visibility</p:attrName>
+                                        </p:attrNameLst>
+                                      </p:cBhvr>
+                                      <p:to>
+                                        <p:strVal val="visible"/>
+                                      </p:to>
+                                    </p:set>
+                                    <p:animEffect transition="in" filter="wipe(left)">
+                                      <p:cBhvr>
+                                        <p:cTn id="72" dur="500"/>
+                                        <p:tgtEl>
+                                          <p:spTgt spid="5">
+                                            <p:txEl>
+                                              <p:pRg st="9" end="9"/>
+                                            </p:txEl>
+                                          </p:spTgt>
+                                        </p:tgtEl>
+                                      </p:cBhvr>
+                                    </p:animEffect>
+                                  </p:childTnLst>
+                                </p:cTn>
+                              </p:par>
+                            </p:childTnLst>
+                          </p:cTn>
+                        </p:par>
+                      </p:childTnLst>
+                    </p:cTn>
+                  </p:par>
+                  <p:par>
+                    <p:cTn id="73" fill="hold">
+                      <p:stCondLst>
+                        <p:cond delay="indefinite"/>
+                      </p:stCondLst>
+                      <p:childTnLst>
+                        <p:par>
+                          <p:cTn id="74" fill="hold">
+                            <p:stCondLst>
+                              <p:cond delay="0"/>
+                            </p:stCondLst>
+                            <p:childTnLst>
+                              <p:par>
+                                <p:cTn id="75" presetID="22" presetClass="entr" presetSubtype="8" fill="hold" grpId="0" nodeType="clickEffect">
+                                  <p:stCondLst>
+                                    <p:cond delay="0"/>
+                                  </p:stCondLst>
+                                  <p:childTnLst>
+                                    <p:set>
+                                      <p:cBhvr>
+                                        <p:cTn id="76" dur="1" fill="hold">
+                                          <p:stCondLst>
+                                            <p:cond delay="0"/>
+                                          </p:stCondLst>
+                                        </p:cTn>
+                                        <p:tgtEl>
+                                          <p:spTgt spid="8"/>
+                                        </p:tgtEl>
+                                        <p:attrNameLst>
+                                          <p:attrName>style.visibility</p:attrName>
+                                        </p:attrNameLst>
+                                      </p:cBhvr>
+                                      <p:to>
+                                        <p:strVal val="visible"/>
+                                      </p:to>
+                                    </p:set>
+                                    <p:animEffect transition="in" filter="wipe(left)">
+                                      <p:cBhvr>
+                                        <p:cTn id="77" dur="500"/>
+                                        <p:tgtEl>
+                                          <p:spTgt spid="8"/>
+                                        </p:tgtEl>
+                                      </p:cBhvr>
+                                    </p:animEffect>
+                                  </p:childTnLst>
+                                </p:cTn>
+                              </p:par>
+                            </p:childTnLst>
+                          </p:cTn>
+                        </p:par>
+                      </p:childTnLst>
+                    </p:cTn>
+                  </p:par>
+                  <p:par>
+                    <p:cTn id="78" fill="hold">
+                      <p:stCondLst>
+                        <p:cond delay="indefinite"/>
+                      </p:stCondLst>
+                      <p:childTnLst>
+                        <p:par>
+                          <p:cTn id="79" fill="hold">
+                            <p:stCondLst>
+                              <p:cond delay="0"/>
+                            </p:stCondLst>
+                            <p:childTnLst>
+                              <p:par>
+                                <p:cTn id="80" presetID="22" presetClass="entr" presetSubtype="8" fill="hold" grpId="0" nodeType="clickEffect">
+                                  <p:stCondLst>
+                                    <p:cond delay="0"/>
+                                  </p:stCondLst>
+                                  <p:childTnLst>
+                                    <p:set>
+                                      <p:cBhvr>
+                                        <p:cTn id="81" dur="1" fill="hold">
+                                          <p:stCondLst>
+                                            <p:cond delay="0"/>
+                                          </p:stCondLst>
+                                        </p:cTn>
+                                        <p:tgtEl>
+                                          <p:spTgt spid="9"/>
+                                        </p:tgtEl>
+                                        <p:attrNameLst>
+                                          <p:attrName>style.visibility</p:attrName>
+                                        </p:attrNameLst>
+                                      </p:cBhvr>
+                                      <p:to>
+                                        <p:strVal val="visible"/>
+                                      </p:to>
+                                    </p:set>
+                                    <p:animEffect transition="in" filter="wipe(left)">
+                                      <p:cBhvr>
+                                        <p:cTn id="82" dur="500"/>
+                                        <p:tgtEl>
+                                          <p:spTgt spid="9"/>
+                                        </p:tgtEl>
+                                      </p:cBhvr>
+                                    </p:animEffect>
                                   </p:childTnLst>
                                 </p:cTn>
                               </p:par>
@@ -7817,10 +9156,10 @@
       </p:par>
     </p:tnLst>
     <p:bldLst>
-      <p:bldP spid="4" grpId="0" uiExpand="1" build="p" animBg="1"/>
+      <p:bldP spid="4" grpId="0" build="p" animBg="1"/>
+      <p:bldP spid="8" grpId="0" animBg="1"/>
+      <p:bldP spid="9" grpId="0" animBg="1"/>
       <p:bldP spid="5" grpId="0" uiExpand="1" build="p" animBg="1"/>
-      <p:bldP spid="8" grpId="0" uiExpand="1" build="p" animBg="1"/>
-      <p:bldP spid="9" grpId="0" uiExpand="1" build="p" animBg="1"/>
     </p:bldLst>
   </p:timing>
 </p:sld>
@@ -7932,8 +9271,8 @@
         </p:nvSpPr>
         <p:spPr>
           <a:xfrm>
-            <a:off x="2562449" y="1200149"/>
-            <a:ext cx="7495952" cy="3838353"/>
+            <a:off x="2324100" y="1240908"/>
+            <a:ext cx="7937501" cy="3838353"/>
           </a:xfrm>
           <a:prstGeom prst="rect">
             <a:avLst/>
@@ -7946,7 +9285,7 @@
         </p:spPr>
         <p:txBody>
           <a:bodyPr vert="horz" lIns="91440" tIns="45720" rIns="91440" bIns="45720" rtlCol="0">
-            <a:normAutofit fontScale="85000" lnSpcReduction="10000"/>
+            <a:normAutofit fontScale="92500" lnSpcReduction="20000"/>
           </a:bodyPr>
           <a:lstStyle>
             <a:lvl1pPr marL="384048" indent="-384048" algn="l" defTabSz="914400" rtl="0" eaLnBrk="1" latinLnBrk="0" hangingPunct="1">
@@ -8145,6 +9484,9 @@
             </a:pPr>
             <a:r>
               <a:rPr lang="en-US" dirty="0">
+                <a:solidFill>
+                  <a:schemeClr val="accent6"/>
+                </a:solidFill>
                 <a:latin typeface="Menlo" panose="020B0609030804020204" pitchFamily="49" charset="0"/>
                 <a:ea typeface="Menlo" panose="020B0609030804020204" pitchFamily="49" charset="0"/>
                 <a:cs typeface="Menlo" panose="020B0609030804020204" pitchFamily="49" charset="0"/>
@@ -8153,6 +9495,9 @@
             </a:r>
             <a:r>
               <a:rPr lang="en-US" dirty="0" err="1">
+                <a:solidFill>
+                  <a:schemeClr val="accent6"/>
+                </a:solidFill>
                 <a:latin typeface="Menlo" panose="020B0609030804020204" pitchFamily="49" charset="0"/>
                 <a:ea typeface="Menlo" panose="020B0609030804020204" pitchFamily="49" charset="0"/>
                 <a:cs typeface="Menlo" panose="020B0609030804020204" pitchFamily="49" charset="0"/>
@@ -8161,6 +9506,9 @@
             </a:r>
             <a:r>
               <a:rPr lang="en-US" dirty="0">
+                <a:solidFill>
+                  <a:schemeClr val="accent6"/>
+                </a:solidFill>
                 <a:latin typeface="Menlo" panose="020B0609030804020204" pitchFamily="49" charset="0"/>
                 <a:ea typeface="Menlo" panose="020B0609030804020204" pitchFamily="49" charset="0"/>
                 <a:cs typeface="Menlo" panose="020B0609030804020204" pitchFamily="49" charset="0"/>
@@ -8174,6 +9522,9 @@
             </a:pPr>
             <a:r>
               <a:rPr lang="en-US" dirty="0">
+                <a:solidFill>
+                  <a:schemeClr val="accent6"/>
+                </a:solidFill>
                 <a:latin typeface="Menlo" panose="020B0609030804020204" pitchFamily="49" charset="0"/>
                 <a:ea typeface="Menlo" panose="020B0609030804020204" pitchFamily="49" charset="0"/>
                 <a:cs typeface="Menlo" panose="020B0609030804020204" pitchFamily="49" charset="0"/>
@@ -8182,6 +9533,9 @@
             </a:r>
             <a:r>
               <a:rPr lang="en-US" dirty="0" err="1">
+                <a:solidFill>
+                  <a:schemeClr val="accent6"/>
+                </a:solidFill>
                 <a:latin typeface="Menlo" panose="020B0609030804020204" pitchFamily="49" charset="0"/>
                 <a:ea typeface="Menlo" panose="020B0609030804020204" pitchFamily="49" charset="0"/>
                 <a:cs typeface="Menlo" panose="020B0609030804020204" pitchFamily="49" charset="0"/>
@@ -8190,6 +9544,9 @@
             </a:r>
             <a:r>
               <a:rPr lang="en-US" dirty="0">
+                <a:solidFill>
+                  <a:schemeClr val="accent6"/>
+                </a:solidFill>
                 <a:latin typeface="Menlo" panose="020B0609030804020204" pitchFamily="49" charset="0"/>
                 <a:ea typeface="Menlo" panose="020B0609030804020204" pitchFamily="49" charset="0"/>
                 <a:cs typeface="Menlo" panose="020B0609030804020204" pitchFamily="49" charset="0"/>
@@ -8198,6 +9555,9 @@
             </a:r>
             <a:r>
               <a:rPr lang="en-US" dirty="0" err="1">
+                <a:solidFill>
+                  <a:schemeClr val="accent6"/>
+                </a:solidFill>
                 <a:latin typeface="Menlo" panose="020B0609030804020204" pitchFamily="49" charset="0"/>
                 <a:ea typeface="Menlo" panose="020B0609030804020204" pitchFamily="49" charset="0"/>
                 <a:cs typeface="Menlo" panose="020B0609030804020204" pitchFamily="49" charset="0"/>
@@ -8206,6 +9566,9 @@
             </a:r>
             <a:r>
               <a:rPr lang="en-US" dirty="0">
+                <a:solidFill>
+                  <a:schemeClr val="accent6"/>
+                </a:solidFill>
                 <a:latin typeface="Menlo" panose="020B0609030804020204" pitchFamily="49" charset="0"/>
                 <a:ea typeface="Menlo" panose="020B0609030804020204" pitchFamily="49" charset="0"/>
                 <a:cs typeface="Menlo" panose="020B0609030804020204" pitchFamily="49" charset="0"/>
@@ -8214,6 +9577,9 @@
             </a:r>
             <a:r>
               <a:rPr lang="en-US" dirty="0" err="1">
+                <a:solidFill>
+                  <a:schemeClr val="accent6"/>
+                </a:solidFill>
                 <a:latin typeface="Menlo" panose="020B0609030804020204" pitchFamily="49" charset="0"/>
                 <a:ea typeface="Menlo" panose="020B0609030804020204" pitchFamily="49" charset="0"/>
                 <a:cs typeface="Menlo" panose="020B0609030804020204" pitchFamily="49" charset="0"/>
@@ -8222,6 +9588,9 @@
             </a:r>
             <a:r>
               <a:rPr lang="en-US" dirty="0">
+                <a:solidFill>
+                  <a:schemeClr val="accent6"/>
+                </a:solidFill>
                 <a:latin typeface="Menlo" panose="020B0609030804020204" pitchFamily="49" charset="0"/>
                 <a:ea typeface="Menlo" panose="020B0609030804020204" pitchFamily="49" charset="0"/>
                 <a:cs typeface="Menlo" panose="020B0609030804020204" pitchFamily="49" charset="0"/>
@@ -8235,6 +9604,9 @@
             </a:pPr>
             <a:r>
               <a:rPr lang="en-US" dirty="0">
+                <a:solidFill>
+                  <a:schemeClr val="accent6"/>
+                </a:solidFill>
                 <a:latin typeface="Menlo" panose="020B0609030804020204" pitchFamily="49" charset="0"/>
                 <a:ea typeface="Menlo" panose="020B0609030804020204" pitchFamily="49" charset="0"/>
                 <a:cs typeface="Menlo" panose="020B0609030804020204" pitchFamily="49" charset="0"/>
@@ -8243,6 +9615,9 @@
             </a:r>
             <a:r>
               <a:rPr lang="en-US" dirty="0" err="1">
+                <a:solidFill>
+                  <a:schemeClr val="accent6"/>
+                </a:solidFill>
                 <a:latin typeface="Menlo" panose="020B0609030804020204" pitchFamily="49" charset="0"/>
                 <a:ea typeface="Menlo" panose="020B0609030804020204" pitchFamily="49" charset="0"/>
                 <a:cs typeface="Menlo" panose="020B0609030804020204" pitchFamily="49" charset="0"/>
@@ -8251,6 +9626,9 @@
             </a:r>
             <a:r>
               <a:rPr lang="en-US" dirty="0">
+                <a:solidFill>
+                  <a:schemeClr val="accent6"/>
+                </a:solidFill>
                 <a:latin typeface="Menlo" panose="020B0609030804020204" pitchFamily="49" charset="0"/>
                 <a:ea typeface="Menlo" panose="020B0609030804020204" pitchFamily="49" charset="0"/>
                 <a:cs typeface="Menlo" panose="020B0609030804020204" pitchFamily="49" charset="0"/>
@@ -8264,6 +9642,9 @@
             </a:pPr>
             <a:r>
               <a:rPr lang="en-US" dirty="0">
+                <a:solidFill>
+                  <a:schemeClr val="accent6"/>
+                </a:solidFill>
                 <a:latin typeface="Menlo" panose="020B0609030804020204" pitchFamily="49" charset="0"/>
                 <a:ea typeface="Menlo" panose="020B0609030804020204" pitchFamily="49" charset="0"/>
                 <a:cs typeface="Menlo" panose="020B0609030804020204" pitchFamily="49" charset="0"/>
@@ -8272,6 +9653,9 @@
             </a:r>
             <a:r>
               <a:rPr lang="en-US" dirty="0" err="1">
+                <a:solidFill>
+                  <a:schemeClr val="accent6"/>
+                </a:solidFill>
                 <a:latin typeface="Menlo" panose="020B0609030804020204" pitchFamily="49" charset="0"/>
                 <a:ea typeface="Menlo" panose="020B0609030804020204" pitchFamily="49" charset="0"/>
                 <a:cs typeface="Menlo" panose="020B0609030804020204" pitchFamily="49" charset="0"/>
@@ -8280,6 +9664,9 @@
             </a:r>
             <a:r>
               <a:rPr lang="en-US" dirty="0">
+                <a:solidFill>
+                  <a:schemeClr val="accent6"/>
+                </a:solidFill>
                 <a:latin typeface="Menlo" panose="020B0609030804020204" pitchFamily="49" charset="0"/>
                 <a:ea typeface="Menlo" panose="020B0609030804020204" pitchFamily="49" charset="0"/>
                 <a:cs typeface="Menlo" panose="020B0609030804020204" pitchFamily="49" charset="0"/>
@@ -8288,6 +9675,9 @@
             </a:r>
             <a:r>
               <a:rPr lang="en-US" dirty="0" err="1">
+                <a:solidFill>
+                  <a:schemeClr val="accent6"/>
+                </a:solidFill>
                 <a:latin typeface="Menlo" panose="020B0609030804020204" pitchFamily="49" charset="0"/>
                 <a:ea typeface="Menlo" panose="020B0609030804020204" pitchFamily="49" charset="0"/>
                 <a:cs typeface="Menlo" panose="020B0609030804020204" pitchFamily="49" charset="0"/>
@@ -8296,6 +9686,9 @@
             </a:r>
             <a:r>
               <a:rPr lang="en-US" dirty="0">
+                <a:solidFill>
+                  <a:schemeClr val="accent6"/>
+                </a:solidFill>
                 <a:latin typeface="Menlo" panose="020B0609030804020204" pitchFamily="49" charset="0"/>
                 <a:ea typeface="Menlo" panose="020B0609030804020204" pitchFamily="49" charset="0"/>
                 <a:cs typeface="Menlo" panose="020B0609030804020204" pitchFamily="49" charset="0"/>
@@ -8304,6 +9697,9 @@
             </a:r>
             <a:r>
               <a:rPr lang="en-US" dirty="0" err="1">
+                <a:solidFill>
+                  <a:schemeClr val="accent6"/>
+                </a:solidFill>
                 <a:latin typeface="Menlo" panose="020B0609030804020204" pitchFamily="49" charset="0"/>
                 <a:ea typeface="Menlo" panose="020B0609030804020204" pitchFamily="49" charset="0"/>
                 <a:cs typeface="Menlo" panose="020B0609030804020204" pitchFamily="49" charset="0"/>
@@ -8312,6 +9708,9 @@
             </a:r>
             <a:r>
               <a:rPr lang="en-US" dirty="0">
+                <a:solidFill>
+                  <a:schemeClr val="accent6"/>
+                </a:solidFill>
                 <a:latin typeface="Menlo" panose="020B0609030804020204" pitchFamily="49" charset="0"/>
                 <a:ea typeface="Menlo" panose="020B0609030804020204" pitchFamily="49" charset="0"/>
                 <a:cs typeface="Menlo" panose="020B0609030804020204" pitchFamily="49" charset="0"/>
@@ -8320,6 +9719,9 @@
             </a:r>
             <a:r>
               <a:rPr lang="en-US" dirty="0" err="1">
+                <a:solidFill>
+                  <a:schemeClr val="accent6"/>
+                </a:solidFill>
                 <a:latin typeface="Menlo" panose="020B0609030804020204" pitchFamily="49" charset="0"/>
                 <a:ea typeface="Menlo" panose="020B0609030804020204" pitchFamily="49" charset="0"/>
                 <a:cs typeface="Menlo" panose="020B0609030804020204" pitchFamily="49" charset="0"/>
@@ -8328,6 +9730,9 @@
             </a:r>
             <a:r>
               <a:rPr lang="en-US" dirty="0">
+                <a:solidFill>
+                  <a:schemeClr val="accent6"/>
+                </a:solidFill>
                 <a:latin typeface="Menlo" panose="020B0609030804020204" pitchFamily="49" charset="0"/>
                 <a:ea typeface="Menlo" panose="020B0609030804020204" pitchFamily="49" charset="0"/>
                 <a:cs typeface="Menlo" panose="020B0609030804020204" pitchFamily="49" charset="0"/>
@@ -8341,6 +9746,9 @@
             </a:pPr>
             <a:r>
               <a:rPr lang="en-US" dirty="0">
+                <a:solidFill>
+                  <a:schemeClr val="accent6"/>
+                </a:solidFill>
                 <a:latin typeface="Menlo" panose="020B0609030804020204" pitchFamily="49" charset="0"/>
                 <a:ea typeface="Menlo" panose="020B0609030804020204" pitchFamily="49" charset="0"/>
                 <a:cs typeface="Menlo" panose="020B0609030804020204" pitchFamily="49" charset="0"/>
@@ -8354,6 +9762,9 @@
             </a:pPr>
             <a:r>
               <a:rPr lang="en-US" dirty="0">
+                <a:solidFill>
+                  <a:schemeClr val="accent6"/>
+                </a:solidFill>
                 <a:latin typeface="Menlo" panose="020B0609030804020204" pitchFamily="49" charset="0"/>
                 <a:ea typeface="Menlo" panose="020B0609030804020204" pitchFamily="49" charset="0"/>
                 <a:cs typeface="Menlo" panose="020B0609030804020204" pitchFamily="49" charset="0"/>
@@ -8362,6 +9773,9 @@
             </a:r>
             <a:r>
               <a:rPr lang="en-US" dirty="0" err="1">
+                <a:solidFill>
+                  <a:schemeClr val="accent6"/>
+                </a:solidFill>
                 <a:latin typeface="Menlo" panose="020B0609030804020204" pitchFamily="49" charset="0"/>
                 <a:ea typeface="Menlo" panose="020B0609030804020204" pitchFamily="49" charset="0"/>
                 <a:cs typeface="Menlo" panose="020B0609030804020204" pitchFamily="49" charset="0"/>
@@ -8370,6 +9784,9 @@
             </a:r>
             <a:r>
               <a:rPr lang="en-US" dirty="0">
+                <a:solidFill>
+                  <a:schemeClr val="accent6"/>
+                </a:solidFill>
                 <a:latin typeface="Menlo" panose="020B0609030804020204" pitchFamily="49" charset="0"/>
                 <a:ea typeface="Menlo" panose="020B0609030804020204" pitchFamily="49" charset="0"/>
                 <a:cs typeface="Menlo" panose="020B0609030804020204" pitchFamily="49" charset="0"/>
@@ -8378,6 +9795,9 @@
             </a:r>
             <a:r>
               <a:rPr lang="en-US" dirty="0" err="1">
+                <a:solidFill>
+                  <a:schemeClr val="accent6"/>
+                </a:solidFill>
                 <a:latin typeface="Menlo" panose="020B0609030804020204" pitchFamily="49" charset="0"/>
                 <a:ea typeface="Menlo" panose="020B0609030804020204" pitchFamily="49" charset="0"/>
                 <a:cs typeface="Menlo" panose="020B0609030804020204" pitchFamily="49" charset="0"/>
@@ -8386,6 +9806,9 @@
             </a:r>
             <a:r>
               <a:rPr lang="en-US" dirty="0">
+                <a:solidFill>
+                  <a:schemeClr val="accent6"/>
+                </a:solidFill>
                 <a:latin typeface="Menlo" panose="020B0609030804020204" pitchFamily="49" charset="0"/>
                 <a:ea typeface="Menlo" panose="020B0609030804020204" pitchFamily="49" charset="0"/>
                 <a:cs typeface="Menlo" panose="020B0609030804020204" pitchFamily="49" charset="0"/>
@@ -8399,6 +9822,9 @@
             </a:pPr>
             <a:r>
               <a:rPr lang="en-US" dirty="0">
+                <a:solidFill>
+                  <a:schemeClr val="accent6"/>
+                </a:solidFill>
                 <a:latin typeface="Menlo" panose="020B0609030804020204" pitchFamily="49" charset="0"/>
                 <a:ea typeface="Menlo" panose="020B0609030804020204" pitchFamily="49" charset="0"/>
                 <a:cs typeface="Menlo" panose="020B0609030804020204" pitchFamily="49" charset="0"/>
@@ -8407,6 +9833,9 @@
             </a:r>
             <a:r>
               <a:rPr lang="en-US" dirty="0" err="1">
+                <a:solidFill>
+                  <a:schemeClr val="accent6"/>
+                </a:solidFill>
                 <a:latin typeface="Menlo" panose="020B0609030804020204" pitchFamily="49" charset="0"/>
                 <a:ea typeface="Menlo" panose="020B0609030804020204" pitchFamily="49" charset="0"/>
                 <a:cs typeface="Menlo" panose="020B0609030804020204" pitchFamily="49" charset="0"/>
@@ -8415,6 +9844,9 @@
             </a:r>
             <a:r>
               <a:rPr lang="en-US" dirty="0">
+                <a:solidFill>
+                  <a:schemeClr val="accent6"/>
+                </a:solidFill>
                 <a:latin typeface="Menlo" panose="020B0609030804020204" pitchFamily="49" charset="0"/>
                 <a:ea typeface="Menlo" panose="020B0609030804020204" pitchFamily="49" charset="0"/>
                 <a:cs typeface="Menlo" panose="020B0609030804020204" pitchFamily="49" charset="0"/>
@@ -8423,6 +9855,9 @@
             </a:r>
             <a:r>
               <a:rPr lang="en-US" dirty="0" err="1">
+                <a:solidFill>
+                  <a:schemeClr val="accent6"/>
+                </a:solidFill>
                 <a:latin typeface="Menlo" panose="020B0609030804020204" pitchFamily="49" charset="0"/>
                 <a:ea typeface="Menlo" panose="020B0609030804020204" pitchFamily="49" charset="0"/>
                 <a:cs typeface="Menlo" panose="020B0609030804020204" pitchFamily="49" charset="0"/>
@@ -8431,6 +9866,9 @@
             </a:r>
             <a:r>
               <a:rPr lang="en-US" dirty="0">
+                <a:solidFill>
+                  <a:schemeClr val="accent6"/>
+                </a:solidFill>
                 <a:latin typeface="Menlo" panose="020B0609030804020204" pitchFamily="49" charset="0"/>
                 <a:ea typeface="Menlo" panose="020B0609030804020204" pitchFamily="49" charset="0"/>
                 <a:cs typeface="Menlo" panose="020B0609030804020204" pitchFamily="49" charset="0"/>
@@ -8439,6 +9877,9 @@
             </a:r>
             <a:r>
               <a:rPr lang="en-US" dirty="0" err="1">
+                <a:solidFill>
+                  <a:schemeClr val="accent6"/>
+                </a:solidFill>
                 <a:latin typeface="Menlo" panose="020B0609030804020204" pitchFamily="49" charset="0"/>
                 <a:ea typeface="Menlo" panose="020B0609030804020204" pitchFamily="49" charset="0"/>
                 <a:cs typeface="Menlo" panose="020B0609030804020204" pitchFamily="49" charset="0"/>
@@ -8447,6 +9888,9 @@
             </a:r>
             <a:r>
               <a:rPr lang="en-US" dirty="0">
+                <a:solidFill>
+                  <a:schemeClr val="accent6"/>
+                </a:solidFill>
                 <a:latin typeface="Menlo" panose="020B0609030804020204" pitchFamily="49" charset="0"/>
                 <a:ea typeface="Menlo" panose="020B0609030804020204" pitchFamily="49" charset="0"/>
                 <a:cs typeface="Menlo" panose="020B0609030804020204" pitchFamily="49" charset="0"/>
@@ -8455,6 +9899,9 @@
             </a:r>
             <a:r>
               <a:rPr lang="en-US" dirty="0" err="1">
+                <a:solidFill>
+                  <a:schemeClr val="accent6"/>
+                </a:solidFill>
                 <a:latin typeface="Menlo" panose="020B0609030804020204" pitchFamily="49" charset="0"/>
                 <a:ea typeface="Menlo" panose="020B0609030804020204" pitchFamily="49" charset="0"/>
                 <a:cs typeface="Menlo" panose="020B0609030804020204" pitchFamily="49" charset="0"/>
@@ -8463,6 +9910,9 @@
             </a:r>
             <a:r>
               <a:rPr lang="en-US" dirty="0">
+                <a:solidFill>
+                  <a:schemeClr val="accent6"/>
+                </a:solidFill>
                 <a:latin typeface="Menlo" panose="020B0609030804020204" pitchFamily="49" charset="0"/>
                 <a:ea typeface="Menlo" panose="020B0609030804020204" pitchFamily="49" charset="0"/>
                 <a:cs typeface="Menlo" panose="020B0609030804020204" pitchFamily="49" charset="0"/>
@@ -8471,6 +9921,9 @@
             </a:r>
             <a:r>
               <a:rPr lang="en-US" dirty="0" err="1">
+                <a:solidFill>
+                  <a:schemeClr val="accent6"/>
+                </a:solidFill>
                 <a:latin typeface="Menlo" panose="020B0609030804020204" pitchFamily="49" charset="0"/>
                 <a:ea typeface="Menlo" panose="020B0609030804020204" pitchFamily="49" charset="0"/>
                 <a:cs typeface="Menlo" panose="020B0609030804020204" pitchFamily="49" charset="0"/>
@@ -8479,6 +9932,9 @@
             </a:r>
             <a:r>
               <a:rPr lang="en-US" dirty="0">
+                <a:solidFill>
+                  <a:schemeClr val="accent6"/>
+                </a:solidFill>
                 <a:latin typeface="Menlo" panose="020B0609030804020204" pitchFamily="49" charset="0"/>
                 <a:ea typeface="Menlo" panose="020B0609030804020204" pitchFamily="49" charset="0"/>
                 <a:cs typeface="Menlo" panose="020B0609030804020204" pitchFamily="49" charset="0"/>
@@ -8487,6 +9943,9 @@
             </a:r>
             <a:r>
               <a:rPr lang="en-US" dirty="0" err="1">
+                <a:solidFill>
+                  <a:schemeClr val="accent6"/>
+                </a:solidFill>
                 <a:latin typeface="Menlo" panose="020B0609030804020204" pitchFamily="49" charset="0"/>
                 <a:ea typeface="Menlo" panose="020B0609030804020204" pitchFamily="49" charset="0"/>
                 <a:cs typeface="Menlo" panose="020B0609030804020204" pitchFamily="49" charset="0"/>
@@ -8495,6 +9954,9 @@
             </a:r>
             <a:r>
               <a:rPr lang="en-US" dirty="0">
+                <a:solidFill>
+                  <a:schemeClr val="accent6"/>
+                </a:solidFill>
                 <a:latin typeface="Menlo" panose="020B0609030804020204" pitchFamily="49" charset="0"/>
                 <a:ea typeface="Menlo" panose="020B0609030804020204" pitchFamily="49" charset="0"/>
                 <a:cs typeface="Menlo" panose="020B0609030804020204" pitchFamily="49" charset="0"/>
@@ -8508,6 +9970,9 @@
             </a:pPr>
             <a:r>
               <a:rPr lang="en-US" dirty="0">
+                <a:solidFill>
+                  <a:schemeClr val="accent6"/>
+                </a:solidFill>
                 <a:latin typeface="Menlo" panose="020B0609030804020204" pitchFamily="49" charset="0"/>
                 <a:ea typeface="Menlo" panose="020B0609030804020204" pitchFamily="49" charset="0"/>
                 <a:cs typeface="Menlo" panose="020B0609030804020204" pitchFamily="49" charset="0"/>
@@ -8521,6 +9986,9 @@
             </a:pPr>
             <a:r>
               <a:rPr lang="en-US" dirty="0">
+                <a:solidFill>
+                  <a:schemeClr val="accent6"/>
+                </a:solidFill>
                 <a:latin typeface="Menlo" panose="020B0609030804020204" pitchFamily="49" charset="0"/>
                 <a:ea typeface="Menlo" panose="020B0609030804020204" pitchFamily="49" charset="0"/>
                 <a:cs typeface="Menlo" panose="020B0609030804020204" pitchFamily="49" charset="0"/>
@@ -8534,42 +10002,15 @@
             </a:pPr>
             <a:r>
               <a:rPr lang="en-US" dirty="0">
+                <a:solidFill>
+                  <a:schemeClr val="accent6"/>
+                </a:solidFill>
                 <a:latin typeface="Menlo" panose="020B0609030804020204" pitchFamily="49" charset="0"/>
                 <a:ea typeface="Menlo" panose="020B0609030804020204" pitchFamily="49" charset="0"/>
                 <a:cs typeface="Menlo" panose="020B0609030804020204" pitchFamily="49" charset="0"/>
               </a:rPr>
               <a:t>}</a:t>
             </a:r>
-          </a:p>
-          <a:p>
-            <a:pPr marL="0" indent="0">
-              <a:buNone/>
-            </a:pPr>
-            <a:endParaRPr lang="en-US" dirty="0">
-              <a:latin typeface="Menlo" panose="020B0609030804020204" pitchFamily="49" charset="0"/>
-              <a:ea typeface="Menlo" panose="020B0609030804020204" pitchFamily="49" charset="0"/>
-              <a:cs typeface="Menlo" panose="020B0609030804020204" pitchFamily="49" charset="0"/>
-            </a:endParaRPr>
-          </a:p>
-          <a:p>
-            <a:pPr marL="0" indent="0">
-              <a:buNone/>
-            </a:pPr>
-            <a:endParaRPr lang="en-US" dirty="0">
-              <a:latin typeface="Menlo" panose="020B0609030804020204" pitchFamily="49" charset="0"/>
-              <a:ea typeface="Menlo" panose="020B0609030804020204" pitchFamily="49" charset="0"/>
-              <a:cs typeface="Menlo" panose="020B0609030804020204" pitchFamily="49" charset="0"/>
-            </a:endParaRPr>
-          </a:p>
-          <a:p>
-            <a:pPr marL="0" indent="0">
-              <a:buNone/>
-            </a:pPr>
-            <a:endParaRPr lang="en-US" dirty="0">
-              <a:latin typeface="Menlo" panose="020B0609030804020204" pitchFamily="49" charset="0"/>
-              <a:ea typeface="Menlo" panose="020B0609030804020204" pitchFamily="49" charset="0"/>
-              <a:cs typeface="Menlo" panose="020B0609030804020204" pitchFamily="49" charset="0"/>
-            </a:endParaRPr>
           </a:p>
         </p:txBody>
       </p:sp>
@@ -9095,7 +10536,7 @@
                             </p:stCondLst>
                             <p:childTnLst>
                               <p:par>
-                                <p:cTn id="5" presetID="1" presetClass="entr" presetSubtype="0" fill="hold" grpId="0" nodeType="clickEffect">
+                                <p:cTn id="5" presetID="22" presetClass="entr" presetSubtype="8" fill="hold" grpId="1" nodeType="clickEffect">
                                   <p:stCondLst>
                                     <p:cond delay="0"/>
                                   </p:stCondLst>
@@ -9120,6 +10561,790 @@
                                         <p:strVal val="visible"/>
                                       </p:to>
                                     </p:set>
+                                    <p:animEffect transition="in" filter="wipe(left)">
+                                      <p:cBhvr>
+                                        <p:cTn id="7" dur="500"/>
+                                        <p:tgtEl>
+                                          <p:spTgt spid="4">
+                                            <p:bg/>
+                                          </p:spTgt>
+                                        </p:tgtEl>
+                                      </p:cBhvr>
+                                    </p:animEffect>
+                                  </p:childTnLst>
+                                </p:cTn>
+                              </p:par>
+                            </p:childTnLst>
+                          </p:cTn>
+                        </p:par>
+                      </p:childTnLst>
+                    </p:cTn>
+                  </p:par>
+                  <p:par>
+                    <p:cTn id="8" fill="hold">
+                      <p:stCondLst>
+                        <p:cond delay="indefinite"/>
+                      </p:stCondLst>
+                      <p:childTnLst>
+                        <p:par>
+                          <p:cTn id="9" fill="hold">
+                            <p:stCondLst>
+                              <p:cond delay="0"/>
+                            </p:stCondLst>
+                            <p:childTnLst>
+                              <p:par>
+                                <p:cTn id="10" presetID="22" presetClass="entr" presetSubtype="8" fill="hold" grpId="1" nodeType="clickEffect">
+                                  <p:stCondLst>
+                                    <p:cond delay="0"/>
+                                  </p:stCondLst>
+                                  <p:childTnLst>
+                                    <p:set>
+                                      <p:cBhvr>
+                                        <p:cTn id="11" dur="1" fill="hold">
+                                          <p:stCondLst>
+                                            <p:cond delay="0"/>
+                                          </p:stCondLst>
+                                        </p:cTn>
+                                        <p:tgtEl>
+                                          <p:spTgt spid="4">
+                                            <p:txEl>
+                                              <p:pRg st="0" end="0"/>
+                                            </p:txEl>
+                                          </p:spTgt>
+                                        </p:tgtEl>
+                                        <p:attrNameLst>
+                                          <p:attrName>style.visibility</p:attrName>
+                                        </p:attrNameLst>
+                                      </p:cBhvr>
+                                      <p:to>
+                                        <p:strVal val="visible"/>
+                                      </p:to>
+                                    </p:set>
+                                    <p:animEffect transition="in" filter="wipe(left)">
+                                      <p:cBhvr>
+                                        <p:cTn id="12" dur="500"/>
+                                        <p:tgtEl>
+                                          <p:spTgt spid="4">
+                                            <p:txEl>
+                                              <p:pRg st="0" end="0"/>
+                                            </p:txEl>
+                                          </p:spTgt>
+                                        </p:tgtEl>
+                                      </p:cBhvr>
+                                    </p:animEffect>
+                                  </p:childTnLst>
+                                </p:cTn>
+                              </p:par>
+                            </p:childTnLst>
+                          </p:cTn>
+                        </p:par>
+                      </p:childTnLst>
+                    </p:cTn>
+                  </p:par>
+                  <p:par>
+                    <p:cTn id="13" fill="hold">
+                      <p:stCondLst>
+                        <p:cond delay="indefinite"/>
+                      </p:stCondLst>
+                      <p:childTnLst>
+                        <p:par>
+                          <p:cTn id="14" fill="hold">
+                            <p:stCondLst>
+                              <p:cond delay="0"/>
+                            </p:stCondLst>
+                            <p:childTnLst>
+                              <p:par>
+                                <p:cTn id="15" presetID="22" presetClass="entr" presetSubtype="8" fill="hold" grpId="1" nodeType="clickEffect">
+                                  <p:stCondLst>
+                                    <p:cond delay="0"/>
+                                  </p:stCondLst>
+                                  <p:childTnLst>
+                                    <p:set>
+                                      <p:cBhvr>
+                                        <p:cTn id="16" dur="1" fill="hold">
+                                          <p:stCondLst>
+                                            <p:cond delay="0"/>
+                                          </p:stCondLst>
+                                        </p:cTn>
+                                        <p:tgtEl>
+                                          <p:spTgt spid="4">
+                                            <p:txEl>
+                                              <p:pRg st="1" end="1"/>
+                                            </p:txEl>
+                                          </p:spTgt>
+                                        </p:tgtEl>
+                                        <p:attrNameLst>
+                                          <p:attrName>style.visibility</p:attrName>
+                                        </p:attrNameLst>
+                                      </p:cBhvr>
+                                      <p:to>
+                                        <p:strVal val="visible"/>
+                                      </p:to>
+                                    </p:set>
+                                    <p:animEffect transition="in" filter="wipe(left)">
+                                      <p:cBhvr>
+                                        <p:cTn id="17" dur="500"/>
+                                        <p:tgtEl>
+                                          <p:spTgt spid="4">
+                                            <p:txEl>
+                                              <p:pRg st="1" end="1"/>
+                                            </p:txEl>
+                                          </p:spTgt>
+                                        </p:tgtEl>
+                                      </p:cBhvr>
+                                    </p:animEffect>
+                                  </p:childTnLst>
+                                </p:cTn>
+                              </p:par>
+                            </p:childTnLst>
+                          </p:cTn>
+                        </p:par>
+                      </p:childTnLst>
+                    </p:cTn>
+                  </p:par>
+                  <p:par>
+                    <p:cTn id="18" fill="hold">
+                      <p:stCondLst>
+                        <p:cond delay="indefinite"/>
+                      </p:stCondLst>
+                      <p:childTnLst>
+                        <p:par>
+                          <p:cTn id="19" fill="hold">
+                            <p:stCondLst>
+                              <p:cond delay="0"/>
+                            </p:stCondLst>
+                            <p:childTnLst>
+                              <p:par>
+                                <p:cTn id="20" presetID="22" presetClass="entr" presetSubtype="8" fill="hold" grpId="1" nodeType="clickEffect">
+                                  <p:stCondLst>
+                                    <p:cond delay="0"/>
+                                  </p:stCondLst>
+                                  <p:childTnLst>
+                                    <p:set>
+                                      <p:cBhvr>
+                                        <p:cTn id="21" dur="1" fill="hold">
+                                          <p:stCondLst>
+                                            <p:cond delay="0"/>
+                                          </p:stCondLst>
+                                        </p:cTn>
+                                        <p:tgtEl>
+                                          <p:spTgt spid="4">
+                                            <p:txEl>
+                                              <p:pRg st="2" end="2"/>
+                                            </p:txEl>
+                                          </p:spTgt>
+                                        </p:tgtEl>
+                                        <p:attrNameLst>
+                                          <p:attrName>style.visibility</p:attrName>
+                                        </p:attrNameLst>
+                                      </p:cBhvr>
+                                      <p:to>
+                                        <p:strVal val="visible"/>
+                                      </p:to>
+                                    </p:set>
+                                    <p:animEffect transition="in" filter="wipe(left)">
+                                      <p:cBhvr>
+                                        <p:cTn id="22" dur="500"/>
+                                        <p:tgtEl>
+                                          <p:spTgt spid="4">
+                                            <p:txEl>
+                                              <p:pRg st="2" end="2"/>
+                                            </p:txEl>
+                                          </p:spTgt>
+                                        </p:tgtEl>
+                                      </p:cBhvr>
+                                    </p:animEffect>
+                                  </p:childTnLst>
+                                </p:cTn>
+                              </p:par>
+                            </p:childTnLst>
+                          </p:cTn>
+                        </p:par>
+                      </p:childTnLst>
+                    </p:cTn>
+                  </p:par>
+                  <p:par>
+                    <p:cTn id="23" fill="hold">
+                      <p:stCondLst>
+                        <p:cond delay="indefinite"/>
+                      </p:stCondLst>
+                      <p:childTnLst>
+                        <p:par>
+                          <p:cTn id="24" fill="hold">
+                            <p:stCondLst>
+                              <p:cond delay="0"/>
+                            </p:stCondLst>
+                            <p:childTnLst>
+                              <p:par>
+                                <p:cTn id="25" presetID="22" presetClass="entr" presetSubtype="8" fill="hold" grpId="1" nodeType="clickEffect">
+                                  <p:stCondLst>
+                                    <p:cond delay="0"/>
+                                  </p:stCondLst>
+                                  <p:childTnLst>
+                                    <p:set>
+                                      <p:cBhvr>
+                                        <p:cTn id="26" dur="1" fill="hold">
+                                          <p:stCondLst>
+                                            <p:cond delay="0"/>
+                                          </p:stCondLst>
+                                        </p:cTn>
+                                        <p:tgtEl>
+                                          <p:spTgt spid="4">
+                                            <p:txEl>
+                                              <p:pRg st="3" end="3"/>
+                                            </p:txEl>
+                                          </p:spTgt>
+                                        </p:tgtEl>
+                                        <p:attrNameLst>
+                                          <p:attrName>style.visibility</p:attrName>
+                                        </p:attrNameLst>
+                                      </p:cBhvr>
+                                      <p:to>
+                                        <p:strVal val="visible"/>
+                                      </p:to>
+                                    </p:set>
+                                    <p:animEffect transition="in" filter="wipe(left)">
+                                      <p:cBhvr>
+                                        <p:cTn id="27" dur="500"/>
+                                        <p:tgtEl>
+                                          <p:spTgt spid="4">
+                                            <p:txEl>
+                                              <p:pRg st="3" end="3"/>
+                                            </p:txEl>
+                                          </p:spTgt>
+                                        </p:tgtEl>
+                                      </p:cBhvr>
+                                    </p:animEffect>
+                                  </p:childTnLst>
+                                </p:cTn>
+                              </p:par>
+                            </p:childTnLst>
+                          </p:cTn>
+                        </p:par>
+                      </p:childTnLst>
+                    </p:cTn>
+                  </p:par>
+                  <p:par>
+                    <p:cTn id="28" fill="hold">
+                      <p:stCondLst>
+                        <p:cond delay="indefinite"/>
+                      </p:stCondLst>
+                      <p:childTnLst>
+                        <p:par>
+                          <p:cTn id="29" fill="hold">
+                            <p:stCondLst>
+                              <p:cond delay="0"/>
+                            </p:stCondLst>
+                            <p:childTnLst>
+                              <p:par>
+                                <p:cTn id="30" presetID="22" presetClass="entr" presetSubtype="8" fill="hold" grpId="1" nodeType="clickEffect">
+                                  <p:stCondLst>
+                                    <p:cond delay="0"/>
+                                  </p:stCondLst>
+                                  <p:childTnLst>
+                                    <p:set>
+                                      <p:cBhvr>
+                                        <p:cTn id="31" dur="1" fill="hold">
+                                          <p:stCondLst>
+                                            <p:cond delay="0"/>
+                                          </p:stCondLst>
+                                        </p:cTn>
+                                        <p:tgtEl>
+                                          <p:spTgt spid="4">
+                                            <p:txEl>
+                                              <p:pRg st="4" end="4"/>
+                                            </p:txEl>
+                                          </p:spTgt>
+                                        </p:tgtEl>
+                                        <p:attrNameLst>
+                                          <p:attrName>style.visibility</p:attrName>
+                                        </p:attrNameLst>
+                                      </p:cBhvr>
+                                      <p:to>
+                                        <p:strVal val="visible"/>
+                                      </p:to>
+                                    </p:set>
+                                    <p:animEffect transition="in" filter="wipe(left)">
+                                      <p:cBhvr>
+                                        <p:cTn id="32" dur="500"/>
+                                        <p:tgtEl>
+                                          <p:spTgt spid="4">
+                                            <p:txEl>
+                                              <p:pRg st="4" end="4"/>
+                                            </p:txEl>
+                                          </p:spTgt>
+                                        </p:tgtEl>
+                                      </p:cBhvr>
+                                    </p:animEffect>
+                                  </p:childTnLst>
+                                </p:cTn>
+                              </p:par>
+                            </p:childTnLst>
+                          </p:cTn>
+                        </p:par>
+                      </p:childTnLst>
+                    </p:cTn>
+                  </p:par>
+                  <p:par>
+                    <p:cTn id="33" fill="hold">
+                      <p:stCondLst>
+                        <p:cond delay="indefinite"/>
+                      </p:stCondLst>
+                      <p:childTnLst>
+                        <p:par>
+                          <p:cTn id="34" fill="hold">
+                            <p:stCondLst>
+                              <p:cond delay="0"/>
+                            </p:stCondLst>
+                            <p:childTnLst>
+                              <p:par>
+                                <p:cTn id="35" presetID="22" presetClass="entr" presetSubtype="8" fill="hold" grpId="1" nodeType="clickEffect">
+                                  <p:stCondLst>
+                                    <p:cond delay="0"/>
+                                  </p:stCondLst>
+                                  <p:childTnLst>
+                                    <p:set>
+                                      <p:cBhvr>
+                                        <p:cTn id="36" dur="1" fill="hold">
+                                          <p:stCondLst>
+                                            <p:cond delay="0"/>
+                                          </p:stCondLst>
+                                        </p:cTn>
+                                        <p:tgtEl>
+                                          <p:spTgt spid="4">
+                                            <p:txEl>
+                                              <p:pRg st="5" end="5"/>
+                                            </p:txEl>
+                                          </p:spTgt>
+                                        </p:tgtEl>
+                                        <p:attrNameLst>
+                                          <p:attrName>style.visibility</p:attrName>
+                                        </p:attrNameLst>
+                                      </p:cBhvr>
+                                      <p:to>
+                                        <p:strVal val="visible"/>
+                                      </p:to>
+                                    </p:set>
+                                    <p:animEffect transition="in" filter="wipe(left)">
+                                      <p:cBhvr>
+                                        <p:cTn id="37" dur="500"/>
+                                        <p:tgtEl>
+                                          <p:spTgt spid="4">
+                                            <p:txEl>
+                                              <p:pRg st="5" end="5"/>
+                                            </p:txEl>
+                                          </p:spTgt>
+                                        </p:tgtEl>
+                                      </p:cBhvr>
+                                    </p:animEffect>
+                                  </p:childTnLst>
+                                </p:cTn>
+                              </p:par>
+                            </p:childTnLst>
+                          </p:cTn>
+                        </p:par>
+                      </p:childTnLst>
+                    </p:cTn>
+                  </p:par>
+                  <p:par>
+                    <p:cTn id="38" fill="hold">
+                      <p:stCondLst>
+                        <p:cond delay="indefinite"/>
+                      </p:stCondLst>
+                      <p:childTnLst>
+                        <p:par>
+                          <p:cTn id="39" fill="hold">
+                            <p:stCondLst>
+                              <p:cond delay="0"/>
+                            </p:stCondLst>
+                            <p:childTnLst>
+                              <p:par>
+                                <p:cTn id="40" presetID="22" presetClass="entr" presetSubtype="8" fill="hold" grpId="1" nodeType="clickEffect">
+                                  <p:stCondLst>
+                                    <p:cond delay="0"/>
+                                  </p:stCondLst>
+                                  <p:childTnLst>
+                                    <p:set>
+                                      <p:cBhvr>
+                                        <p:cTn id="41" dur="1" fill="hold">
+                                          <p:stCondLst>
+                                            <p:cond delay="0"/>
+                                          </p:stCondLst>
+                                        </p:cTn>
+                                        <p:tgtEl>
+                                          <p:spTgt spid="4">
+                                            <p:txEl>
+                                              <p:pRg st="6" end="6"/>
+                                            </p:txEl>
+                                          </p:spTgt>
+                                        </p:tgtEl>
+                                        <p:attrNameLst>
+                                          <p:attrName>style.visibility</p:attrName>
+                                        </p:attrNameLst>
+                                      </p:cBhvr>
+                                      <p:to>
+                                        <p:strVal val="visible"/>
+                                      </p:to>
+                                    </p:set>
+                                    <p:animEffect transition="in" filter="wipe(left)">
+                                      <p:cBhvr>
+                                        <p:cTn id="42" dur="500"/>
+                                        <p:tgtEl>
+                                          <p:spTgt spid="4">
+                                            <p:txEl>
+                                              <p:pRg st="6" end="6"/>
+                                            </p:txEl>
+                                          </p:spTgt>
+                                        </p:tgtEl>
+                                      </p:cBhvr>
+                                    </p:animEffect>
+                                  </p:childTnLst>
+                                </p:cTn>
+                              </p:par>
+                            </p:childTnLst>
+                          </p:cTn>
+                        </p:par>
+                      </p:childTnLst>
+                    </p:cTn>
+                  </p:par>
+                  <p:par>
+                    <p:cTn id="43" fill="hold">
+                      <p:stCondLst>
+                        <p:cond delay="indefinite"/>
+                      </p:stCondLst>
+                      <p:childTnLst>
+                        <p:par>
+                          <p:cTn id="44" fill="hold">
+                            <p:stCondLst>
+                              <p:cond delay="0"/>
+                            </p:stCondLst>
+                            <p:childTnLst>
+                              <p:par>
+                                <p:cTn id="45" presetID="22" presetClass="entr" presetSubtype="8" fill="hold" grpId="1" nodeType="clickEffect">
+                                  <p:stCondLst>
+                                    <p:cond delay="0"/>
+                                  </p:stCondLst>
+                                  <p:childTnLst>
+                                    <p:set>
+                                      <p:cBhvr>
+                                        <p:cTn id="46" dur="1" fill="hold">
+                                          <p:stCondLst>
+                                            <p:cond delay="0"/>
+                                          </p:stCondLst>
+                                        </p:cTn>
+                                        <p:tgtEl>
+                                          <p:spTgt spid="4">
+                                            <p:txEl>
+                                              <p:pRg st="7" end="7"/>
+                                            </p:txEl>
+                                          </p:spTgt>
+                                        </p:tgtEl>
+                                        <p:attrNameLst>
+                                          <p:attrName>style.visibility</p:attrName>
+                                        </p:attrNameLst>
+                                      </p:cBhvr>
+                                      <p:to>
+                                        <p:strVal val="visible"/>
+                                      </p:to>
+                                    </p:set>
+                                    <p:animEffect transition="in" filter="wipe(left)">
+                                      <p:cBhvr>
+                                        <p:cTn id="47" dur="500"/>
+                                        <p:tgtEl>
+                                          <p:spTgt spid="4">
+                                            <p:txEl>
+                                              <p:pRg st="7" end="7"/>
+                                            </p:txEl>
+                                          </p:spTgt>
+                                        </p:tgtEl>
+                                      </p:cBhvr>
+                                    </p:animEffect>
+                                  </p:childTnLst>
+                                </p:cTn>
+                              </p:par>
+                            </p:childTnLst>
+                          </p:cTn>
+                        </p:par>
+                      </p:childTnLst>
+                    </p:cTn>
+                  </p:par>
+                  <p:par>
+                    <p:cTn id="48" fill="hold">
+                      <p:stCondLst>
+                        <p:cond delay="indefinite"/>
+                      </p:stCondLst>
+                      <p:childTnLst>
+                        <p:par>
+                          <p:cTn id="49" fill="hold">
+                            <p:stCondLst>
+                              <p:cond delay="0"/>
+                            </p:stCondLst>
+                            <p:childTnLst>
+                              <p:par>
+                                <p:cTn id="50" presetID="22" presetClass="entr" presetSubtype="8" fill="hold" grpId="1" nodeType="clickEffect">
+                                  <p:stCondLst>
+                                    <p:cond delay="0"/>
+                                  </p:stCondLst>
+                                  <p:childTnLst>
+                                    <p:set>
+                                      <p:cBhvr>
+                                        <p:cTn id="51" dur="1" fill="hold">
+                                          <p:stCondLst>
+                                            <p:cond delay="0"/>
+                                          </p:stCondLst>
+                                        </p:cTn>
+                                        <p:tgtEl>
+                                          <p:spTgt spid="4">
+                                            <p:txEl>
+                                              <p:pRg st="8" end="8"/>
+                                            </p:txEl>
+                                          </p:spTgt>
+                                        </p:tgtEl>
+                                        <p:attrNameLst>
+                                          <p:attrName>style.visibility</p:attrName>
+                                        </p:attrNameLst>
+                                      </p:cBhvr>
+                                      <p:to>
+                                        <p:strVal val="visible"/>
+                                      </p:to>
+                                    </p:set>
+                                    <p:animEffect transition="in" filter="wipe(left)">
+                                      <p:cBhvr>
+                                        <p:cTn id="52" dur="500"/>
+                                        <p:tgtEl>
+                                          <p:spTgt spid="4">
+                                            <p:txEl>
+                                              <p:pRg st="8" end="8"/>
+                                            </p:txEl>
+                                          </p:spTgt>
+                                        </p:tgtEl>
+                                      </p:cBhvr>
+                                    </p:animEffect>
+                                  </p:childTnLst>
+                                </p:cTn>
+                              </p:par>
+                            </p:childTnLst>
+                          </p:cTn>
+                        </p:par>
+                      </p:childTnLst>
+                    </p:cTn>
+                  </p:par>
+                  <p:par>
+                    <p:cTn id="53" fill="hold">
+                      <p:stCondLst>
+                        <p:cond delay="indefinite"/>
+                      </p:stCondLst>
+                      <p:childTnLst>
+                        <p:par>
+                          <p:cTn id="54" fill="hold">
+                            <p:stCondLst>
+                              <p:cond delay="0"/>
+                            </p:stCondLst>
+                            <p:childTnLst>
+                              <p:par>
+                                <p:cTn id="55" presetID="22" presetClass="entr" presetSubtype="8" fill="hold" grpId="1" nodeType="clickEffect">
+                                  <p:stCondLst>
+                                    <p:cond delay="0"/>
+                                  </p:stCondLst>
+                                  <p:childTnLst>
+                                    <p:set>
+                                      <p:cBhvr>
+                                        <p:cTn id="56" dur="1" fill="hold">
+                                          <p:stCondLst>
+                                            <p:cond delay="0"/>
+                                          </p:stCondLst>
+                                        </p:cTn>
+                                        <p:tgtEl>
+                                          <p:spTgt spid="4">
+                                            <p:txEl>
+                                              <p:pRg st="9" end="9"/>
+                                            </p:txEl>
+                                          </p:spTgt>
+                                        </p:tgtEl>
+                                        <p:attrNameLst>
+                                          <p:attrName>style.visibility</p:attrName>
+                                        </p:attrNameLst>
+                                      </p:cBhvr>
+                                      <p:to>
+                                        <p:strVal val="visible"/>
+                                      </p:to>
+                                    </p:set>
+                                    <p:animEffect transition="in" filter="wipe(left)">
+                                      <p:cBhvr>
+                                        <p:cTn id="57" dur="500"/>
+                                        <p:tgtEl>
+                                          <p:spTgt spid="4">
+                                            <p:txEl>
+                                              <p:pRg st="9" end="9"/>
+                                            </p:txEl>
+                                          </p:spTgt>
+                                        </p:tgtEl>
+                                      </p:cBhvr>
+                                    </p:animEffect>
+                                  </p:childTnLst>
+                                </p:cTn>
+                              </p:par>
+                            </p:childTnLst>
+                          </p:cTn>
+                        </p:par>
+                      </p:childTnLst>
+                    </p:cTn>
+                  </p:par>
+                  <p:par>
+                    <p:cTn id="58" fill="hold">
+                      <p:stCondLst>
+                        <p:cond delay="indefinite"/>
+                      </p:stCondLst>
+                      <p:childTnLst>
+                        <p:par>
+                          <p:cTn id="59" fill="hold">
+                            <p:stCondLst>
+                              <p:cond delay="0"/>
+                            </p:stCondLst>
+                            <p:childTnLst>
+                              <p:par>
+                                <p:cTn id="60" presetID="2" presetClass="entr" presetSubtype="4" fill="hold" grpId="0" nodeType="clickEffect">
+                                  <p:stCondLst>
+                                    <p:cond delay="0"/>
+                                  </p:stCondLst>
+                                  <p:childTnLst>
+                                    <p:set>
+                                      <p:cBhvr>
+                                        <p:cTn id="61" dur="1" fill="hold">
+                                          <p:stCondLst>
+                                            <p:cond delay="0"/>
+                                          </p:stCondLst>
+                                        </p:cTn>
+                                        <p:tgtEl>
+                                          <p:spTgt spid="5"/>
+                                        </p:tgtEl>
+                                        <p:attrNameLst>
+                                          <p:attrName>style.visibility</p:attrName>
+                                        </p:attrNameLst>
+                                      </p:cBhvr>
+                                      <p:to>
+                                        <p:strVal val="visible"/>
+                                      </p:to>
+                                    </p:set>
+                                    <p:anim calcmode="lin" valueType="num">
+                                      <p:cBhvr additive="base">
+                                        <p:cTn id="62" dur="500" fill="hold"/>
+                                        <p:tgtEl>
+                                          <p:spTgt spid="5"/>
+                                        </p:tgtEl>
+                                        <p:attrNameLst>
+                                          <p:attrName>ppt_x</p:attrName>
+                                        </p:attrNameLst>
+                                      </p:cBhvr>
+                                      <p:tavLst>
+                                        <p:tav tm="0">
+                                          <p:val>
+                                            <p:strVal val="#ppt_x"/>
+                                          </p:val>
+                                        </p:tav>
+                                        <p:tav tm="100000">
+                                          <p:val>
+                                            <p:strVal val="#ppt_x"/>
+                                          </p:val>
+                                        </p:tav>
+                                      </p:tavLst>
+                                    </p:anim>
+                                    <p:anim calcmode="lin" valueType="num">
+                                      <p:cBhvr additive="base">
+                                        <p:cTn id="63" dur="500" fill="hold"/>
+                                        <p:tgtEl>
+                                          <p:spTgt spid="5"/>
+                                        </p:tgtEl>
+                                        <p:attrNameLst>
+                                          <p:attrName>ppt_y</p:attrName>
+                                        </p:attrNameLst>
+                                      </p:cBhvr>
+                                      <p:tavLst>
+                                        <p:tav tm="0">
+                                          <p:val>
+                                            <p:strVal val="1+#ppt_h/2"/>
+                                          </p:val>
+                                        </p:tav>
+                                        <p:tav tm="100000">
+                                          <p:val>
+                                            <p:strVal val="#ppt_y"/>
+                                          </p:val>
+                                        </p:tav>
+                                      </p:tavLst>
+                                    </p:anim>
+                                  </p:childTnLst>
+                                </p:cTn>
+                              </p:par>
+                              <p:par>
+                                <p:cTn id="64" presetID="2" presetClass="entr" presetSubtype="4" fill="hold" grpId="0" nodeType="withEffect">
+                                  <p:stCondLst>
+                                    <p:cond delay="0"/>
+                                  </p:stCondLst>
+                                  <p:childTnLst>
+                                    <p:set>
+                                      <p:cBhvr>
+                                        <p:cTn id="65" dur="1" fill="hold">
+                                          <p:stCondLst>
+                                            <p:cond delay="0"/>
+                                          </p:stCondLst>
+                                        </p:cTn>
+                                        <p:tgtEl>
+                                          <p:spTgt spid="6"/>
+                                        </p:tgtEl>
+                                        <p:attrNameLst>
+                                          <p:attrName>style.visibility</p:attrName>
+                                        </p:attrNameLst>
+                                      </p:cBhvr>
+                                      <p:to>
+                                        <p:strVal val="visible"/>
+                                      </p:to>
+                                    </p:set>
+                                    <p:anim calcmode="lin" valueType="num">
+                                      <p:cBhvr additive="base">
+                                        <p:cTn id="66" dur="500" fill="hold"/>
+                                        <p:tgtEl>
+                                          <p:spTgt spid="6"/>
+                                        </p:tgtEl>
+                                        <p:attrNameLst>
+                                          <p:attrName>ppt_x</p:attrName>
+                                        </p:attrNameLst>
+                                      </p:cBhvr>
+                                      <p:tavLst>
+                                        <p:tav tm="0">
+                                          <p:val>
+                                            <p:strVal val="#ppt_x"/>
+                                          </p:val>
+                                        </p:tav>
+                                        <p:tav tm="100000">
+                                          <p:val>
+                                            <p:strVal val="#ppt_x"/>
+                                          </p:val>
+                                        </p:tav>
+                                      </p:tavLst>
+                                    </p:anim>
+                                    <p:anim calcmode="lin" valueType="num">
+                                      <p:cBhvr additive="base">
+                                        <p:cTn id="67" dur="500" fill="hold"/>
+                                        <p:tgtEl>
+                                          <p:spTgt spid="6"/>
+                                        </p:tgtEl>
+                                        <p:attrNameLst>
+                                          <p:attrName>ppt_y</p:attrName>
+                                        </p:attrNameLst>
+                                      </p:cBhvr>
+                                      <p:tavLst>
+                                        <p:tav tm="0">
+                                          <p:val>
+                                            <p:strVal val="1+#ppt_h/2"/>
+                                          </p:val>
+                                        </p:tav>
+                                        <p:tav tm="100000">
+                                          <p:val>
+                                            <p:strVal val="#ppt_y"/>
+                                          </p:val>
+                                        </p:tav>
+                                      </p:tavLst>
+                                    </p:anim>
                                   </p:childTnLst>
                                 </p:cTn>
                               </p:par>
@@ -9151,7 +11376,9 @@
       </p:par>
     </p:tnLst>
     <p:bldLst>
-      <p:bldP spid="4" grpId="0" uiExpand="1" build="p" animBg="1"/>
+      <p:bldP spid="4" grpId="1" build="p" animBg="1"/>
+      <p:bldP spid="5" grpId="0"/>
+      <p:bldP spid="6" grpId="0"/>
     </p:bldLst>
   </p:timing>
 </p:sld>
@@ -9520,6 +11747,9 @@
             </a:pPr>
             <a:r>
               <a:rPr lang="en-US" dirty="0">
+                <a:solidFill>
+                  <a:schemeClr val="accent6"/>
+                </a:solidFill>
                 <a:latin typeface="Menlo" panose="020B0609030804020204" pitchFamily="49" charset="0"/>
                 <a:ea typeface="Menlo" panose="020B0609030804020204" pitchFamily="49" charset="0"/>
                 <a:cs typeface="Menlo" panose="020B0609030804020204" pitchFamily="49" charset="0"/>
@@ -9528,6 +11758,9 @@
             </a:r>
             <a:r>
               <a:rPr lang="en-US" dirty="0" err="1">
+                <a:solidFill>
+                  <a:schemeClr val="accent6"/>
+                </a:solidFill>
                 <a:latin typeface="Menlo" panose="020B0609030804020204" pitchFamily="49" charset="0"/>
                 <a:ea typeface="Menlo" panose="020B0609030804020204" pitchFamily="49" charset="0"/>
                 <a:cs typeface="Menlo" panose="020B0609030804020204" pitchFamily="49" charset="0"/>
@@ -9536,6 +11769,9 @@
             </a:r>
             <a:r>
               <a:rPr lang="en-US" dirty="0">
+                <a:solidFill>
+                  <a:schemeClr val="accent6"/>
+                </a:solidFill>
                 <a:latin typeface="Menlo" panose="020B0609030804020204" pitchFamily="49" charset="0"/>
                 <a:ea typeface="Menlo" panose="020B0609030804020204" pitchFamily="49" charset="0"/>
                 <a:cs typeface="Menlo" panose="020B0609030804020204" pitchFamily="49" charset="0"/>
@@ -9544,6 +11780,9 @@
             </a:r>
             <a:r>
               <a:rPr lang="en-US" dirty="0" err="1">
+                <a:solidFill>
+                  <a:schemeClr val="accent6"/>
+                </a:solidFill>
                 <a:latin typeface="Menlo" panose="020B0609030804020204" pitchFamily="49" charset="0"/>
                 <a:ea typeface="Menlo" panose="020B0609030804020204" pitchFamily="49" charset="0"/>
                 <a:cs typeface="Menlo" panose="020B0609030804020204" pitchFamily="49" charset="0"/>
@@ -9552,6 +11791,9 @@
             </a:r>
             <a:r>
               <a:rPr lang="en-US" dirty="0">
+                <a:solidFill>
+                  <a:schemeClr val="accent6"/>
+                </a:solidFill>
                 <a:latin typeface="Menlo" panose="020B0609030804020204" pitchFamily="49" charset="0"/>
                 <a:ea typeface="Menlo" panose="020B0609030804020204" pitchFamily="49" charset="0"/>
                 <a:cs typeface="Menlo" panose="020B0609030804020204" pitchFamily="49" charset="0"/>
@@ -9565,6 +11807,9 @@
             </a:pPr>
             <a:r>
               <a:rPr lang="en-US" dirty="0">
+                <a:solidFill>
+                  <a:schemeClr val="accent6"/>
+                </a:solidFill>
                 <a:latin typeface="Menlo" panose="020B0609030804020204" pitchFamily="49" charset="0"/>
                 <a:ea typeface="Menlo" panose="020B0609030804020204" pitchFamily="49" charset="0"/>
                 <a:cs typeface="Menlo" panose="020B0609030804020204" pitchFamily="49" charset="0"/>
@@ -9573,6 +11818,9 @@
             </a:r>
             <a:r>
               <a:rPr lang="en-US" dirty="0" err="1">
+                <a:solidFill>
+                  <a:schemeClr val="accent6"/>
+                </a:solidFill>
                 <a:latin typeface="Menlo" panose="020B0609030804020204" pitchFamily="49" charset="0"/>
                 <a:ea typeface="Menlo" panose="020B0609030804020204" pitchFamily="49" charset="0"/>
                 <a:cs typeface="Menlo" panose="020B0609030804020204" pitchFamily="49" charset="0"/>
@@ -9581,6 +11829,9 @@
             </a:r>
             <a:r>
               <a:rPr lang="en-US" dirty="0">
+                <a:solidFill>
+                  <a:schemeClr val="accent6"/>
+                </a:solidFill>
                 <a:latin typeface="Menlo" panose="020B0609030804020204" pitchFamily="49" charset="0"/>
                 <a:ea typeface="Menlo" panose="020B0609030804020204" pitchFamily="49" charset="0"/>
                 <a:cs typeface="Menlo" panose="020B0609030804020204" pitchFamily="49" charset="0"/>
@@ -9589,6 +11840,9 @@
             </a:r>
             <a:r>
               <a:rPr lang="en-US" dirty="0" err="1">
+                <a:solidFill>
+                  <a:schemeClr val="accent6"/>
+                </a:solidFill>
                 <a:latin typeface="Menlo" panose="020B0609030804020204" pitchFamily="49" charset="0"/>
                 <a:ea typeface="Menlo" panose="020B0609030804020204" pitchFamily="49" charset="0"/>
                 <a:cs typeface="Menlo" panose="020B0609030804020204" pitchFamily="49" charset="0"/>
@@ -9597,6 +11851,9 @@
             </a:r>
             <a:r>
               <a:rPr lang="en-US" dirty="0">
+                <a:solidFill>
+                  <a:schemeClr val="accent6"/>
+                </a:solidFill>
                 <a:latin typeface="Menlo" panose="020B0609030804020204" pitchFamily="49" charset="0"/>
                 <a:ea typeface="Menlo" panose="020B0609030804020204" pitchFamily="49" charset="0"/>
                 <a:cs typeface="Menlo" panose="020B0609030804020204" pitchFamily="49" charset="0"/>
@@ -9610,6 +11867,9 @@
             </a:pPr>
             <a:r>
               <a:rPr lang="en-US" dirty="0">
+                <a:solidFill>
+                  <a:schemeClr val="accent6"/>
+                </a:solidFill>
                 <a:latin typeface="Menlo" panose="020B0609030804020204" pitchFamily="49" charset="0"/>
                 <a:ea typeface="Menlo" panose="020B0609030804020204" pitchFamily="49" charset="0"/>
                 <a:cs typeface="Menlo" panose="020B0609030804020204" pitchFamily="49" charset="0"/>
@@ -9618,6 +11878,9 @@
             </a:r>
             <a:r>
               <a:rPr lang="en-US" dirty="0" err="1">
+                <a:solidFill>
+                  <a:schemeClr val="accent6"/>
+                </a:solidFill>
                 <a:latin typeface="Menlo" panose="020B0609030804020204" pitchFamily="49" charset="0"/>
                 <a:ea typeface="Menlo" panose="020B0609030804020204" pitchFamily="49" charset="0"/>
                 <a:cs typeface="Menlo" panose="020B0609030804020204" pitchFamily="49" charset="0"/>
@@ -9626,6 +11889,9 @@
             </a:r>
             <a:r>
               <a:rPr lang="en-US" dirty="0">
+                <a:solidFill>
+                  <a:schemeClr val="accent6"/>
+                </a:solidFill>
                 <a:latin typeface="Menlo" panose="020B0609030804020204" pitchFamily="49" charset="0"/>
                 <a:ea typeface="Menlo" panose="020B0609030804020204" pitchFamily="49" charset="0"/>
                 <a:cs typeface="Menlo" panose="020B0609030804020204" pitchFamily="49" charset="0"/>
@@ -9634,6 +11900,9 @@
             </a:r>
             <a:r>
               <a:rPr lang="en-US" dirty="0" err="1">
+                <a:solidFill>
+                  <a:schemeClr val="accent6"/>
+                </a:solidFill>
                 <a:latin typeface="Menlo" panose="020B0609030804020204" pitchFamily="49" charset="0"/>
                 <a:ea typeface="Menlo" panose="020B0609030804020204" pitchFamily="49" charset="0"/>
                 <a:cs typeface="Menlo" panose="020B0609030804020204" pitchFamily="49" charset="0"/>
@@ -9642,6 +11911,9 @@
             </a:r>
             <a:r>
               <a:rPr lang="en-US" dirty="0">
+                <a:solidFill>
+                  <a:schemeClr val="accent6"/>
+                </a:solidFill>
                 <a:latin typeface="Menlo" panose="020B0609030804020204" pitchFamily="49" charset="0"/>
                 <a:ea typeface="Menlo" panose="020B0609030804020204" pitchFamily="49" charset="0"/>
                 <a:cs typeface="Menlo" panose="020B0609030804020204" pitchFamily="49" charset="0"/>
@@ -9650,6 +11922,9 @@
             </a:r>
             <a:r>
               <a:rPr lang="en-US" dirty="0" err="1">
+                <a:solidFill>
+                  <a:schemeClr val="accent6"/>
+                </a:solidFill>
                 <a:latin typeface="Menlo" panose="020B0609030804020204" pitchFamily="49" charset="0"/>
                 <a:ea typeface="Menlo" panose="020B0609030804020204" pitchFamily="49" charset="0"/>
                 <a:cs typeface="Menlo" panose="020B0609030804020204" pitchFamily="49" charset="0"/>
@@ -9658,6 +11933,9 @@
             </a:r>
             <a:r>
               <a:rPr lang="en-US" dirty="0">
+                <a:solidFill>
+                  <a:schemeClr val="accent6"/>
+                </a:solidFill>
                 <a:latin typeface="Menlo" panose="020B0609030804020204" pitchFamily="49" charset="0"/>
                 <a:ea typeface="Menlo" panose="020B0609030804020204" pitchFamily="49" charset="0"/>
                 <a:cs typeface="Menlo" panose="020B0609030804020204" pitchFamily="49" charset="0"/>
@@ -9671,6 +11949,9 @@
             </a:pPr>
             <a:r>
               <a:rPr lang="en-US" dirty="0">
+                <a:solidFill>
+                  <a:schemeClr val="accent6"/>
+                </a:solidFill>
                 <a:latin typeface="Menlo" panose="020B0609030804020204" pitchFamily="49" charset="0"/>
                 <a:ea typeface="Menlo" panose="020B0609030804020204" pitchFamily="49" charset="0"/>
                 <a:cs typeface="Menlo" panose="020B0609030804020204" pitchFamily="49" charset="0"/>
@@ -9884,7 +12165,7 @@
                             </p:stCondLst>
                             <p:childTnLst>
                               <p:par>
-                                <p:cTn id="5" presetID="1" presetClass="entr" presetSubtype="0" fill="hold" grpId="0" nodeType="clickEffect">
+                                <p:cTn id="5" presetID="22" presetClass="entr" presetSubtype="8" fill="hold" grpId="0" nodeType="clickEffect">
                                   <p:stCondLst>
                                     <p:cond delay="0"/>
                                   </p:stCondLst>
@@ -9909,6 +12190,418 @@
                                         <p:strVal val="visible"/>
                                       </p:to>
                                     </p:set>
+                                    <p:animEffect transition="in" filter="wipe(left)">
+                                      <p:cBhvr>
+                                        <p:cTn id="7" dur="500"/>
+                                        <p:tgtEl>
+                                          <p:spTgt spid="4">
+                                            <p:bg/>
+                                          </p:spTgt>
+                                        </p:tgtEl>
+                                      </p:cBhvr>
+                                    </p:animEffect>
+                                  </p:childTnLst>
+                                </p:cTn>
+                              </p:par>
+                            </p:childTnLst>
+                          </p:cTn>
+                        </p:par>
+                      </p:childTnLst>
+                    </p:cTn>
+                  </p:par>
+                  <p:par>
+                    <p:cTn id="8" fill="hold">
+                      <p:stCondLst>
+                        <p:cond delay="indefinite"/>
+                      </p:stCondLst>
+                      <p:childTnLst>
+                        <p:par>
+                          <p:cTn id="9" fill="hold">
+                            <p:stCondLst>
+                              <p:cond delay="0"/>
+                            </p:stCondLst>
+                            <p:childTnLst>
+                              <p:par>
+                                <p:cTn id="10" presetID="22" presetClass="entr" presetSubtype="8" fill="hold" grpId="0" nodeType="clickEffect">
+                                  <p:stCondLst>
+                                    <p:cond delay="0"/>
+                                  </p:stCondLst>
+                                  <p:childTnLst>
+                                    <p:set>
+                                      <p:cBhvr>
+                                        <p:cTn id="11" dur="1" fill="hold">
+                                          <p:stCondLst>
+                                            <p:cond delay="0"/>
+                                          </p:stCondLst>
+                                        </p:cTn>
+                                        <p:tgtEl>
+                                          <p:spTgt spid="4">
+                                            <p:txEl>
+                                              <p:pRg st="0" end="0"/>
+                                            </p:txEl>
+                                          </p:spTgt>
+                                        </p:tgtEl>
+                                        <p:attrNameLst>
+                                          <p:attrName>style.visibility</p:attrName>
+                                        </p:attrNameLst>
+                                      </p:cBhvr>
+                                      <p:to>
+                                        <p:strVal val="visible"/>
+                                      </p:to>
+                                    </p:set>
+                                    <p:animEffect transition="in" filter="wipe(left)">
+                                      <p:cBhvr>
+                                        <p:cTn id="12" dur="500"/>
+                                        <p:tgtEl>
+                                          <p:spTgt spid="4">
+                                            <p:txEl>
+                                              <p:pRg st="0" end="0"/>
+                                            </p:txEl>
+                                          </p:spTgt>
+                                        </p:tgtEl>
+                                      </p:cBhvr>
+                                    </p:animEffect>
+                                  </p:childTnLst>
+                                </p:cTn>
+                              </p:par>
+                            </p:childTnLst>
+                          </p:cTn>
+                        </p:par>
+                      </p:childTnLst>
+                    </p:cTn>
+                  </p:par>
+                  <p:par>
+                    <p:cTn id="13" fill="hold">
+                      <p:stCondLst>
+                        <p:cond delay="indefinite"/>
+                      </p:stCondLst>
+                      <p:childTnLst>
+                        <p:par>
+                          <p:cTn id="14" fill="hold">
+                            <p:stCondLst>
+                              <p:cond delay="0"/>
+                            </p:stCondLst>
+                            <p:childTnLst>
+                              <p:par>
+                                <p:cTn id="15" presetID="22" presetClass="entr" presetSubtype="8" fill="hold" grpId="0" nodeType="clickEffect">
+                                  <p:stCondLst>
+                                    <p:cond delay="0"/>
+                                  </p:stCondLst>
+                                  <p:childTnLst>
+                                    <p:set>
+                                      <p:cBhvr>
+                                        <p:cTn id="16" dur="1" fill="hold">
+                                          <p:stCondLst>
+                                            <p:cond delay="0"/>
+                                          </p:stCondLst>
+                                        </p:cTn>
+                                        <p:tgtEl>
+                                          <p:spTgt spid="4">
+                                            <p:txEl>
+                                              <p:pRg st="1" end="1"/>
+                                            </p:txEl>
+                                          </p:spTgt>
+                                        </p:tgtEl>
+                                        <p:attrNameLst>
+                                          <p:attrName>style.visibility</p:attrName>
+                                        </p:attrNameLst>
+                                      </p:cBhvr>
+                                      <p:to>
+                                        <p:strVal val="visible"/>
+                                      </p:to>
+                                    </p:set>
+                                    <p:animEffect transition="in" filter="wipe(left)">
+                                      <p:cBhvr>
+                                        <p:cTn id="17" dur="500"/>
+                                        <p:tgtEl>
+                                          <p:spTgt spid="4">
+                                            <p:txEl>
+                                              <p:pRg st="1" end="1"/>
+                                            </p:txEl>
+                                          </p:spTgt>
+                                        </p:tgtEl>
+                                      </p:cBhvr>
+                                    </p:animEffect>
+                                  </p:childTnLst>
+                                </p:cTn>
+                              </p:par>
+                            </p:childTnLst>
+                          </p:cTn>
+                        </p:par>
+                      </p:childTnLst>
+                    </p:cTn>
+                  </p:par>
+                  <p:par>
+                    <p:cTn id="18" fill="hold">
+                      <p:stCondLst>
+                        <p:cond delay="indefinite"/>
+                      </p:stCondLst>
+                      <p:childTnLst>
+                        <p:par>
+                          <p:cTn id="19" fill="hold">
+                            <p:stCondLst>
+                              <p:cond delay="0"/>
+                            </p:stCondLst>
+                            <p:childTnLst>
+                              <p:par>
+                                <p:cTn id="20" presetID="22" presetClass="entr" presetSubtype="4" fill="hold" grpId="0" nodeType="clickEffect">
+                                  <p:stCondLst>
+                                    <p:cond delay="0"/>
+                                  </p:stCondLst>
+                                  <p:childTnLst>
+                                    <p:set>
+                                      <p:cBhvr>
+                                        <p:cTn id="21" dur="1" fill="hold">
+                                          <p:stCondLst>
+                                            <p:cond delay="0"/>
+                                          </p:stCondLst>
+                                        </p:cTn>
+                                        <p:tgtEl>
+                                          <p:spTgt spid="5"/>
+                                        </p:tgtEl>
+                                        <p:attrNameLst>
+                                          <p:attrName>style.visibility</p:attrName>
+                                        </p:attrNameLst>
+                                      </p:cBhvr>
+                                      <p:to>
+                                        <p:strVal val="visible"/>
+                                      </p:to>
+                                    </p:set>
+                                    <p:animEffect transition="in" filter="wipe(down)">
+                                      <p:cBhvr>
+                                        <p:cTn id="22" dur="500"/>
+                                        <p:tgtEl>
+                                          <p:spTgt spid="5"/>
+                                        </p:tgtEl>
+                                      </p:cBhvr>
+                                    </p:animEffect>
+                                  </p:childTnLst>
+                                </p:cTn>
+                              </p:par>
+                              <p:par>
+                                <p:cTn id="23" presetID="22" presetClass="entr" presetSubtype="4" fill="hold" nodeType="withEffect">
+                                  <p:stCondLst>
+                                    <p:cond delay="0"/>
+                                  </p:stCondLst>
+                                  <p:childTnLst>
+                                    <p:set>
+                                      <p:cBhvr>
+                                        <p:cTn id="24" dur="1" fill="hold">
+                                          <p:stCondLst>
+                                            <p:cond delay="0"/>
+                                          </p:stCondLst>
+                                        </p:cTn>
+                                        <p:tgtEl>
+                                          <p:spTgt spid="8"/>
+                                        </p:tgtEl>
+                                        <p:attrNameLst>
+                                          <p:attrName>style.visibility</p:attrName>
+                                        </p:attrNameLst>
+                                      </p:cBhvr>
+                                      <p:to>
+                                        <p:strVal val="visible"/>
+                                      </p:to>
+                                    </p:set>
+                                    <p:animEffect transition="in" filter="wipe(down)">
+                                      <p:cBhvr>
+                                        <p:cTn id="25" dur="500"/>
+                                        <p:tgtEl>
+                                          <p:spTgt spid="8"/>
+                                        </p:tgtEl>
+                                      </p:cBhvr>
+                                    </p:animEffect>
+                                  </p:childTnLst>
+                                </p:cTn>
+                              </p:par>
+                            </p:childTnLst>
+                          </p:cTn>
+                        </p:par>
+                      </p:childTnLst>
+                    </p:cTn>
+                  </p:par>
+                  <p:par>
+                    <p:cTn id="26" fill="hold">
+                      <p:stCondLst>
+                        <p:cond delay="indefinite"/>
+                      </p:stCondLst>
+                      <p:childTnLst>
+                        <p:par>
+                          <p:cTn id="27" fill="hold">
+                            <p:stCondLst>
+                              <p:cond delay="0"/>
+                            </p:stCondLst>
+                            <p:childTnLst>
+                              <p:par>
+                                <p:cTn id="28" presetID="22" presetClass="entr" presetSubtype="8" fill="hold" grpId="0" nodeType="clickEffect">
+                                  <p:stCondLst>
+                                    <p:cond delay="0"/>
+                                  </p:stCondLst>
+                                  <p:childTnLst>
+                                    <p:set>
+                                      <p:cBhvr>
+                                        <p:cTn id="29" dur="1" fill="hold">
+                                          <p:stCondLst>
+                                            <p:cond delay="0"/>
+                                          </p:stCondLst>
+                                        </p:cTn>
+                                        <p:tgtEl>
+                                          <p:spTgt spid="4">
+                                            <p:txEl>
+                                              <p:pRg st="2" end="2"/>
+                                            </p:txEl>
+                                          </p:spTgt>
+                                        </p:tgtEl>
+                                        <p:attrNameLst>
+                                          <p:attrName>style.visibility</p:attrName>
+                                        </p:attrNameLst>
+                                      </p:cBhvr>
+                                      <p:to>
+                                        <p:strVal val="visible"/>
+                                      </p:to>
+                                    </p:set>
+                                    <p:animEffect transition="in" filter="wipe(left)">
+                                      <p:cBhvr>
+                                        <p:cTn id="30" dur="500"/>
+                                        <p:tgtEl>
+                                          <p:spTgt spid="4">
+                                            <p:txEl>
+                                              <p:pRg st="2" end="2"/>
+                                            </p:txEl>
+                                          </p:spTgt>
+                                        </p:tgtEl>
+                                      </p:cBhvr>
+                                    </p:animEffect>
+                                  </p:childTnLst>
+                                </p:cTn>
+                              </p:par>
+                            </p:childTnLst>
+                          </p:cTn>
+                        </p:par>
+                      </p:childTnLst>
+                    </p:cTn>
+                  </p:par>
+                  <p:par>
+                    <p:cTn id="31" fill="hold">
+                      <p:stCondLst>
+                        <p:cond delay="indefinite"/>
+                      </p:stCondLst>
+                      <p:childTnLst>
+                        <p:par>
+                          <p:cTn id="32" fill="hold">
+                            <p:stCondLst>
+                              <p:cond delay="0"/>
+                            </p:stCondLst>
+                            <p:childTnLst>
+                              <p:par>
+                                <p:cTn id="33" presetID="22" presetClass="entr" presetSubtype="4" fill="hold" grpId="0" nodeType="clickEffect">
+                                  <p:stCondLst>
+                                    <p:cond delay="0"/>
+                                  </p:stCondLst>
+                                  <p:childTnLst>
+                                    <p:set>
+                                      <p:cBhvr>
+                                        <p:cTn id="34" dur="1" fill="hold">
+                                          <p:stCondLst>
+                                            <p:cond delay="0"/>
+                                          </p:stCondLst>
+                                        </p:cTn>
+                                        <p:tgtEl>
+                                          <p:spTgt spid="6"/>
+                                        </p:tgtEl>
+                                        <p:attrNameLst>
+                                          <p:attrName>style.visibility</p:attrName>
+                                        </p:attrNameLst>
+                                      </p:cBhvr>
+                                      <p:to>
+                                        <p:strVal val="visible"/>
+                                      </p:to>
+                                    </p:set>
+                                    <p:animEffect transition="in" filter="wipe(down)">
+                                      <p:cBhvr>
+                                        <p:cTn id="35" dur="500"/>
+                                        <p:tgtEl>
+                                          <p:spTgt spid="6"/>
+                                        </p:tgtEl>
+                                      </p:cBhvr>
+                                    </p:animEffect>
+                                  </p:childTnLst>
+                                </p:cTn>
+                              </p:par>
+                              <p:par>
+                                <p:cTn id="36" presetID="22" presetClass="entr" presetSubtype="4" fill="hold" nodeType="withEffect">
+                                  <p:stCondLst>
+                                    <p:cond delay="0"/>
+                                  </p:stCondLst>
+                                  <p:childTnLst>
+                                    <p:set>
+                                      <p:cBhvr>
+                                        <p:cTn id="37" dur="1" fill="hold">
+                                          <p:stCondLst>
+                                            <p:cond delay="0"/>
+                                          </p:stCondLst>
+                                        </p:cTn>
+                                        <p:tgtEl>
+                                          <p:spTgt spid="10"/>
+                                        </p:tgtEl>
+                                        <p:attrNameLst>
+                                          <p:attrName>style.visibility</p:attrName>
+                                        </p:attrNameLst>
+                                      </p:cBhvr>
+                                      <p:to>
+                                        <p:strVal val="visible"/>
+                                      </p:to>
+                                    </p:set>
+                                    <p:animEffect transition="in" filter="wipe(down)">
+                                      <p:cBhvr>
+                                        <p:cTn id="38" dur="500"/>
+                                        <p:tgtEl>
+                                          <p:spTgt spid="10"/>
+                                        </p:tgtEl>
+                                      </p:cBhvr>
+                                    </p:animEffect>
+                                  </p:childTnLst>
+                                </p:cTn>
+                              </p:par>
+                              <p:par>
+                                <p:cTn id="39" presetID="22" presetClass="entr" presetSubtype="8" fill="hold" grpId="0" nodeType="withEffect">
+                                  <p:stCondLst>
+                                    <p:cond delay="0"/>
+                                  </p:stCondLst>
+                                  <p:childTnLst>
+                                    <p:set>
+                                      <p:cBhvr>
+                                        <p:cTn id="40" dur="1" fill="hold">
+                                          <p:stCondLst>
+                                            <p:cond delay="0"/>
+                                          </p:stCondLst>
+                                        </p:cTn>
+                                        <p:tgtEl>
+                                          <p:spTgt spid="4">
+                                            <p:txEl>
+                                              <p:pRg st="3" end="3"/>
+                                            </p:txEl>
+                                          </p:spTgt>
+                                        </p:tgtEl>
+                                        <p:attrNameLst>
+                                          <p:attrName>style.visibility</p:attrName>
+                                        </p:attrNameLst>
+                                      </p:cBhvr>
+                                      <p:to>
+                                        <p:strVal val="visible"/>
+                                      </p:to>
+                                    </p:set>
+                                    <p:animEffect transition="in" filter="wipe(left)">
+                                      <p:cBhvr>
+                                        <p:cTn id="41" dur="500"/>
+                                        <p:tgtEl>
+                                          <p:spTgt spid="4">
+                                            <p:txEl>
+                                              <p:pRg st="3" end="3"/>
+                                            </p:txEl>
+                                          </p:spTgt>
+                                        </p:tgtEl>
+                                      </p:cBhvr>
+                                    </p:animEffect>
                                   </p:childTnLst>
                                 </p:cTn>
                               </p:par>
@@ -9941,6 +12634,8 @@
     </p:tnLst>
     <p:bldLst>
       <p:bldP spid="4" grpId="0" uiExpand="1" build="p" animBg="1"/>
+      <p:bldP spid="5" grpId="0"/>
+      <p:bldP spid="6" grpId="0"/>
     </p:bldLst>
   </p:timing>
 </p:sld>
@@ -10012,7 +12707,7 @@
         </p:nvSpPr>
         <p:spPr>
           <a:xfrm>
-            <a:off x="1158949" y="1327739"/>
+            <a:off x="1095449" y="1911939"/>
             <a:ext cx="6783572" cy="3308056"/>
           </a:xfrm>
           <a:prstGeom prst="rect">
@@ -10225,6 +12920,9 @@
             </a:pPr>
             <a:r>
               <a:rPr lang="en-US" dirty="0">
+                <a:solidFill>
+                  <a:schemeClr val="accent6"/>
+                </a:solidFill>
                 <a:latin typeface="Menlo" panose="020B0609030804020204" pitchFamily="49" charset="0"/>
                 <a:ea typeface="Menlo" panose="020B0609030804020204" pitchFamily="49" charset="0"/>
                 <a:cs typeface="Menlo" panose="020B0609030804020204" pitchFamily="49" charset="0"/>
@@ -10238,6 +12936,9 @@
             </a:pPr>
             <a:r>
               <a:rPr lang="en-US" dirty="0">
+                <a:solidFill>
+                  <a:schemeClr val="accent6"/>
+                </a:solidFill>
                 <a:latin typeface="Menlo" panose="020B0609030804020204" pitchFamily="49" charset="0"/>
                 <a:ea typeface="Menlo" panose="020B0609030804020204" pitchFamily="49" charset="0"/>
                 <a:cs typeface="Menlo" panose="020B0609030804020204" pitchFamily="49" charset="0"/>
@@ -10246,6 +12947,9 @@
             </a:r>
             <a:r>
               <a:rPr lang="en-US" dirty="0" err="1">
+                <a:solidFill>
+                  <a:schemeClr val="accent6"/>
+                </a:solidFill>
                 <a:latin typeface="Menlo" panose="020B0609030804020204" pitchFamily="49" charset="0"/>
                 <a:ea typeface="Menlo" panose="020B0609030804020204" pitchFamily="49" charset="0"/>
                 <a:cs typeface="Menlo" panose="020B0609030804020204" pitchFamily="49" charset="0"/>
@@ -10254,6 +12958,9 @@
             </a:r>
             <a:r>
               <a:rPr lang="en-US" dirty="0">
+                <a:solidFill>
+                  <a:schemeClr val="accent6"/>
+                </a:solidFill>
                 <a:latin typeface="Menlo" panose="020B0609030804020204" pitchFamily="49" charset="0"/>
                 <a:ea typeface="Menlo" panose="020B0609030804020204" pitchFamily="49" charset="0"/>
                 <a:cs typeface="Menlo" panose="020B0609030804020204" pitchFamily="49" charset="0"/>
@@ -10267,6 +12974,9 @@
             </a:pPr>
             <a:r>
               <a:rPr lang="en-US" dirty="0">
+                <a:solidFill>
+                  <a:schemeClr val="accent6"/>
+                </a:solidFill>
                 <a:latin typeface="Menlo" panose="020B0609030804020204" pitchFamily="49" charset="0"/>
                 <a:ea typeface="Menlo" panose="020B0609030804020204" pitchFamily="49" charset="0"/>
                 <a:cs typeface="Menlo" panose="020B0609030804020204" pitchFamily="49" charset="0"/>
@@ -10280,6 +12990,9 @@
             </a:pPr>
             <a:r>
               <a:rPr lang="en-US" dirty="0">
+                <a:solidFill>
+                  <a:schemeClr val="accent6"/>
+                </a:solidFill>
                 <a:latin typeface="Menlo" panose="020B0609030804020204" pitchFamily="49" charset="0"/>
                 <a:ea typeface="Menlo" panose="020B0609030804020204" pitchFamily="49" charset="0"/>
                 <a:cs typeface="Menlo" panose="020B0609030804020204" pitchFamily="49" charset="0"/>
@@ -10288,6 +13001,9 @@
             </a:r>
             <a:r>
               <a:rPr lang="en-US" dirty="0" err="1">
+                <a:solidFill>
+                  <a:schemeClr val="accent6"/>
+                </a:solidFill>
                 <a:latin typeface="Menlo" panose="020B0609030804020204" pitchFamily="49" charset="0"/>
                 <a:ea typeface="Menlo" panose="020B0609030804020204" pitchFamily="49" charset="0"/>
                 <a:cs typeface="Menlo" panose="020B0609030804020204" pitchFamily="49" charset="0"/>
@@ -10296,6 +13012,9 @@
             </a:r>
             <a:r>
               <a:rPr lang="en-US" dirty="0">
+                <a:solidFill>
+                  <a:schemeClr val="accent6"/>
+                </a:solidFill>
                 <a:latin typeface="Menlo" panose="020B0609030804020204" pitchFamily="49" charset="0"/>
                 <a:ea typeface="Menlo" panose="020B0609030804020204" pitchFamily="49" charset="0"/>
                 <a:cs typeface="Menlo" panose="020B0609030804020204" pitchFamily="49" charset="0"/>
@@ -10309,6 +13028,9 @@
             </a:pPr>
             <a:r>
               <a:rPr lang="en-US" dirty="0">
+                <a:solidFill>
+                  <a:schemeClr val="accent6"/>
+                </a:solidFill>
                 <a:latin typeface="Menlo" panose="020B0609030804020204" pitchFamily="49" charset="0"/>
                 <a:ea typeface="Menlo" panose="020B0609030804020204" pitchFamily="49" charset="0"/>
                 <a:cs typeface="Menlo" panose="020B0609030804020204" pitchFamily="49" charset="0"/>
@@ -10317,6 +13039,9 @@
             </a:r>
             <a:r>
               <a:rPr lang="en-US" dirty="0" err="1">
+                <a:solidFill>
+                  <a:schemeClr val="accent6"/>
+                </a:solidFill>
                 <a:latin typeface="Menlo" panose="020B0609030804020204" pitchFamily="49" charset="0"/>
                 <a:ea typeface="Menlo" panose="020B0609030804020204" pitchFamily="49" charset="0"/>
                 <a:cs typeface="Menlo" panose="020B0609030804020204" pitchFamily="49" charset="0"/>
@@ -10325,6 +13050,9 @@
             </a:r>
             <a:r>
               <a:rPr lang="en-US" dirty="0">
+                <a:solidFill>
+                  <a:schemeClr val="accent6"/>
+                </a:solidFill>
                 <a:latin typeface="Menlo" panose="020B0609030804020204" pitchFamily="49" charset="0"/>
                 <a:ea typeface="Menlo" panose="020B0609030804020204" pitchFamily="49" charset="0"/>
                 <a:cs typeface="Menlo" panose="020B0609030804020204" pitchFamily="49" charset="0"/>
@@ -10338,6 +13066,9 @@
             </a:pPr>
             <a:r>
               <a:rPr lang="en-US" dirty="0">
+                <a:solidFill>
+                  <a:schemeClr val="accent6"/>
+                </a:solidFill>
                 <a:latin typeface="Menlo" panose="020B0609030804020204" pitchFamily="49" charset="0"/>
                 <a:ea typeface="Menlo" panose="020B0609030804020204" pitchFamily="49" charset="0"/>
                 <a:cs typeface="Menlo" panose="020B0609030804020204" pitchFamily="49" charset="0"/>
@@ -10346,6 +13077,9 @@
             </a:r>
             <a:r>
               <a:rPr lang="en-US" dirty="0" err="1">
+                <a:solidFill>
+                  <a:schemeClr val="accent6"/>
+                </a:solidFill>
                 <a:latin typeface="Menlo" panose="020B0609030804020204" pitchFamily="49" charset="0"/>
                 <a:ea typeface="Menlo" panose="020B0609030804020204" pitchFamily="49" charset="0"/>
                 <a:cs typeface="Menlo" panose="020B0609030804020204" pitchFamily="49" charset="0"/>
@@ -10354,6 +13088,9 @@
             </a:r>
             <a:r>
               <a:rPr lang="en-US" dirty="0">
+                <a:solidFill>
+                  <a:schemeClr val="accent6"/>
+                </a:solidFill>
                 <a:latin typeface="Menlo" panose="020B0609030804020204" pitchFamily="49" charset="0"/>
                 <a:ea typeface="Menlo" panose="020B0609030804020204" pitchFamily="49" charset="0"/>
                 <a:cs typeface="Menlo" panose="020B0609030804020204" pitchFamily="49" charset="0"/>
@@ -10362,6 +13099,9 @@
             </a:r>
             <a:r>
               <a:rPr lang="en-US" u="sng" dirty="0">
+                <a:solidFill>
+                  <a:schemeClr val="accent6"/>
+                </a:solidFill>
                 <a:latin typeface="Menlo" panose="020B0609030804020204" pitchFamily="49" charset="0"/>
                 <a:ea typeface="Menlo" panose="020B0609030804020204" pitchFamily="49" charset="0"/>
                 <a:cs typeface="Menlo" panose="020B0609030804020204" pitchFamily="49" charset="0"/>
@@ -10370,6 +13110,9 @@
             </a:r>
             <a:r>
               <a:rPr lang="en-US" dirty="0">
+                <a:solidFill>
+                  <a:schemeClr val="accent6"/>
+                </a:solidFill>
                 <a:latin typeface="Menlo" panose="020B0609030804020204" pitchFamily="49" charset="0"/>
                 <a:ea typeface="Menlo" panose="020B0609030804020204" pitchFamily="49" charset="0"/>
                 <a:cs typeface="Menlo" panose="020B0609030804020204" pitchFamily="49" charset="0"/>
@@ -10383,6 +13126,9 @@
             </a:pPr>
             <a:r>
               <a:rPr lang="en-US" dirty="0">
+                <a:solidFill>
+                  <a:schemeClr val="accent6"/>
+                </a:solidFill>
                 <a:latin typeface="Menlo" panose="020B0609030804020204" pitchFamily="49" charset="0"/>
                 <a:ea typeface="Menlo" panose="020B0609030804020204" pitchFamily="49" charset="0"/>
                 <a:cs typeface="Menlo" panose="020B0609030804020204" pitchFamily="49" charset="0"/>
@@ -10408,7 +13154,7 @@
         </p:nvSpPr>
         <p:spPr>
           <a:xfrm>
-            <a:off x="7942521" y="1327739"/>
+            <a:off x="7879021" y="1911939"/>
             <a:ext cx="3767470" cy="3308056"/>
           </a:xfrm>
           <a:prstGeom prst="rect">
@@ -10661,7 +13407,7 @@
                             </p:stCondLst>
                             <p:childTnLst>
                               <p:par>
-                                <p:cTn id="5" presetID="1" presetClass="entr" presetSubtype="0" fill="hold" grpId="0" nodeType="clickEffect">
+                                <p:cTn id="5" presetID="22" presetClass="entr" presetSubtype="8" fill="hold" grpId="0" nodeType="clickEffect">
                                   <p:stCondLst>
                                     <p:cond delay="0"/>
                                   </p:stCondLst>
@@ -10686,6 +13432,16 @@
                                         <p:strVal val="visible"/>
                                       </p:to>
                                     </p:set>
+                                    <p:animEffect transition="in" filter="wipe(left)">
+                                      <p:cBhvr>
+                                        <p:cTn id="7" dur="500"/>
+                                        <p:tgtEl>
+                                          <p:spTgt spid="6">
+                                            <p:bg/>
+                                          </p:spTgt>
+                                        </p:tgtEl>
+                                      </p:cBhvr>
+                                    </p:animEffect>
                                   </p:childTnLst>
                                 </p:cTn>
                               </p:par>
@@ -10696,33 +13452,35 @@
                     </p:cTn>
                   </p:par>
                   <p:par>
-                    <p:cTn id="7" fill="hold">
+                    <p:cTn id="8" fill="hold">
                       <p:stCondLst>
                         <p:cond delay="indefinite"/>
                       </p:stCondLst>
                       <p:childTnLst>
                         <p:par>
-                          <p:cTn id="8" fill="hold">
+                          <p:cTn id="9" fill="hold">
                             <p:stCondLst>
                               <p:cond delay="0"/>
                             </p:stCondLst>
                             <p:childTnLst>
                               <p:par>
-                                <p:cTn id="9" presetID="1" presetClass="entr" presetSubtype="0" fill="hold" grpId="0" nodeType="clickEffect">
+                                <p:cTn id="10" presetID="22" presetClass="entr" presetSubtype="8" fill="hold" grpId="0" nodeType="clickEffect">
                                   <p:stCondLst>
                                     <p:cond delay="0"/>
                                   </p:stCondLst>
                                   <p:childTnLst>
                                     <p:set>
                                       <p:cBhvr>
-                                        <p:cTn id="10" dur="1" fill="hold">
+                                        <p:cTn id="11" dur="1" fill="hold">
                                           <p:stCondLst>
                                             <p:cond delay="0"/>
                                           </p:stCondLst>
                                         </p:cTn>
                                         <p:tgtEl>
-                                          <p:spTgt spid="4">
-                                            <p:bg/>
+                                          <p:spTgt spid="6">
+                                            <p:txEl>
+                                              <p:pRg st="0" end="0"/>
+                                            </p:txEl>
                                           </p:spTgt>
                                         </p:tgtEl>
                                         <p:attrNameLst>
@@ -10733,6 +13491,437 @@
                                         <p:strVal val="visible"/>
                                       </p:to>
                                     </p:set>
+                                    <p:animEffect transition="in" filter="wipe(left)">
+                                      <p:cBhvr>
+                                        <p:cTn id="12" dur="500"/>
+                                        <p:tgtEl>
+                                          <p:spTgt spid="6">
+                                            <p:txEl>
+                                              <p:pRg st="0" end="0"/>
+                                            </p:txEl>
+                                          </p:spTgt>
+                                        </p:tgtEl>
+                                      </p:cBhvr>
+                                    </p:animEffect>
+                                  </p:childTnLst>
+                                </p:cTn>
+                              </p:par>
+                            </p:childTnLst>
+                          </p:cTn>
+                        </p:par>
+                      </p:childTnLst>
+                    </p:cTn>
+                  </p:par>
+                  <p:par>
+                    <p:cTn id="13" fill="hold">
+                      <p:stCondLst>
+                        <p:cond delay="indefinite"/>
+                      </p:stCondLst>
+                      <p:childTnLst>
+                        <p:par>
+                          <p:cTn id="14" fill="hold">
+                            <p:stCondLst>
+                              <p:cond delay="0"/>
+                            </p:stCondLst>
+                            <p:childTnLst>
+                              <p:par>
+                                <p:cTn id="15" presetID="22" presetClass="entr" presetSubtype="8" fill="hold" grpId="0" nodeType="clickEffect">
+                                  <p:stCondLst>
+                                    <p:cond delay="0"/>
+                                  </p:stCondLst>
+                                  <p:childTnLst>
+                                    <p:set>
+                                      <p:cBhvr>
+                                        <p:cTn id="16" dur="1" fill="hold">
+                                          <p:stCondLst>
+                                            <p:cond delay="0"/>
+                                          </p:stCondLst>
+                                        </p:cTn>
+                                        <p:tgtEl>
+                                          <p:spTgt spid="6">
+                                            <p:txEl>
+                                              <p:pRg st="1" end="1"/>
+                                            </p:txEl>
+                                          </p:spTgt>
+                                        </p:tgtEl>
+                                        <p:attrNameLst>
+                                          <p:attrName>style.visibility</p:attrName>
+                                        </p:attrNameLst>
+                                      </p:cBhvr>
+                                      <p:to>
+                                        <p:strVal val="visible"/>
+                                      </p:to>
+                                    </p:set>
+                                    <p:animEffect transition="in" filter="wipe(left)">
+                                      <p:cBhvr>
+                                        <p:cTn id="17" dur="500"/>
+                                        <p:tgtEl>
+                                          <p:spTgt spid="6">
+                                            <p:txEl>
+                                              <p:pRg st="1" end="1"/>
+                                            </p:txEl>
+                                          </p:spTgt>
+                                        </p:tgtEl>
+                                      </p:cBhvr>
+                                    </p:animEffect>
+                                  </p:childTnLst>
+                                </p:cTn>
+                              </p:par>
+                            </p:childTnLst>
+                          </p:cTn>
+                        </p:par>
+                      </p:childTnLst>
+                    </p:cTn>
+                  </p:par>
+                  <p:par>
+                    <p:cTn id="18" fill="hold">
+                      <p:stCondLst>
+                        <p:cond delay="indefinite"/>
+                      </p:stCondLst>
+                      <p:childTnLst>
+                        <p:par>
+                          <p:cTn id="19" fill="hold">
+                            <p:stCondLst>
+                              <p:cond delay="0"/>
+                            </p:stCondLst>
+                            <p:childTnLst>
+                              <p:par>
+                                <p:cTn id="20" presetID="22" presetClass="entr" presetSubtype="8" fill="hold" grpId="0" nodeType="clickEffect">
+                                  <p:stCondLst>
+                                    <p:cond delay="0"/>
+                                  </p:stCondLst>
+                                  <p:childTnLst>
+                                    <p:set>
+                                      <p:cBhvr>
+                                        <p:cTn id="21" dur="1" fill="hold">
+                                          <p:stCondLst>
+                                            <p:cond delay="0"/>
+                                          </p:stCondLst>
+                                        </p:cTn>
+                                        <p:tgtEl>
+                                          <p:spTgt spid="6">
+                                            <p:txEl>
+                                              <p:pRg st="2" end="2"/>
+                                            </p:txEl>
+                                          </p:spTgt>
+                                        </p:tgtEl>
+                                        <p:attrNameLst>
+                                          <p:attrName>style.visibility</p:attrName>
+                                        </p:attrNameLst>
+                                      </p:cBhvr>
+                                      <p:to>
+                                        <p:strVal val="visible"/>
+                                      </p:to>
+                                    </p:set>
+                                    <p:animEffect transition="in" filter="wipe(left)">
+                                      <p:cBhvr>
+                                        <p:cTn id="22" dur="500"/>
+                                        <p:tgtEl>
+                                          <p:spTgt spid="6">
+                                            <p:txEl>
+                                              <p:pRg st="2" end="2"/>
+                                            </p:txEl>
+                                          </p:spTgt>
+                                        </p:tgtEl>
+                                      </p:cBhvr>
+                                    </p:animEffect>
+                                  </p:childTnLst>
+                                </p:cTn>
+                              </p:par>
+                            </p:childTnLst>
+                          </p:cTn>
+                        </p:par>
+                      </p:childTnLst>
+                    </p:cTn>
+                  </p:par>
+                  <p:par>
+                    <p:cTn id="23" fill="hold">
+                      <p:stCondLst>
+                        <p:cond delay="indefinite"/>
+                      </p:stCondLst>
+                      <p:childTnLst>
+                        <p:par>
+                          <p:cTn id="24" fill="hold">
+                            <p:stCondLst>
+                              <p:cond delay="0"/>
+                            </p:stCondLst>
+                            <p:childTnLst>
+                              <p:par>
+                                <p:cTn id="25" presetID="22" presetClass="entr" presetSubtype="8" fill="hold" grpId="0" nodeType="clickEffect">
+                                  <p:stCondLst>
+                                    <p:cond delay="0"/>
+                                  </p:stCondLst>
+                                  <p:childTnLst>
+                                    <p:set>
+                                      <p:cBhvr>
+                                        <p:cTn id="26" dur="1" fill="hold">
+                                          <p:stCondLst>
+                                            <p:cond delay="0"/>
+                                          </p:stCondLst>
+                                        </p:cTn>
+                                        <p:tgtEl>
+                                          <p:spTgt spid="6">
+                                            <p:txEl>
+                                              <p:pRg st="3" end="3"/>
+                                            </p:txEl>
+                                          </p:spTgt>
+                                        </p:tgtEl>
+                                        <p:attrNameLst>
+                                          <p:attrName>style.visibility</p:attrName>
+                                        </p:attrNameLst>
+                                      </p:cBhvr>
+                                      <p:to>
+                                        <p:strVal val="visible"/>
+                                      </p:to>
+                                    </p:set>
+                                    <p:animEffect transition="in" filter="wipe(left)">
+                                      <p:cBhvr>
+                                        <p:cTn id="27" dur="500"/>
+                                        <p:tgtEl>
+                                          <p:spTgt spid="6">
+                                            <p:txEl>
+                                              <p:pRg st="3" end="3"/>
+                                            </p:txEl>
+                                          </p:spTgt>
+                                        </p:tgtEl>
+                                      </p:cBhvr>
+                                    </p:animEffect>
+                                  </p:childTnLst>
+                                </p:cTn>
+                              </p:par>
+                            </p:childTnLst>
+                          </p:cTn>
+                        </p:par>
+                      </p:childTnLst>
+                    </p:cTn>
+                  </p:par>
+                  <p:par>
+                    <p:cTn id="28" fill="hold">
+                      <p:stCondLst>
+                        <p:cond delay="indefinite"/>
+                      </p:stCondLst>
+                      <p:childTnLst>
+                        <p:par>
+                          <p:cTn id="29" fill="hold">
+                            <p:stCondLst>
+                              <p:cond delay="0"/>
+                            </p:stCondLst>
+                            <p:childTnLst>
+                              <p:par>
+                                <p:cTn id="30" presetID="22" presetClass="entr" presetSubtype="8" fill="hold" grpId="0" nodeType="clickEffect">
+                                  <p:stCondLst>
+                                    <p:cond delay="0"/>
+                                  </p:stCondLst>
+                                  <p:childTnLst>
+                                    <p:set>
+                                      <p:cBhvr>
+                                        <p:cTn id="31" dur="1" fill="hold">
+                                          <p:stCondLst>
+                                            <p:cond delay="0"/>
+                                          </p:stCondLst>
+                                        </p:cTn>
+                                        <p:tgtEl>
+                                          <p:spTgt spid="6">
+                                            <p:txEl>
+                                              <p:pRg st="4" end="4"/>
+                                            </p:txEl>
+                                          </p:spTgt>
+                                        </p:tgtEl>
+                                        <p:attrNameLst>
+                                          <p:attrName>style.visibility</p:attrName>
+                                        </p:attrNameLst>
+                                      </p:cBhvr>
+                                      <p:to>
+                                        <p:strVal val="visible"/>
+                                      </p:to>
+                                    </p:set>
+                                    <p:animEffect transition="in" filter="wipe(left)">
+                                      <p:cBhvr>
+                                        <p:cTn id="32" dur="500"/>
+                                        <p:tgtEl>
+                                          <p:spTgt spid="6">
+                                            <p:txEl>
+                                              <p:pRg st="4" end="4"/>
+                                            </p:txEl>
+                                          </p:spTgt>
+                                        </p:tgtEl>
+                                      </p:cBhvr>
+                                    </p:animEffect>
+                                  </p:childTnLst>
+                                </p:cTn>
+                              </p:par>
+                            </p:childTnLst>
+                          </p:cTn>
+                        </p:par>
+                      </p:childTnLst>
+                    </p:cTn>
+                  </p:par>
+                  <p:par>
+                    <p:cTn id="33" fill="hold">
+                      <p:stCondLst>
+                        <p:cond delay="indefinite"/>
+                      </p:stCondLst>
+                      <p:childTnLst>
+                        <p:par>
+                          <p:cTn id="34" fill="hold">
+                            <p:stCondLst>
+                              <p:cond delay="0"/>
+                            </p:stCondLst>
+                            <p:childTnLst>
+                              <p:par>
+                                <p:cTn id="35" presetID="22" presetClass="entr" presetSubtype="8" fill="hold" grpId="0" nodeType="clickEffect">
+                                  <p:stCondLst>
+                                    <p:cond delay="0"/>
+                                  </p:stCondLst>
+                                  <p:childTnLst>
+                                    <p:set>
+                                      <p:cBhvr>
+                                        <p:cTn id="36" dur="1" fill="hold">
+                                          <p:stCondLst>
+                                            <p:cond delay="0"/>
+                                          </p:stCondLst>
+                                        </p:cTn>
+                                        <p:tgtEl>
+                                          <p:spTgt spid="6">
+                                            <p:txEl>
+                                              <p:pRg st="5" end="5"/>
+                                            </p:txEl>
+                                          </p:spTgt>
+                                        </p:tgtEl>
+                                        <p:attrNameLst>
+                                          <p:attrName>style.visibility</p:attrName>
+                                        </p:attrNameLst>
+                                      </p:cBhvr>
+                                      <p:to>
+                                        <p:strVal val="visible"/>
+                                      </p:to>
+                                    </p:set>
+                                    <p:animEffect transition="in" filter="wipe(left)">
+                                      <p:cBhvr>
+                                        <p:cTn id="37" dur="500"/>
+                                        <p:tgtEl>
+                                          <p:spTgt spid="6">
+                                            <p:txEl>
+                                              <p:pRg st="5" end="5"/>
+                                            </p:txEl>
+                                          </p:spTgt>
+                                        </p:tgtEl>
+                                      </p:cBhvr>
+                                    </p:animEffect>
+                                  </p:childTnLst>
+                                </p:cTn>
+                              </p:par>
+                            </p:childTnLst>
+                          </p:cTn>
+                        </p:par>
+                      </p:childTnLst>
+                    </p:cTn>
+                  </p:par>
+                  <p:par>
+                    <p:cTn id="38" fill="hold">
+                      <p:stCondLst>
+                        <p:cond delay="indefinite"/>
+                      </p:stCondLst>
+                      <p:childTnLst>
+                        <p:par>
+                          <p:cTn id="39" fill="hold">
+                            <p:stCondLst>
+                              <p:cond delay="0"/>
+                            </p:stCondLst>
+                            <p:childTnLst>
+                              <p:par>
+                                <p:cTn id="40" presetID="22" presetClass="entr" presetSubtype="8" fill="hold" grpId="0" nodeType="clickEffect">
+                                  <p:stCondLst>
+                                    <p:cond delay="0"/>
+                                  </p:stCondLst>
+                                  <p:childTnLst>
+                                    <p:set>
+                                      <p:cBhvr>
+                                        <p:cTn id="41" dur="1" fill="hold">
+                                          <p:stCondLst>
+                                            <p:cond delay="0"/>
+                                          </p:stCondLst>
+                                        </p:cTn>
+                                        <p:tgtEl>
+                                          <p:spTgt spid="6">
+                                            <p:txEl>
+                                              <p:pRg st="6" end="6"/>
+                                            </p:txEl>
+                                          </p:spTgt>
+                                        </p:tgtEl>
+                                        <p:attrNameLst>
+                                          <p:attrName>style.visibility</p:attrName>
+                                        </p:attrNameLst>
+                                      </p:cBhvr>
+                                      <p:to>
+                                        <p:strVal val="visible"/>
+                                      </p:to>
+                                    </p:set>
+                                    <p:animEffect transition="in" filter="wipe(left)">
+                                      <p:cBhvr>
+                                        <p:cTn id="42" dur="500"/>
+                                        <p:tgtEl>
+                                          <p:spTgt spid="6">
+                                            <p:txEl>
+                                              <p:pRg st="6" end="6"/>
+                                            </p:txEl>
+                                          </p:spTgt>
+                                        </p:tgtEl>
+                                      </p:cBhvr>
+                                    </p:animEffect>
+                                  </p:childTnLst>
+                                </p:cTn>
+                              </p:par>
+                            </p:childTnLst>
+                          </p:cTn>
+                        </p:par>
+                      </p:childTnLst>
+                    </p:cTn>
+                  </p:par>
+                  <p:par>
+                    <p:cTn id="43" fill="hold">
+                      <p:stCondLst>
+                        <p:cond delay="indefinite"/>
+                      </p:stCondLst>
+                      <p:childTnLst>
+                        <p:par>
+                          <p:cTn id="44" fill="hold">
+                            <p:stCondLst>
+                              <p:cond delay="0"/>
+                            </p:stCondLst>
+                            <p:childTnLst>
+                              <p:par>
+                                <p:cTn id="45" presetID="10" presetClass="entr" presetSubtype="0" fill="hold" grpId="0" nodeType="clickEffect">
+                                  <p:stCondLst>
+                                    <p:cond delay="0"/>
+                                  </p:stCondLst>
+                                  <p:childTnLst>
+                                    <p:set>
+                                      <p:cBhvr>
+                                        <p:cTn id="46" dur="1" fill="hold">
+                                          <p:stCondLst>
+                                            <p:cond delay="0"/>
+                                          </p:stCondLst>
+                                        </p:cTn>
+                                        <p:tgtEl>
+                                          <p:spTgt spid="4"/>
+                                        </p:tgtEl>
+                                        <p:attrNameLst>
+                                          <p:attrName>style.visibility</p:attrName>
+                                        </p:attrNameLst>
+                                      </p:cBhvr>
+                                      <p:to>
+                                        <p:strVal val="visible"/>
+                                      </p:to>
+                                    </p:set>
+                                    <p:animEffect transition="in" filter="fade">
+                                      <p:cBhvr>
+                                        <p:cTn id="47" dur="500"/>
+                                        <p:tgtEl>
+                                          <p:spTgt spid="4"/>
+                                        </p:tgtEl>
+                                      </p:cBhvr>
+                                    </p:animEffect>
                                   </p:childTnLst>
                                 </p:cTn>
                               </p:par>
@@ -10764,8 +13953,8 @@
       </p:par>
     </p:tnLst>
     <p:bldLst>
-      <p:bldP spid="6" grpId="0" uiExpand="1" build="p" animBg="1"/>
-      <p:bldP spid="4" grpId="0" uiExpand="1" build="p" animBg="1"/>
+      <p:bldP spid="6" grpId="0" build="p" animBg="1"/>
+      <p:bldP spid="4" grpId="0" animBg="1"/>
     </p:bldLst>
   </p:timing>
 </p:sld>
@@ -10838,7 +14027,7 @@
         <p:spPr>
           <a:xfrm>
             <a:off x="1158949" y="1327739"/>
-            <a:ext cx="6783572" cy="4605228"/>
+            <a:ext cx="6372151" cy="4605228"/>
           </a:xfrm>
           <a:prstGeom prst="rect">
             <a:avLst/>
@@ -11050,6 +14239,9 @@
             </a:pPr>
             <a:r>
               <a:rPr lang="en-US" dirty="0">
+                <a:solidFill>
+                  <a:schemeClr val="accent6"/>
+                </a:solidFill>
                 <a:latin typeface="Menlo" panose="020B0609030804020204" pitchFamily="49" charset="0"/>
                 <a:ea typeface="Menlo" panose="020B0609030804020204" pitchFamily="49" charset="0"/>
                 <a:cs typeface="Menlo" panose="020B0609030804020204" pitchFamily="49" charset="0"/>
@@ -11063,6 +14255,9 @@
             </a:pPr>
             <a:r>
               <a:rPr lang="en-US" dirty="0">
+                <a:solidFill>
+                  <a:schemeClr val="accent6"/>
+                </a:solidFill>
                 <a:latin typeface="Menlo" panose="020B0609030804020204" pitchFamily="49" charset="0"/>
                 <a:ea typeface="Menlo" panose="020B0609030804020204" pitchFamily="49" charset="0"/>
                 <a:cs typeface="Menlo" panose="020B0609030804020204" pitchFamily="49" charset="0"/>
@@ -11071,6 +14266,9 @@
             </a:r>
             <a:r>
               <a:rPr lang="en-US" dirty="0" err="1">
+                <a:solidFill>
+                  <a:schemeClr val="accent6"/>
+                </a:solidFill>
                 <a:latin typeface="Menlo" panose="020B0609030804020204" pitchFamily="49" charset="0"/>
                 <a:ea typeface="Menlo" panose="020B0609030804020204" pitchFamily="49" charset="0"/>
                 <a:cs typeface="Menlo" panose="020B0609030804020204" pitchFamily="49" charset="0"/>
@@ -11079,6 +14277,9 @@
             </a:r>
             <a:r>
               <a:rPr lang="en-US" dirty="0">
+                <a:solidFill>
+                  <a:schemeClr val="accent6"/>
+                </a:solidFill>
                 <a:latin typeface="Menlo" panose="020B0609030804020204" pitchFamily="49" charset="0"/>
                 <a:ea typeface="Menlo" panose="020B0609030804020204" pitchFamily="49" charset="0"/>
                 <a:cs typeface="Menlo" panose="020B0609030804020204" pitchFamily="49" charset="0"/>
@@ -11092,6 +14293,9 @@
             </a:pPr>
             <a:r>
               <a:rPr lang="en-US" dirty="0">
+                <a:solidFill>
+                  <a:schemeClr val="accent6"/>
+                </a:solidFill>
                 <a:latin typeface="Menlo" panose="020B0609030804020204" pitchFamily="49" charset="0"/>
                 <a:ea typeface="Menlo" panose="020B0609030804020204" pitchFamily="49" charset="0"/>
                 <a:cs typeface="Menlo" panose="020B0609030804020204" pitchFamily="49" charset="0"/>
@@ -11105,6 +14309,9 @@
             </a:pPr>
             <a:r>
               <a:rPr lang="en-US" dirty="0">
+                <a:solidFill>
+                  <a:schemeClr val="accent6"/>
+                </a:solidFill>
                 <a:latin typeface="Menlo" panose="020B0609030804020204" pitchFamily="49" charset="0"/>
                 <a:ea typeface="Menlo" panose="020B0609030804020204" pitchFamily="49" charset="0"/>
                 <a:cs typeface="Menlo" panose="020B0609030804020204" pitchFamily="49" charset="0"/>
@@ -11113,6 +14320,9 @@
             </a:r>
             <a:r>
               <a:rPr lang="en-US" dirty="0" err="1">
+                <a:solidFill>
+                  <a:schemeClr val="accent6"/>
+                </a:solidFill>
                 <a:latin typeface="Menlo" panose="020B0609030804020204" pitchFamily="49" charset="0"/>
                 <a:ea typeface="Menlo" panose="020B0609030804020204" pitchFamily="49" charset="0"/>
                 <a:cs typeface="Menlo" panose="020B0609030804020204" pitchFamily="49" charset="0"/>
@@ -11121,6 +14331,9 @@
             </a:r>
             <a:r>
               <a:rPr lang="en-US" dirty="0">
+                <a:solidFill>
+                  <a:schemeClr val="accent6"/>
+                </a:solidFill>
                 <a:latin typeface="Menlo" panose="020B0609030804020204" pitchFamily="49" charset="0"/>
                 <a:ea typeface="Menlo" panose="020B0609030804020204" pitchFamily="49" charset="0"/>
                 <a:cs typeface="Menlo" panose="020B0609030804020204" pitchFamily="49" charset="0"/>
@@ -11134,6 +14347,9 @@
             </a:pPr>
             <a:r>
               <a:rPr lang="en-US" dirty="0">
+                <a:solidFill>
+                  <a:schemeClr val="accent6"/>
+                </a:solidFill>
                 <a:latin typeface="Menlo" panose="020B0609030804020204" pitchFamily="49" charset="0"/>
                 <a:ea typeface="Menlo" panose="020B0609030804020204" pitchFamily="49" charset="0"/>
                 <a:cs typeface="Menlo" panose="020B0609030804020204" pitchFamily="49" charset="0"/>
@@ -11142,6 +14358,9 @@
             </a:r>
             <a:r>
               <a:rPr lang="en-US" dirty="0" err="1">
+                <a:solidFill>
+                  <a:schemeClr val="accent6"/>
+                </a:solidFill>
                 <a:latin typeface="Menlo" panose="020B0609030804020204" pitchFamily="49" charset="0"/>
                 <a:ea typeface="Menlo" panose="020B0609030804020204" pitchFamily="49" charset="0"/>
                 <a:cs typeface="Menlo" panose="020B0609030804020204" pitchFamily="49" charset="0"/>
@@ -11150,6 +14369,9 @@
             </a:r>
             <a:r>
               <a:rPr lang="en-US" dirty="0">
+                <a:solidFill>
+                  <a:schemeClr val="accent6"/>
+                </a:solidFill>
                 <a:latin typeface="Menlo" panose="020B0609030804020204" pitchFamily="49" charset="0"/>
                 <a:ea typeface="Menlo" panose="020B0609030804020204" pitchFamily="49" charset="0"/>
                 <a:cs typeface="Menlo" panose="020B0609030804020204" pitchFamily="49" charset="0"/>
@@ -11163,6 +14385,9 @@
             </a:pPr>
             <a:r>
               <a:rPr lang="en-US" dirty="0">
+                <a:solidFill>
+                  <a:schemeClr val="accent6"/>
+                </a:solidFill>
                 <a:latin typeface="Menlo" panose="020B0609030804020204" pitchFamily="49" charset="0"/>
                 <a:ea typeface="Menlo" panose="020B0609030804020204" pitchFamily="49" charset="0"/>
                 <a:cs typeface="Menlo" panose="020B0609030804020204" pitchFamily="49" charset="0"/>
@@ -11171,6 +14396,9 @@
             </a:r>
             <a:r>
               <a:rPr lang="en-US" dirty="0" err="1">
+                <a:solidFill>
+                  <a:schemeClr val="accent6"/>
+                </a:solidFill>
                 <a:latin typeface="Menlo" panose="020B0609030804020204" pitchFamily="49" charset="0"/>
                 <a:ea typeface="Menlo" panose="020B0609030804020204" pitchFamily="49" charset="0"/>
                 <a:cs typeface="Menlo" panose="020B0609030804020204" pitchFamily="49" charset="0"/>
@@ -11179,6 +14407,9 @@
             </a:r>
             <a:r>
               <a:rPr lang="en-US" dirty="0">
+                <a:solidFill>
+                  <a:schemeClr val="accent6"/>
+                </a:solidFill>
                 <a:latin typeface="Menlo" panose="020B0609030804020204" pitchFamily="49" charset="0"/>
                 <a:ea typeface="Menlo" panose="020B0609030804020204" pitchFamily="49" charset="0"/>
                 <a:cs typeface="Menlo" panose="020B0609030804020204" pitchFamily="49" charset="0"/>
@@ -11187,6 +14418,9 @@
             </a:r>
             <a:r>
               <a:rPr lang="en-US" u="sng" dirty="0">
+                <a:solidFill>
+                  <a:schemeClr val="accent6"/>
+                </a:solidFill>
                 <a:latin typeface="Menlo" panose="020B0609030804020204" pitchFamily="49" charset="0"/>
                 <a:ea typeface="Menlo" panose="020B0609030804020204" pitchFamily="49" charset="0"/>
                 <a:cs typeface="Menlo" panose="020B0609030804020204" pitchFamily="49" charset="0"/>
@@ -11195,6 +14429,9 @@
             </a:r>
             <a:r>
               <a:rPr lang="en-US" dirty="0">
+                <a:solidFill>
+                  <a:schemeClr val="accent6"/>
+                </a:solidFill>
                 <a:latin typeface="Menlo" panose="020B0609030804020204" pitchFamily="49" charset="0"/>
                 <a:ea typeface="Menlo" panose="020B0609030804020204" pitchFamily="49" charset="0"/>
                 <a:cs typeface="Menlo" panose="020B0609030804020204" pitchFamily="49" charset="0"/>
@@ -11208,6 +14445,9 @@
             </a:pPr>
             <a:r>
               <a:rPr lang="en-US" dirty="0">
+                <a:solidFill>
+                  <a:schemeClr val="accent6"/>
+                </a:solidFill>
                 <a:latin typeface="Menlo" panose="020B0609030804020204" pitchFamily="49" charset="0"/>
                 <a:ea typeface="Menlo" panose="020B0609030804020204" pitchFamily="49" charset="0"/>
                 <a:cs typeface="Menlo" panose="020B0609030804020204" pitchFamily="49" charset="0"/>
@@ -11221,6 +14461,9 @@
             </a:pPr>
             <a:r>
               <a:rPr lang="en-US" dirty="0">
+                <a:solidFill>
+                  <a:schemeClr val="accent6"/>
+                </a:solidFill>
                 <a:latin typeface="Menlo" panose="020B0609030804020204" pitchFamily="49" charset="0"/>
                 <a:ea typeface="Menlo" panose="020B0609030804020204" pitchFamily="49" charset="0"/>
                 <a:cs typeface="Menlo" panose="020B0609030804020204" pitchFamily="49" charset="0"/>
@@ -11229,6 +14472,9 @@
             </a:r>
             <a:r>
               <a:rPr lang="en-US" dirty="0" err="1">
+                <a:solidFill>
+                  <a:schemeClr val="accent6"/>
+                </a:solidFill>
                 <a:latin typeface="Menlo" panose="020B0609030804020204" pitchFamily="49" charset="0"/>
                 <a:ea typeface="Menlo" panose="020B0609030804020204" pitchFamily="49" charset="0"/>
                 <a:cs typeface="Menlo" panose="020B0609030804020204" pitchFamily="49" charset="0"/>
@@ -11237,6 +14483,9 @@
             </a:r>
             <a:r>
               <a:rPr lang="en-US" dirty="0">
+                <a:solidFill>
+                  <a:schemeClr val="accent6"/>
+                </a:solidFill>
                 <a:latin typeface="Menlo" panose="020B0609030804020204" pitchFamily="49" charset="0"/>
                 <a:ea typeface="Menlo" panose="020B0609030804020204" pitchFamily="49" charset="0"/>
                 <a:cs typeface="Menlo" panose="020B0609030804020204" pitchFamily="49" charset="0"/>
@@ -11245,6 +14494,9 @@
             </a:r>
             <a:r>
               <a:rPr lang="en-US" u="sng" dirty="0">
+                <a:solidFill>
+                  <a:schemeClr val="accent6"/>
+                </a:solidFill>
                 <a:latin typeface="Menlo" panose="020B0609030804020204" pitchFamily="49" charset="0"/>
                 <a:ea typeface="Menlo" panose="020B0609030804020204" pitchFamily="49" charset="0"/>
                 <a:cs typeface="Menlo" panose="020B0609030804020204" pitchFamily="49" charset="0"/>
@@ -11253,6 +14505,9 @@
             </a:r>
             <a:r>
               <a:rPr lang="en-US" dirty="0">
+                <a:solidFill>
+                  <a:schemeClr val="accent6"/>
+                </a:solidFill>
                 <a:latin typeface="Menlo" panose="020B0609030804020204" pitchFamily="49" charset="0"/>
                 <a:ea typeface="Menlo" panose="020B0609030804020204" pitchFamily="49" charset="0"/>
                 <a:cs typeface="Menlo" panose="020B0609030804020204" pitchFamily="49" charset="0"/>
@@ -11265,6 +14520,9 @@
               <a:buNone/>
             </a:pPr>
             <a:endParaRPr lang="en-US" dirty="0">
+              <a:solidFill>
+                <a:schemeClr val="accent6"/>
+              </a:solidFill>
               <a:latin typeface="Menlo" panose="020B0609030804020204" pitchFamily="49" charset="0"/>
               <a:ea typeface="Menlo" panose="020B0609030804020204" pitchFamily="49" charset="0"/>
               <a:cs typeface="Menlo" panose="020B0609030804020204" pitchFamily="49" charset="0"/>
@@ -11276,6 +14534,9 @@
             </a:pPr>
             <a:r>
               <a:rPr lang="en-US" dirty="0">
+                <a:solidFill>
+                  <a:schemeClr val="accent6"/>
+                </a:solidFill>
                 <a:latin typeface="Menlo" panose="020B0609030804020204" pitchFamily="49" charset="0"/>
                 <a:ea typeface="Menlo" panose="020B0609030804020204" pitchFamily="49" charset="0"/>
                 <a:cs typeface="Menlo" panose="020B0609030804020204" pitchFamily="49" charset="0"/>
@@ -11301,8 +14562,8 @@
         </p:nvSpPr>
         <p:spPr>
           <a:xfrm>
-            <a:off x="7942521" y="1327739"/>
-            <a:ext cx="3767470" cy="4605228"/>
+            <a:off x="7531100" y="1327739"/>
+            <a:ext cx="4406900" cy="4605228"/>
           </a:xfrm>
           <a:prstGeom prst="rect">
             <a:avLst/>
@@ -11543,7 +14804,23 @@
                 <a:ea typeface="Menlo" panose="020B0609030804020204" pitchFamily="49" charset="0"/>
                 <a:cs typeface="Menlo" panose="020B0609030804020204" pitchFamily="49" charset="0"/>
               </a:rPr>
-              <a:t>: Unresolved compilation problem: </a:t>
+              <a:t>: </a:t>
+            </a:r>
+          </a:p>
+          <a:p>
+            <a:pPr marL="0" indent="0">
+              <a:buNone/>
+            </a:pPr>
+            <a:r>
+              <a:rPr lang="en-US" dirty="0">
+                <a:solidFill>
+                  <a:srgbClr val="FF0000"/>
+                </a:solidFill>
+                <a:latin typeface="Menlo" panose="020B0609030804020204" pitchFamily="49" charset="0"/>
+                <a:ea typeface="Menlo" panose="020B0609030804020204" pitchFamily="49" charset="0"/>
+                <a:cs typeface="Menlo" panose="020B0609030804020204" pitchFamily="49" charset="0"/>
+              </a:rPr>
+              <a:t>Unresolved compilation problem: </a:t>
             </a:r>
           </a:p>
           <a:p>
@@ -11646,6 +14923,9 @@
                     <p:cTn id="3" fill="hold">
                       <p:stCondLst>
                         <p:cond delay="indefinite"/>
+                        <p:cond evt="onBegin" delay="0">
+                          <p:tn val="2"/>
+                        </p:cond>
                       </p:stCondLst>
                       <p:childTnLst>
                         <p:par>
@@ -11655,7 +14935,7 @@
                             </p:stCondLst>
                             <p:childTnLst>
                               <p:par>
-                                <p:cTn id="5" presetID="1" presetClass="entr" presetSubtype="0" fill="hold" grpId="0" nodeType="clickEffect">
+                                <p:cTn id="5" presetID="22" presetClass="entr" presetSubtype="8" fill="hold" grpId="0" nodeType="withEffect">
                                   <p:stCondLst>
                                     <p:cond delay="0"/>
                                   </p:stCondLst>
@@ -11680,6 +14960,274 @@
                                         <p:strVal val="visible"/>
                                       </p:to>
                                     </p:set>
+                                    <p:animEffect transition="in" filter="wipe(left)">
+                                      <p:cBhvr>
+                                        <p:cTn id="7" dur="500"/>
+                                        <p:tgtEl>
+                                          <p:spTgt spid="6">
+                                            <p:bg/>
+                                          </p:spTgt>
+                                        </p:tgtEl>
+                                      </p:cBhvr>
+                                    </p:animEffect>
+                                  </p:childTnLst>
+                                </p:cTn>
+                              </p:par>
+                              <p:par>
+                                <p:cTn id="8" presetID="22" presetClass="entr" presetSubtype="8" fill="hold" grpId="0" nodeType="withEffect">
+                                  <p:stCondLst>
+                                    <p:cond delay="0"/>
+                                  </p:stCondLst>
+                                  <p:childTnLst>
+                                    <p:set>
+                                      <p:cBhvr>
+                                        <p:cTn id="9" dur="1" fill="hold">
+                                          <p:stCondLst>
+                                            <p:cond delay="0"/>
+                                          </p:stCondLst>
+                                        </p:cTn>
+                                        <p:tgtEl>
+                                          <p:spTgt spid="6">
+                                            <p:txEl>
+                                              <p:pRg st="0" end="0"/>
+                                            </p:txEl>
+                                          </p:spTgt>
+                                        </p:tgtEl>
+                                        <p:attrNameLst>
+                                          <p:attrName>style.visibility</p:attrName>
+                                        </p:attrNameLst>
+                                      </p:cBhvr>
+                                      <p:to>
+                                        <p:strVal val="visible"/>
+                                      </p:to>
+                                    </p:set>
+                                    <p:animEffect transition="in" filter="wipe(left)">
+                                      <p:cBhvr>
+                                        <p:cTn id="10" dur="500"/>
+                                        <p:tgtEl>
+                                          <p:spTgt spid="6">
+                                            <p:txEl>
+                                              <p:pRg st="0" end="0"/>
+                                            </p:txEl>
+                                          </p:spTgt>
+                                        </p:tgtEl>
+                                      </p:cBhvr>
+                                    </p:animEffect>
+                                  </p:childTnLst>
+                                </p:cTn>
+                              </p:par>
+                              <p:par>
+                                <p:cTn id="11" presetID="22" presetClass="entr" presetSubtype="8" fill="hold" grpId="0" nodeType="withEffect">
+                                  <p:stCondLst>
+                                    <p:cond delay="0"/>
+                                  </p:stCondLst>
+                                  <p:childTnLst>
+                                    <p:set>
+                                      <p:cBhvr>
+                                        <p:cTn id="12" dur="1" fill="hold">
+                                          <p:stCondLst>
+                                            <p:cond delay="0"/>
+                                          </p:stCondLst>
+                                        </p:cTn>
+                                        <p:tgtEl>
+                                          <p:spTgt spid="6">
+                                            <p:txEl>
+                                              <p:pRg st="1" end="1"/>
+                                            </p:txEl>
+                                          </p:spTgt>
+                                        </p:tgtEl>
+                                        <p:attrNameLst>
+                                          <p:attrName>style.visibility</p:attrName>
+                                        </p:attrNameLst>
+                                      </p:cBhvr>
+                                      <p:to>
+                                        <p:strVal val="visible"/>
+                                      </p:to>
+                                    </p:set>
+                                    <p:animEffect transition="in" filter="wipe(left)">
+                                      <p:cBhvr>
+                                        <p:cTn id="13" dur="500"/>
+                                        <p:tgtEl>
+                                          <p:spTgt spid="6">
+                                            <p:txEl>
+                                              <p:pRg st="1" end="1"/>
+                                            </p:txEl>
+                                          </p:spTgt>
+                                        </p:tgtEl>
+                                      </p:cBhvr>
+                                    </p:animEffect>
+                                  </p:childTnLst>
+                                </p:cTn>
+                              </p:par>
+                              <p:par>
+                                <p:cTn id="14" presetID="22" presetClass="entr" presetSubtype="8" fill="hold" grpId="0" nodeType="withEffect">
+                                  <p:stCondLst>
+                                    <p:cond delay="0"/>
+                                  </p:stCondLst>
+                                  <p:childTnLst>
+                                    <p:set>
+                                      <p:cBhvr>
+                                        <p:cTn id="15" dur="1" fill="hold">
+                                          <p:stCondLst>
+                                            <p:cond delay="0"/>
+                                          </p:stCondLst>
+                                        </p:cTn>
+                                        <p:tgtEl>
+                                          <p:spTgt spid="6">
+                                            <p:txEl>
+                                              <p:pRg st="2" end="2"/>
+                                            </p:txEl>
+                                          </p:spTgt>
+                                        </p:tgtEl>
+                                        <p:attrNameLst>
+                                          <p:attrName>style.visibility</p:attrName>
+                                        </p:attrNameLst>
+                                      </p:cBhvr>
+                                      <p:to>
+                                        <p:strVal val="visible"/>
+                                      </p:to>
+                                    </p:set>
+                                    <p:animEffect transition="in" filter="wipe(left)">
+                                      <p:cBhvr>
+                                        <p:cTn id="16" dur="500"/>
+                                        <p:tgtEl>
+                                          <p:spTgt spid="6">
+                                            <p:txEl>
+                                              <p:pRg st="2" end="2"/>
+                                            </p:txEl>
+                                          </p:spTgt>
+                                        </p:tgtEl>
+                                      </p:cBhvr>
+                                    </p:animEffect>
+                                  </p:childTnLst>
+                                </p:cTn>
+                              </p:par>
+                              <p:par>
+                                <p:cTn id="17" presetID="22" presetClass="entr" presetSubtype="8" fill="hold" grpId="0" nodeType="withEffect">
+                                  <p:stCondLst>
+                                    <p:cond delay="0"/>
+                                  </p:stCondLst>
+                                  <p:childTnLst>
+                                    <p:set>
+                                      <p:cBhvr>
+                                        <p:cTn id="18" dur="1" fill="hold">
+                                          <p:stCondLst>
+                                            <p:cond delay="0"/>
+                                          </p:stCondLst>
+                                        </p:cTn>
+                                        <p:tgtEl>
+                                          <p:spTgt spid="6">
+                                            <p:txEl>
+                                              <p:pRg st="3" end="3"/>
+                                            </p:txEl>
+                                          </p:spTgt>
+                                        </p:tgtEl>
+                                        <p:attrNameLst>
+                                          <p:attrName>style.visibility</p:attrName>
+                                        </p:attrNameLst>
+                                      </p:cBhvr>
+                                      <p:to>
+                                        <p:strVal val="visible"/>
+                                      </p:to>
+                                    </p:set>
+                                    <p:animEffect transition="in" filter="wipe(left)">
+                                      <p:cBhvr>
+                                        <p:cTn id="19" dur="500"/>
+                                        <p:tgtEl>
+                                          <p:spTgt spid="6">
+                                            <p:txEl>
+                                              <p:pRg st="3" end="3"/>
+                                            </p:txEl>
+                                          </p:spTgt>
+                                        </p:tgtEl>
+                                      </p:cBhvr>
+                                    </p:animEffect>
+                                  </p:childTnLst>
+                                </p:cTn>
+                              </p:par>
+                              <p:par>
+                                <p:cTn id="20" presetID="22" presetClass="entr" presetSubtype="8" fill="hold" grpId="0" nodeType="withEffect">
+                                  <p:stCondLst>
+                                    <p:cond delay="0"/>
+                                  </p:stCondLst>
+                                  <p:childTnLst>
+                                    <p:set>
+                                      <p:cBhvr>
+                                        <p:cTn id="21" dur="1" fill="hold">
+                                          <p:stCondLst>
+                                            <p:cond delay="0"/>
+                                          </p:stCondLst>
+                                        </p:cTn>
+                                        <p:tgtEl>
+                                          <p:spTgt spid="6">
+                                            <p:txEl>
+                                              <p:pRg st="4" end="4"/>
+                                            </p:txEl>
+                                          </p:spTgt>
+                                        </p:tgtEl>
+                                        <p:attrNameLst>
+                                          <p:attrName>style.visibility</p:attrName>
+                                        </p:attrNameLst>
+                                      </p:cBhvr>
+                                      <p:to>
+                                        <p:strVal val="visible"/>
+                                      </p:to>
+                                    </p:set>
+                                    <p:animEffect transition="in" filter="wipe(left)">
+                                      <p:cBhvr>
+                                        <p:cTn id="22" dur="500"/>
+                                        <p:tgtEl>
+                                          <p:spTgt spid="6">
+                                            <p:txEl>
+                                              <p:pRg st="4" end="4"/>
+                                            </p:txEl>
+                                          </p:spTgt>
+                                        </p:tgtEl>
+                                      </p:cBhvr>
+                                    </p:animEffect>
+                                  </p:childTnLst>
+                                </p:cTn>
+                              </p:par>
+                              <p:par>
+                                <p:cTn id="23" presetID="22" presetClass="entr" presetSubtype="8" fill="hold" grpId="0" nodeType="withEffect">
+                                  <p:stCondLst>
+                                    <p:cond delay="0"/>
+                                  </p:stCondLst>
+                                  <p:childTnLst>
+                                    <p:set>
+                                      <p:cBhvr>
+                                        <p:cTn id="24" dur="1" fill="hold">
+                                          <p:stCondLst>
+                                            <p:cond delay="0"/>
+                                          </p:stCondLst>
+                                        </p:cTn>
+                                        <p:tgtEl>
+                                          <p:spTgt spid="6">
+                                            <p:txEl>
+                                              <p:pRg st="5" end="5"/>
+                                            </p:txEl>
+                                          </p:spTgt>
+                                        </p:tgtEl>
+                                        <p:attrNameLst>
+                                          <p:attrName>style.visibility</p:attrName>
+                                        </p:attrNameLst>
+                                      </p:cBhvr>
+                                      <p:to>
+                                        <p:strVal val="visible"/>
+                                      </p:to>
+                                    </p:set>
+                                    <p:animEffect transition="in" filter="wipe(left)">
+                                      <p:cBhvr>
+                                        <p:cTn id="25" dur="500"/>
+                                        <p:tgtEl>
+                                          <p:spTgt spid="6">
+                                            <p:txEl>
+                                              <p:pRg st="5" end="5"/>
+                                            </p:txEl>
+                                          </p:spTgt>
+                                        </p:tgtEl>
+                                      </p:cBhvr>
+                                    </p:animEffect>
                                   </p:childTnLst>
                                 </p:cTn>
                               </p:par>
@@ -11690,33 +15238,35 @@
                     </p:cTn>
                   </p:par>
                   <p:par>
-                    <p:cTn id="7" fill="hold">
+                    <p:cTn id="26" fill="hold">
                       <p:stCondLst>
                         <p:cond delay="indefinite"/>
                       </p:stCondLst>
                       <p:childTnLst>
                         <p:par>
-                          <p:cTn id="8" fill="hold">
+                          <p:cTn id="27" fill="hold">
                             <p:stCondLst>
                               <p:cond delay="0"/>
                             </p:stCondLst>
                             <p:childTnLst>
                               <p:par>
-                                <p:cTn id="9" presetID="1" presetClass="entr" presetSubtype="0" fill="hold" grpId="0" nodeType="clickEffect">
+                                <p:cTn id="28" presetID="22" presetClass="entr" presetSubtype="8" fill="hold" grpId="0" nodeType="clickEffect">
                                   <p:stCondLst>
                                     <p:cond delay="0"/>
                                   </p:stCondLst>
                                   <p:childTnLst>
                                     <p:set>
                                       <p:cBhvr>
-                                        <p:cTn id="10" dur="1" fill="hold">
+                                        <p:cTn id="29" dur="1" fill="hold">
                                           <p:stCondLst>
                                             <p:cond delay="0"/>
                                           </p:stCondLst>
                                         </p:cTn>
                                         <p:tgtEl>
-                                          <p:spTgt spid="4">
-                                            <p:bg/>
+                                          <p:spTgt spid="6">
+                                            <p:txEl>
+                                              <p:pRg st="6" end="6"/>
+                                            </p:txEl>
                                           </p:spTgt>
                                         </p:tgtEl>
                                         <p:attrNameLst>
@@ -11727,6 +15277,193 @@
                                         <p:strVal val="visible"/>
                                       </p:to>
                                     </p:set>
+                                    <p:animEffect transition="in" filter="wipe(left)">
+                                      <p:cBhvr>
+                                        <p:cTn id="30" dur="500"/>
+                                        <p:tgtEl>
+                                          <p:spTgt spid="6">
+                                            <p:txEl>
+                                              <p:pRg st="6" end="6"/>
+                                            </p:txEl>
+                                          </p:spTgt>
+                                        </p:tgtEl>
+                                      </p:cBhvr>
+                                    </p:animEffect>
+                                  </p:childTnLst>
+                                </p:cTn>
+                              </p:par>
+                            </p:childTnLst>
+                          </p:cTn>
+                        </p:par>
+                      </p:childTnLst>
+                    </p:cTn>
+                  </p:par>
+                  <p:par>
+                    <p:cTn id="31" fill="hold">
+                      <p:stCondLst>
+                        <p:cond delay="indefinite"/>
+                      </p:stCondLst>
+                      <p:childTnLst>
+                        <p:par>
+                          <p:cTn id="32" fill="hold">
+                            <p:stCondLst>
+                              <p:cond delay="0"/>
+                            </p:stCondLst>
+                            <p:childTnLst>
+                              <p:par>
+                                <p:cTn id="33" presetID="22" presetClass="entr" presetSubtype="8" fill="hold" grpId="0" nodeType="clickEffect">
+                                  <p:stCondLst>
+                                    <p:cond delay="0"/>
+                                  </p:stCondLst>
+                                  <p:childTnLst>
+                                    <p:set>
+                                      <p:cBhvr>
+                                        <p:cTn id="34" dur="1" fill="hold">
+                                          <p:stCondLst>
+                                            <p:cond delay="0"/>
+                                          </p:stCondLst>
+                                        </p:cTn>
+                                        <p:tgtEl>
+                                          <p:spTgt spid="6">
+                                            <p:txEl>
+                                              <p:pRg st="7" end="7"/>
+                                            </p:txEl>
+                                          </p:spTgt>
+                                        </p:tgtEl>
+                                        <p:attrNameLst>
+                                          <p:attrName>style.visibility</p:attrName>
+                                        </p:attrNameLst>
+                                      </p:cBhvr>
+                                      <p:to>
+                                        <p:strVal val="visible"/>
+                                      </p:to>
+                                    </p:set>
+                                    <p:animEffect transition="in" filter="wipe(left)">
+                                      <p:cBhvr>
+                                        <p:cTn id="35" dur="500"/>
+                                        <p:tgtEl>
+                                          <p:spTgt spid="6">
+                                            <p:txEl>
+                                              <p:pRg st="7" end="7"/>
+                                            </p:txEl>
+                                          </p:spTgt>
+                                        </p:tgtEl>
+                                      </p:cBhvr>
+                                    </p:animEffect>
+                                  </p:childTnLst>
+                                </p:cTn>
+                              </p:par>
+                            </p:childTnLst>
+                          </p:cTn>
+                        </p:par>
+                      </p:childTnLst>
+                    </p:cTn>
+                  </p:par>
+                  <p:par>
+                    <p:cTn id="36" fill="hold">
+                      <p:stCondLst>
+                        <p:cond delay="indefinite"/>
+                      </p:stCondLst>
+                      <p:childTnLst>
+                        <p:par>
+                          <p:cTn id="37" fill="hold">
+                            <p:stCondLst>
+                              <p:cond delay="0"/>
+                            </p:stCondLst>
+                            <p:childTnLst>
+                              <p:par>
+                                <p:cTn id="38" presetID="22" presetClass="entr" presetSubtype="8" fill="hold" grpId="0" nodeType="clickEffect">
+                                  <p:stCondLst>
+                                    <p:cond delay="0"/>
+                                  </p:stCondLst>
+                                  <p:childTnLst>
+                                    <p:set>
+                                      <p:cBhvr>
+                                        <p:cTn id="39" dur="1" fill="hold">
+                                          <p:stCondLst>
+                                            <p:cond delay="0"/>
+                                          </p:stCondLst>
+                                        </p:cTn>
+                                        <p:tgtEl>
+                                          <p:spTgt spid="6">
+                                            <p:txEl>
+                                              <p:pRg st="9" end="9"/>
+                                            </p:txEl>
+                                          </p:spTgt>
+                                        </p:tgtEl>
+                                        <p:attrNameLst>
+                                          <p:attrName>style.visibility</p:attrName>
+                                        </p:attrNameLst>
+                                      </p:cBhvr>
+                                      <p:to>
+                                        <p:strVal val="visible"/>
+                                      </p:to>
+                                    </p:set>
+                                    <p:animEffect transition="in" filter="wipe(left)">
+                                      <p:cBhvr>
+                                        <p:cTn id="40" dur="500"/>
+                                        <p:tgtEl>
+                                          <p:spTgt spid="6">
+                                            <p:txEl>
+                                              <p:pRg st="9" end="9"/>
+                                            </p:txEl>
+                                          </p:spTgt>
+                                        </p:tgtEl>
+                                      </p:cBhvr>
+                                    </p:animEffect>
+                                  </p:childTnLst>
+                                </p:cTn>
+                              </p:par>
+                            </p:childTnLst>
+                          </p:cTn>
+                        </p:par>
+                      </p:childTnLst>
+                    </p:cTn>
+                  </p:par>
+                  <p:par>
+                    <p:cTn id="41" fill="hold">
+                      <p:stCondLst>
+                        <p:cond delay="indefinite"/>
+                      </p:stCondLst>
+                      <p:childTnLst>
+                        <p:par>
+                          <p:cTn id="42" fill="hold">
+                            <p:stCondLst>
+                              <p:cond delay="0"/>
+                            </p:stCondLst>
+                            <p:childTnLst>
+                              <p:par>
+                                <p:cTn id="43" presetID="22" presetClass="entr" presetSubtype="8" fill="hold" grpId="0" nodeType="clickEffect">
+                                  <p:stCondLst>
+                                    <p:cond delay="0"/>
+                                  </p:stCondLst>
+                                  <p:childTnLst>
+                                    <p:set>
+                                      <p:cBhvr>
+                                        <p:cTn id="44" dur="1" fill="hold">
+                                          <p:stCondLst>
+                                            <p:cond delay="0"/>
+                                          </p:stCondLst>
+                                        </p:cTn>
+                                        <p:tgtEl>
+                                          <p:spTgt spid="4"/>
+                                        </p:tgtEl>
+                                        <p:attrNameLst>
+                                          <p:attrName>style.visibility</p:attrName>
+                                        </p:attrNameLst>
+                                      </p:cBhvr>
+                                      <p:to>
+                                        <p:strVal val="visible"/>
+                                      </p:to>
+                                    </p:set>
+                                    <p:animEffect transition="in" filter="wipe(left)">
+                                      <p:cBhvr>
+                                        <p:cTn id="45" dur="500"/>
+                                        <p:tgtEl>
+                                          <p:spTgt spid="4"/>
+                                        </p:tgtEl>
+                                      </p:cBhvr>
+                                    </p:animEffect>
                                   </p:childTnLst>
                                 </p:cTn>
                               </p:par>
@@ -11758,8 +15495,8 @@
       </p:par>
     </p:tnLst>
     <p:bldLst>
-      <p:bldP spid="6" grpId="0" uiExpand="1" build="p" animBg="1"/>
-      <p:bldP spid="4" grpId="0" uiExpand="1" build="p" animBg="1"/>
+      <p:bldP spid="6" grpId="0" build="p" animBg="1"/>
+      <p:bldP spid="4" grpId="0" animBg="1"/>
     </p:bldLst>
   </p:timing>
 </p:sld>
@@ -11838,15 +15575,17 @@
           </a:xfrm>
         </p:spPr>
         <p:txBody>
-          <a:bodyPr/>
+          <a:bodyPr>
+            <a:normAutofit/>
+          </a:bodyPr>
           <a:lstStyle/>
           <a:p>
             <a:r>
-              <a:rPr lang="en-US" dirty="0"/>
+              <a:rPr lang="en-US" sz="2400" dirty="0"/>
               <a:t>You’ve (hopefully) used  </a:t>
             </a:r>
             <a:r>
-              <a:rPr lang="en-US" dirty="0">
+              <a:rPr lang="en-US" sz="2400" dirty="0">
                 <a:latin typeface="Menlo" panose="020B0609030804020204" pitchFamily="49" charset="0"/>
                 <a:ea typeface="Menlo" panose="020B0609030804020204" pitchFamily="49" charset="0"/>
                 <a:cs typeface="Menlo" panose="020B0609030804020204" pitchFamily="49" charset="0"/>
@@ -11857,7 +15596,7 @@
           <a:p>
             <a:pPr lvl="1"/>
             <a:r>
-              <a:rPr lang="en-US" dirty="0">
+              <a:rPr lang="en-US" sz="2400" dirty="0">
                 <a:ea typeface="Menlo" panose="020B0609030804020204" pitchFamily="49" charset="0"/>
                 <a:cs typeface="Menlo" panose="020B0609030804020204" pitchFamily="49" charset="0"/>
               </a:rPr>
@@ -11867,7 +15606,7 @@
           <a:p>
             <a:pPr lvl="1"/>
             <a:r>
-              <a:rPr lang="en-US" dirty="0">
+              <a:rPr lang="en-US" sz="2400" dirty="0">
                 <a:ea typeface="Menlo" panose="020B0609030804020204" pitchFamily="49" charset="0"/>
                 <a:cs typeface="Menlo" panose="020B0609030804020204" pitchFamily="49" charset="0"/>
               </a:rPr>
@@ -11876,7 +15615,7 @@
           </a:p>
           <a:p>
             <a:r>
-              <a:rPr lang="en-US" dirty="0">
+              <a:rPr lang="en-US" sz="2400" dirty="0">
                 <a:ea typeface="Menlo" panose="020B0609030804020204" pitchFamily="49" charset="0"/>
                 <a:cs typeface="Menlo" panose="020B0609030804020204" pitchFamily="49" charset="0"/>
               </a:rPr>
@@ -11886,7 +15625,7 @@
           <a:p>
             <a:pPr lvl="1"/>
             <a:r>
-              <a:rPr lang="en-US" dirty="0">
+              <a:rPr lang="en-US" sz="2400" dirty="0">
                 <a:ea typeface="Menlo" panose="020B0609030804020204" pitchFamily="49" charset="0"/>
                 <a:cs typeface="Menlo" panose="020B0609030804020204" pitchFamily="49" charset="0"/>
               </a:rPr>
@@ -11896,7 +15635,7 @@
           <a:p>
             <a:pPr lvl="1"/>
             <a:r>
-              <a:rPr lang="en-US" dirty="0">
+              <a:rPr lang="en-US" sz="2400" dirty="0">
                 <a:ea typeface="Menlo" panose="020B0609030804020204" pitchFamily="49" charset="0"/>
                 <a:cs typeface="Menlo" panose="020B0609030804020204" pitchFamily="49" charset="0"/>
               </a:rPr>
@@ -11904,7 +15643,7 @@
             </a:r>
           </a:p>
           <a:p>
-            <a:endParaRPr lang="en-US" dirty="0">
+            <a:endParaRPr lang="en-US" sz="2400" dirty="0">
               <a:ea typeface="Menlo" panose="020B0609030804020204" pitchFamily="49" charset="0"/>
               <a:cs typeface="Menlo" panose="020B0609030804020204" pitchFamily="49" charset="0"/>
             </a:endParaRPr>
@@ -11990,8 +15729,8 @@
         </p:nvSpPr>
         <p:spPr>
           <a:xfrm>
-            <a:off x="1743740" y="1604185"/>
-            <a:ext cx="9080204" cy="4892307"/>
+            <a:off x="1524000" y="1604185"/>
+            <a:ext cx="9982200" cy="4892307"/>
           </a:xfrm>
           <a:prstGeom prst="rect">
             <a:avLst/>
@@ -12004,7 +15743,7 @@
         </p:spPr>
         <p:txBody>
           <a:bodyPr vert="horz" lIns="91440" tIns="45720" rIns="91440" bIns="45720" rtlCol="0">
-            <a:normAutofit fontScale="92500" lnSpcReduction="20000"/>
+            <a:normAutofit/>
           </a:bodyPr>
           <a:lstStyle>
             <a:lvl1pPr marL="384048" indent="-384048" algn="l" defTabSz="914400" rtl="0" eaLnBrk="1" latinLnBrk="0" hangingPunct="1">
@@ -12203,6 +15942,9 @@
             </a:pPr>
             <a:r>
               <a:rPr lang="en-US" dirty="0">
+                <a:solidFill>
+                  <a:schemeClr val="accent6"/>
+                </a:solidFill>
                 <a:latin typeface="Menlo" panose="020B0609030804020204" pitchFamily="49" charset="0"/>
                 <a:ea typeface="Menlo" panose="020B0609030804020204" pitchFamily="49" charset="0"/>
                 <a:cs typeface="Menlo" panose="020B0609030804020204" pitchFamily="49" charset="0"/>
@@ -12211,6 +15953,9 @@
             </a:r>
             <a:r>
               <a:rPr lang="en-US" dirty="0" err="1">
+                <a:solidFill>
+                  <a:schemeClr val="accent6"/>
+                </a:solidFill>
                 <a:latin typeface="Menlo" panose="020B0609030804020204" pitchFamily="49" charset="0"/>
                 <a:ea typeface="Menlo" panose="020B0609030804020204" pitchFamily="49" charset="0"/>
                 <a:cs typeface="Menlo" panose="020B0609030804020204" pitchFamily="49" charset="0"/>
@@ -12219,6 +15964,9 @@
             </a:r>
             <a:r>
               <a:rPr lang="en-US" dirty="0">
+                <a:solidFill>
+                  <a:schemeClr val="accent6"/>
+                </a:solidFill>
                 <a:latin typeface="Menlo" panose="020B0609030804020204" pitchFamily="49" charset="0"/>
                 <a:ea typeface="Menlo" panose="020B0609030804020204" pitchFamily="49" charset="0"/>
                 <a:cs typeface="Menlo" panose="020B0609030804020204" pitchFamily="49" charset="0"/>
@@ -12232,6 +15980,9 @@
             </a:pPr>
             <a:r>
               <a:rPr lang="en-US" dirty="0">
+                <a:solidFill>
+                  <a:schemeClr val="accent6"/>
+                </a:solidFill>
                 <a:latin typeface="Menlo" panose="020B0609030804020204" pitchFamily="49" charset="0"/>
                 <a:ea typeface="Menlo" panose="020B0609030804020204" pitchFamily="49" charset="0"/>
                 <a:cs typeface="Menlo" panose="020B0609030804020204" pitchFamily="49" charset="0"/>
@@ -12240,6 +15991,9 @@
             </a:r>
             <a:r>
               <a:rPr lang="en-US" dirty="0" err="1">
+                <a:solidFill>
+                  <a:schemeClr val="accent6"/>
+                </a:solidFill>
                 <a:latin typeface="Menlo" panose="020B0609030804020204" pitchFamily="49" charset="0"/>
                 <a:ea typeface="Menlo" panose="020B0609030804020204" pitchFamily="49" charset="0"/>
                 <a:cs typeface="Menlo" panose="020B0609030804020204" pitchFamily="49" charset="0"/>
@@ -12248,6 +16002,9 @@
             </a:r>
             <a:r>
               <a:rPr lang="en-US" dirty="0">
+                <a:solidFill>
+                  <a:schemeClr val="accent6"/>
+                </a:solidFill>
                 <a:latin typeface="Menlo" panose="020B0609030804020204" pitchFamily="49" charset="0"/>
                 <a:ea typeface="Menlo" panose="020B0609030804020204" pitchFamily="49" charset="0"/>
                 <a:cs typeface="Menlo" panose="020B0609030804020204" pitchFamily="49" charset="0"/>
@@ -12259,14 +16016,91 @@
             <a:pPr marL="0" indent="0">
               <a:buNone/>
             </a:pPr>
+            <a:r>
+              <a:rPr lang="en-US" dirty="0">
+                <a:solidFill>
+                  <a:schemeClr val="accent6"/>
+                </a:solidFill>
+                <a:latin typeface="Menlo" panose="020B0609030804020204" pitchFamily="49" charset="0"/>
+                <a:ea typeface="Menlo" panose="020B0609030804020204" pitchFamily="49" charset="0"/>
+                <a:cs typeface="Menlo" panose="020B0609030804020204" pitchFamily="49" charset="0"/>
+              </a:rPr>
+              <a:t>import </a:t>
+            </a:r>
+            <a:r>
+              <a:rPr lang="en-US" dirty="0" err="1">
+                <a:solidFill>
+                  <a:schemeClr val="accent6"/>
+                </a:solidFill>
+                <a:latin typeface="Menlo" panose="020B0609030804020204" pitchFamily="49" charset="0"/>
+                <a:ea typeface="Menlo" panose="020B0609030804020204" pitchFamily="49" charset="0"/>
+                <a:cs typeface="Menlo" panose="020B0609030804020204" pitchFamily="49" charset="0"/>
+              </a:rPr>
+              <a:t>java.lang.annotation.Retention</a:t>
+            </a:r>
+            <a:r>
+              <a:rPr lang="en-US" dirty="0">
+                <a:solidFill>
+                  <a:schemeClr val="accent6"/>
+                </a:solidFill>
+                <a:latin typeface="Menlo" panose="020B0609030804020204" pitchFamily="49" charset="0"/>
+                <a:ea typeface="Menlo" panose="020B0609030804020204" pitchFamily="49" charset="0"/>
+                <a:cs typeface="Menlo" panose="020B0609030804020204" pitchFamily="49" charset="0"/>
+              </a:rPr>
+              <a:t>;</a:t>
+            </a:r>
+          </a:p>
+          <a:p>
+            <a:pPr marL="0" indent="0">
+              <a:buNone/>
+            </a:pPr>
+            <a:r>
+              <a:rPr lang="en-US" dirty="0">
+                <a:solidFill>
+                  <a:schemeClr val="accent6"/>
+                </a:solidFill>
+                <a:latin typeface="Menlo" panose="020B0609030804020204" pitchFamily="49" charset="0"/>
+                <a:ea typeface="Menlo" panose="020B0609030804020204" pitchFamily="49" charset="0"/>
+                <a:cs typeface="Menlo" panose="020B0609030804020204" pitchFamily="49" charset="0"/>
+              </a:rPr>
+              <a:t>import </a:t>
+            </a:r>
+            <a:r>
+              <a:rPr lang="en-US" dirty="0" err="1">
+                <a:solidFill>
+                  <a:schemeClr val="accent6"/>
+                </a:solidFill>
+                <a:latin typeface="Menlo" panose="020B0609030804020204" pitchFamily="49" charset="0"/>
+                <a:ea typeface="Menlo" panose="020B0609030804020204" pitchFamily="49" charset="0"/>
+                <a:cs typeface="Menlo" panose="020B0609030804020204" pitchFamily="49" charset="0"/>
+              </a:rPr>
+              <a:t>java.lang.annotation.Target</a:t>
+            </a:r>
+            <a:r>
+              <a:rPr lang="en-US" dirty="0">
+                <a:solidFill>
+                  <a:schemeClr val="accent6"/>
+                </a:solidFill>
+                <a:latin typeface="Menlo" panose="020B0609030804020204" pitchFamily="49" charset="0"/>
+                <a:ea typeface="Menlo" panose="020B0609030804020204" pitchFamily="49" charset="0"/>
+                <a:cs typeface="Menlo" panose="020B0609030804020204" pitchFamily="49" charset="0"/>
+              </a:rPr>
+              <a:t>;</a:t>
+            </a:r>
             <a:br>
               <a:rPr lang="en-US" dirty="0">
+                <a:solidFill>
+                  <a:schemeClr val="accent6"/>
+                </a:solidFill>
                 <a:latin typeface="Menlo" panose="020B0609030804020204" pitchFamily="49" charset="0"/>
                 <a:ea typeface="Menlo" panose="020B0609030804020204" pitchFamily="49" charset="0"/>
                 <a:cs typeface="Menlo" panose="020B0609030804020204" pitchFamily="49" charset="0"/>
               </a:rPr>
             </a:br>
             <a:endParaRPr lang="en-US" dirty="0">
+              <a:solidFill>
+                <a:schemeClr val="accent6"/>
+              </a:solidFill>
               <a:latin typeface="Menlo" panose="020B0609030804020204" pitchFamily="49" charset="0"/>
               <a:ea typeface="Menlo" panose="020B0609030804020204" pitchFamily="49" charset="0"/>
               <a:cs typeface="Menlo" panose="020B0609030804020204" pitchFamily="49" charset="0"/>
@@ -12278,27 +16112,14 @@
             </a:pPr>
             <a:r>
               <a:rPr lang="en-US" dirty="0">
-                <a:latin typeface="Menlo" panose="020B0609030804020204" pitchFamily="49" charset="0"/>
-                <a:ea typeface="Menlo" panose="020B0609030804020204" pitchFamily="49" charset="0"/>
-                <a:cs typeface="Menlo" panose="020B0609030804020204" pitchFamily="49" charset="0"/>
-              </a:rPr>
-              <a:t>import </a:t>
-            </a:r>
-            <a:r>
-              <a:rPr lang="en-US" dirty="0" err="1">
-                <a:latin typeface="Menlo" panose="020B0609030804020204" pitchFamily="49" charset="0"/>
-                <a:ea typeface="Menlo" panose="020B0609030804020204" pitchFamily="49" charset="0"/>
-                <a:cs typeface="Menlo" panose="020B0609030804020204" pitchFamily="49" charset="0"/>
-              </a:rPr>
-              <a:t>java.lang.annotation.Retention</a:t>
-            </a:r>
-            <a:r>
-              <a:rPr lang="en-US" dirty="0">
-                <a:latin typeface="Menlo" panose="020B0609030804020204" pitchFamily="49" charset="0"/>
-                <a:ea typeface="Menlo" panose="020B0609030804020204" pitchFamily="49" charset="0"/>
-                <a:cs typeface="Menlo" panose="020B0609030804020204" pitchFamily="49" charset="0"/>
-              </a:rPr>
-              <a:t>;</a:t>
+                <a:solidFill>
+                  <a:schemeClr val="accent6"/>
+                </a:solidFill>
+                <a:latin typeface="Menlo" panose="020B0609030804020204" pitchFamily="49" charset="0"/>
+                <a:ea typeface="Menlo" panose="020B0609030804020204" pitchFamily="49" charset="0"/>
+                <a:cs typeface="Menlo" panose="020B0609030804020204" pitchFamily="49" charset="0"/>
+              </a:rPr>
+              <a:t>@Retention(RUNTIME)</a:t>
             </a:r>
           </a:p>
           <a:p>
@@ -12307,45 +16128,53 @@
             </a:pPr>
             <a:r>
               <a:rPr lang="en-US" dirty="0">
-                <a:latin typeface="Menlo" panose="020B0609030804020204" pitchFamily="49" charset="0"/>
-                <a:ea typeface="Menlo" panose="020B0609030804020204" pitchFamily="49" charset="0"/>
-                <a:cs typeface="Menlo" panose="020B0609030804020204" pitchFamily="49" charset="0"/>
-              </a:rPr>
-              <a:t>import </a:t>
-            </a:r>
-            <a:r>
-              <a:rPr lang="en-US" dirty="0" err="1">
-                <a:latin typeface="Menlo" panose="020B0609030804020204" pitchFamily="49" charset="0"/>
-                <a:ea typeface="Menlo" panose="020B0609030804020204" pitchFamily="49" charset="0"/>
-                <a:cs typeface="Menlo" panose="020B0609030804020204" pitchFamily="49" charset="0"/>
-              </a:rPr>
-              <a:t>java.lang.annotation.Target</a:t>
-            </a:r>
-            <a:r>
-              <a:rPr lang="en-US" dirty="0">
-                <a:latin typeface="Menlo" panose="020B0609030804020204" pitchFamily="49" charset="0"/>
-                <a:ea typeface="Menlo" panose="020B0609030804020204" pitchFamily="49" charset="0"/>
-                <a:cs typeface="Menlo" panose="020B0609030804020204" pitchFamily="49" charset="0"/>
-              </a:rPr>
-              <a:t>;</a:t>
+                <a:solidFill>
+                  <a:schemeClr val="accent6"/>
+                </a:solidFill>
+                <a:latin typeface="Menlo" panose="020B0609030804020204" pitchFamily="49" charset="0"/>
+                <a:ea typeface="Menlo" panose="020B0609030804020204" pitchFamily="49" charset="0"/>
+                <a:cs typeface="Menlo" panose="020B0609030804020204" pitchFamily="49" charset="0"/>
+              </a:rPr>
+              <a:t>@Target(METHOD)</a:t>
             </a:r>
           </a:p>
           <a:p>
             <a:pPr marL="0" indent="0">
               <a:buNone/>
             </a:pPr>
-            <a:br>
+            <a:r>
               <a:rPr lang="en-US" dirty="0">
-                <a:latin typeface="Menlo" panose="020B0609030804020204" pitchFamily="49" charset="0"/>
-                <a:ea typeface="Menlo" panose="020B0609030804020204" pitchFamily="49" charset="0"/>
-                <a:cs typeface="Menlo" panose="020B0609030804020204" pitchFamily="49" charset="0"/>
-              </a:rPr>
-            </a:br>
-            <a:endParaRPr lang="en-US" dirty="0">
-              <a:latin typeface="Menlo" panose="020B0609030804020204" pitchFamily="49" charset="0"/>
-              <a:ea typeface="Menlo" panose="020B0609030804020204" pitchFamily="49" charset="0"/>
-              <a:cs typeface="Menlo" panose="020B0609030804020204" pitchFamily="49" charset="0"/>
-            </a:endParaRPr>
+                <a:solidFill>
+                  <a:schemeClr val="accent6"/>
+                </a:solidFill>
+                <a:latin typeface="Menlo" panose="020B0609030804020204" pitchFamily="49" charset="0"/>
+                <a:ea typeface="Menlo" panose="020B0609030804020204" pitchFamily="49" charset="0"/>
+                <a:cs typeface="Menlo" panose="020B0609030804020204" pitchFamily="49" charset="0"/>
+              </a:rPr>
+              <a:t>public @interface </a:t>
+            </a:r>
+            <a:r>
+              <a:rPr lang="en-US" dirty="0" err="1">
+                <a:solidFill>
+                  <a:schemeClr val="accent6"/>
+                </a:solidFill>
+                <a:latin typeface="Menlo" panose="020B0609030804020204" pitchFamily="49" charset="0"/>
+                <a:ea typeface="Menlo" panose="020B0609030804020204" pitchFamily="49" charset="0"/>
+                <a:cs typeface="Menlo" panose="020B0609030804020204" pitchFamily="49" charset="0"/>
+              </a:rPr>
+              <a:t>MyAnnotation</a:t>
+            </a:r>
+            <a:r>
+              <a:rPr lang="en-US" dirty="0">
+                <a:solidFill>
+                  <a:schemeClr val="accent6"/>
+                </a:solidFill>
+                <a:latin typeface="Menlo" panose="020B0609030804020204" pitchFamily="49" charset="0"/>
+                <a:ea typeface="Menlo" panose="020B0609030804020204" pitchFamily="49" charset="0"/>
+                <a:cs typeface="Menlo" panose="020B0609030804020204" pitchFamily="49" charset="0"/>
+              </a:rPr>
+              <a:t> {</a:t>
+            </a:r>
           </a:p>
           <a:p>
             <a:pPr marL="0" indent="0">
@@ -12353,11 +16182,14 @@
             </a:pPr>
             <a:r>
               <a:rPr lang="en-US" dirty="0">
-                <a:latin typeface="Menlo" panose="020B0609030804020204" pitchFamily="49" charset="0"/>
-                <a:ea typeface="Menlo" panose="020B0609030804020204" pitchFamily="49" charset="0"/>
-                <a:cs typeface="Menlo" panose="020B0609030804020204" pitchFamily="49" charset="0"/>
-              </a:rPr>
-              <a:t>@Retention(RUNTIME)</a:t>
+                <a:solidFill>
+                  <a:schemeClr val="accent6"/>
+                </a:solidFill>
+                <a:latin typeface="Menlo" panose="020B0609030804020204" pitchFamily="49" charset="0"/>
+                <a:ea typeface="Menlo" panose="020B0609030804020204" pitchFamily="49" charset="0"/>
+                <a:cs typeface="Menlo" panose="020B0609030804020204" pitchFamily="49" charset="0"/>
+              </a:rPr>
+              <a:t>    public String value();</a:t>
             </a:r>
           </a:p>
           <a:p>
@@ -12366,11 +16198,14 @@
             </a:pPr>
             <a:r>
               <a:rPr lang="en-US" dirty="0">
-                <a:latin typeface="Menlo" panose="020B0609030804020204" pitchFamily="49" charset="0"/>
-                <a:ea typeface="Menlo" panose="020B0609030804020204" pitchFamily="49" charset="0"/>
-                <a:cs typeface="Menlo" panose="020B0609030804020204" pitchFamily="49" charset="0"/>
-              </a:rPr>
-              <a:t>@Target(METHOD)</a:t>
+                <a:solidFill>
+                  <a:schemeClr val="accent6"/>
+                </a:solidFill>
+                <a:latin typeface="Menlo" panose="020B0609030804020204" pitchFamily="49" charset="0"/>
+                <a:ea typeface="Menlo" panose="020B0609030804020204" pitchFamily="49" charset="0"/>
+                <a:cs typeface="Menlo" panose="020B0609030804020204" pitchFamily="49" charset="0"/>
+              </a:rPr>
+              <a:t>    public String val2() default "";</a:t>
             </a:r>
           </a:p>
           <a:p>
@@ -12379,61 +16214,9 @@
             </a:pPr>
             <a:r>
               <a:rPr lang="en-US" dirty="0">
-                <a:latin typeface="Menlo" panose="020B0609030804020204" pitchFamily="49" charset="0"/>
-                <a:ea typeface="Menlo" panose="020B0609030804020204" pitchFamily="49" charset="0"/>
-                <a:cs typeface="Menlo" panose="020B0609030804020204" pitchFamily="49" charset="0"/>
-              </a:rPr>
-              <a:t>public @interface </a:t>
-            </a:r>
-            <a:r>
-              <a:rPr lang="en-US" dirty="0" err="1">
-                <a:latin typeface="Menlo" panose="020B0609030804020204" pitchFamily="49" charset="0"/>
-                <a:ea typeface="Menlo" panose="020B0609030804020204" pitchFamily="49" charset="0"/>
-                <a:cs typeface="Menlo" panose="020B0609030804020204" pitchFamily="49" charset="0"/>
-              </a:rPr>
-              <a:t>MyAnnotation</a:t>
-            </a:r>
-            <a:r>
-              <a:rPr lang="en-US" dirty="0">
-                <a:latin typeface="Menlo" panose="020B0609030804020204" pitchFamily="49" charset="0"/>
-                <a:ea typeface="Menlo" panose="020B0609030804020204" pitchFamily="49" charset="0"/>
-                <a:cs typeface="Menlo" panose="020B0609030804020204" pitchFamily="49" charset="0"/>
-              </a:rPr>
-              <a:t> {</a:t>
-            </a:r>
-          </a:p>
-          <a:p>
-            <a:pPr marL="0" indent="0">
-              <a:buNone/>
-            </a:pPr>
-            <a:r>
-              <a:rPr lang="en-US" dirty="0">
-                <a:latin typeface="Menlo" panose="020B0609030804020204" pitchFamily="49" charset="0"/>
-                <a:ea typeface="Menlo" panose="020B0609030804020204" pitchFamily="49" charset="0"/>
-                <a:cs typeface="Menlo" panose="020B0609030804020204" pitchFamily="49" charset="0"/>
-              </a:rPr>
-              <a:t>    public String value();</a:t>
-            </a:r>
-          </a:p>
-          <a:p>
-            <a:pPr marL="0" indent="0">
-              <a:buNone/>
-            </a:pPr>
-            <a:r>
-              <a:rPr lang="en-US" dirty="0">
-                <a:latin typeface="Menlo" panose="020B0609030804020204" pitchFamily="49" charset="0"/>
-                <a:ea typeface="Menlo" panose="020B0609030804020204" pitchFamily="49" charset="0"/>
-                <a:cs typeface="Menlo" panose="020B0609030804020204" pitchFamily="49" charset="0"/>
-              </a:rPr>
-              <a:t>    public String val2() default "";</a:t>
-            </a:r>
-          </a:p>
-          <a:p>
-            <a:pPr marL="0" indent="0">
-              <a:buNone/>
-            </a:pPr>
-            <a:r>
-              <a:rPr lang="en-US" dirty="0">
+                <a:solidFill>
+                  <a:schemeClr val="accent6"/>
+                </a:solidFill>
                 <a:latin typeface="Menlo" panose="020B0609030804020204" pitchFamily="49" charset="0"/>
                 <a:ea typeface="Menlo" panose="020B0609030804020204" pitchFamily="49" charset="0"/>
                 <a:cs typeface="Menlo" panose="020B0609030804020204" pitchFamily="49" charset="0"/>
@@ -12465,6 +16248,9 @@
                     <p:cTn id="3" fill="hold">
                       <p:stCondLst>
                         <p:cond delay="indefinite"/>
+                        <p:cond evt="onBegin" delay="0">
+                          <p:tn val="2"/>
+                        </p:cond>
                       </p:stCondLst>
                       <p:childTnLst>
                         <p:par>
@@ -12474,7 +16260,7 @@
                             </p:stCondLst>
                             <p:childTnLst>
                               <p:par>
-                                <p:cTn id="5" presetID="1" presetClass="entr" presetSubtype="0" fill="hold" grpId="0" nodeType="clickEffect">
+                                <p:cTn id="5" presetID="22" presetClass="entr" presetSubtype="8" fill="hold" grpId="0" nodeType="withEffect">
                                   <p:stCondLst>
                                     <p:cond delay="0"/>
                                   </p:stCondLst>
@@ -12499,6 +16285,554 @@
                                         <p:strVal val="visible"/>
                                       </p:to>
                                     </p:set>
+                                    <p:animEffect transition="in" filter="wipe(left)">
+                                      <p:cBhvr>
+                                        <p:cTn id="7" dur="500"/>
+                                        <p:tgtEl>
+                                          <p:spTgt spid="6">
+                                            <p:bg/>
+                                          </p:spTgt>
+                                        </p:tgtEl>
+                                      </p:cBhvr>
+                                    </p:animEffect>
+                                  </p:childTnLst>
+                                </p:cTn>
+                              </p:par>
+                              <p:par>
+                                <p:cTn id="8" presetID="22" presetClass="entr" presetSubtype="8" fill="hold" grpId="0" nodeType="withEffect">
+                                  <p:stCondLst>
+                                    <p:cond delay="0"/>
+                                  </p:stCondLst>
+                                  <p:childTnLst>
+                                    <p:set>
+                                      <p:cBhvr>
+                                        <p:cTn id="9" dur="1" fill="hold">
+                                          <p:stCondLst>
+                                            <p:cond delay="0"/>
+                                          </p:stCondLst>
+                                        </p:cTn>
+                                        <p:tgtEl>
+                                          <p:spTgt spid="6">
+                                            <p:txEl>
+                                              <p:pRg st="0" end="0"/>
+                                            </p:txEl>
+                                          </p:spTgt>
+                                        </p:tgtEl>
+                                        <p:attrNameLst>
+                                          <p:attrName>style.visibility</p:attrName>
+                                        </p:attrNameLst>
+                                      </p:cBhvr>
+                                      <p:to>
+                                        <p:strVal val="visible"/>
+                                      </p:to>
+                                    </p:set>
+                                    <p:animEffect transition="in" filter="wipe(left)">
+                                      <p:cBhvr>
+                                        <p:cTn id="10" dur="500"/>
+                                        <p:tgtEl>
+                                          <p:spTgt spid="6">
+                                            <p:txEl>
+                                              <p:pRg st="0" end="0"/>
+                                            </p:txEl>
+                                          </p:spTgt>
+                                        </p:tgtEl>
+                                      </p:cBhvr>
+                                    </p:animEffect>
+                                  </p:childTnLst>
+                                </p:cTn>
+                              </p:par>
+                              <p:par>
+                                <p:cTn id="11" presetID="22" presetClass="entr" presetSubtype="8" fill="hold" grpId="0" nodeType="withEffect">
+                                  <p:stCondLst>
+                                    <p:cond delay="0"/>
+                                  </p:stCondLst>
+                                  <p:childTnLst>
+                                    <p:set>
+                                      <p:cBhvr>
+                                        <p:cTn id="12" dur="1" fill="hold">
+                                          <p:stCondLst>
+                                            <p:cond delay="0"/>
+                                          </p:stCondLst>
+                                        </p:cTn>
+                                        <p:tgtEl>
+                                          <p:spTgt spid="6">
+                                            <p:txEl>
+                                              <p:pRg st="1" end="1"/>
+                                            </p:txEl>
+                                          </p:spTgt>
+                                        </p:tgtEl>
+                                        <p:attrNameLst>
+                                          <p:attrName>style.visibility</p:attrName>
+                                        </p:attrNameLst>
+                                      </p:cBhvr>
+                                      <p:to>
+                                        <p:strVal val="visible"/>
+                                      </p:to>
+                                    </p:set>
+                                    <p:animEffect transition="in" filter="wipe(left)">
+                                      <p:cBhvr>
+                                        <p:cTn id="13" dur="500"/>
+                                        <p:tgtEl>
+                                          <p:spTgt spid="6">
+                                            <p:txEl>
+                                              <p:pRg st="1" end="1"/>
+                                            </p:txEl>
+                                          </p:spTgt>
+                                        </p:tgtEl>
+                                      </p:cBhvr>
+                                    </p:animEffect>
+                                  </p:childTnLst>
+                                </p:cTn>
+                              </p:par>
+                              <p:par>
+                                <p:cTn id="14" presetID="22" presetClass="entr" presetSubtype="8" fill="hold" grpId="0" nodeType="withEffect">
+                                  <p:stCondLst>
+                                    <p:cond delay="0"/>
+                                  </p:stCondLst>
+                                  <p:childTnLst>
+                                    <p:set>
+                                      <p:cBhvr>
+                                        <p:cTn id="15" dur="1" fill="hold">
+                                          <p:stCondLst>
+                                            <p:cond delay="0"/>
+                                          </p:stCondLst>
+                                        </p:cTn>
+                                        <p:tgtEl>
+                                          <p:spTgt spid="6">
+                                            <p:txEl>
+                                              <p:pRg st="2" end="2"/>
+                                            </p:txEl>
+                                          </p:spTgt>
+                                        </p:tgtEl>
+                                        <p:attrNameLst>
+                                          <p:attrName>style.visibility</p:attrName>
+                                        </p:attrNameLst>
+                                      </p:cBhvr>
+                                      <p:to>
+                                        <p:strVal val="visible"/>
+                                      </p:to>
+                                    </p:set>
+                                    <p:animEffect transition="in" filter="wipe(left)">
+                                      <p:cBhvr>
+                                        <p:cTn id="16" dur="500"/>
+                                        <p:tgtEl>
+                                          <p:spTgt spid="6">
+                                            <p:txEl>
+                                              <p:pRg st="2" end="2"/>
+                                            </p:txEl>
+                                          </p:spTgt>
+                                        </p:tgtEl>
+                                      </p:cBhvr>
+                                    </p:animEffect>
+                                  </p:childTnLst>
+                                </p:cTn>
+                              </p:par>
+                              <p:par>
+                                <p:cTn id="17" presetID="22" presetClass="entr" presetSubtype="8" fill="hold" grpId="0" nodeType="withEffect">
+                                  <p:stCondLst>
+                                    <p:cond delay="0"/>
+                                  </p:stCondLst>
+                                  <p:childTnLst>
+                                    <p:set>
+                                      <p:cBhvr>
+                                        <p:cTn id="18" dur="1" fill="hold">
+                                          <p:stCondLst>
+                                            <p:cond delay="0"/>
+                                          </p:stCondLst>
+                                        </p:cTn>
+                                        <p:tgtEl>
+                                          <p:spTgt spid="6">
+                                            <p:txEl>
+                                              <p:pRg st="3" end="3"/>
+                                            </p:txEl>
+                                          </p:spTgt>
+                                        </p:tgtEl>
+                                        <p:attrNameLst>
+                                          <p:attrName>style.visibility</p:attrName>
+                                        </p:attrNameLst>
+                                      </p:cBhvr>
+                                      <p:to>
+                                        <p:strVal val="visible"/>
+                                      </p:to>
+                                    </p:set>
+                                    <p:animEffect transition="in" filter="wipe(left)">
+                                      <p:cBhvr>
+                                        <p:cTn id="19" dur="500"/>
+                                        <p:tgtEl>
+                                          <p:spTgt spid="6">
+                                            <p:txEl>
+                                              <p:pRg st="3" end="3"/>
+                                            </p:txEl>
+                                          </p:spTgt>
+                                        </p:tgtEl>
+                                      </p:cBhvr>
+                                    </p:animEffect>
+                                  </p:childTnLst>
+                                </p:cTn>
+                              </p:par>
+                            </p:childTnLst>
+                          </p:cTn>
+                        </p:par>
+                      </p:childTnLst>
+                    </p:cTn>
+                  </p:par>
+                  <p:par>
+                    <p:cTn id="20" fill="hold">
+                      <p:stCondLst>
+                        <p:cond delay="indefinite"/>
+                      </p:stCondLst>
+                      <p:childTnLst>
+                        <p:par>
+                          <p:cTn id="21" fill="hold">
+                            <p:stCondLst>
+                              <p:cond delay="0"/>
+                            </p:stCondLst>
+                            <p:childTnLst>
+                              <p:par>
+                                <p:cTn id="22" presetID="22" presetClass="entr" presetSubtype="8" fill="hold" grpId="0" nodeType="clickEffect">
+                                  <p:stCondLst>
+                                    <p:cond delay="0"/>
+                                  </p:stCondLst>
+                                  <p:childTnLst>
+                                    <p:set>
+                                      <p:cBhvr>
+                                        <p:cTn id="23" dur="1" fill="hold">
+                                          <p:stCondLst>
+                                            <p:cond delay="0"/>
+                                          </p:stCondLst>
+                                        </p:cTn>
+                                        <p:tgtEl>
+                                          <p:spTgt spid="6">
+                                            <p:txEl>
+                                              <p:pRg st="4" end="4"/>
+                                            </p:txEl>
+                                          </p:spTgt>
+                                        </p:tgtEl>
+                                        <p:attrNameLst>
+                                          <p:attrName>style.visibility</p:attrName>
+                                        </p:attrNameLst>
+                                      </p:cBhvr>
+                                      <p:to>
+                                        <p:strVal val="visible"/>
+                                      </p:to>
+                                    </p:set>
+                                    <p:animEffect transition="in" filter="wipe(left)">
+                                      <p:cBhvr>
+                                        <p:cTn id="24" dur="500"/>
+                                        <p:tgtEl>
+                                          <p:spTgt spid="6">
+                                            <p:txEl>
+                                              <p:pRg st="4" end="4"/>
+                                            </p:txEl>
+                                          </p:spTgt>
+                                        </p:tgtEl>
+                                      </p:cBhvr>
+                                    </p:animEffect>
+                                  </p:childTnLst>
+                                </p:cTn>
+                              </p:par>
+                            </p:childTnLst>
+                          </p:cTn>
+                        </p:par>
+                      </p:childTnLst>
+                    </p:cTn>
+                  </p:par>
+                  <p:par>
+                    <p:cTn id="25" fill="hold">
+                      <p:stCondLst>
+                        <p:cond delay="indefinite"/>
+                      </p:stCondLst>
+                      <p:childTnLst>
+                        <p:par>
+                          <p:cTn id="26" fill="hold">
+                            <p:stCondLst>
+                              <p:cond delay="0"/>
+                            </p:stCondLst>
+                            <p:childTnLst>
+                              <p:par>
+                                <p:cTn id="27" presetID="22" presetClass="entr" presetSubtype="8" fill="hold" grpId="0" nodeType="clickEffect">
+                                  <p:stCondLst>
+                                    <p:cond delay="0"/>
+                                  </p:stCondLst>
+                                  <p:childTnLst>
+                                    <p:set>
+                                      <p:cBhvr>
+                                        <p:cTn id="28" dur="1" fill="hold">
+                                          <p:stCondLst>
+                                            <p:cond delay="0"/>
+                                          </p:stCondLst>
+                                        </p:cTn>
+                                        <p:tgtEl>
+                                          <p:spTgt spid="6">
+                                            <p:txEl>
+                                              <p:pRg st="5" end="5"/>
+                                            </p:txEl>
+                                          </p:spTgt>
+                                        </p:tgtEl>
+                                        <p:attrNameLst>
+                                          <p:attrName>style.visibility</p:attrName>
+                                        </p:attrNameLst>
+                                      </p:cBhvr>
+                                      <p:to>
+                                        <p:strVal val="visible"/>
+                                      </p:to>
+                                    </p:set>
+                                    <p:animEffect transition="in" filter="wipe(left)">
+                                      <p:cBhvr>
+                                        <p:cTn id="29" dur="500"/>
+                                        <p:tgtEl>
+                                          <p:spTgt spid="6">
+                                            <p:txEl>
+                                              <p:pRg st="5" end="5"/>
+                                            </p:txEl>
+                                          </p:spTgt>
+                                        </p:tgtEl>
+                                      </p:cBhvr>
+                                    </p:animEffect>
+                                  </p:childTnLst>
+                                </p:cTn>
+                              </p:par>
+                            </p:childTnLst>
+                          </p:cTn>
+                        </p:par>
+                      </p:childTnLst>
+                    </p:cTn>
+                  </p:par>
+                  <p:par>
+                    <p:cTn id="30" fill="hold">
+                      <p:stCondLst>
+                        <p:cond delay="indefinite"/>
+                      </p:stCondLst>
+                      <p:childTnLst>
+                        <p:par>
+                          <p:cTn id="31" fill="hold">
+                            <p:stCondLst>
+                              <p:cond delay="0"/>
+                            </p:stCondLst>
+                            <p:childTnLst>
+                              <p:par>
+                                <p:cTn id="32" presetID="22" presetClass="entr" presetSubtype="8" fill="hold" grpId="0" nodeType="clickEffect">
+                                  <p:stCondLst>
+                                    <p:cond delay="0"/>
+                                  </p:stCondLst>
+                                  <p:childTnLst>
+                                    <p:set>
+                                      <p:cBhvr>
+                                        <p:cTn id="33" dur="1" fill="hold">
+                                          <p:stCondLst>
+                                            <p:cond delay="0"/>
+                                          </p:stCondLst>
+                                        </p:cTn>
+                                        <p:tgtEl>
+                                          <p:spTgt spid="6">
+                                            <p:txEl>
+                                              <p:pRg st="6" end="6"/>
+                                            </p:txEl>
+                                          </p:spTgt>
+                                        </p:tgtEl>
+                                        <p:attrNameLst>
+                                          <p:attrName>style.visibility</p:attrName>
+                                        </p:attrNameLst>
+                                      </p:cBhvr>
+                                      <p:to>
+                                        <p:strVal val="visible"/>
+                                      </p:to>
+                                    </p:set>
+                                    <p:animEffect transition="in" filter="wipe(left)">
+                                      <p:cBhvr>
+                                        <p:cTn id="34" dur="500"/>
+                                        <p:tgtEl>
+                                          <p:spTgt spid="6">
+                                            <p:txEl>
+                                              <p:pRg st="6" end="6"/>
+                                            </p:txEl>
+                                          </p:spTgt>
+                                        </p:tgtEl>
+                                      </p:cBhvr>
+                                    </p:animEffect>
+                                  </p:childTnLst>
+                                </p:cTn>
+                              </p:par>
+                            </p:childTnLst>
+                          </p:cTn>
+                        </p:par>
+                      </p:childTnLst>
+                    </p:cTn>
+                  </p:par>
+                  <p:par>
+                    <p:cTn id="35" fill="hold">
+                      <p:stCondLst>
+                        <p:cond delay="indefinite"/>
+                      </p:stCondLst>
+                      <p:childTnLst>
+                        <p:par>
+                          <p:cTn id="36" fill="hold">
+                            <p:stCondLst>
+                              <p:cond delay="0"/>
+                            </p:stCondLst>
+                            <p:childTnLst>
+                              <p:par>
+                                <p:cTn id="37" presetID="22" presetClass="entr" presetSubtype="8" fill="hold" grpId="0" nodeType="clickEffect">
+                                  <p:stCondLst>
+                                    <p:cond delay="0"/>
+                                  </p:stCondLst>
+                                  <p:childTnLst>
+                                    <p:set>
+                                      <p:cBhvr>
+                                        <p:cTn id="38" dur="1" fill="hold">
+                                          <p:stCondLst>
+                                            <p:cond delay="0"/>
+                                          </p:stCondLst>
+                                        </p:cTn>
+                                        <p:tgtEl>
+                                          <p:spTgt spid="6">
+                                            <p:txEl>
+                                              <p:pRg st="7" end="7"/>
+                                            </p:txEl>
+                                          </p:spTgt>
+                                        </p:tgtEl>
+                                        <p:attrNameLst>
+                                          <p:attrName>style.visibility</p:attrName>
+                                        </p:attrNameLst>
+                                      </p:cBhvr>
+                                      <p:to>
+                                        <p:strVal val="visible"/>
+                                      </p:to>
+                                    </p:set>
+                                    <p:animEffect transition="in" filter="wipe(left)">
+                                      <p:cBhvr>
+                                        <p:cTn id="39" dur="500"/>
+                                        <p:tgtEl>
+                                          <p:spTgt spid="6">
+                                            <p:txEl>
+                                              <p:pRg st="7" end="7"/>
+                                            </p:txEl>
+                                          </p:spTgt>
+                                        </p:tgtEl>
+                                      </p:cBhvr>
+                                    </p:animEffect>
+                                  </p:childTnLst>
+                                </p:cTn>
+                              </p:par>
+                            </p:childTnLst>
+                          </p:cTn>
+                        </p:par>
+                      </p:childTnLst>
+                    </p:cTn>
+                  </p:par>
+                  <p:par>
+                    <p:cTn id="40" fill="hold">
+                      <p:stCondLst>
+                        <p:cond delay="indefinite"/>
+                      </p:stCondLst>
+                      <p:childTnLst>
+                        <p:par>
+                          <p:cTn id="41" fill="hold">
+                            <p:stCondLst>
+                              <p:cond delay="0"/>
+                            </p:stCondLst>
+                            <p:childTnLst>
+                              <p:par>
+                                <p:cTn id="42" presetID="22" presetClass="entr" presetSubtype="8" fill="hold" grpId="0" nodeType="clickEffect">
+                                  <p:stCondLst>
+                                    <p:cond delay="0"/>
+                                  </p:stCondLst>
+                                  <p:childTnLst>
+                                    <p:set>
+                                      <p:cBhvr>
+                                        <p:cTn id="43" dur="1" fill="hold">
+                                          <p:stCondLst>
+                                            <p:cond delay="0"/>
+                                          </p:stCondLst>
+                                        </p:cTn>
+                                        <p:tgtEl>
+                                          <p:spTgt spid="6">
+                                            <p:txEl>
+                                              <p:pRg st="8" end="8"/>
+                                            </p:txEl>
+                                          </p:spTgt>
+                                        </p:tgtEl>
+                                        <p:attrNameLst>
+                                          <p:attrName>style.visibility</p:attrName>
+                                        </p:attrNameLst>
+                                      </p:cBhvr>
+                                      <p:to>
+                                        <p:strVal val="visible"/>
+                                      </p:to>
+                                    </p:set>
+                                    <p:animEffect transition="in" filter="wipe(left)">
+                                      <p:cBhvr>
+                                        <p:cTn id="44" dur="500"/>
+                                        <p:tgtEl>
+                                          <p:spTgt spid="6">
+                                            <p:txEl>
+                                              <p:pRg st="8" end="8"/>
+                                            </p:txEl>
+                                          </p:spTgt>
+                                        </p:tgtEl>
+                                      </p:cBhvr>
+                                    </p:animEffect>
+                                  </p:childTnLst>
+                                </p:cTn>
+                              </p:par>
+                            </p:childTnLst>
+                          </p:cTn>
+                        </p:par>
+                      </p:childTnLst>
+                    </p:cTn>
+                  </p:par>
+                  <p:par>
+                    <p:cTn id="45" fill="hold">
+                      <p:stCondLst>
+                        <p:cond delay="indefinite"/>
+                      </p:stCondLst>
+                      <p:childTnLst>
+                        <p:par>
+                          <p:cTn id="46" fill="hold">
+                            <p:stCondLst>
+                              <p:cond delay="0"/>
+                            </p:stCondLst>
+                            <p:childTnLst>
+                              <p:par>
+                                <p:cTn id="47" presetID="22" presetClass="entr" presetSubtype="8" fill="hold" grpId="0" nodeType="clickEffect">
+                                  <p:stCondLst>
+                                    <p:cond delay="0"/>
+                                  </p:stCondLst>
+                                  <p:childTnLst>
+                                    <p:set>
+                                      <p:cBhvr>
+                                        <p:cTn id="48" dur="1" fill="hold">
+                                          <p:stCondLst>
+                                            <p:cond delay="0"/>
+                                          </p:stCondLst>
+                                        </p:cTn>
+                                        <p:tgtEl>
+                                          <p:spTgt spid="6">
+                                            <p:txEl>
+                                              <p:pRg st="9" end="9"/>
+                                            </p:txEl>
+                                          </p:spTgt>
+                                        </p:tgtEl>
+                                        <p:attrNameLst>
+                                          <p:attrName>style.visibility</p:attrName>
+                                        </p:attrNameLst>
+                                      </p:cBhvr>
+                                      <p:to>
+                                        <p:strVal val="visible"/>
+                                      </p:to>
+                                    </p:set>
+                                    <p:animEffect transition="in" filter="wipe(left)">
+                                      <p:cBhvr>
+                                        <p:cTn id="49" dur="500"/>
+                                        <p:tgtEl>
+                                          <p:spTgt spid="6">
+                                            <p:txEl>
+                                              <p:pRg st="9" end="9"/>
+                                            </p:txEl>
+                                          </p:spTgt>
+                                        </p:tgtEl>
+                                      </p:cBhvr>
+                                    </p:animEffect>
                                   </p:childTnLst>
                                 </p:cTn>
                               </p:par>
